--- a/01 Classes/Aula 07 - Programação Microcontroladores - Periféricos Externos- Protocolos Sensores e Atuadores.pptx
+++ b/01 Classes/Aula 07 - Programação Microcontroladores - Periféricos Externos- Protocolos Sensores e Atuadores.pptx
@@ -4030,7 +4030,7 @@
                   <a:schemeClr val="bg1"/>
                 </a:solidFill>
               </a:rPr>
-              <a:t>Periféricos Externos</a:t>
+              <a:t>Periféricos Externos – Sensores e Atuadores</a:t>
             </a:r>
           </a:p>
         </p:txBody>

--- a/01 Classes/Aula 07 - Programação Microcontroladores - Periféricos Externos- Protocolos Sensores e Atuadores.pptx
+++ b/01 Classes/Aula 07 - Programação Microcontroladores - Periféricos Externos- Protocolos Sensores e Atuadores.pptx
@@ -10702,12 +10702,20 @@
               <a:t>	</a:t>
             </a:r>
             <a:r>
+              <a:rPr lang="pt-BR" sz="3600" b="1">
+                <a:solidFill>
+                  <a:schemeClr val="bg1"/>
+                </a:solidFill>
+              </a:rPr>
+              <a:t>Periféricos – </a:t>
+            </a:r>
+            <a:r>
               <a:rPr lang="pt-BR" sz="3600" b="1" dirty="0">
                 <a:solidFill>
                   <a:schemeClr val="bg1"/>
                 </a:solidFill>
               </a:rPr>
-              <a:t>Periféricos Externos – Sensores e Atuadores</a:t>
+              <a:t>Sensores e Atuadores</a:t>
             </a:r>
           </a:p>
         </p:txBody>

--- a/01 Classes/Aula 07 - Programação Microcontroladores - Periféricos Externos- Protocolos Sensores e Atuadores.pptx
+++ b/01 Classes/Aula 07 - Programação Microcontroladores - Periféricos Externos- Protocolos Sensores e Atuadores.pptx
@@ -2,55 +2,55 @@
 <file path=ppt/presentation.xml><?xml version="1.0" encoding="utf-8"?>
 <p:presentation xmlns:a="http://schemas.openxmlformats.org/drawingml/2006/main" xmlns:r="http://schemas.openxmlformats.org/officeDocument/2006/relationships" xmlns:p="http://schemas.openxmlformats.org/presentationml/2006/main">
   <p:sldMasterIdLst>
-    <p:sldMasterId id="2147483648" r:id="rId1"/>
+    <p:sldMasterId id="2147483648" r:id="rId4"/>
   </p:sldMasterIdLst>
   <p:notesMasterIdLst>
-    <p:notesMasterId r:id="rId45"/>
+    <p:notesMasterId r:id="rId48"/>
   </p:notesMasterIdLst>
   <p:sldIdLst>
-    <p:sldId id="256" r:id="rId2"/>
-    <p:sldId id="291" r:id="rId3"/>
-    <p:sldId id="340" r:id="rId4"/>
-    <p:sldId id="344" r:id="rId5"/>
-    <p:sldId id="350" r:id="rId6"/>
-    <p:sldId id="351" r:id="rId7"/>
-    <p:sldId id="352" r:id="rId8"/>
-    <p:sldId id="353" r:id="rId9"/>
-    <p:sldId id="354" r:id="rId10"/>
-    <p:sldId id="355" r:id="rId11"/>
-    <p:sldId id="356" r:id="rId12"/>
-    <p:sldId id="357" r:id="rId13"/>
-    <p:sldId id="358" r:id="rId14"/>
-    <p:sldId id="343" r:id="rId15"/>
-    <p:sldId id="362" r:id="rId16"/>
-    <p:sldId id="347" r:id="rId17"/>
-    <p:sldId id="348" r:id="rId18"/>
-    <p:sldId id="349" r:id="rId19"/>
-    <p:sldId id="363" r:id="rId20"/>
-    <p:sldId id="342" r:id="rId21"/>
-    <p:sldId id="365" r:id="rId22"/>
-    <p:sldId id="341" r:id="rId23"/>
-    <p:sldId id="366" r:id="rId24"/>
-    <p:sldId id="367" r:id="rId25"/>
-    <p:sldId id="368" r:id="rId26"/>
-    <p:sldId id="369" r:id="rId27"/>
-    <p:sldId id="372" r:id="rId28"/>
-    <p:sldId id="373" r:id="rId29"/>
-    <p:sldId id="370" r:id="rId30"/>
-    <p:sldId id="346" r:id="rId31"/>
-    <p:sldId id="359" r:id="rId32"/>
-    <p:sldId id="371" r:id="rId33"/>
-    <p:sldId id="360" r:id="rId34"/>
-    <p:sldId id="345" r:id="rId35"/>
-    <p:sldId id="361" r:id="rId36"/>
-    <p:sldId id="364" r:id="rId37"/>
-    <p:sldId id="333" r:id="rId38"/>
-    <p:sldId id="323" r:id="rId39"/>
-    <p:sldId id="334" r:id="rId40"/>
-    <p:sldId id="374" r:id="rId41"/>
-    <p:sldId id="375" r:id="rId42"/>
-    <p:sldId id="337" r:id="rId43"/>
-    <p:sldId id="309" r:id="rId44"/>
+    <p:sldId id="256" r:id="rId5"/>
+    <p:sldId id="291" r:id="rId6"/>
+    <p:sldId id="340" r:id="rId7"/>
+    <p:sldId id="344" r:id="rId8"/>
+    <p:sldId id="350" r:id="rId9"/>
+    <p:sldId id="351" r:id="rId10"/>
+    <p:sldId id="352" r:id="rId11"/>
+    <p:sldId id="353" r:id="rId12"/>
+    <p:sldId id="354" r:id="rId13"/>
+    <p:sldId id="355" r:id="rId14"/>
+    <p:sldId id="356" r:id="rId15"/>
+    <p:sldId id="357" r:id="rId16"/>
+    <p:sldId id="358" r:id="rId17"/>
+    <p:sldId id="343" r:id="rId18"/>
+    <p:sldId id="362" r:id="rId19"/>
+    <p:sldId id="347" r:id="rId20"/>
+    <p:sldId id="348" r:id="rId21"/>
+    <p:sldId id="349" r:id="rId22"/>
+    <p:sldId id="363" r:id="rId23"/>
+    <p:sldId id="342" r:id="rId24"/>
+    <p:sldId id="365" r:id="rId25"/>
+    <p:sldId id="341" r:id="rId26"/>
+    <p:sldId id="366" r:id="rId27"/>
+    <p:sldId id="367" r:id="rId28"/>
+    <p:sldId id="368" r:id="rId29"/>
+    <p:sldId id="369" r:id="rId30"/>
+    <p:sldId id="372" r:id="rId31"/>
+    <p:sldId id="373" r:id="rId32"/>
+    <p:sldId id="370" r:id="rId33"/>
+    <p:sldId id="346" r:id="rId34"/>
+    <p:sldId id="359" r:id="rId35"/>
+    <p:sldId id="371" r:id="rId36"/>
+    <p:sldId id="360" r:id="rId37"/>
+    <p:sldId id="345" r:id="rId38"/>
+    <p:sldId id="361" r:id="rId39"/>
+    <p:sldId id="364" r:id="rId40"/>
+    <p:sldId id="333" r:id="rId41"/>
+    <p:sldId id="323" r:id="rId42"/>
+    <p:sldId id="334" r:id="rId43"/>
+    <p:sldId id="374" r:id="rId44"/>
+    <p:sldId id="375" r:id="rId45"/>
+    <p:sldId id="337" r:id="rId46"/>
+    <p:sldId id="309" r:id="rId47"/>
   </p:sldIdLst>
   <p:sldSz cx="9144000" cy="5143500" type="screen16x9"/>
   <p:notesSz cx="6858000" cy="9144000"/>
@@ -10702,20 +10702,12 @@
               <a:t>	</a:t>
             </a:r>
             <a:r>
-              <a:rPr lang="pt-BR" sz="3600" b="1">
+              <a:rPr lang="pt-BR" sz="3600" b="1" dirty="0">
                 <a:solidFill>
                   <a:schemeClr val="bg1"/>
                 </a:solidFill>
               </a:rPr>
-              <a:t>Periféricos – </a:t>
-            </a:r>
-            <a:r>
-              <a:rPr lang="pt-BR" sz="3600" b="1" dirty="0">
-                <a:solidFill>
-                  <a:schemeClr val="bg1"/>
-                </a:solidFill>
-              </a:rPr>
-              <a:t>Sensores e Atuadores</a:t>
+              <a:t>Periféricos Externos – Sensores e Atuadores</a:t>
             </a:r>
           </a:p>
         </p:txBody>
@@ -19107,20 +19099,19 @@
             <a:pPr marL="0" indent="0" algn="just">
               <a:buNone/>
             </a:pPr>
-            <a:endParaRPr lang="pt-BR" sz="1800" dirty="0">
-              <a:latin typeface="Calibri" panose="020F0502020204030204" pitchFamily="34" charset="0"/>
-            </a:endParaRPr>
-          </a:p>
-          <a:p>
-            <a:pPr marL="0" indent="0" algn="just">
-              <a:buNone/>
-            </a:pPr>
+            <a:r>
+              <a:rPr lang="pt-BR" sz="1800">
+                <a:latin typeface="Times New Roman" panose="02020603050405020304" pitchFamily="18" charset="0"/>
+                <a:cs typeface="Times New Roman" panose="02020603050405020304" pitchFamily="18" charset="0"/>
+              </a:rPr>
+              <a:t>[</a:t>
+            </a:r>
             <a:r>
               <a:rPr lang="pt-BR" sz="1800" dirty="0">
                 <a:latin typeface="Times New Roman" panose="02020603050405020304" pitchFamily="18" charset="0"/>
                 <a:cs typeface="Times New Roman" panose="02020603050405020304" pitchFamily="18" charset="0"/>
               </a:rPr>
-              <a:t>[3] </a:t>
+              <a:t>3] </a:t>
             </a:r>
             <a:r>
               <a:rPr lang="pt-BR" sz="1800" b="1" dirty="0">
@@ -23713,4 +23704,239 @@
     </a:ext>
   </a:extLst>
 </a:theme>
+</file>
+
+<file path=customXml/item1.xml><?xml version="1.0" encoding="utf-8"?>
+<p:properties xmlns:p="http://schemas.microsoft.com/office/2006/metadata/properties" xmlns:xsi="http://www.w3.org/2001/XMLSchema-instance" xmlns:pc="http://schemas.microsoft.com/office/infopath/2007/PartnerControls">
+  <documentManagement>
+    <lcf76f155ced4ddcb4097134ff3c332f xmlns="98e1e31b-e8bc-4a9d-b016-a7aee7f17869">
+      <Terms xmlns="http://schemas.microsoft.com/office/infopath/2007/PartnerControls"/>
+    </lcf76f155ced4ddcb4097134ff3c332f>
+    <TaxCatchAll xmlns="f8145f89-92d2-4d37-8709-42472031a4ea" xsi:nil="true"/>
+  </documentManagement>
+</p:properties>
+</file>
+
+<file path=customXml/item2.xml><?xml version="1.0" encoding="utf-8"?>
+<?mso-contentType ?>
+<FormTemplates xmlns="http://schemas.microsoft.com/sharepoint/v3/contenttype/forms">
+  <Display>DocumentLibraryForm</Display>
+  <Edit>DocumentLibraryForm</Edit>
+  <New>DocumentLibraryForm</New>
+</FormTemplates>
+</file>
+
+<file path=customXml/item3.xml><?xml version="1.0" encoding="utf-8"?>
+<ct:contentTypeSchema xmlns:ct="http://schemas.microsoft.com/office/2006/metadata/contentType" xmlns:ma="http://schemas.microsoft.com/office/2006/metadata/properties/metaAttributes" ct:_="" ma:_="" ma:contentTypeName="Documento" ma:contentTypeID="0x010100A46819EDA44A43419A206A64A233AFA3" ma:contentTypeVersion="8" ma:contentTypeDescription="Crie um novo documento." ma:contentTypeScope="" ma:versionID="f7c45d3b59371912a69d3a72ba41e684">
+  <xsd:schema xmlns:xsd="http://www.w3.org/2001/XMLSchema" xmlns:xs="http://www.w3.org/2001/XMLSchema" xmlns:p="http://schemas.microsoft.com/office/2006/metadata/properties" xmlns:ns2="98e1e31b-e8bc-4a9d-b016-a7aee7f17869" xmlns:ns3="f8145f89-92d2-4d37-8709-42472031a4ea" targetNamespace="http://schemas.microsoft.com/office/2006/metadata/properties" ma:root="true" ma:fieldsID="3b09216253706be607b6d048608cd832" ns2:_="" ns3:_="">
+    <xsd:import namespace="98e1e31b-e8bc-4a9d-b016-a7aee7f17869"/>
+    <xsd:import namespace="f8145f89-92d2-4d37-8709-42472031a4ea"/>
+    <xsd:element name="properties">
+      <xsd:complexType>
+        <xsd:sequence>
+          <xsd:element name="documentManagement">
+            <xsd:complexType>
+              <xsd:all>
+                <xsd:element ref="ns2:MediaServiceMetadata" minOccurs="0"/>
+                <xsd:element ref="ns2:MediaServiceFastMetadata" minOccurs="0"/>
+                <xsd:element ref="ns2:lcf76f155ced4ddcb4097134ff3c332f" minOccurs="0"/>
+                <xsd:element ref="ns3:TaxCatchAll" minOccurs="0"/>
+                <xsd:element ref="ns2:MediaServiceOCR" minOccurs="0"/>
+                <xsd:element ref="ns2:MediaServiceGenerationTime" minOccurs="0"/>
+                <xsd:element ref="ns2:MediaServiceEventHashCode" minOccurs="0"/>
+              </xsd:all>
+            </xsd:complexType>
+          </xsd:element>
+        </xsd:sequence>
+      </xsd:complexType>
+    </xsd:element>
+  </xsd:schema>
+  <xsd:schema xmlns:xsd="http://www.w3.org/2001/XMLSchema" xmlns:xs="http://www.w3.org/2001/XMLSchema" xmlns:dms="http://schemas.microsoft.com/office/2006/documentManagement/types" xmlns:pc="http://schemas.microsoft.com/office/infopath/2007/PartnerControls" targetNamespace="98e1e31b-e8bc-4a9d-b016-a7aee7f17869" elementFormDefault="qualified">
+    <xsd:import namespace="http://schemas.microsoft.com/office/2006/documentManagement/types"/>
+    <xsd:import namespace="http://schemas.microsoft.com/office/infopath/2007/PartnerControls"/>
+    <xsd:element name="MediaServiceMetadata" ma:index="8" nillable="true" ma:displayName="MediaServiceMetadata" ma:hidden="true" ma:internalName="MediaServiceMetadata" ma:readOnly="true">
+      <xsd:simpleType>
+        <xsd:restriction base="dms:Note"/>
+      </xsd:simpleType>
+    </xsd:element>
+    <xsd:element name="MediaServiceFastMetadata" ma:index="9" nillable="true" ma:displayName="MediaServiceFastMetadata" ma:hidden="true" ma:internalName="MediaServiceFastMetadata" ma:readOnly="true">
+      <xsd:simpleType>
+        <xsd:restriction base="dms:Note"/>
+      </xsd:simpleType>
+    </xsd:element>
+    <xsd:element name="lcf76f155ced4ddcb4097134ff3c332f" ma:index="11" nillable="true" ma:taxonomy="true" ma:internalName="lcf76f155ced4ddcb4097134ff3c332f" ma:taxonomyFieldName="MediaServiceImageTags" ma:displayName="Marcações de imagem" ma:readOnly="false" ma:fieldId="{5cf76f15-5ced-4ddc-b409-7134ff3c332f}" ma:taxonomyMulti="true" ma:sspId="97775bfb-6ca5-4830-96af-bb76916be114" ma:termSetId="09814cd3-568e-fe90-9814-8d621ff8fb84" ma:anchorId="fba54fb3-c3e1-fe81-a776-ca4b69148c4d" ma:open="true" ma:isKeyword="false">
+      <xsd:complexType>
+        <xsd:sequence>
+          <xsd:element ref="pc:Terms" minOccurs="0" maxOccurs="1"/>
+        </xsd:sequence>
+      </xsd:complexType>
+    </xsd:element>
+    <xsd:element name="MediaServiceOCR" ma:index="13" nillable="true" ma:displayName="Extracted Text" ma:internalName="MediaServiceOCR" ma:readOnly="true">
+      <xsd:simpleType>
+        <xsd:restriction base="dms:Note">
+          <xsd:maxLength value="255"/>
+        </xsd:restriction>
+      </xsd:simpleType>
+    </xsd:element>
+    <xsd:element name="MediaServiceGenerationTime" ma:index="14" nillable="true" ma:displayName="MediaServiceGenerationTime" ma:hidden="true" ma:internalName="MediaServiceGenerationTime" ma:readOnly="true">
+      <xsd:simpleType>
+        <xsd:restriction base="dms:Text"/>
+      </xsd:simpleType>
+    </xsd:element>
+    <xsd:element name="MediaServiceEventHashCode" ma:index="15" nillable="true" ma:displayName="MediaServiceEventHashCode" ma:hidden="true" ma:internalName="MediaServiceEventHashCode" ma:readOnly="true">
+      <xsd:simpleType>
+        <xsd:restriction base="dms:Text"/>
+      </xsd:simpleType>
+    </xsd:element>
+  </xsd:schema>
+  <xsd:schema xmlns:xsd="http://www.w3.org/2001/XMLSchema" xmlns:xs="http://www.w3.org/2001/XMLSchema" xmlns:dms="http://schemas.microsoft.com/office/2006/documentManagement/types" xmlns:pc="http://schemas.microsoft.com/office/infopath/2007/PartnerControls" targetNamespace="f8145f89-92d2-4d37-8709-42472031a4ea" elementFormDefault="qualified">
+    <xsd:import namespace="http://schemas.microsoft.com/office/2006/documentManagement/types"/>
+    <xsd:import namespace="http://schemas.microsoft.com/office/infopath/2007/PartnerControls"/>
+    <xsd:element name="TaxCatchAll" ma:index="12" nillable="true" ma:displayName="Taxonomy Catch All Column" ma:hidden="true" ma:list="{6f8f585a-9363-4b78-b8d1-9e374055f1d0}" ma:internalName="TaxCatchAll" ma:showField="CatchAllData" ma:web="f8145f89-92d2-4d37-8709-42472031a4ea">
+      <xsd:complexType>
+        <xsd:complexContent>
+          <xsd:extension base="dms:MultiChoiceLookup">
+            <xsd:sequence>
+              <xsd:element name="Value" type="dms:Lookup" maxOccurs="unbounded" minOccurs="0" nillable="true"/>
+            </xsd:sequence>
+          </xsd:extension>
+        </xsd:complexContent>
+      </xsd:complexType>
+    </xsd:element>
+  </xsd:schema>
+  <xsd:schema xmlns="http://schemas.openxmlformats.org/package/2006/metadata/core-properties" xmlns:xsd="http://www.w3.org/2001/XMLSchema" xmlns:xsi="http://www.w3.org/2001/XMLSchema-instance" xmlns:dc="http://purl.org/dc/elements/1.1/" xmlns:dcterms="http://purl.org/dc/terms/" xmlns:odoc="http://schemas.microsoft.com/internal/obd" targetNamespace="http://schemas.openxmlformats.org/package/2006/metadata/core-properties" elementFormDefault="qualified" attributeFormDefault="unqualified" blockDefault="#all">
+    <xsd:import namespace="http://purl.org/dc/elements/1.1/" schemaLocation="http://dublincore.org/schemas/xmls/qdc/2003/04/02/dc.xsd"/>
+    <xsd:import namespace="http://purl.org/dc/terms/" schemaLocation="http://dublincore.org/schemas/xmls/qdc/2003/04/02/dcterms.xsd"/>
+    <xsd:element name="coreProperties" type="CT_coreProperties"/>
+    <xsd:complexType name="CT_coreProperties">
+      <xsd:all>
+        <xsd:element ref="dc:creator" minOccurs="0" maxOccurs="1"/>
+        <xsd:element ref="dcterms:created" minOccurs="0" maxOccurs="1"/>
+        <xsd:element ref="dc:identifier" minOccurs="0" maxOccurs="1"/>
+        <xsd:element name="contentType" minOccurs="0" maxOccurs="1" type="xsd:string" ma:index="0" ma:displayName="Tipo de Conteúdo"/>
+        <xsd:element ref="dc:title" minOccurs="0" maxOccurs="1" ma:index="4" ma:displayName="Título"/>
+        <xsd:element ref="dc:subject" minOccurs="0" maxOccurs="1"/>
+        <xsd:element ref="dc:description" minOccurs="0" maxOccurs="1"/>
+        <xsd:element name="keywords" minOccurs="0" maxOccurs="1" type="xsd:string"/>
+        <xsd:element ref="dc:language" minOccurs="0" maxOccurs="1"/>
+        <xsd:element name="category" minOccurs="0" maxOccurs="1" type="xsd:string"/>
+        <xsd:element name="version" minOccurs="0" maxOccurs="1" type="xsd:string"/>
+        <xsd:element name="revision" minOccurs="0" maxOccurs="1" type="xsd:string">
+          <xsd:annotation>
+            <xsd:documentation>
+                        This value indicates the number of saves or revisions. The application is responsible for updating this value after each revision.
+                    </xsd:documentation>
+          </xsd:annotation>
+        </xsd:element>
+        <xsd:element name="lastModifiedBy" minOccurs="0" maxOccurs="1" type="xsd:string"/>
+        <xsd:element ref="dcterms:modified" minOccurs="0" maxOccurs="1"/>
+        <xsd:element name="contentStatus" minOccurs="0" maxOccurs="1" type="xsd:string"/>
+      </xsd:all>
+    </xsd:complexType>
+  </xsd:schema>
+  <xs:schema xmlns:pc="http://schemas.microsoft.com/office/infopath/2007/PartnerControls" xmlns:xs="http://www.w3.org/2001/XMLSchema" targetNamespace="http://schemas.microsoft.com/office/infopath/2007/PartnerControls" elementFormDefault="qualified" attributeFormDefault="unqualified">
+    <xs:element name="Person">
+      <xs:complexType>
+        <xs:sequence>
+          <xs:element ref="pc:DisplayName" minOccurs="0"/>
+          <xs:element ref="pc:AccountId" minOccurs="0"/>
+          <xs:element ref="pc:AccountType" minOccurs="0"/>
+        </xs:sequence>
+      </xs:complexType>
+    </xs:element>
+    <xs:element name="DisplayName" type="xs:string"/>
+    <xs:element name="AccountId" type="xs:string"/>
+    <xs:element name="AccountType" type="xs:string"/>
+    <xs:element name="BDCAssociatedEntity">
+      <xs:complexType>
+        <xs:sequence>
+          <xs:element ref="pc:BDCEntity" minOccurs="0" maxOccurs="unbounded"/>
+        </xs:sequence>
+        <xs:attribute ref="pc:EntityNamespace"/>
+        <xs:attribute ref="pc:EntityName"/>
+        <xs:attribute ref="pc:SystemInstanceName"/>
+        <xs:attribute ref="pc:AssociationName"/>
+      </xs:complexType>
+    </xs:element>
+    <xs:attribute name="EntityNamespace" type="xs:string"/>
+    <xs:attribute name="EntityName" type="xs:string"/>
+    <xs:attribute name="SystemInstanceName" type="xs:string"/>
+    <xs:attribute name="AssociationName" type="xs:string"/>
+    <xs:element name="BDCEntity">
+      <xs:complexType>
+        <xs:sequence>
+          <xs:element ref="pc:EntityDisplayName" minOccurs="0"/>
+          <xs:element ref="pc:EntityInstanceReference" minOccurs="0"/>
+          <xs:element ref="pc:EntityId1" minOccurs="0"/>
+          <xs:element ref="pc:EntityId2" minOccurs="0"/>
+          <xs:element ref="pc:EntityId3" minOccurs="0"/>
+          <xs:element ref="pc:EntityId4" minOccurs="0"/>
+          <xs:element ref="pc:EntityId5" minOccurs="0"/>
+        </xs:sequence>
+      </xs:complexType>
+    </xs:element>
+    <xs:element name="EntityDisplayName" type="xs:string"/>
+    <xs:element name="EntityInstanceReference" type="xs:string"/>
+    <xs:element name="EntityId1" type="xs:string"/>
+    <xs:element name="EntityId2" type="xs:string"/>
+    <xs:element name="EntityId3" type="xs:string"/>
+    <xs:element name="EntityId4" type="xs:string"/>
+    <xs:element name="EntityId5" type="xs:string"/>
+    <xs:element name="Terms">
+      <xs:complexType>
+        <xs:sequence>
+          <xs:element ref="pc:TermInfo" minOccurs="0" maxOccurs="unbounded"/>
+        </xs:sequence>
+      </xs:complexType>
+    </xs:element>
+    <xs:element name="TermInfo">
+      <xs:complexType>
+        <xs:sequence>
+          <xs:element ref="pc:TermName" minOccurs="0"/>
+          <xs:element ref="pc:TermId" minOccurs="0"/>
+        </xs:sequence>
+      </xs:complexType>
+    </xs:element>
+    <xs:element name="TermName" type="xs:string"/>
+    <xs:element name="TermId" type="xs:string"/>
+  </xs:schema>
+</ct:contentTypeSchema>
+</file>
+
+<file path=customXml/itemProps1.xml><?xml version="1.0" encoding="utf-8"?>
+<ds:datastoreItem xmlns:ds="http://schemas.openxmlformats.org/officeDocument/2006/customXml" ds:itemID="{EE685939-BA00-463B-B483-6768DB1E360A}">
+  <ds:schemaRefs>
+    <ds:schemaRef ds:uri="http://schemas.microsoft.com/office/2006/metadata/properties"/>
+    <ds:schemaRef ds:uri="http://schemas.microsoft.com/office/infopath/2007/PartnerControls"/>
+    <ds:schemaRef ds:uri="98e1e31b-e8bc-4a9d-b016-a7aee7f17869"/>
+    <ds:schemaRef ds:uri="f8145f89-92d2-4d37-8709-42472031a4ea"/>
+  </ds:schemaRefs>
+</ds:datastoreItem>
+</file>
+
+<file path=customXml/itemProps2.xml><?xml version="1.0" encoding="utf-8"?>
+<ds:datastoreItem xmlns:ds="http://schemas.openxmlformats.org/officeDocument/2006/customXml" ds:itemID="{5F0CEC26-894B-4934-8E23-82943FCD068E}">
+  <ds:schemaRefs>
+    <ds:schemaRef ds:uri="http://schemas.microsoft.com/sharepoint/v3/contenttype/forms"/>
+  </ds:schemaRefs>
+</ds:datastoreItem>
+</file>
+
+<file path=customXml/itemProps3.xml><?xml version="1.0" encoding="utf-8"?>
+<ds:datastoreItem xmlns:ds="http://schemas.openxmlformats.org/officeDocument/2006/customXml" ds:itemID="{E4C5C26F-B92B-49ED-9DB4-C5422A960E48}">
+  <ds:schemaRefs>
+    <ds:schemaRef ds:uri="http://schemas.microsoft.com/office/2006/metadata/contentType"/>
+    <ds:schemaRef ds:uri="http://schemas.microsoft.com/office/2006/metadata/properties/metaAttributes"/>
+    <ds:schemaRef ds:uri="http://www.w3.org/2001/XMLSchema"/>
+    <ds:schemaRef ds:uri="http://schemas.microsoft.com/office/2006/metadata/properties"/>
+    <ds:schemaRef ds:uri="98e1e31b-e8bc-4a9d-b016-a7aee7f17869"/>
+    <ds:schemaRef ds:uri="f8145f89-92d2-4d37-8709-42472031a4ea"/>
+    <ds:schemaRef ds:uri="http://schemas.microsoft.com/office/2006/documentManagement/types"/>
+    <ds:schemaRef ds:uri="http://schemas.microsoft.com/office/infopath/2007/PartnerControls"/>
+    <ds:schemaRef ds:uri="http://schemas.openxmlformats.org/package/2006/metadata/core-properties"/>
+    <ds:schemaRef ds:uri="http://purl.org/dc/elements/1.1/"/>
+    <ds:schemaRef ds:uri="http://purl.org/dc/terms/"/>
+    <ds:schemaRef ds:uri="http://schemas.microsoft.com/internal/obd"/>
+  </ds:schemaRefs>
+</ds:datastoreItem>
 </file>
--- a/01 Classes/Aula 07 - Programação Microcontroladores - Periféricos Externos- Protocolos Sensores e Atuadores.pptx
+++ b/01 Classes/Aula 07 - Programação Microcontroladores - Periféricos Externos- Protocolos Sensores e Atuadores.pptx
@@ -5,7 +5,7 @@
     <p:sldMasterId id="2147483648" r:id="rId4"/>
   </p:sldMasterIdLst>
   <p:notesMasterIdLst>
-    <p:notesMasterId r:id="rId48"/>
+    <p:notesMasterId r:id="rId49"/>
   </p:notesMasterIdLst>
   <p:sldIdLst>
     <p:sldId id="256" r:id="rId5"/>
@@ -13,7 +13,7 @@
     <p:sldId id="340" r:id="rId7"/>
     <p:sldId id="344" r:id="rId8"/>
     <p:sldId id="350" r:id="rId9"/>
-    <p:sldId id="351" r:id="rId10"/>
+    <p:sldId id="376" r:id="rId10"/>
     <p:sldId id="352" r:id="rId11"/>
     <p:sldId id="353" r:id="rId12"/>
     <p:sldId id="354" r:id="rId13"/>
@@ -27,30 +27,31 @@
     <p:sldId id="348" r:id="rId21"/>
     <p:sldId id="349" r:id="rId22"/>
     <p:sldId id="363" r:id="rId23"/>
-    <p:sldId id="342" r:id="rId24"/>
-    <p:sldId id="365" r:id="rId25"/>
-    <p:sldId id="341" r:id="rId26"/>
-    <p:sldId id="366" r:id="rId27"/>
-    <p:sldId id="367" r:id="rId28"/>
-    <p:sldId id="368" r:id="rId29"/>
-    <p:sldId id="369" r:id="rId30"/>
-    <p:sldId id="372" r:id="rId31"/>
-    <p:sldId id="373" r:id="rId32"/>
-    <p:sldId id="370" r:id="rId33"/>
-    <p:sldId id="346" r:id="rId34"/>
-    <p:sldId id="359" r:id="rId35"/>
-    <p:sldId id="371" r:id="rId36"/>
-    <p:sldId id="360" r:id="rId37"/>
-    <p:sldId id="345" r:id="rId38"/>
-    <p:sldId id="361" r:id="rId39"/>
-    <p:sldId id="364" r:id="rId40"/>
-    <p:sldId id="333" r:id="rId41"/>
-    <p:sldId id="323" r:id="rId42"/>
-    <p:sldId id="334" r:id="rId43"/>
-    <p:sldId id="374" r:id="rId44"/>
-    <p:sldId id="375" r:id="rId45"/>
-    <p:sldId id="337" r:id="rId46"/>
-    <p:sldId id="309" r:id="rId47"/>
+    <p:sldId id="351" r:id="rId24"/>
+    <p:sldId id="342" r:id="rId25"/>
+    <p:sldId id="365" r:id="rId26"/>
+    <p:sldId id="341" r:id="rId27"/>
+    <p:sldId id="366" r:id="rId28"/>
+    <p:sldId id="367" r:id="rId29"/>
+    <p:sldId id="368" r:id="rId30"/>
+    <p:sldId id="369" r:id="rId31"/>
+    <p:sldId id="372" r:id="rId32"/>
+    <p:sldId id="373" r:id="rId33"/>
+    <p:sldId id="370" r:id="rId34"/>
+    <p:sldId id="346" r:id="rId35"/>
+    <p:sldId id="359" r:id="rId36"/>
+    <p:sldId id="371" r:id="rId37"/>
+    <p:sldId id="360" r:id="rId38"/>
+    <p:sldId id="345" r:id="rId39"/>
+    <p:sldId id="361" r:id="rId40"/>
+    <p:sldId id="364" r:id="rId41"/>
+    <p:sldId id="333" r:id="rId42"/>
+    <p:sldId id="323" r:id="rId43"/>
+    <p:sldId id="334" r:id="rId44"/>
+    <p:sldId id="374" r:id="rId45"/>
+    <p:sldId id="375" r:id="rId46"/>
+    <p:sldId id="337" r:id="rId47"/>
+    <p:sldId id="309" r:id="rId48"/>
   </p:sldIdLst>
   <p:sldSz cx="9144000" cy="5143500" type="screen16x9"/>
   <p:notesSz cx="6858000" cy="9144000"/>
@@ -1247,7 +1248,7 @@
     </p:spTree>
     <p:extLst>
       <p:ext uri="{BB962C8B-B14F-4D97-AF65-F5344CB8AC3E}">
-        <p14:creationId xmlns:p14="http://schemas.microsoft.com/office/powerpoint/2010/main" val="805052575"/>
+        <p14:creationId xmlns:p14="http://schemas.microsoft.com/office/powerpoint/2010/main" val="2980890561"/>
       </p:ext>
     </p:extLst>
   </p:cSld>
@@ -1379,7 +1380,7 @@
     </p:spTree>
     <p:extLst>
       <p:ext uri="{BB962C8B-B14F-4D97-AF65-F5344CB8AC3E}">
-        <p14:creationId xmlns:p14="http://schemas.microsoft.com/office/powerpoint/2010/main" val="2418187283"/>
+        <p14:creationId xmlns:p14="http://schemas.microsoft.com/office/powerpoint/2010/main" val="805052575"/>
       </p:ext>
     </p:extLst>
   </p:cSld>
@@ -1445,7 +1446,7 @@
     </p:spTree>
     <p:extLst>
       <p:ext uri="{BB962C8B-B14F-4D97-AF65-F5344CB8AC3E}">
-        <p14:creationId xmlns:p14="http://schemas.microsoft.com/office/powerpoint/2010/main" val="1004075104"/>
+        <p14:creationId xmlns:p14="http://schemas.microsoft.com/office/powerpoint/2010/main" val="2418187283"/>
       </p:ext>
     </p:extLst>
   </p:cSld>
@@ -1511,7 +1512,7 @@
     </p:spTree>
     <p:extLst>
       <p:ext uri="{BB962C8B-B14F-4D97-AF65-F5344CB8AC3E}">
-        <p14:creationId xmlns:p14="http://schemas.microsoft.com/office/powerpoint/2010/main" val="1939371711"/>
+        <p14:creationId xmlns:p14="http://schemas.microsoft.com/office/powerpoint/2010/main" val="1004075104"/>
       </p:ext>
     </p:extLst>
   </p:cSld>
@@ -1577,7 +1578,7 @@
     </p:spTree>
     <p:extLst>
       <p:ext uri="{BB962C8B-B14F-4D97-AF65-F5344CB8AC3E}">
-        <p14:creationId xmlns:p14="http://schemas.microsoft.com/office/powerpoint/2010/main" val="3834593255"/>
+        <p14:creationId xmlns:p14="http://schemas.microsoft.com/office/powerpoint/2010/main" val="1939371711"/>
       </p:ext>
     </p:extLst>
   </p:cSld>
@@ -1643,7 +1644,7 @@
     </p:spTree>
     <p:extLst>
       <p:ext uri="{BB962C8B-B14F-4D97-AF65-F5344CB8AC3E}">
-        <p14:creationId xmlns:p14="http://schemas.microsoft.com/office/powerpoint/2010/main" val="360254351"/>
+        <p14:creationId xmlns:p14="http://schemas.microsoft.com/office/powerpoint/2010/main" val="3834593255"/>
       </p:ext>
     </p:extLst>
   </p:cSld>
@@ -1709,7 +1710,7 @@
     </p:spTree>
     <p:extLst>
       <p:ext uri="{BB962C8B-B14F-4D97-AF65-F5344CB8AC3E}">
-        <p14:creationId xmlns:p14="http://schemas.microsoft.com/office/powerpoint/2010/main" val="1083839827"/>
+        <p14:creationId xmlns:p14="http://schemas.microsoft.com/office/powerpoint/2010/main" val="360254351"/>
       </p:ext>
     </p:extLst>
   </p:cSld>
@@ -1775,7 +1776,7 @@
     </p:spTree>
     <p:extLst>
       <p:ext uri="{BB962C8B-B14F-4D97-AF65-F5344CB8AC3E}">
-        <p14:creationId xmlns:p14="http://schemas.microsoft.com/office/powerpoint/2010/main" val="364071149"/>
+        <p14:creationId xmlns:p14="http://schemas.microsoft.com/office/powerpoint/2010/main" val="1083839827"/>
       </p:ext>
     </p:extLst>
   </p:cSld>
@@ -1841,7 +1842,7 @@
     </p:spTree>
     <p:extLst>
       <p:ext uri="{BB962C8B-B14F-4D97-AF65-F5344CB8AC3E}">
-        <p14:creationId xmlns:p14="http://schemas.microsoft.com/office/powerpoint/2010/main" val="1376314826"/>
+        <p14:creationId xmlns:p14="http://schemas.microsoft.com/office/powerpoint/2010/main" val="364071149"/>
       </p:ext>
     </p:extLst>
   </p:cSld>
@@ -1907,7 +1908,7 @@
     </p:spTree>
     <p:extLst>
       <p:ext uri="{BB962C8B-B14F-4D97-AF65-F5344CB8AC3E}">
-        <p14:creationId xmlns:p14="http://schemas.microsoft.com/office/powerpoint/2010/main" val="2664480062"/>
+        <p14:creationId xmlns:p14="http://schemas.microsoft.com/office/powerpoint/2010/main" val="1376314826"/>
       </p:ext>
     </p:extLst>
   </p:cSld>
@@ -1973,7 +1974,7 @@
     </p:spTree>
     <p:extLst>
       <p:ext uri="{BB962C8B-B14F-4D97-AF65-F5344CB8AC3E}">
-        <p14:creationId xmlns:p14="http://schemas.microsoft.com/office/powerpoint/2010/main" val="238896814"/>
+        <p14:creationId xmlns:p14="http://schemas.microsoft.com/office/powerpoint/2010/main" val="2664480062"/>
       </p:ext>
     </p:extLst>
   </p:cSld>
@@ -2105,7 +2106,7 @@
     </p:spTree>
     <p:extLst>
       <p:ext uri="{BB962C8B-B14F-4D97-AF65-F5344CB8AC3E}">
-        <p14:creationId xmlns:p14="http://schemas.microsoft.com/office/powerpoint/2010/main" val="172035043"/>
+        <p14:creationId xmlns:p14="http://schemas.microsoft.com/office/powerpoint/2010/main" val="238896814"/>
       </p:ext>
     </p:extLst>
   </p:cSld>
@@ -2171,7 +2172,7 @@
     </p:spTree>
     <p:extLst>
       <p:ext uri="{BB962C8B-B14F-4D97-AF65-F5344CB8AC3E}">
-        <p14:creationId xmlns:p14="http://schemas.microsoft.com/office/powerpoint/2010/main" val="1738423339"/>
+        <p14:creationId xmlns:p14="http://schemas.microsoft.com/office/powerpoint/2010/main" val="172035043"/>
       </p:ext>
     </p:extLst>
   </p:cSld>
@@ -2237,7 +2238,7 @@
     </p:spTree>
     <p:extLst>
       <p:ext uri="{BB962C8B-B14F-4D97-AF65-F5344CB8AC3E}">
-        <p14:creationId xmlns:p14="http://schemas.microsoft.com/office/powerpoint/2010/main" val="3466637479"/>
+        <p14:creationId xmlns:p14="http://schemas.microsoft.com/office/powerpoint/2010/main" val="1738423339"/>
       </p:ext>
     </p:extLst>
   </p:cSld>
@@ -2303,7 +2304,7 @@
     </p:spTree>
     <p:extLst>
       <p:ext uri="{BB962C8B-B14F-4D97-AF65-F5344CB8AC3E}">
-        <p14:creationId xmlns:p14="http://schemas.microsoft.com/office/powerpoint/2010/main" val="244949191"/>
+        <p14:creationId xmlns:p14="http://schemas.microsoft.com/office/powerpoint/2010/main" val="3466637479"/>
       </p:ext>
     </p:extLst>
   </p:cSld>
@@ -2369,7 +2370,7 @@
     </p:spTree>
     <p:extLst>
       <p:ext uri="{BB962C8B-B14F-4D97-AF65-F5344CB8AC3E}">
-        <p14:creationId xmlns:p14="http://schemas.microsoft.com/office/powerpoint/2010/main" val="131067421"/>
+        <p14:creationId xmlns:p14="http://schemas.microsoft.com/office/powerpoint/2010/main" val="244949191"/>
       </p:ext>
     </p:extLst>
   </p:cSld>
@@ -2435,7 +2436,7 @@
     </p:spTree>
     <p:extLst>
       <p:ext uri="{BB962C8B-B14F-4D97-AF65-F5344CB8AC3E}">
-        <p14:creationId xmlns:p14="http://schemas.microsoft.com/office/powerpoint/2010/main" val="3532128649"/>
+        <p14:creationId xmlns:p14="http://schemas.microsoft.com/office/powerpoint/2010/main" val="131067421"/>
       </p:ext>
     </p:extLst>
   </p:cSld>
@@ -2501,7 +2502,7 @@
     </p:spTree>
     <p:extLst>
       <p:ext uri="{BB962C8B-B14F-4D97-AF65-F5344CB8AC3E}">
-        <p14:creationId xmlns:p14="http://schemas.microsoft.com/office/powerpoint/2010/main" val="585304384"/>
+        <p14:creationId xmlns:p14="http://schemas.microsoft.com/office/powerpoint/2010/main" val="3532128649"/>
       </p:ext>
     </p:extLst>
   </p:cSld>
@@ -2567,7 +2568,7 @@
     </p:spTree>
     <p:extLst>
       <p:ext uri="{BB962C8B-B14F-4D97-AF65-F5344CB8AC3E}">
-        <p14:creationId xmlns:p14="http://schemas.microsoft.com/office/powerpoint/2010/main" val="2709569597"/>
+        <p14:creationId xmlns:p14="http://schemas.microsoft.com/office/powerpoint/2010/main" val="585304384"/>
       </p:ext>
     </p:extLst>
   </p:cSld>
@@ -2633,7 +2634,7 @@
     </p:spTree>
     <p:extLst>
       <p:ext uri="{BB962C8B-B14F-4D97-AF65-F5344CB8AC3E}">
-        <p14:creationId xmlns:p14="http://schemas.microsoft.com/office/powerpoint/2010/main" val="2296249050"/>
+        <p14:creationId xmlns:p14="http://schemas.microsoft.com/office/powerpoint/2010/main" val="2709569597"/>
       </p:ext>
     </p:extLst>
   </p:cSld>
@@ -2699,7 +2700,7 @@
     </p:spTree>
     <p:extLst>
       <p:ext uri="{BB962C8B-B14F-4D97-AF65-F5344CB8AC3E}">
-        <p14:creationId xmlns:p14="http://schemas.microsoft.com/office/powerpoint/2010/main" val="2664135484"/>
+        <p14:creationId xmlns:p14="http://schemas.microsoft.com/office/powerpoint/2010/main" val="2296249050"/>
       </p:ext>
     </p:extLst>
   </p:cSld>
@@ -2831,6 +2832,72 @@
     </p:spTree>
     <p:extLst>
       <p:ext uri="{BB962C8B-B14F-4D97-AF65-F5344CB8AC3E}">
+        <p14:creationId xmlns:p14="http://schemas.microsoft.com/office/powerpoint/2010/main" val="2664135484"/>
+      </p:ext>
+    </p:extLst>
+  </p:cSld>
+  <p:clrMapOvr>
+    <a:masterClrMapping/>
+  </p:clrMapOvr>
+</p:notes>
+</file>
+
+<file path=ppt/notesSlides/notesSlide41.xml><?xml version="1.0" encoding="utf-8"?>
+<p:notes xmlns:a="http://schemas.openxmlformats.org/drawingml/2006/main" xmlns:r="http://schemas.openxmlformats.org/officeDocument/2006/relationships" xmlns:p="http://schemas.openxmlformats.org/presentationml/2006/main">
+  <p:cSld>
+    <p:spTree>
+      <p:nvGrpSpPr>
+        <p:cNvPr id="1" name=""/>
+        <p:cNvGrpSpPr/>
+        <p:nvPr/>
+      </p:nvGrpSpPr>
+      <p:grpSpPr>
+        <a:xfrm>
+          <a:off x="0" y="0"/>
+          <a:ext cx="0" cy="0"/>
+          <a:chOff x="0" y="0"/>
+          <a:chExt cx="0" cy="0"/>
+        </a:xfrm>
+      </p:grpSpPr>
+      <p:sp>
+        <p:nvSpPr>
+          <p:cNvPr id="2" name="Espaço Reservado para Imagem de Slide 1"/>
+          <p:cNvSpPr>
+            <a:spLocks noGrp="1" noRot="1" noChangeAspect="1"/>
+          </p:cNvSpPr>
+          <p:nvPr>
+            <p:ph type="sldImg"/>
+          </p:nvPr>
+        </p:nvSpPr>
+        <p:spPr>
+          <a:xfrm>
+            <a:off x="381000" y="685800"/>
+            <a:ext cx="6096000" cy="3429000"/>
+          </a:xfrm>
+        </p:spPr>
+      </p:sp>
+      <p:sp>
+        <p:nvSpPr>
+          <p:cNvPr id="3" name="Espaço Reservado para Anotações 2"/>
+          <p:cNvSpPr>
+            <a:spLocks noGrp="1"/>
+          </p:cNvSpPr>
+          <p:nvPr>
+            <p:ph type="body" idx="1"/>
+          </p:nvPr>
+        </p:nvSpPr>
+        <p:spPr/>
+        <p:txBody>
+          <a:bodyPr/>
+          <a:lstStyle/>
+          <a:p>
+            <a:endParaRPr lang="pt-BR" dirty="0"/>
+          </a:p>
+        </p:txBody>
+      </p:sp>
+    </p:spTree>
+    <p:extLst>
+      <p:ext uri="{BB962C8B-B14F-4D97-AF65-F5344CB8AC3E}">
         <p14:creationId xmlns:p14="http://schemas.microsoft.com/office/powerpoint/2010/main" val="618455706"/>
       </p:ext>
     </p:extLst>
@@ -2841,7 +2908,7 @@
 </p:notes>
 </file>
 
-<file path=ppt/notesSlides/notesSlide41.xml><?xml version="1.0" encoding="utf-8"?>
+<file path=ppt/notesSlides/notesSlide42.xml><?xml version="1.0" encoding="utf-8"?>
 <p:notes xmlns:a="http://schemas.openxmlformats.org/drawingml/2006/main" xmlns:r="http://schemas.openxmlformats.org/officeDocument/2006/relationships" xmlns:p="http://schemas.openxmlformats.org/presentationml/2006/main">
   <p:cSld>
     <p:spTree>
@@ -2963,7 +3030,7 @@
     </p:spTree>
     <p:extLst>
       <p:ext uri="{BB962C8B-B14F-4D97-AF65-F5344CB8AC3E}">
-        <p14:creationId xmlns:p14="http://schemas.microsoft.com/office/powerpoint/2010/main" val="2980890561"/>
+        <p14:creationId xmlns:p14="http://schemas.microsoft.com/office/powerpoint/2010/main" val="3537740991"/>
       </p:ext>
     </p:extLst>
   </p:cSld>
@@ -7809,8 +7876,8 @@
         </p:nvSpPr>
         <p:spPr>
           <a:xfrm>
-            <a:off x="142865" y="1090422"/>
-            <a:ext cx="8865056" cy="3847098"/>
+            <a:off x="142865" y="950722"/>
+            <a:ext cx="8865056" cy="4103878"/>
           </a:xfrm>
         </p:spPr>
         <p:txBody>
@@ -7822,13 +7889,47 @@
             <a:pPr marL="0" indent="0" algn="just">
               <a:buNone/>
             </a:pPr>
-            <a:endParaRPr lang="pt-BR" sz="2000" dirty="0">
-              <a:solidFill>
-                <a:schemeClr val="tx1"/>
-              </a:solidFill>
-              <a:latin typeface="Times New Roman" panose="02020603050405020304" pitchFamily="18" charset="0"/>
-              <a:cs typeface="Times New Roman" panose="02020603050405020304" pitchFamily="18" charset="0"/>
-            </a:endParaRPr>
+            <a:r>
+              <a:rPr lang="pt-BR" sz="2000" dirty="0">
+                <a:solidFill>
+                  <a:schemeClr val="tx1"/>
+                </a:solidFill>
+                <a:latin typeface="Times New Roman" panose="02020603050405020304" pitchFamily="18" charset="0"/>
+                <a:cs typeface="Times New Roman" panose="02020603050405020304" pitchFamily="18" charset="0"/>
+                <a:hlinkClick r:id="rId3"/>
+              </a:rPr>
+              <a:t>https://youtu.be/RLFsHE9qzJM</a:t>
+            </a:r>
+            <a:r>
+              <a:rPr lang="pt-BR" sz="2000" dirty="0">
+                <a:solidFill>
+                  <a:schemeClr val="tx1"/>
+                </a:solidFill>
+                <a:latin typeface="Times New Roman" panose="02020603050405020304" pitchFamily="18" charset="0"/>
+                <a:cs typeface="Times New Roman" panose="02020603050405020304" pitchFamily="18" charset="0"/>
+              </a:rPr>
+              <a:t> (</a:t>
+            </a:r>
+            <a:r>
+              <a:rPr lang="pt-BR" sz="2000" b="1" dirty="0">
+                <a:solidFill>
+                  <a:schemeClr val="tx1"/>
+                </a:solidFill>
+                <a:latin typeface="Times New Roman" panose="02020603050405020304" pitchFamily="18" charset="0"/>
+                <a:cs typeface="Times New Roman" panose="02020603050405020304" pitchFamily="18" charset="0"/>
+              </a:rPr>
+              <a:t>Canal da eletrônica - Professor Bairros</a:t>
+            </a:r>
+            <a:r>
+              <a:rPr lang="pt-BR" sz="2000" dirty="0">
+                <a:solidFill>
+                  <a:schemeClr val="tx1"/>
+                </a:solidFill>
+                <a:latin typeface="Times New Roman" panose="02020603050405020304" pitchFamily="18" charset="0"/>
+                <a:cs typeface="Times New Roman" panose="02020603050405020304" pitchFamily="18" charset="0"/>
+              </a:rPr>
+              <a:t>)</a:t>
+            </a:r>
           </a:p>
         </p:txBody>
       </p:sp>
@@ -7847,14 +7948,14 @@
           <p:nvPr/>
         </p:nvPicPr>
         <p:blipFill>
-          <a:blip r:embed="rId3"/>
+          <a:blip r:embed="rId4"/>
           <a:stretch>
             <a:fillRect/>
           </a:stretch>
         </p:blipFill>
         <p:spPr>
           <a:xfrm>
-            <a:off x="457200" y="1225502"/>
+            <a:off x="457200" y="1320566"/>
             <a:ext cx="6599095" cy="3616954"/>
           </a:xfrm>
           <a:prstGeom prst="rect">
@@ -10065,7 +10166,7 @@
                 <a:latin typeface="Times New Roman" panose="02020603050405020304" pitchFamily="18" charset="0"/>
                 <a:cs typeface="Times New Roman" panose="02020603050405020304" pitchFamily="18" charset="0"/>
               </a:rPr>
-              <a:t>; USB-C; USB-3. </a:t>
+              <a:t>; USB-C; USB-3, USB-4. </a:t>
             </a:r>
             <a:r>
               <a:rPr lang="pt-BR" sz="1800" b="1" dirty="0">
@@ -11088,13 +11189,13 @@
         </p:nvSpPr>
         <p:spPr>
           <a:xfrm>
-            <a:off x="457200" y="205980"/>
-            <a:ext cx="8229600" cy="857251"/>
+            <a:off x="142865" y="205980"/>
+            <a:ext cx="8865056" cy="857251"/>
           </a:xfrm>
         </p:spPr>
         <p:txBody>
           <a:bodyPr>
-            <a:normAutofit/>
+            <a:normAutofit fontScale="90000"/>
           </a:bodyPr>
           <a:lstStyle/>
           <a:p>
@@ -11104,7 +11205,7 @@
                   <a:srgbClr val="0070C0"/>
                 </a:solidFill>
               </a:rPr>
-              <a:t>Dispositivos</a:t>
+              <a:t>Resumo</a:t>
             </a:r>
             <a:r>
               <a:rPr lang="en-US" b="1" dirty="0">
@@ -11120,13 +11221,32 @@
                   <a:srgbClr val="0070C0"/>
                 </a:solidFill>
               </a:rPr>
-              <a:t>Externos</a:t>
-            </a:r>
-            <a:endParaRPr lang="en-US" b="1" dirty="0">
-              <a:solidFill>
-                <a:srgbClr val="0070C0"/>
-              </a:solidFill>
-            </a:endParaRPr>
+              <a:t>Protocolo</a:t>
+            </a:r>
+            <a:r>
+              <a:rPr lang="en-US" b="1" dirty="0">
+                <a:solidFill>
+                  <a:srgbClr val="0070C0"/>
+                </a:solidFill>
+              </a:rPr>
+              <a:t> de </a:t>
+            </a:r>
+            <a:r>
+              <a:rPr lang="en-US" b="1" dirty="0" err="1">
+                <a:solidFill>
+                  <a:srgbClr val="0070C0"/>
+                </a:solidFill>
+              </a:rPr>
+              <a:t>Comunicação</a:t>
+            </a:r>
+            <a:r>
+              <a:rPr lang="en-US" b="1" dirty="0">
+                <a:solidFill>
+                  <a:srgbClr val="0070C0"/>
+                </a:solidFill>
+              </a:rPr>
+              <a:t> Serial</a:t>
+            </a:r>
           </a:p>
         </p:txBody>
       </p:sp>
@@ -11142,8 +11262,8 @@
         </p:nvSpPr>
         <p:spPr>
           <a:xfrm>
-            <a:off x="142865" y="1078230"/>
-            <a:ext cx="8865056" cy="3859290"/>
+            <a:off x="142865" y="1126998"/>
+            <a:ext cx="8865056" cy="3603498"/>
           </a:xfrm>
         </p:spPr>
         <p:txBody>
@@ -11152,35 +11272,87 @@
           </a:bodyPr>
           <a:lstStyle/>
           <a:p>
-            <a:pPr marL="0" indent="0" algn="just">
-              <a:buNone/>
-            </a:pPr>
-            <a:r>
-              <a:rPr lang="pt-BR" sz="2000" b="1" dirty="0">
-                <a:solidFill>
-                  <a:schemeClr val="tx1"/>
-                </a:solidFill>
-                <a:latin typeface="Times New Roman" panose="02020603050405020304" pitchFamily="18" charset="0"/>
-                <a:cs typeface="Times New Roman" panose="02020603050405020304" pitchFamily="18" charset="0"/>
-              </a:rPr>
-              <a:t>Dispositivos periféricos</a:t>
-            </a:r>
-            <a:r>
-              <a:rPr lang="pt-BR" sz="2000" dirty="0">
-                <a:solidFill>
-                  <a:schemeClr val="tx1"/>
-                </a:solidFill>
-                <a:latin typeface="Times New Roman" panose="02020603050405020304" pitchFamily="18" charset="0"/>
-                <a:cs typeface="Times New Roman" panose="02020603050405020304" pitchFamily="18" charset="0"/>
-              </a:rPr>
-              <a:t> são quaisquer dispositivos auxiliares que se conectam e trabalham com o computador para colocar informações ou obter informações dele.</a:t>
-            </a:r>
-          </a:p>
-          <a:p>
-            <a:pPr marL="0" indent="0" algn="just">
-              <a:buNone/>
-            </a:pPr>
-            <a:endParaRPr lang="pt-BR" sz="2000" dirty="0">
+            <a:pPr algn="just"/>
+            <a:r>
+              <a:rPr lang="pt-BR" sz="2400" dirty="0">
+                <a:solidFill>
+                  <a:schemeClr val="tx1"/>
+                </a:solidFill>
+                <a:latin typeface="Times New Roman" panose="02020603050405020304" pitchFamily="18" charset="0"/>
+                <a:cs typeface="Times New Roman" panose="02020603050405020304" pitchFamily="18" charset="0"/>
+              </a:rPr>
+              <a:t>Taxa de Comunicação (bps)</a:t>
+            </a:r>
+          </a:p>
+          <a:p>
+            <a:pPr algn="just"/>
+            <a:r>
+              <a:rPr lang="pt-BR" sz="2400" dirty="0">
+                <a:solidFill>
+                  <a:schemeClr val="tx1"/>
+                </a:solidFill>
+                <a:latin typeface="Times New Roman" panose="02020603050405020304" pitchFamily="18" charset="0"/>
+                <a:cs typeface="Times New Roman" panose="02020603050405020304" pitchFamily="18" charset="0"/>
+              </a:rPr>
+              <a:t>Sentido de Transmissão (Full-duplex, </a:t>
+            </a:r>
+            <a:r>
+              <a:rPr lang="pt-BR" sz="2400" dirty="0" err="1">
+                <a:solidFill>
+                  <a:schemeClr val="tx1"/>
+                </a:solidFill>
+                <a:latin typeface="Times New Roman" panose="02020603050405020304" pitchFamily="18" charset="0"/>
+                <a:cs typeface="Times New Roman" panose="02020603050405020304" pitchFamily="18" charset="0"/>
+              </a:rPr>
+              <a:t>etc</a:t>
+            </a:r>
+            <a:r>
+              <a:rPr lang="pt-BR" sz="2400" dirty="0">
+                <a:solidFill>
+                  <a:schemeClr val="tx1"/>
+                </a:solidFill>
+                <a:latin typeface="Times New Roman" panose="02020603050405020304" pitchFamily="18" charset="0"/>
+                <a:cs typeface="Times New Roman" panose="02020603050405020304" pitchFamily="18" charset="0"/>
+              </a:rPr>
+              <a:t>)</a:t>
+            </a:r>
+          </a:p>
+          <a:p>
+            <a:pPr algn="just"/>
+            <a:r>
+              <a:rPr lang="pt-BR" sz="2400" dirty="0">
+                <a:solidFill>
+                  <a:schemeClr val="tx1"/>
+                </a:solidFill>
+                <a:latin typeface="Times New Roman" panose="02020603050405020304" pitchFamily="18" charset="0"/>
+                <a:cs typeface="Times New Roman" panose="02020603050405020304" pitchFamily="18" charset="0"/>
+              </a:rPr>
+              <a:t>Método: Síncrono ou assíncrono</a:t>
+            </a:r>
+          </a:p>
+          <a:p>
+            <a:pPr algn="just"/>
+            <a:r>
+              <a:rPr lang="pt-BR" sz="2400" dirty="0">
+                <a:solidFill>
+                  <a:schemeClr val="tx1"/>
+                </a:solidFill>
+                <a:latin typeface="Times New Roman" panose="02020603050405020304" pitchFamily="18" charset="0"/>
+                <a:cs typeface="Times New Roman" panose="02020603050405020304" pitchFamily="18" charset="0"/>
+              </a:rPr>
+              <a:t>Número de fios: 1, 2, </a:t>
+            </a:r>
+            <a:r>
+              <a:rPr lang="pt-BR" sz="2400" dirty="0" err="1">
+                <a:solidFill>
+                  <a:schemeClr val="tx1"/>
+                </a:solidFill>
+                <a:latin typeface="Times New Roman" panose="02020603050405020304" pitchFamily="18" charset="0"/>
+                <a:cs typeface="Times New Roman" panose="02020603050405020304" pitchFamily="18" charset="0"/>
+              </a:rPr>
+              <a:t>etc</a:t>
+            </a:r>
+            <a:endParaRPr lang="pt-BR" sz="2400" dirty="0">
               <a:solidFill>
                 <a:schemeClr val="tx1"/>
               </a:solidFill>
@@ -11189,95 +11361,69 @@
             </a:endParaRPr>
           </a:p>
           <a:p>
+            <a:pPr algn="just"/>
+            <a:r>
+              <a:rPr lang="pt-BR" sz="2400" dirty="0">
+                <a:solidFill>
+                  <a:schemeClr val="tx1"/>
+                </a:solidFill>
+                <a:latin typeface="Times New Roman" panose="02020603050405020304" pitchFamily="18" charset="0"/>
+                <a:cs typeface="Times New Roman" panose="02020603050405020304" pitchFamily="18" charset="0"/>
+              </a:rPr>
+              <a:t>Tensão do Protocolo (V): 0 a 5V</a:t>
+            </a:r>
+          </a:p>
+          <a:p>
+            <a:pPr algn="just"/>
+            <a:r>
+              <a:rPr lang="pt-BR" sz="2400" dirty="0">
+                <a:solidFill>
+                  <a:schemeClr val="tx1"/>
+                </a:solidFill>
+                <a:latin typeface="Times New Roman" panose="02020603050405020304" pitchFamily="18" charset="0"/>
+                <a:cs typeface="Times New Roman" panose="02020603050405020304" pitchFamily="18" charset="0"/>
+              </a:rPr>
+              <a:t>Quantidade de Dispositivos se Comunicando</a:t>
+            </a:r>
+          </a:p>
+          <a:p>
+            <a:pPr algn="just"/>
+            <a:r>
+              <a:rPr lang="pt-BR" sz="2400" dirty="0">
+                <a:solidFill>
+                  <a:schemeClr val="tx1"/>
+                </a:solidFill>
+                <a:latin typeface="Times New Roman" panose="02020603050405020304" pitchFamily="18" charset="0"/>
+                <a:cs typeface="Times New Roman" panose="02020603050405020304" pitchFamily="18" charset="0"/>
+              </a:rPr>
+              <a:t>Distância: 20cm, 15m, </a:t>
+            </a:r>
+            <a:r>
+              <a:rPr lang="pt-BR" sz="2400" dirty="0" err="1">
+                <a:solidFill>
+                  <a:schemeClr val="tx1"/>
+                </a:solidFill>
+                <a:latin typeface="Times New Roman" panose="02020603050405020304" pitchFamily="18" charset="0"/>
+                <a:cs typeface="Times New Roman" panose="02020603050405020304" pitchFamily="18" charset="0"/>
+              </a:rPr>
+              <a:t>etc</a:t>
+            </a:r>
+            <a:r>
+              <a:rPr lang="pt-BR" sz="2400" dirty="0">
+                <a:solidFill>
+                  <a:schemeClr val="tx1"/>
+                </a:solidFill>
+                <a:latin typeface="Times New Roman" panose="02020603050405020304" pitchFamily="18" charset="0"/>
+                <a:cs typeface="Times New Roman" panose="02020603050405020304" pitchFamily="18" charset="0"/>
+              </a:rPr>
+              <a:t> </a:t>
+            </a:r>
+          </a:p>
+          <a:p>
             <a:pPr marL="0" indent="0" algn="just">
               <a:buNone/>
             </a:pPr>
-            <a:r>
-              <a:rPr lang="pt-BR" sz="2000" b="1" dirty="0">
-                <a:solidFill>
-                  <a:schemeClr val="tx1"/>
-                </a:solidFill>
-                <a:latin typeface="Times New Roman" panose="02020603050405020304" pitchFamily="18" charset="0"/>
-                <a:cs typeface="Times New Roman" panose="02020603050405020304" pitchFamily="18" charset="0"/>
-              </a:rPr>
-              <a:t>Dispositivos periféricos</a:t>
-            </a:r>
-            <a:r>
-              <a:rPr lang="pt-BR" sz="2000" dirty="0">
-                <a:solidFill>
-                  <a:schemeClr val="tx1"/>
-                </a:solidFill>
-                <a:latin typeface="Times New Roman" panose="02020603050405020304" pitchFamily="18" charset="0"/>
-                <a:cs typeface="Times New Roman" panose="02020603050405020304" pitchFamily="18" charset="0"/>
-              </a:rPr>
-              <a:t> </a:t>
-            </a:r>
-            <a:r>
-              <a:rPr lang="pt-BR" sz="2000" b="1" dirty="0">
-                <a:solidFill>
-                  <a:srgbClr val="FF0000"/>
-                </a:solidFill>
-                <a:latin typeface="Times New Roman" panose="02020603050405020304" pitchFamily="18" charset="0"/>
-                <a:cs typeface="Times New Roman" panose="02020603050405020304" pitchFamily="18" charset="0"/>
-              </a:rPr>
-              <a:t>são componentes ou dispositivos externos</a:t>
-            </a:r>
-            <a:r>
-              <a:rPr lang="pt-BR" sz="2000" dirty="0">
-                <a:solidFill>
-                  <a:schemeClr val="tx1"/>
-                </a:solidFill>
-                <a:latin typeface="Times New Roman" panose="02020603050405020304" pitchFamily="18" charset="0"/>
-                <a:cs typeface="Times New Roman" panose="02020603050405020304" pitchFamily="18" charset="0"/>
-              </a:rPr>
-              <a:t> </a:t>
-            </a:r>
-            <a:r>
-              <a:rPr lang="pt-BR" sz="2000" b="1" dirty="0">
-                <a:solidFill>
-                  <a:schemeClr val="tx1"/>
-                </a:solidFill>
-                <a:latin typeface="Times New Roman" panose="02020603050405020304" pitchFamily="18" charset="0"/>
-                <a:cs typeface="Times New Roman" panose="02020603050405020304" pitchFamily="18" charset="0"/>
-              </a:rPr>
-              <a:t>conectados a um computador ou a outro dispositivo principal</a:t>
-            </a:r>
-            <a:r>
-              <a:rPr lang="pt-BR" sz="2000" dirty="0">
-                <a:solidFill>
-                  <a:schemeClr val="tx1"/>
-                </a:solidFill>
-                <a:latin typeface="Times New Roman" panose="02020603050405020304" pitchFamily="18" charset="0"/>
-                <a:cs typeface="Times New Roman" panose="02020603050405020304" pitchFamily="18" charset="0"/>
-              </a:rPr>
-              <a:t> para auxiliar em suas funções ou </a:t>
-            </a:r>
-            <a:r>
-              <a:rPr lang="pt-BR" sz="2000" b="1" dirty="0">
-                <a:solidFill>
-                  <a:srgbClr val="FF0000"/>
-                </a:solidFill>
-                <a:latin typeface="Times New Roman" panose="02020603050405020304" pitchFamily="18" charset="0"/>
-                <a:cs typeface="Times New Roman" panose="02020603050405020304" pitchFamily="18" charset="0"/>
-              </a:rPr>
-              <a:t>fornecer entrada/saída de dados</a:t>
-            </a:r>
-            <a:r>
-              <a:rPr lang="pt-BR" sz="2000" dirty="0">
-                <a:solidFill>
-                  <a:schemeClr val="tx1"/>
-                </a:solidFill>
-                <a:latin typeface="Times New Roman" panose="02020603050405020304" pitchFamily="18" charset="0"/>
-                <a:cs typeface="Times New Roman" panose="02020603050405020304" pitchFamily="18" charset="0"/>
-              </a:rPr>
-              <a:t>. </a:t>
-            </a:r>
-          </a:p>
-          <a:p>
-            <a:pPr marL="0" indent="0" algn="just">
-              <a:buNone/>
-            </a:pPr>
-            <a:endParaRPr lang="pt-BR" sz="2000" dirty="0">
+            <a:endParaRPr lang="pt-BR" sz="2400" dirty="0">
               <a:solidFill>
                 <a:schemeClr val="tx1"/>
               </a:solidFill>
@@ -11285,27 +11431,12 @@
               <a:cs typeface="Times New Roman" panose="02020603050405020304" pitchFamily="18" charset="0"/>
             </a:endParaRPr>
           </a:p>
-          <a:p>
-            <a:pPr marL="0" indent="0" algn="just">
-              <a:buNone/>
-            </a:pPr>
-            <a:r>
-              <a:rPr lang="pt-BR" sz="2000" dirty="0">
-                <a:solidFill>
-                  <a:schemeClr val="tx1"/>
-                </a:solidFill>
-                <a:latin typeface="Times New Roman" panose="02020603050405020304" pitchFamily="18" charset="0"/>
-                <a:cs typeface="Times New Roman" panose="02020603050405020304" pitchFamily="18" charset="0"/>
-              </a:rPr>
-              <a:t>Eles complementam as capacidades do dispositivo principal, permitindo que os usuários interajam com o sistema e realizem diferentes tarefas.</a:t>
-            </a:r>
-          </a:p>
         </p:txBody>
       </p:sp>
     </p:spTree>
     <p:extLst>
       <p:ext uri="{BB962C8B-B14F-4D97-AF65-F5344CB8AC3E}">
-        <p14:creationId xmlns:p14="http://schemas.microsoft.com/office/powerpoint/2010/main" val="1659135018"/>
+        <p14:creationId xmlns:p14="http://schemas.microsoft.com/office/powerpoint/2010/main" val="1257318889"/>
       </p:ext>
     </p:extLst>
   </p:cSld>
@@ -11413,94 +11544,24 @@
               <a:buNone/>
             </a:pPr>
             <a:r>
-              <a:rPr lang="pt-BR" sz="2000" dirty="0">
-                <a:solidFill>
-                  <a:schemeClr val="tx1"/>
-                </a:solidFill>
-                <a:latin typeface="Times New Roman" panose="02020603050405020304" pitchFamily="18" charset="0"/>
-                <a:cs typeface="Times New Roman" panose="02020603050405020304" pitchFamily="18" charset="0"/>
-              </a:rPr>
-              <a:t>Geralmente, a palavra </a:t>
-            </a:r>
-            <a:r>
               <a:rPr lang="pt-BR" sz="2000" b="1" dirty="0">
                 <a:solidFill>
-                  <a:srgbClr val="FF0000"/>
-                </a:solidFill>
-                <a:latin typeface="Times New Roman" panose="02020603050405020304" pitchFamily="18" charset="0"/>
-                <a:cs typeface="Times New Roman" panose="02020603050405020304" pitchFamily="18" charset="0"/>
-              </a:rPr>
-              <a:t>periférico</a:t>
-            </a:r>
-            <a:r>
-              <a:rPr lang="pt-BR" sz="2000" dirty="0">
-                <a:solidFill>
-                  <a:schemeClr val="tx1"/>
-                </a:solidFill>
-                <a:latin typeface="Times New Roman" panose="02020603050405020304" pitchFamily="18" charset="0"/>
-                <a:cs typeface="Times New Roman" panose="02020603050405020304" pitchFamily="18" charset="0"/>
-              </a:rPr>
-              <a:t> é usada para se referir a um dispositivo externo ao computador, como um digitalizador, mas os </a:t>
-            </a:r>
-            <a:r>
-              <a:rPr lang="pt-BR" sz="2000" b="1" dirty="0">
-                <a:solidFill>
-                  <a:schemeClr val="tx1"/>
-                </a:solidFill>
-                <a:latin typeface="Times New Roman" panose="02020603050405020304" pitchFamily="18" charset="0"/>
-                <a:cs typeface="Times New Roman" panose="02020603050405020304" pitchFamily="18" charset="0"/>
-              </a:rPr>
-              <a:t>dispositivos</a:t>
-            </a:r>
-            <a:r>
-              <a:rPr lang="pt-BR" sz="2000" dirty="0">
-                <a:solidFill>
-                  <a:schemeClr val="tx1"/>
-                </a:solidFill>
-                <a:latin typeface="Times New Roman" panose="02020603050405020304" pitchFamily="18" charset="0"/>
-                <a:cs typeface="Times New Roman" panose="02020603050405020304" pitchFamily="18" charset="0"/>
-              </a:rPr>
-              <a:t> localizados </a:t>
-            </a:r>
-            <a:r>
-              <a:rPr lang="pt-BR" sz="2000" b="1" dirty="0">
-                <a:solidFill>
-                  <a:schemeClr val="tx1"/>
-                </a:solidFill>
-                <a:latin typeface="Times New Roman" panose="02020603050405020304" pitchFamily="18" charset="0"/>
-                <a:cs typeface="Times New Roman" panose="02020603050405020304" pitchFamily="18" charset="0"/>
-              </a:rPr>
-              <a:t>fisicamente dentro do computador</a:t>
-            </a:r>
-            <a:r>
-              <a:rPr lang="pt-BR" sz="2000" dirty="0">
-                <a:solidFill>
-                  <a:schemeClr val="tx1"/>
-                </a:solidFill>
-                <a:latin typeface="Times New Roman" panose="02020603050405020304" pitchFamily="18" charset="0"/>
-                <a:cs typeface="Times New Roman" panose="02020603050405020304" pitchFamily="18" charset="0"/>
-              </a:rPr>
-              <a:t> também são </a:t>
-            </a:r>
-            <a:r>
-              <a:rPr lang="pt-BR" sz="2000" b="1" dirty="0">
-                <a:solidFill>
-                  <a:schemeClr val="tx1"/>
-                </a:solidFill>
-                <a:latin typeface="Times New Roman" panose="02020603050405020304" pitchFamily="18" charset="0"/>
-                <a:cs typeface="Times New Roman" panose="02020603050405020304" pitchFamily="18" charset="0"/>
-              </a:rPr>
-              <a:t>tecnicamente periféricos</a:t>
-            </a:r>
-            <a:r>
-              <a:rPr lang="pt-BR" sz="2000" dirty="0">
-                <a:solidFill>
-                  <a:schemeClr val="tx1"/>
-                </a:solidFill>
-                <a:latin typeface="Times New Roman" panose="02020603050405020304" pitchFamily="18" charset="0"/>
-                <a:cs typeface="Times New Roman" panose="02020603050405020304" pitchFamily="18" charset="0"/>
-              </a:rPr>
-              <a:t>.</a:t>
+                  <a:schemeClr val="tx1"/>
+                </a:solidFill>
+                <a:latin typeface="Times New Roman" panose="02020603050405020304" pitchFamily="18" charset="0"/>
+                <a:cs typeface="Times New Roman" panose="02020603050405020304" pitchFamily="18" charset="0"/>
+              </a:rPr>
+              <a:t>Dispositivos periféricos</a:t>
+            </a:r>
+            <a:r>
+              <a:rPr lang="pt-BR" sz="2000" dirty="0">
+                <a:solidFill>
+                  <a:schemeClr val="tx1"/>
+                </a:solidFill>
+                <a:latin typeface="Times New Roman" panose="02020603050405020304" pitchFamily="18" charset="0"/>
+                <a:cs typeface="Times New Roman" panose="02020603050405020304" pitchFamily="18" charset="0"/>
+              </a:rPr>
+              <a:t> são quaisquer dispositivos auxiliares que se conectam e trabalham com o computador para colocar informações ou obter informações dele.</a:t>
             </a:r>
           </a:p>
           <a:p>
@@ -11520,34 +11581,44 @@
               <a:buNone/>
             </a:pPr>
             <a:r>
-              <a:rPr lang="pt-BR" sz="2000" dirty="0">
-                <a:solidFill>
-                  <a:schemeClr val="tx1"/>
-                </a:solidFill>
-                <a:latin typeface="Times New Roman" panose="02020603050405020304" pitchFamily="18" charset="0"/>
-                <a:cs typeface="Times New Roman" panose="02020603050405020304" pitchFamily="18" charset="0"/>
-              </a:rPr>
-              <a:t>Os </a:t>
-            </a:r>
-            <a:r>
               <a:rPr lang="pt-BR" sz="2000" b="1" dirty="0">
                 <a:solidFill>
+                  <a:schemeClr val="tx1"/>
+                </a:solidFill>
+                <a:latin typeface="Times New Roman" panose="02020603050405020304" pitchFamily="18" charset="0"/>
+                <a:cs typeface="Times New Roman" panose="02020603050405020304" pitchFamily="18" charset="0"/>
+              </a:rPr>
+              <a:t>Dispositivos periféricos</a:t>
+            </a:r>
+            <a:r>
+              <a:rPr lang="pt-BR" sz="2000" dirty="0">
+                <a:solidFill>
+                  <a:schemeClr val="tx1"/>
+                </a:solidFill>
+                <a:latin typeface="Times New Roman" panose="02020603050405020304" pitchFamily="18" charset="0"/>
+                <a:cs typeface="Times New Roman" panose="02020603050405020304" pitchFamily="18" charset="0"/>
+              </a:rPr>
+              <a:t> </a:t>
+            </a:r>
+            <a:r>
+              <a:rPr lang="pt-BR" sz="2000" b="1" dirty="0">
+                <a:solidFill>
                   <a:srgbClr val="FF0000"/>
                 </a:solidFill>
                 <a:latin typeface="Times New Roman" panose="02020603050405020304" pitchFamily="18" charset="0"/>
                 <a:cs typeface="Times New Roman" panose="02020603050405020304" pitchFamily="18" charset="0"/>
               </a:rPr>
-              <a:t>dispositivos periféricos</a:t>
-            </a:r>
-            <a:r>
-              <a:rPr lang="pt-BR" sz="2000" dirty="0">
-                <a:solidFill>
-                  <a:schemeClr val="tx1"/>
-                </a:solidFill>
-                <a:latin typeface="Times New Roman" panose="02020603050405020304" pitchFamily="18" charset="0"/>
-                <a:cs typeface="Times New Roman" panose="02020603050405020304" pitchFamily="18" charset="0"/>
-              </a:rPr>
-              <a:t> adicionam </a:t>
+              <a:t>são componentes ou dispositivos externos</a:t>
+            </a:r>
+            <a:r>
+              <a:rPr lang="pt-BR" sz="2000" dirty="0">
+                <a:solidFill>
+                  <a:schemeClr val="tx1"/>
+                </a:solidFill>
+                <a:latin typeface="Times New Roman" panose="02020603050405020304" pitchFamily="18" charset="0"/>
+                <a:cs typeface="Times New Roman" panose="02020603050405020304" pitchFamily="18" charset="0"/>
+              </a:rPr>
+              <a:t> </a:t>
             </a:r>
             <a:r>
               <a:rPr lang="pt-BR" sz="2000" b="1" dirty="0">
@@ -11557,57 +11628,37 @@
                 <a:latin typeface="Times New Roman" panose="02020603050405020304" pitchFamily="18" charset="0"/>
                 <a:cs typeface="Times New Roman" panose="02020603050405020304" pitchFamily="18" charset="0"/>
               </a:rPr>
-              <a:t>funcionalidade ao computador</a:t>
-            </a:r>
-            <a:r>
-              <a:rPr lang="pt-BR" sz="2000" dirty="0">
-                <a:solidFill>
-                  <a:schemeClr val="tx1"/>
-                </a:solidFill>
-                <a:latin typeface="Times New Roman" panose="02020603050405020304" pitchFamily="18" charset="0"/>
-                <a:cs typeface="Times New Roman" panose="02020603050405020304" pitchFamily="18" charset="0"/>
-              </a:rPr>
-              <a:t>, mas não fazem parte do grupo “principal” de componentes, como </a:t>
+              <a:t>conectados a um computador ou a outro dispositivo principal</a:t>
+            </a:r>
+            <a:r>
+              <a:rPr lang="pt-BR" sz="2000" dirty="0">
+                <a:solidFill>
+                  <a:schemeClr val="tx1"/>
+                </a:solidFill>
+                <a:latin typeface="Times New Roman" panose="02020603050405020304" pitchFamily="18" charset="0"/>
+                <a:cs typeface="Times New Roman" panose="02020603050405020304" pitchFamily="18" charset="0"/>
+              </a:rPr>
+              <a:t> para auxiliar em suas funções ou </a:t>
             </a:r>
             <a:r>
               <a:rPr lang="pt-BR" sz="2000" b="1" dirty="0">
                 <a:solidFill>
-                  <a:schemeClr val="tx1"/>
-                </a:solidFill>
-                <a:latin typeface="Times New Roman" panose="02020603050405020304" pitchFamily="18" charset="0"/>
-                <a:cs typeface="Times New Roman" panose="02020603050405020304" pitchFamily="18" charset="0"/>
-              </a:rPr>
-              <a:t>CPU,  </a:t>
-            </a:r>
-            <a:r>
-              <a:rPr lang="pt-BR" sz="2000" b="1" dirty="0" err="1">
-                <a:solidFill>
-                  <a:schemeClr val="tx1"/>
-                </a:solidFill>
-                <a:latin typeface="Times New Roman" panose="02020603050405020304" pitchFamily="18" charset="0"/>
-                <a:cs typeface="Times New Roman" panose="02020603050405020304" pitchFamily="18" charset="0"/>
-              </a:rPr>
-              <a:t>placa-mãe</a:t>
-            </a:r>
-            <a:r>
-              <a:rPr lang="pt-BR" sz="2000" b="1" dirty="0">
-                <a:solidFill>
-                  <a:schemeClr val="tx1"/>
-                </a:solidFill>
-                <a:latin typeface="Times New Roman" panose="02020603050405020304" pitchFamily="18" charset="0"/>
-                <a:cs typeface="Times New Roman" panose="02020603050405020304" pitchFamily="18" charset="0"/>
-              </a:rPr>
-              <a:t> e fonte de alimentação, memória</a:t>
-            </a:r>
-            <a:r>
-              <a:rPr lang="pt-BR" sz="2000" dirty="0">
-                <a:solidFill>
-                  <a:schemeClr val="tx1"/>
-                </a:solidFill>
-                <a:latin typeface="Times New Roman" panose="02020603050405020304" pitchFamily="18" charset="0"/>
-                <a:cs typeface="Times New Roman" panose="02020603050405020304" pitchFamily="18" charset="0"/>
-              </a:rPr>
-              <a:t>.</a:t>
+                  <a:srgbClr val="FF0000"/>
+                </a:solidFill>
+                <a:latin typeface="Times New Roman" panose="02020603050405020304" pitchFamily="18" charset="0"/>
+                <a:cs typeface="Times New Roman" panose="02020603050405020304" pitchFamily="18" charset="0"/>
+              </a:rPr>
+              <a:t>fornecer entrada/saída de dados</a:t>
+            </a:r>
+            <a:r>
+              <a:rPr lang="pt-BR" sz="2000" dirty="0">
+                <a:solidFill>
+                  <a:schemeClr val="tx1"/>
+                </a:solidFill>
+                <a:latin typeface="Times New Roman" panose="02020603050405020304" pitchFamily="18" charset="0"/>
+                <a:cs typeface="Times New Roman" panose="02020603050405020304" pitchFamily="18" charset="0"/>
+              </a:rPr>
+              <a:t>. </a:t>
             </a:r>
           </a:p>
           <a:p>
@@ -11634,92 +11685,15 @@
                 <a:latin typeface="Times New Roman" panose="02020603050405020304" pitchFamily="18" charset="0"/>
                 <a:cs typeface="Times New Roman" panose="02020603050405020304" pitchFamily="18" charset="0"/>
               </a:rPr>
-              <a:t>Os </a:t>
-            </a:r>
-            <a:r>
-              <a:rPr lang="pt-BR" sz="2000" b="1" dirty="0">
-                <a:solidFill>
-                  <a:schemeClr val="tx1"/>
-                </a:solidFill>
-                <a:latin typeface="Times New Roman" panose="02020603050405020304" pitchFamily="18" charset="0"/>
-                <a:cs typeface="Times New Roman" panose="02020603050405020304" pitchFamily="18" charset="0"/>
-              </a:rPr>
-              <a:t>dispositivos externos</a:t>
-            </a:r>
-            <a:r>
-              <a:rPr lang="pt-BR" sz="2000" dirty="0">
-                <a:solidFill>
-                  <a:schemeClr val="tx1"/>
-                </a:solidFill>
-                <a:latin typeface="Times New Roman" panose="02020603050405020304" pitchFamily="18" charset="0"/>
-                <a:cs typeface="Times New Roman" panose="02020603050405020304" pitchFamily="18" charset="0"/>
-              </a:rPr>
-              <a:t>, são todos os </a:t>
-            </a:r>
-            <a:r>
-              <a:rPr lang="pt-BR" sz="2000" b="1" dirty="0">
-                <a:solidFill>
-                  <a:srgbClr val="FF0000"/>
-                </a:solidFill>
-                <a:latin typeface="Times New Roman" panose="02020603050405020304" pitchFamily="18" charset="0"/>
-                <a:cs typeface="Times New Roman" panose="02020603050405020304" pitchFamily="18" charset="0"/>
-              </a:rPr>
-              <a:t>componentes conectados externamente</a:t>
-            </a:r>
-            <a:r>
-              <a:rPr lang="pt-BR" sz="2000" dirty="0">
-                <a:solidFill>
-                  <a:schemeClr val="tx1"/>
-                </a:solidFill>
-                <a:latin typeface="Times New Roman" panose="02020603050405020304" pitchFamily="18" charset="0"/>
-                <a:cs typeface="Times New Roman" panose="02020603050405020304" pitchFamily="18" charset="0"/>
-              </a:rPr>
-              <a:t> a um dispositivo, por portas como </a:t>
-            </a:r>
-            <a:r>
-              <a:rPr lang="pt-BR" sz="2000" b="1" dirty="0">
-                <a:solidFill>
-                  <a:schemeClr val="tx1"/>
-                </a:solidFill>
-                <a:latin typeface="Times New Roman" panose="02020603050405020304" pitchFamily="18" charset="0"/>
-                <a:cs typeface="Times New Roman" panose="02020603050405020304" pitchFamily="18" charset="0"/>
-              </a:rPr>
-              <a:t>USB, VGA, Ethernet, HDMI, de áudio</a:t>
-            </a:r>
-            <a:r>
-              <a:rPr lang="pt-BR" sz="2000" dirty="0">
-                <a:solidFill>
-                  <a:schemeClr val="tx1"/>
-                </a:solidFill>
-                <a:latin typeface="Times New Roman" panose="02020603050405020304" pitchFamily="18" charset="0"/>
-                <a:cs typeface="Times New Roman" panose="02020603050405020304" pitchFamily="18" charset="0"/>
-              </a:rPr>
-              <a:t>, </a:t>
-            </a:r>
-            <a:r>
-              <a:rPr lang="pt-BR" sz="2000" dirty="0" err="1">
-                <a:solidFill>
-                  <a:schemeClr val="tx1"/>
-                </a:solidFill>
-                <a:latin typeface="Times New Roman" panose="02020603050405020304" pitchFamily="18" charset="0"/>
-                <a:cs typeface="Times New Roman" panose="02020603050405020304" pitchFamily="18" charset="0"/>
-              </a:rPr>
-              <a:t>etc</a:t>
-            </a:r>
-            <a:endParaRPr lang="pt-BR" sz="2000" dirty="0">
-              <a:solidFill>
-                <a:schemeClr val="tx1"/>
-              </a:solidFill>
-              <a:latin typeface="Times New Roman" panose="02020603050405020304" pitchFamily="18" charset="0"/>
-              <a:cs typeface="Times New Roman" panose="02020603050405020304" pitchFamily="18" charset="0"/>
-            </a:endParaRPr>
+              <a:t>Eles complementam as capacidades do dispositivo principal, permitindo que os usuários interajam com o sistema e realizem diferentes tarefas.</a:t>
+            </a:r>
           </a:p>
         </p:txBody>
       </p:sp>
     </p:spTree>
     <p:extLst>
       <p:ext uri="{BB962C8B-B14F-4D97-AF65-F5344CB8AC3E}">
-        <p14:creationId xmlns:p14="http://schemas.microsoft.com/office/powerpoint/2010/main" val="2184932538"/>
+        <p14:creationId xmlns:p14="http://schemas.microsoft.com/office/powerpoint/2010/main" val="1659135018"/>
       </p:ext>
     </p:extLst>
   </p:cSld>
@@ -11775,7 +11749,7 @@
                   <a:srgbClr val="0070C0"/>
                 </a:solidFill>
               </a:rPr>
-              <a:t>Sistemas</a:t>
+              <a:t>Dispositivos</a:t>
             </a:r>
             <a:r>
               <a:rPr lang="en-US" b="1" dirty="0">
@@ -11791,7 +11765,7 @@
                   <a:srgbClr val="0070C0"/>
                 </a:solidFill>
               </a:rPr>
-              <a:t>Embarcados</a:t>
+              <a:t>Externos</a:t>
             </a:r>
             <a:endParaRPr lang="en-US" b="1" dirty="0">
               <a:solidFill>
@@ -11813,8 +11787,8 @@
         </p:nvSpPr>
         <p:spPr>
           <a:xfrm>
-            <a:off x="142865" y="1395222"/>
-            <a:ext cx="8865056" cy="3542298"/>
+            <a:off x="142865" y="1078230"/>
+            <a:ext cx="8865056" cy="3859290"/>
           </a:xfrm>
         </p:spPr>
         <p:txBody>
@@ -11834,27 +11808,27 @@
                 <a:latin typeface="Times New Roman" panose="02020603050405020304" pitchFamily="18" charset="0"/>
                 <a:cs typeface="Times New Roman" panose="02020603050405020304" pitchFamily="18" charset="0"/>
               </a:rPr>
-              <a:t>Um </a:t>
+              <a:t>Geralmente, a palavra </a:t>
             </a:r>
             <a:r>
               <a:rPr lang="pt-BR" sz="2000" b="1" dirty="0">
                 <a:solidFill>
-                  <a:schemeClr val="tx1"/>
-                </a:solidFill>
-                <a:latin typeface="Times New Roman" panose="02020603050405020304" pitchFamily="18" charset="0"/>
-                <a:cs typeface="Times New Roman" panose="02020603050405020304" pitchFamily="18" charset="0"/>
-              </a:rPr>
-              <a:t>sistema embarcado</a:t>
-            </a:r>
-            <a:r>
-              <a:rPr lang="pt-BR" sz="2000" dirty="0">
-                <a:solidFill>
-                  <a:schemeClr val="tx1"/>
-                </a:solidFill>
-                <a:latin typeface="Times New Roman" panose="02020603050405020304" pitchFamily="18" charset="0"/>
-                <a:cs typeface="Times New Roman" panose="02020603050405020304" pitchFamily="18" charset="0"/>
-              </a:rPr>
-              <a:t> ou </a:t>
+                  <a:srgbClr val="FF0000"/>
+                </a:solidFill>
+                <a:latin typeface="Times New Roman" panose="02020603050405020304" pitchFamily="18" charset="0"/>
+                <a:cs typeface="Times New Roman" panose="02020603050405020304" pitchFamily="18" charset="0"/>
+              </a:rPr>
+              <a:t>periférico</a:t>
+            </a:r>
+            <a:r>
+              <a:rPr lang="pt-BR" sz="2000" dirty="0">
+                <a:solidFill>
+                  <a:schemeClr val="tx1"/>
+                </a:solidFill>
+                <a:latin typeface="Times New Roman" panose="02020603050405020304" pitchFamily="18" charset="0"/>
+                <a:cs typeface="Times New Roman" panose="02020603050405020304" pitchFamily="18" charset="0"/>
+              </a:rPr>
+              <a:t> é usada para se referir a um dispositivo externo ao computador, como um digitalizador, mas os </a:t>
             </a:r>
             <a:r>
               <a:rPr lang="pt-BR" sz="2000" b="1" dirty="0">
@@ -11864,27 +11838,57 @@
                 <a:latin typeface="Times New Roman" panose="02020603050405020304" pitchFamily="18" charset="0"/>
                 <a:cs typeface="Times New Roman" panose="02020603050405020304" pitchFamily="18" charset="0"/>
               </a:rPr>
-              <a:t>sistema </a:t>
-            </a:r>
-            <a:r>
-              <a:rPr lang="pt-BR" sz="2000" b="1" dirty="0" err="1">
-                <a:solidFill>
-                  <a:schemeClr val="tx1"/>
-                </a:solidFill>
-                <a:latin typeface="Times New Roman" panose="02020603050405020304" pitchFamily="18" charset="0"/>
-                <a:cs typeface="Times New Roman" panose="02020603050405020304" pitchFamily="18" charset="0"/>
-              </a:rPr>
-              <a:t>embedido</a:t>
-            </a:r>
-            <a:r>
-              <a:rPr lang="pt-BR" sz="2000" dirty="0">
-                <a:solidFill>
-                  <a:schemeClr val="tx1"/>
-                </a:solidFill>
-                <a:latin typeface="Times New Roman" panose="02020603050405020304" pitchFamily="18" charset="0"/>
-                <a:cs typeface="Times New Roman" panose="02020603050405020304" pitchFamily="18" charset="0"/>
-              </a:rPr>
-              <a:t> é um sistema eletrônico microprocessado, completamente encapsulado, dedicado ao dispositivo ou sistema, , elétrico, mecânico, hidráulico, etc. que ele controla.</a:t>
+              <a:t>dispositivos</a:t>
+            </a:r>
+            <a:r>
+              <a:rPr lang="pt-BR" sz="2000" dirty="0">
+                <a:solidFill>
+                  <a:schemeClr val="tx1"/>
+                </a:solidFill>
+                <a:latin typeface="Times New Roman" panose="02020603050405020304" pitchFamily="18" charset="0"/>
+                <a:cs typeface="Times New Roman" panose="02020603050405020304" pitchFamily="18" charset="0"/>
+              </a:rPr>
+              <a:t> localizados </a:t>
+            </a:r>
+            <a:r>
+              <a:rPr lang="pt-BR" sz="2000" b="1" dirty="0">
+                <a:solidFill>
+                  <a:schemeClr val="tx1"/>
+                </a:solidFill>
+                <a:latin typeface="Times New Roman" panose="02020603050405020304" pitchFamily="18" charset="0"/>
+                <a:cs typeface="Times New Roman" panose="02020603050405020304" pitchFamily="18" charset="0"/>
+              </a:rPr>
+              <a:t>fisicamente dentro do computador</a:t>
+            </a:r>
+            <a:r>
+              <a:rPr lang="pt-BR" sz="2000" dirty="0">
+                <a:solidFill>
+                  <a:schemeClr val="tx1"/>
+                </a:solidFill>
+                <a:latin typeface="Times New Roman" panose="02020603050405020304" pitchFamily="18" charset="0"/>
+                <a:cs typeface="Times New Roman" panose="02020603050405020304" pitchFamily="18" charset="0"/>
+              </a:rPr>
+              <a:t> também são </a:t>
+            </a:r>
+            <a:r>
+              <a:rPr lang="pt-BR" sz="2000" b="1" dirty="0">
+                <a:solidFill>
+                  <a:schemeClr val="tx1"/>
+                </a:solidFill>
+                <a:latin typeface="Times New Roman" panose="02020603050405020304" pitchFamily="18" charset="0"/>
+                <a:cs typeface="Times New Roman" panose="02020603050405020304" pitchFamily="18" charset="0"/>
+              </a:rPr>
+              <a:t>tecnicamente periféricos</a:t>
+            </a:r>
+            <a:r>
+              <a:rPr lang="pt-BR" sz="2000" dirty="0">
+                <a:solidFill>
+                  <a:schemeClr val="tx1"/>
+                </a:solidFill>
+                <a:latin typeface="Times New Roman" panose="02020603050405020304" pitchFamily="18" charset="0"/>
+                <a:cs typeface="Times New Roman" panose="02020603050405020304" pitchFamily="18" charset="0"/>
+              </a:rPr>
+              <a:t>.</a:t>
             </a:r>
           </a:p>
           <a:p>
@@ -11916,42 +11920,82 @@
             <a:r>
               <a:rPr lang="pt-BR" sz="2000" b="1" dirty="0">
                 <a:solidFill>
-                  <a:schemeClr val="tx1"/>
-                </a:solidFill>
-                <a:latin typeface="Times New Roman" panose="02020603050405020304" pitchFamily="18" charset="0"/>
-                <a:cs typeface="Times New Roman" panose="02020603050405020304" pitchFamily="18" charset="0"/>
-              </a:rPr>
-              <a:t>sistemas embarcados móveis</a:t>
-            </a:r>
-            <a:r>
-              <a:rPr lang="pt-BR" sz="2000" dirty="0">
-                <a:solidFill>
-                  <a:schemeClr val="tx1"/>
-                </a:solidFill>
-                <a:latin typeface="Times New Roman" panose="02020603050405020304" pitchFamily="18" charset="0"/>
-                <a:cs typeface="Times New Roman" panose="02020603050405020304" pitchFamily="18" charset="0"/>
-              </a:rPr>
-              <a:t> são </a:t>
+                  <a:srgbClr val="FF0000"/>
+                </a:solidFill>
+                <a:latin typeface="Times New Roman" panose="02020603050405020304" pitchFamily="18" charset="0"/>
+                <a:cs typeface="Times New Roman" panose="02020603050405020304" pitchFamily="18" charset="0"/>
+              </a:rPr>
+              <a:t>dispositivos periféricos</a:t>
+            </a:r>
+            <a:r>
+              <a:rPr lang="pt-BR" sz="2000" dirty="0">
+                <a:solidFill>
+                  <a:schemeClr val="tx1"/>
+                </a:solidFill>
+                <a:latin typeface="Times New Roman" panose="02020603050405020304" pitchFamily="18" charset="0"/>
+                <a:cs typeface="Times New Roman" panose="02020603050405020304" pitchFamily="18" charset="0"/>
+              </a:rPr>
+              <a:t> adicionam </a:t>
             </a:r>
             <a:r>
               <a:rPr lang="pt-BR" sz="2000" b="1" dirty="0">
                 <a:solidFill>
-                  <a:srgbClr val="FF0000"/>
-                </a:solidFill>
-                <a:latin typeface="Times New Roman" panose="02020603050405020304" pitchFamily="18" charset="0"/>
-                <a:cs typeface="Times New Roman" panose="02020603050405020304" pitchFamily="18" charset="0"/>
-              </a:rPr>
-              <a:t>portáteis e práticos</a:t>
-            </a:r>
-            <a:r>
-              <a:rPr lang="pt-BR" sz="2000" dirty="0">
-                <a:solidFill>
-                  <a:schemeClr val="tx1"/>
-                </a:solidFill>
-                <a:latin typeface="Times New Roman" panose="02020603050405020304" pitchFamily="18" charset="0"/>
-                <a:cs typeface="Times New Roman" panose="02020603050405020304" pitchFamily="18" charset="0"/>
-              </a:rPr>
-              <a:t>, assim exigem menos recursos, com memória e funcionalidade limitados. </a:t>
+                  <a:schemeClr val="tx1"/>
+                </a:solidFill>
+                <a:latin typeface="Times New Roman" panose="02020603050405020304" pitchFamily="18" charset="0"/>
+                <a:cs typeface="Times New Roman" panose="02020603050405020304" pitchFamily="18" charset="0"/>
+              </a:rPr>
+              <a:t>funcionalidade ao computador</a:t>
+            </a:r>
+            <a:r>
+              <a:rPr lang="pt-BR" sz="2000" dirty="0">
+                <a:solidFill>
+                  <a:schemeClr val="tx1"/>
+                </a:solidFill>
+                <a:latin typeface="Times New Roman" panose="02020603050405020304" pitchFamily="18" charset="0"/>
+                <a:cs typeface="Times New Roman" panose="02020603050405020304" pitchFamily="18" charset="0"/>
+              </a:rPr>
+              <a:t>, mas não fazem parte do grupo “principal” de componentes, como </a:t>
+            </a:r>
+            <a:r>
+              <a:rPr lang="pt-BR" sz="2000" b="1" dirty="0">
+                <a:solidFill>
+                  <a:schemeClr val="tx1"/>
+                </a:solidFill>
+                <a:latin typeface="Times New Roman" panose="02020603050405020304" pitchFamily="18" charset="0"/>
+                <a:cs typeface="Times New Roman" panose="02020603050405020304" pitchFamily="18" charset="0"/>
+              </a:rPr>
+              <a:t>CPU,  </a:t>
+            </a:r>
+            <a:r>
+              <a:rPr lang="pt-BR" sz="2000" b="1" dirty="0" err="1">
+                <a:solidFill>
+                  <a:schemeClr val="tx1"/>
+                </a:solidFill>
+                <a:latin typeface="Times New Roman" panose="02020603050405020304" pitchFamily="18" charset="0"/>
+                <a:cs typeface="Times New Roman" panose="02020603050405020304" pitchFamily="18" charset="0"/>
+              </a:rPr>
+              <a:t>placa-mãe</a:t>
+            </a:r>
+            <a:r>
+              <a:rPr lang="pt-BR" sz="2000" b="1" dirty="0">
+                <a:solidFill>
+                  <a:schemeClr val="tx1"/>
+                </a:solidFill>
+                <a:latin typeface="Times New Roman" panose="02020603050405020304" pitchFamily="18" charset="0"/>
+                <a:cs typeface="Times New Roman" panose="02020603050405020304" pitchFamily="18" charset="0"/>
+              </a:rPr>
+              <a:t> e fonte de alimentação, memória</a:t>
+            </a:r>
+            <a:r>
+              <a:rPr lang="pt-BR" sz="2000" dirty="0">
+                <a:solidFill>
+                  <a:schemeClr val="tx1"/>
+                </a:solidFill>
+                <a:latin typeface="Times New Roman" panose="02020603050405020304" pitchFamily="18" charset="0"/>
+                <a:cs typeface="Times New Roman" panose="02020603050405020304" pitchFamily="18" charset="0"/>
+              </a:rPr>
+              <a:t>.</a:t>
             </a:r>
           </a:p>
           <a:p>
@@ -11978,35 +12022,92 @@
                 <a:latin typeface="Times New Roman" panose="02020603050405020304" pitchFamily="18" charset="0"/>
                 <a:cs typeface="Times New Roman" panose="02020603050405020304" pitchFamily="18" charset="0"/>
               </a:rPr>
-              <a:t>Por conta disso, é um dos modelos mais utilizados no mercado. Alguns exemplos são os </a:t>
+              <a:t>Os </a:t>
             </a:r>
             <a:r>
               <a:rPr lang="pt-BR" sz="2000" b="1" dirty="0">
                 <a:solidFill>
+                  <a:schemeClr val="tx1"/>
+                </a:solidFill>
+                <a:latin typeface="Times New Roman" panose="02020603050405020304" pitchFamily="18" charset="0"/>
+                <a:cs typeface="Times New Roman" panose="02020603050405020304" pitchFamily="18" charset="0"/>
+              </a:rPr>
+              <a:t>dispositivos externos</a:t>
+            </a:r>
+            <a:r>
+              <a:rPr lang="pt-BR" sz="2000" dirty="0">
+                <a:solidFill>
+                  <a:schemeClr val="tx1"/>
+                </a:solidFill>
+                <a:latin typeface="Times New Roman" panose="02020603050405020304" pitchFamily="18" charset="0"/>
+                <a:cs typeface="Times New Roman" panose="02020603050405020304" pitchFamily="18" charset="0"/>
+              </a:rPr>
+              <a:t>, são todos os </a:t>
+            </a:r>
+            <a:r>
+              <a:rPr lang="pt-BR" sz="2000" b="1" dirty="0">
+                <a:solidFill>
                   <a:srgbClr val="FF0000"/>
                 </a:solidFill>
                 <a:latin typeface="Times New Roman" panose="02020603050405020304" pitchFamily="18" charset="0"/>
                 <a:cs typeface="Times New Roman" panose="02020603050405020304" pitchFamily="18" charset="0"/>
               </a:rPr>
-              <a:t>telefones celulares, laptops e calculadoras</a:t>
-            </a:r>
-            <a:r>
-              <a:rPr lang="pt-BR" sz="2000" dirty="0">
-                <a:solidFill>
-                  <a:schemeClr val="tx1"/>
-                </a:solidFill>
-                <a:latin typeface="Times New Roman" panose="02020603050405020304" pitchFamily="18" charset="0"/>
-                <a:cs typeface="Times New Roman" panose="02020603050405020304" pitchFamily="18" charset="0"/>
-              </a:rPr>
-              <a:t>.</a:t>
-            </a:r>
+              <a:t>componentes conectados externamente</a:t>
+            </a:r>
+            <a:r>
+              <a:rPr lang="pt-BR" sz="2000" dirty="0">
+                <a:solidFill>
+                  <a:schemeClr val="tx1"/>
+                </a:solidFill>
+                <a:latin typeface="Times New Roman" panose="02020603050405020304" pitchFamily="18" charset="0"/>
+                <a:cs typeface="Times New Roman" panose="02020603050405020304" pitchFamily="18" charset="0"/>
+              </a:rPr>
+              <a:t> a um dispositivo, por portas como </a:t>
+            </a:r>
+            <a:r>
+              <a:rPr lang="pt-BR" sz="2000" b="1" dirty="0">
+                <a:solidFill>
+                  <a:schemeClr val="tx1"/>
+                </a:solidFill>
+                <a:latin typeface="Times New Roman" panose="02020603050405020304" pitchFamily="18" charset="0"/>
+                <a:cs typeface="Times New Roman" panose="02020603050405020304" pitchFamily="18" charset="0"/>
+              </a:rPr>
+              <a:t>USB, VGA, Ethernet, HDMI, de áudio</a:t>
+            </a:r>
+            <a:r>
+              <a:rPr lang="pt-BR" sz="2000" dirty="0">
+                <a:solidFill>
+                  <a:schemeClr val="tx1"/>
+                </a:solidFill>
+                <a:latin typeface="Times New Roman" panose="02020603050405020304" pitchFamily="18" charset="0"/>
+                <a:cs typeface="Times New Roman" panose="02020603050405020304" pitchFamily="18" charset="0"/>
+              </a:rPr>
+              <a:t>, </a:t>
+            </a:r>
+            <a:r>
+              <a:rPr lang="pt-BR" sz="2000" dirty="0" err="1">
+                <a:solidFill>
+                  <a:schemeClr val="tx1"/>
+                </a:solidFill>
+                <a:latin typeface="Times New Roman" panose="02020603050405020304" pitchFamily="18" charset="0"/>
+                <a:cs typeface="Times New Roman" panose="02020603050405020304" pitchFamily="18" charset="0"/>
+              </a:rPr>
+              <a:t>etc</a:t>
+            </a:r>
+            <a:endParaRPr lang="pt-BR" sz="2000" dirty="0">
+              <a:solidFill>
+                <a:schemeClr val="tx1"/>
+              </a:solidFill>
+              <a:latin typeface="Times New Roman" panose="02020603050405020304" pitchFamily="18" charset="0"/>
+              <a:cs typeface="Times New Roman" panose="02020603050405020304" pitchFamily="18" charset="0"/>
+            </a:endParaRPr>
           </a:p>
         </p:txBody>
       </p:sp>
     </p:spTree>
     <p:extLst>
       <p:ext uri="{BB962C8B-B14F-4D97-AF65-F5344CB8AC3E}">
-        <p14:creationId xmlns:p14="http://schemas.microsoft.com/office/powerpoint/2010/main" val="416637374"/>
+        <p14:creationId xmlns:p14="http://schemas.microsoft.com/office/powerpoint/2010/main" val="2184932538"/>
       </p:ext>
     </p:extLst>
   </p:cSld>
@@ -12052,26 +12153,10 @@
         </p:spPr>
         <p:txBody>
           <a:bodyPr>
-            <a:normAutofit fontScale="90000"/>
+            <a:normAutofit/>
           </a:bodyPr>
           <a:lstStyle/>
           <a:p>
-            <a:r>
-              <a:rPr lang="en-US" b="1" dirty="0" err="1">
-                <a:solidFill>
-                  <a:srgbClr val="0070C0"/>
-                </a:solidFill>
-              </a:rPr>
-              <a:t>Características</a:t>
-            </a:r>
-            <a:r>
-              <a:rPr lang="en-US" b="1" dirty="0">
-                <a:solidFill>
-                  <a:srgbClr val="0070C0"/>
-                </a:solidFill>
-              </a:rPr>
-              <a:t> - </a:t>
-            </a:r>
             <a:r>
               <a:rPr lang="en-US" b="1" dirty="0" err="1">
                 <a:solidFill>
@@ -12116,8 +12201,8 @@
         </p:nvSpPr>
         <p:spPr>
           <a:xfrm>
-            <a:off x="142865" y="1029462"/>
-            <a:ext cx="8865056" cy="4018026"/>
+            <a:off x="142865" y="1395222"/>
+            <a:ext cx="8865056" cy="3542298"/>
           </a:xfrm>
         </p:spPr>
         <p:txBody>
@@ -12126,131 +12211,182 @@
           </a:bodyPr>
           <a:lstStyle/>
           <a:p>
-            <a:pPr algn="just">
-              <a:buFont typeface="Wingdings" panose="05000000000000000000" pitchFamily="2" charset="2"/>
-              <a:buChar char="§"/>
-            </a:pPr>
-            <a:r>
-              <a:rPr lang="pt-BR" sz="2000" dirty="0">
-                <a:solidFill>
-                  <a:schemeClr val="tx1"/>
-                </a:solidFill>
-                <a:latin typeface="Times New Roman" panose="02020603050405020304" pitchFamily="18" charset="0"/>
-                <a:cs typeface="Times New Roman" panose="02020603050405020304" pitchFamily="18" charset="0"/>
-              </a:rPr>
-              <a:t>Baixo consumo energético</a:t>
-            </a:r>
-          </a:p>
-          <a:p>
-            <a:pPr algn="just">
-              <a:buFont typeface="Wingdings" panose="05000000000000000000" pitchFamily="2" charset="2"/>
-              <a:buChar char="§"/>
-            </a:pPr>
-            <a:r>
-              <a:rPr lang="pt-BR" sz="2000" dirty="0">
-                <a:solidFill>
-                  <a:schemeClr val="tx1"/>
-                </a:solidFill>
-                <a:latin typeface="Times New Roman" panose="02020603050405020304" pitchFamily="18" charset="0"/>
-                <a:cs typeface="Times New Roman" panose="02020603050405020304" pitchFamily="18" charset="0"/>
-              </a:rPr>
-              <a:t>Tamanho reduzido</a:t>
-            </a:r>
-          </a:p>
-          <a:p>
-            <a:pPr algn="just">
-              <a:buFont typeface="Wingdings" panose="05000000000000000000" pitchFamily="2" charset="2"/>
-              <a:buChar char="§"/>
-            </a:pPr>
-            <a:r>
-              <a:rPr lang="pt-BR" sz="2000" dirty="0">
-                <a:solidFill>
-                  <a:schemeClr val="tx1"/>
-                </a:solidFill>
-                <a:latin typeface="Times New Roman" panose="02020603050405020304" pitchFamily="18" charset="0"/>
-                <a:cs typeface="Times New Roman" panose="02020603050405020304" pitchFamily="18" charset="0"/>
-              </a:rPr>
-              <a:t>Baixo custo por unidade</a:t>
-            </a:r>
-          </a:p>
-          <a:p>
-            <a:pPr algn="just">
-              <a:buFont typeface="Wingdings" panose="05000000000000000000" pitchFamily="2" charset="2"/>
-              <a:buChar char="§"/>
-            </a:pPr>
-            <a:r>
-              <a:rPr lang="pt-BR" sz="2000" dirty="0">
-                <a:solidFill>
-                  <a:schemeClr val="tx1"/>
-                </a:solidFill>
-                <a:latin typeface="Times New Roman" panose="02020603050405020304" pitchFamily="18" charset="0"/>
-                <a:cs typeface="Times New Roman" panose="02020603050405020304" pitchFamily="18" charset="0"/>
-              </a:rPr>
-              <a:t>Operação especializada</a:t>
-            </a:r>
-          </a:p>
-          <a:p>
-            <a:pPr algn="just">
-              <a:buFont typeface="Wingdings" panose="05000000000000000000" pitchFamily="2" charset="2"/>
-              <a:buChar char="§"/>
-            </a:pPr>
-            <a:r>
-              <a:rPr lang="pt-BR" sz="2000" dirty="0">
-                <a:solidFill>
-                  <a:schemeClr val="tx1"/>
-                </a:solidFill>
-                <a:latin typeface="Times New Roman" panose="02020603050405020304" pitchFamily="18" charset="0"/>
-                <a:cs typeface="Times New Roman" panose="02020603050405020304" pitchFamily="18" charset="0"/>
-              </a:rPr>
-              <a:t>Baixo tempo de resposta</a:t>
-            </a:r>
-          </a:p>
-          <a:p>
-            <a:pPr algn="just">
-              <a:buFont typeface="Wingdings" panose="05000000000000000000" pitchFamily="2" charset="2"/>
-              <a:buChar char="§"/>
-            </a:pPr>
-            <a:r>
-              <a:rPr lang="pt-BR" sz="2000" dirty="0">
-                <a:solidFill>
-                  <a:schemeClr val="tx1"/>
-                </a:solidFill>
-                <a:latin typeface="Times New Roman" panose="02020603050405020304" pitchFamily="18" charset="0"/>
-                <a:cs typeface="Times New Roman" panose="02020603050405020304" pitchFamily="18" charset="0"/>
-              </a:rPr>
-              <a:t>Operação em tempo real</a:t>
-            </a:r>
-          </a:p>
-          <a:p>
-            <a:pPr algn="just">
-              <a:buFont typeface="Wingdings" panose="05000000000000000000" pitchFamily="2" charset="2"/>
-              <a:buChar char="§"/>
-            </a:pPr>
-            <a:r>
-              <a:rPr lang="pt-BR" sz="2000" dirty="0">
-                <a:solidFill>
-                  <a:schemeClr val="tx1"/>
-                </a:solidFill>
-                <a:latin typeface="Times New Roman" panose="02020603050405020304" pitchFamily="18" charset="0"/>
-                <a:cs typeface="Times New Roman" panose="02020603050405020304" pitchFamily="18" charset="0"/>
-              </a:rPr>
-              <a:t>Confiabilidade e Segurança</a:t>
-            </a:r>
-          </a:p>
-          <a:p>
-            <a:pPr algn="just">
-              <a:buFont typeface="Wingdings" panose="05000000000000000000" pitchFamily="2" charset="2"/>
-              <a:buChar char="§"/>
-            </a:pPr>
-            <a:r>
-              <a:rPr lang="pt-BR" sz="2000" dirty="0">
-                <a:solidFill>
-                  <a:schemeClr val="tx1"/>
-                </a:solidFill>
-                <a:latin typeface="Times New Roman" panose="02020603050405020304" pitchFamily="18" charset="0"/>
-                <a:cs typeface="Times New Roman" panose="02020603050405020304" pitchFamily="18" charset="0"/>
-              </a:rPr>
-              <a:t>Hardware e software coexistem (firmware)</a:t>
+            <a:pPr marL="0" indent="0" algn="just">
+              <a:buNone/>
+            </a:pPr>
+            <a:r>
+              <a:rPr lang="pt-BR" sz="2000" dirty="0">
+                <a:solidFill>
+                  <a:schemeClr val="tx1"/>
+                </a:solidFill>
+                <a:latin typeface="Times New Roman" panose="02020603050405020304" pitchFamily="18" charset="0"/>
+                <a:cs typeface="Times New Roman" panose="02020603050405020304" pitchFamily="18" charset="0"/>
+              </a:rPr>
+              <a:t>Um </a:t>
+            </a:r>
+            <a:r>
+              <a:rPr lang="pt-BR" sz="2000" b="1" dirty="0">
+                <a:solidFill>
+                  <a:schemeClr val="tx1"/>
+                </a:solidFill>
+                <a:latin typeface="Times New Roman" panose="02020603050405020304" pitchFamily="18" charset="0"/>
+                <a:cs typeface="Times New Roman" panose="02020603050405020304" pitchFamily="18" charset="0"/>
+              </a:rPr>
+              <a:t>sistema embarcado</a:t>
+            </a:r>
+            <a:r>
+              <a:rPr lang="pt-BR" sz="2000" dirty="0">
+                <a:solidFill>
+                  <a:schemeClr val="tx1"/>
+                </a:solidFill>
+                <a:latin typeface="Times New Roman" panose="02020603050405020304" pitchFamily="18" charset="0"/>
+                <a:cs typeface="Times New Roman" panose="02020603050405020304" pitchFamily="18" charset="0"/>
+              </a:rPr>
+              <a:t> ou </a:t>
+            </a:r>
+            <a:r>
+              <a:rPr lang="pt-BR" sz="2000" b="1" dirty="0">
+                <a:solidFill>
+                  <a:schemeClr val="tx1"/>
+                </a:solidFill>
+                <a:latin typeface="Times New Roman" panose="02020603050405020304" pitchFamily="18" charset="0"/>
+                <a:cs typeface="Times New Roman" panose="02020603050405020304" pitchFamily="18" charset="0"/>
+              </a:rPr>
+              <a:t>sistema </a:t>
+            </a:r>
+            <a:r>
+              <a:rPr lang="pt-BR" sz="2000" b="1" dirty="0" err="1">
+                <a:solidFill>
+                  <a:schemeClr val="tx1"/>
+                </a:solidFill>
+                <a:latin typeface="Times New Roman" panose="02020603050405020304" pitchFamily="18" charset="0"/>
+                <a:cs typeface="Times New Roman" panose="02020603050405020304" pitchFamily="18" charset="0"/>
+              </a:rPr>
+              <a:t>embedido</a:t>
+            </a:r>
+            <a:r>
+              <a:rPr lang="pt-BR" sz="2000" dirty="0">
+                <a:solidFill>
+                  <a:schemeClr val="tx1"/>
+                </a:solidFill>
+                <a:latin typeface="Times New Roman" panose="02020603050405020304" pitchFamily="18" charset="0"/>
+                <a:cs typeface="Times New Roman" panose="02020603050405020304" pitchFamily="18" charset="0"/>
+              </a:rPr>
+              <a:t> é um sistema eletrônico microprocessado, completamente encapsulado, dedicado ao dispositivo ou sistema, , elétrico, mecânico, hidráulico, etc. que ele controla.</a:t>
+            </a:r>
+          </a:p>
+          <a:p>
+            <a:pPr marL="0" indent="0" algn="just">
+              <a:buNone/>
+            </a:pPr>
+            <a:endParaRPr lang="pt-BR" sz="2000" dirty="0">
+              <a:solidFill>
+                <a:schemeClr val="tx1"/>
+              </a:solidFill>
+              <a:latin typeface="Times New Roman" panose="02020603050405020304" pitchFamily="18" charset="0"/>
+              <a:cs typeface="Times New Roman" panose="02020603050405020304" pitchFamily="18" charset="0"/>
+            </a:endParaRPr>
+          </a:p>
+          <a:p>
+            <a:pPr marL="0" indent="0" algn="just">
+              <a:buNone/>
+            </a:pPr>
+            <a:r>
+              <a:rPr lang="pt-BR" sz="2000" dirty="0">
+                <a:solidFill>
+                  <a:schemeClr val="tx1"/>
+                </a:solidFill>
+                <a:latin typeface="Times New Roman" panose="02020603050405020304" pitchFamily="18" charset="0"/>
+                <a:cs typeface="Times New Roman" panose="02020603050405020304" pitchFamily="18" charset="0"/>
+              </a:rPr>
+              <a:t>Os </a:t>
+            </a:r>
+            <a:r>
+              <a:rPr lang="pt-BR" sz="2000" b="1" dirty="0">
+                <a:solidFill>
+                  <a:schemeClr val="tx1"/>
+                </a:solidFill>
+                <a:latin typeface="Times New Roman" panose="02020603050405020304" pitchFamily="18" charset="0"/>
+                <a:cs typeface="Times New Roman" panose="02020603050405020304" pitchFamily="18" charset="0"/>
+              </a:rPr>
+              <a:t>sistemas embarcados móveis</a:t>
+            </a:r>
+            <a:r>
+              <a:rPr lang="pt-BR" sz="2000" dirty="0">
+                <a:solidFill>
+                  <a:schemeClr val="tx1"/>
+                </a:solidFill>
+                <a:latin typeface="Times New Roman" panose="02020603050405020304" pitchFamily="18" charset="0"/>
+                <a:cs typeface="Times New Roman" panose="02020603050405020304" pitchFamily="18" charset="0"/>
+              </a:rPr>
+              <a:t> são </a:t>
+            </a:r>
+            <a:r>
+              <a:rPr lang="pt-BR" sz="2000" b="1" dirty="0">
+                <a:solidFill>
+                  <a:srgbClr val="FF0000"/>
+                </a:solidFill>
+                <a:latin typeface="Times New Roman" panose="02020603050405020304" pitchFamily="18" charset="0"/>
+                <a:cs typeface="Times New Roman" panose="02020603050405020304" pitchFamily="18" charset="0"/>
+              </a:rPr>
+              <a:t>portáteis e práticos</a:t>
+            </a:r>
+            <a:r>
+              <a:rPr lang="pt-BR" sz="2000" dirty="0">
+                <a:solidFill>
+                  <a:schemeClr val="tx1"/>
+                </a:solidFill>
+                <a:latin typeface="Times New Roman" panose="02020603050405020304" pitchFamily="18" charset="0"/>
+                <a:cs typeface="Times New Roman" panose="02020603050405020304" pitchFamily="18" charset="0"/>
+              </a:rPr>
+              <a:t>, assim exigem menos recursos, como memória e funcionalidades limitadas. </a:t>
+            </a:r>
+          </a:p>
+          <a:p>
+            <a:pPr marL="0" indent="0" algn="just">
+              <a:buNone/>
+            </a:pPr>
+            <a:endParaRPr lang="pt-BR" sz="2000" dirty="0">
+              <a:solidFill>
+                <a:schemeClr val="tx1"/>
+              </a:solidFill>
+              <a:latin typeface="Times New Roman" panose="02020603050405020304" pitchFamily="18" charset="0"/>
+              <a:cs typeface="Times New Roman" panose="02020603050405020304" pitchFamily="18" charset="0"/>
+            </a:endParaRPr>
+          </a:p>
+          <a:p>
+            <a:pPr marL="0" indent="0" algn="just">
+              <a:buNone/>
+            </a:pPr>
+            <a:r>
+              <a:rPr lang="pt-BR" sz="2000" dirty="0">
+                <a:solidFill>
+                  <a:schemeClr val="tx1"/>
+                </a:solidFill>
+                <a:latin typeface="Times New Roman" panose="02020603050405020304" pitchFamily="18" charset="0"/>
+                <a:cs typeface="Times New Roman" panose="02020603050405020304" pitchFamily="18" charset="0"/>
+              </a:rPr>
+              <a:t>Por conta disso, é um dos modelos mais utilizados no mercado. Alguns exemplos são os </a:t>
+            </a:r>
+            <a:r>
+              <a:rPr lang="pt-BR" sz="2000" b="1" dirty="0">
+                <a:solidFill>
+                  <a:srgbClr val="FF0000"/>
+                </a:solidFill>
+                <a:latin typeface="Times New Roman" panose="02020603050405020304" pitchFamily="18" charset="0"/>
+                <a:cs typeface="Times New Roman" panose="02020603050405020304" pitchFamily="18" charset="0"/>
+              </a:rPr>
+              <a:t>telefones celulares, laptops e calculadoras</a:t>
+            </a:r>
+            <a:r>
+              <a:rPr lang="pt-BR" sz="2000" dirty="0">
+                <a:solidFill>
+                  <a:schemeClr val="tx1"/>
+                </a:solidFill>
+                <a:latin typeface="Times New Roman" panose="02020603050405020304" pitchFamily="18" charset="0"/>
+                <a:cs typeface="Times New Roman" panose="02020603050405020304" pitchFamily="18" charset="0"/>
+              </a:rPr>
+              <a:t>.</a:t>
             </a:r>
           </a:p>
         </p:txBody>
@@ -12258,7 +12394,7 @@
     </p:spTree>
     <p:extLst>
       <p:ext uri="{BB962C8B-B14F-4D97-AF65-F5344CB8AC3E}">
-        <p14:creationId xmlns:p14="http://schemas.microsoft.com/office/powerpoint/2010/main" val="2165401709"/>
+        <p14:creationId xmlns:p14="http://schemas.microsoft.com/office/powerpoint/2010/main" val="416637374"/>
       </p:ext>
     </p:extLst>
   </p:cSld>
@@ -12304,17 +12440,25 @@
         </p:spPr>
         <p:txBody>
           <a:bodyPr>
-            <a:normAutofit/>
+            <a:normAutofit fontScale="90000"/>
           </a:bodyPr>
           <a:lstStyle/>
           <a:p>
             <a:r>
+              <a:rPr lang="en-US" b="1" dirty="0" err="1">
+                <a:solidFill>
+                  <a:srgbClr val="0070C0"/>
+                </a:solidFill>
+              </a:rPr>
+              <a:t>Características</a:t>
+            </a:r>
+            <a:r>
               <a:rPr lang="en-US" b="1" dirty="0">
                 <a:solidFill>
                   <a:srgbClr val="0070C0"/>
                 </a:solidFill>
               </a:rPr>
-              <a:t>Hardware - </a:t>
+              <a:t> - </a:t>
             </a:r>
             <a:r>
               <a:rPr lang="en-US" b="1" dirty="0" err="1">
@@ -12370,135 +12514,131 @@
           </a:bodyPr>
           <a:lstStyle/>
           <a:p>
-            <a:pPr marL="0" indent="0" algn="just">
-              <a:buNone/>
-            </a:pPr>
-            <a:r>
-              <a:rPr lang="pt-BR" sz="2000" dirty="0">
-                <a:solidFill>
-                  <a:schemeClr val="tx1"/>
-                </a:solidFill>
-                <a:latin typeface="Times New Roman" panose="02020603050405020304" pitchFamily="18" charset="0"/>
-                <a:cs typeface="Times New Roman" panose="02020603050405020304" pitchFamily="18" charset="0"/>
-              </a:rPr>
-              <a:t>Os </a:t>
-            </a:r>
-            <a:r>
-              <a:rPr lang="pt-BR" sz="2000" b="1" dirty="0">
-                <a:solidFill>
-                  <a:schemeClr val="tx1"/>
-                </a:solidFill>
-                <a:latin typeface="Times New Roman" panose="02020603050405020304" pitchFamily="18" charset="0"/>
-                <a:cs typeface="Times New Roman" panose="02020603050405020304" pitchFamily="18" charset="0"/>
-              </a:rPr>
-              <a:t>sistemas embarcados</a:t>
-            </a:r>
-            <a:r>
-              <a:rPr lang="pt-BR" sz="2000" dirty="0">
-                <a:solidFill>
-                  <a:schemeClr val="tx1"/>
-                </a:solidFill>
-                <a:latin typeface="Times New Roman" panose="02020603050405020304" pitchFamily="18" charset="0"/>
-                <a:cs typeface="Times New Roman" panose="02020603050405020304" pitchFamily="18" charset="0"/>
-              </a:rPr>
-              <a:t> são baseados principalmente em </a:t>
-            </a:r>
-            <a:r>
-              <a:rPr lang="pt-BR" sz="2000" b="1" dirty="0">
-                <a:solidFill>
-                  <a:schemeClr val="tx1"/>
-                </a:solidFill>
-                <a:latin typeface="Times New Roman" panose="02020603050405020304" pitchFamily="18" charset="0"/>
-                <a:cs typeface="Times New Roman" panose="02020603050405020304" pitchFamily="18" charset="0"/>
-              </a:rPr>
-              <a:t>microcontroladores</a:t>
-            </a:r>
-            <a:r>
-              <a:rPr lang="pt-BR" sz="2000" dirty="0">
-                <a:solidFill>
-                  <a:schemeClr val="tx1"/>
-                </a:solidFill>
-                <a:latin typeface="Times New Roman" panose="02020603050405020304" pitchFamily="18" charset="0"/>
-                <a:cs typeface="Times New Roman" panose="02020603050405020304" pitchFamily="18" charset="0"/>
-              </a:rPr>
-              <a:t>. </a:t>
-            </a:r>
-          </a:p>
-          <a:p>
-            <a:pPr marL="0" indent="0" algn="just">
-              <a:buNone/>
-            </a:pPr>
-            <a:endParaRPr lang="pt-BR" sz="2000" dirty="0">
-              <a:solidFill>
-                <a:schemeClr val="tx1"/>
-              </a:solidFill>
-              <a:latin typeface="Times New Roman" panose="02020603050405020304" pitchFamily="18" charset="0"/>
-              <a:cs typeface="Times New Roman" panose="02020603050405020304" pitchFamily="18" charset="0"/>
-            </a:endParaRPr>
-          </a:p>
-          <a:p>
-            <a:pPr marL="0" indent="0" algn="just">
-              <a:buNone/>
-            </a:pPr>
-            <a:r>
-              <a:rPr lang="pt-BR" sz="2000" dirty="0">
-                <a:solidFill>
-                  <a:schemeClr val="tx1"/>
-                </a:solidFill>
-                <a:latin typeface="Times New Roman" panose="02020603050405020304" pitchFamily="18" charset="0"/>
-                <a:cs typeface="Times New Roman" panose="02020603050405020304" pitchFamily="18" charset="0"/>
-              </a:rPr>
-              <a:t>Alguns utilizam microprocessadores (mais complexos), e chips para processamento dedicado, como chips DSP (</a:t>
-            </a:r>
-            <a:r>
-              <a:rPr lang="pt-BR" sz="2000" b="1" dirty="0">
-                <a:solidFill>
-                  <a:schemeClr val="tx1"/>
-                </a:solidFill>
-                <a:latin typeface="Times New Roman" panose="02020603050405020304" pitchFamily="18" charset="0"/>
-                <a:cs typeface="Times New Roman" panose="02020603050405020304" pitchFamily="18" charset="0"/>
-              </a:rPr>
-              <a:t>Digital </a:t>
-            </a:r>
-            <a:r>
-              <a:rPr lang="pt-BR" sz="2000" b="1" dirty="0" err="1">
-                <a:solidFill>
-                  <a:schemeClr val="tx1"/>
-                </a:solidFill>
-                <a:latin typeface="Times New Roman" panose="02020603050405020304" pitchFamily="18" charset="0"/>
-                <a:cs typeface="Times New Roman" panose="02020603050405020304" pitchFamily="18" charset="0"/>
-              </a:rPr>
-              <a:t>Signal</a:t>
-            </a:r>
-            <a:r>
-              <a:rPr lang="pt-BR" sz="2000" b="1" dirty="0">
-                <a:solidFill>
-                  <a:schemeClr val="tx1"/>
-                </a:solidFill>
-                <a:latin typeface="Times New Roman" panose="02020603050405020304" pitchFamily="18" charset="0"/>
-                <a:cs typeface="Times New Roman" panose="02020603050405020304" pitchFamily="18" charset="0"/>
-              </a:rPr>
-              <a:t> </a:t>
-            </a:r>
-            <a:r>
-              <a:rPr lang="pt-BR" sz="2000" b="1" dirty="0" err="1">
-                <a:solidFill>
-                  <a:schemeClr val="tx1"/>
-                </a:solidFill>
-                <a:latin typeface="Times New Roman" panose="02020603050405020304" pitchFamily="18" charset="0"/>
-                <a:cs typeface="Times New Roman" panose="02020603050405020304" pitchFamily="18" charset="0"/>
-              </a:rPr>
-              <a:t>Processing</a:t>
-            </a:r>
-            <a:r>
-              <a:rPr lang="pt-BR" sz="2000" dirty="0">
-                <a:solidFill>
-                  <a:schemeClr val="tx1"/>
-                </a:solidFill>
-                <a:latin typeface="Times New Roman" panose="02020603050405020304" pitchFamily="18" charset="0"/>
-                <a:cs typeface="Times New Roman" panose="02020603050405020304" pitchFamily="18" charset="0"/>
-              </a:rPr>
-              <a:t>).</a:t>
+            <a:pPr algn="just">
+              <a:buFont typeface="Wingdings" panose="05000000000000000000" pitchFamily="2" charset="2"/>
+              <a:buChar char="§"/>
+            </a:pPr>
+            <a:r>
+              <a:rPr lang="pt-BR" sz="2000" dirty="0">
+                <a:solidFill>
+                  <a:schemeClr val="tx1"/>
+                </a:solidFill>
+                <a:latin typeface="Times New Roman" panose="02020603050405020304" pitchFamily="18" charset="0"/>
+                <a:cs typeface="Times New Roman" panose="02020603050405020304" pitchFamily="18" charset="0"/>
+              </a:rPr>
+              <a:t>Baixo consumo energético</a:t>
+            </a:r>
+          </a:p>
+          <a:p>
+            <a:pPr algn="just">
+              <a:buFont typeface="Wingdings" panose="05000000000000000000" pitchFamily="2" charset="2"/>
+              <a:buChar char="§"/>
+            </a:pPr>
+            <a:r>
+              <a:rPr lang="pt-BR" sz="2000" dirty="0">
+                <a:solidFill>
+                  <a:schemeClr val="tx1"/>
+                </a:solidFill>
+                <a:latin typeface="Times New Roman" panose="02020603050405020304" pitchFamily="18" charset="0"/>
+                <a:cs typeface="Times New Roman" panose="02020603050405020304" pitchFamily="18" charset="0"/>
+              </a:rPr>
+              <a:t>Tamanho reduzido</a:t>
+            </a:r>
+          </a:p>
+          <a:p>
+            <a:pPr algn="just">
+              <a:buFont typeface="Wingdings" panose="05000000000000000000" pitchFamily="2" charset="2"/>
+              <a:buChar char="§"/>
+            </a:pPr>
+            <a:r>
+              <a:rPr lang="pt-BR" sz="2000" dirty="0">
+                <a:solidFill>
+                  <a:schemeClr val="tx1"/>
+                </a:solidFill>
+                <a:latin typeface="Times New Roman" panose="02020603050405020304" pitchFamily="18" charset="0"/>
+                <a:cs typeface="Times New Roman" panose="02020603050405020304" pitchFamily="18" charset="0"/>
+              </a:rPr>
+              <a:t>Baixo custo por unidade</a:t>
+            </a:r>
+          </a:p>
+          <a:p>
+            <a:pPr algn="just">
+              <a:buFont typeface="Wingdings" panose="05000000000000000000" pitchFamily="2" charset="2"/>
+              <a:buChar char="§"/>
+            </a:pPr>
+            <a:r>
+              <a:rPr lang="pt-BR" sz="2000" dirty="0">
+                <a:solidFill>
+                  <a:schemeClr val="tx1"/>
+                </a:solidFill>
+                <a:latin typeface="Times New Roman" panose="02020603050405020304" pitchFamily="18" charset="0"/>
+                <a:cs typeface="Times New Roman" panose="02020603050405020304" pitchFamily="18" charset="0"/>
+              </a:rPr>
+              <a:t>Operação especializada</a:t>
+            </a:r>
+          </a:p>
+          <a:p>
+            <a:pPr algn="just">
+              <a:buFont typeface="Wingdings" panose="05000000000000000000" pitchFamily="2" charset="2"/>
+              <a:buChar char="§"/>
+            </a:pPr>
+            <a:r>
+              <a:rPr lang="pt-BR" sz="2000" dirty="0">
+                <a:solidFill>
+                  <a:schemeClr val="tx1"/>
+                </a:solidFill>
+                <a:latin typeface="Times New Roman" panose="02020603050405020304" pitchFamily="18" charset="0"/>
+                <a:cs typeface="Times New Roman" panose="02020603050405020304" pitchFamily="18" charset="0"/>
+              </a:rPr>
+              <a:t>Baixo tempo de resposta</a:t>
+            </a:r>
+          </a:p>
+          <a:p>
+            <a:pPr algn="just">
+              <a:buFont typeface="Wingdings" panose="05000000000000000000" pitchFamily="2" charset="2"/>
+              <a:buChar char="§"/>
+            </a:pPr>
+            <a:r>
+              <a:rPr lang="pt-BR" sz="2000" dirty="0">
+                <a:solidFill>
+                  <a:schemeClr val="tx1"/>
+                </a:solidFill>
+                <a:latin typeface="Times New Roman" panose="02020603050405020304" pitchFamily="18" charset="0"/>
+                <a:cs typeface="Times New Roman" panose="02020603050405020304" pitchFamily="18" charset="0"/>
+              </a:rPr>
+              <a:t>Operação em tempo real</a:t>
+            </a:r>
+          </a:p>
+          <a:p>
+            <a:pPr algn="just">
+              <a:buFont typeface="Wingdings" panose="05000000000000000000" pitchFamily="2" charset="2"/>
+              <a:buChar char="§"/>
+            </a:pPr>
+            <a:r>
+              <a:rPr lang="pt-BR" sz="2000" dirty="0">
+                <a:solidFill>
+                  <a:schemeClr val="tx1"/>
+                </a:solidFill>
+                <a:latin typeface="Times New Roman" panose="02020603050405020304" pitchFamily="18" charset="0"/>
+                <a:cs typeface="Times New Roman" panose="02020603050405020304" pitchFamily="18" charset="0"/>
+              </a:rPr>
+              <a:t>Confiabilidade e Segurança</a:t>
+            </a:r>
+          </a:p>
+          <a:p>
+            <a:pPr algn="just">
+              <a:buFont typeface="Wingdings" panose="05000000000000000000" pitchFamily="2" charset="2"/>
+              <a:buChar char="§"/>
+            </a:pPr>
+            <a:r>
+              <a:rPr lang="pt-BR" sz="2000" dirty="0">
+                <a:solidFill>
+                  <a:schemeClr val="tx1"/>
+                </a:solidFill>
+                <a:latin typeface="Times New Roman" panose="02020603050405020304" pitchFamily="18" charset="0"/>
+                <a:cs typeface="Times New Roman" panose="02020603050405020304" pitchFamily="18" charset="0"/>
+              </a:rPr>
+              <a:t>Hardware e software coexistem (firmware)</a:t>
             </a:r>
           </a:p>
         </p:txBody>
@@ -12506,7 +12646,7 @@
     </p:spTree>
     <p:extLst>
       <p:ext uri="{BB962C8B-B14F-4D97-AF65-F5344CB8AC3E}">
-        <p14:creationId xmlns:p14="http://schemas.microsoft.com/office/powerpoint/2010/main" val="2026084029"/>
+        <p14:creationId xmlns:p14="http://schemas.microsoft.com/office/powerpoint/2010/main" val="2165401709"/>
       </p:ext>
     </p:extLst>
   </p:cSld>
@@ -12557,20 +12697,12 @@
           <a:lstStyle/>
           <a:p>
             <a:r>
-              <a:rPr lang="en-US" b="1" dirty="0" err="1">
+              <a:rPr lang="en-US" b="1" dirty="0">
                 <a:solidFill>
                   <a:srgbClr val="0070C0"/>
                 </a:solidFill>
               </a:rPr>
-              <a:t>Aplicações</a:t>
-            </a:r>
-            <a:r>
-              <a:rPr lang="en-US" b="1" dirty="0">
-                <a:solidFill>
-                  <a:srgbClr val="0070C0"/>
-                </a:solidFill>
-              </a:rPr>
-              <a:t> - </a:t>
+              <a:t>Hardware - </a:t>
             </a:r>
             <a:r>
               <a:rPr lang="en-US" b="1" dirty="0" err="1">
@@ -12637,7 +12769,47 @@
                 <a:latin typeface="Times New Roman" panose="02020603050405020304" pitchFamily="18" charset="0"/>
                 <a:cs typeface="Times New Roman" panose="02020603050405020304" pitchFamily="18" charset="0"/>
               </a:rPr>
-              <a:t>Os sistemas embarcados são utilizados em inúmeras aplicações, como por exemplo:</a:t>
+              <a:t>Os </a:t>
+            </a:r>
+            <a:r>
+              <a:rPr lang="pt-BR" sz="2000" b="1" dirty="0">
+                <a:solidFill>
+                  <a:schemeClr val="tx1"/>
+                </a:solidFill>
+                <a:latin typeface="Times New Roman" panose="02020603050405020304" pitchFamily="18" charset="0"/>
+                <a:cs typeface="Times New Roman" panose="02020603050405020304" pitchFamily="18" charset="0"/>
+              </a:rPr>
+              <a:t>sistemas embarcados</a:t>
+            </a:r>
+            <a:r>
+              <a:rPr lang="pt-BR" sz="2000" dirty="0">
+                <a:solidFill>
+                  <a:schemeClr val="tx1"/>
+                </a:solidFill>
+                <a:latin typeface="Times New Roman" panose="02020603050405020304" pitchFamily="18" charset="0"/>
+                <a:cs typeface="Times New Roman" panose="02020603050405020304" pitchFamily="18" charset="0"/>
+              </a:rPr>
+              <a:t> são baseados principalmente em </a:t>
+            </a:r>
+            <a:r>
+              <a:rPr lang="pt-BR" sz="2000" b="1" dirty="0">
+                <a:solidFill>
+                  <a:schemeClr val="tx1"/>
+                </a:solidFill>
+                <a:latin typeface="Times New Roman" panose="02020603050405020304" pitchFamily="18" charset="0"/>
+                <a:cs typeface="Times New Roman" panose="02020603050405020304" pitchFamily="18" charset="0"/>
+              </a:rPr>
+              <a:t>microcontroladores</a:t>
+            </a:r>
+            <a:r>
+              <a:rPr lang="pt-BR" sz="2000" dirty="0">
+                <a:solidFill>
+                  <a:schemeClr val="tx1"/>
+                </a:solidFill>
+                <a:latin typeface="Times New Roman" panose="02020603050405020304" pitchFamily="18" charset="0"/>
+                <a:cs typeface="Times New Roman" panose="02020603050405020304" pitchFamily="18" charset="0"/>
+              </a:rPr>
+              <a:t>. </a:t>
             </a:r>
           </a:p>
           <a:p>
@@ -12653,161 +12825,68 @@
             </a:endParaRPr>
           </a:p>
           <a:p>
-            <a:pPr algn="just">
-              <a:buFont typeface="Wingdings" panose="05000000000000000000" pitchFamily="2" charset="2"/>
-              <a:buChar char="§"/>
-            </a:pPr>
-            <a:r>
-              <a:rPr lang="pt-BR" sz="2000" dirty="0">
-                <a:solidFill>
-                  <a:schemeClr val="tx1"/>
-                </a:solidFill>
-                <a:latin typeface="Times New Roman" panose="02020603050405020304" pitchFamily="18" charset="0"/>
-                <a:cs typeface="Times New Roman" panose="02020603050405020304" pitchFamily="18" charset="0"/>
-              </a:rPr>
-              <a:t>Relógios digitais</a:t>
-            </a:r>
-          </a:p>
-          <a:p>
-            <a:pPr algn="just">
-              <a:buFont typeface="Wingdings" panose="05000000000000000000" pitchFamily="2" charset="2"/>
-              <a:buChar char="§"/>
-            </a:pPr>
-            <a:r>
-              <a:rPr lang="pt-BR" sz="2000" dirty="0" err="1">
-                <a:solidFill>
-                  <a:schemeClr val="tx1"/>
-                </a:solidFill>
-                <a:latin typeface="Times New Roman" panose="02020603050405020304" pitchFamily="18" charset="0"/>
-                <a:cs typeface="Times New Roman" panose="02020603050405020304" pitchFamily="18" charset="0"/>
-              </a:rPr>
-              <a:t>CLPs</a:t>
-            </a:r>
-            <a:r>
-              <a:rPr lang="pt-BR" sz="2000" dirty="0">
-                <a:solidFill>
-                  <a:schemeClr val="tx1"/>
-                </a:solidFill>
-                <a:latin typeface="Times New Roman" panose="02020603050405020304" pitchFamily="18" charset="0"/>
-                <a:cs typeface="Times New Roman" panose="02020603050405020304" pitchFamily="18" charset="0"/>
-              </a:rPr>
-              <a:t> e controles industriais</a:t>
-            </a:r>
-          </a:p>
-          <a:p>
-            <a:pPr algn="just">
-              <a:buFont typeface="Wingdings" panose="05000000000000000000" pitchFamily="2" charset="2"/>
-              <a:buChar char="§"/>
-            </a:pPr>
-            <a:r>
-              <a:rPr lang="pt-BR" sz="2000" dirty="0">
-                <a:solidFill>
-                  <a:schemeClr val="tx1"/>
-                </a:solidFill>
-                <a:latin typeface="Times New Roman" panose="02020603050405020304" pitchFamily="18" charset="0"/>
-                <a:cs typeface="Times New Roman" panose="02020603050405020304" pitchFamily="18" charset="0"/>
-              </a:rPr>
-              <a:t>Eletrodomésticos (</a:t>
-            </a:r>
-            <a:r>
-              <a:rPr lang="pt-BR" sz="2000" dirty="0" err="1">
-                <a:solidFill>
-                  <a:schemeClr val="tx1"/>
-                </a:solidFill>
-                <a:latin typeface="Times New Roman" panose="02020603050405020304" pitchFamily="18" charset="0"/>
-                <a:cs typeface="Times New Roman" panose="02020603050405020304" pitchFamily="18" charset="0"/>
-              </a:rPr>
-              <a:t>microondas</a:t>
-            </a:r>
-            <a:r>
-              <a:rPr lang="pt-BR" sz="2000" dirty="0">
-                <a:solidFill>
-                  <a:schemeClr val="tx1"/>
-                </a:solidFill>
-                <a:latin typeface="Times New Roman" panose="02020603050405020304" pitchFamily="18" charset="0"/>
-                <a:cs typeface="Times New Roman" panose="02020603050405020304" pitchFamily="18" charset="0"/>
-              </a:rPr>
-              <a:t>, lavadoras)</a:t>
-            </a:r>
-          </a:p>
-          <a:p>
-            <a:pPr algn="just">
-              <a:buFont typeface="Wingdings" panose="05000000000000000000" pitchFamily="2" charset="2"/>
-              <a:buChar char="§"/>
-            </a:pPr>
-            <a:r>
-              <a:rPr lang="pt-BR" sz="2000" dirty="0">
-                <a:solidFill>
-                  <a:schemeClr val="tx1"/>
-                </a:solidFill>
-                <a:latin typeface="Times New Roman" panose="02020603050405020304" pitchFamily="18" charset="0"/>
-                <a:cs typeface="Times New Roman" panose="02020603050405020304" pitchFamily="18" charset="0"/>
-              </a:rPr>
-              <a:t>Aviônica</a:t>
-            </a:r>
-          </a:p>
-          <a:p>
-            <a:pPr algn="just">
-              <a:buFont typeface="Wingdings" panose="05000000000000000000" pitchFamily="2" charset="2"/>
-              <a:buChar char="§"/>
-            </a:pPr>
-            <a:r>
-              <a:rPr lang="pt-BR" sz="2000" dirty="0">
-                <a:solidFill>
-                  <a:schemeClr val="tx1"/>
-                </a:solidFill>
-                <a:latin typeface="Times New Roman" panose="02020603050405020304" pitchFamily="18" charset="0"/>
-                <a:cs typeface="Times New Roman" panose="02020603050405020304" pitchFamily="18" charset="0"/>
-              </a:rPr>
-              <a:t>Eletrônica automotiva</a:t>
-            </a:r>
-          </a:p>
-          <a:p>
-            <a:pPr algn="just">
-              <a:buFont typeface="Wingdings" panose="05000000000000000000" pitchFamily="2" charset="2"/>
-              <a:buChar char="§"/>
-            </a:pPr>
-            <a:r>
-              <a:rPr lang="pt-BR" sz="2000" dirty="0">
-                <a:solidFill>
-                  <a:schemeClr val="tx1"/>
-                </a:solidFill>
-                <a:latin typeface="Times New Roman" panose="02020603050405020304" pitchFamily="18" charset="0"/>
-                <a:cs typeface="Times New Roman" panose="02020603050405020304" pitchFamily="18" charset="0"/>
-              </a:rPr>
-              <a:t>Automação residencial</a:t>
-            </a:r>
-          </a:p>
-          <a:p>
-            <a:pPr algn="just">
-              <a:buFont typeface="Wingdings" panose="05000000000000000000" pitchFamily="2" charset="2"/>
-              <a:buChar char="§"/>
-            </a:pPr>
-            <a:r>
-              <a:rPr lang="pt-BR" sz="2000" dirty="0">
-                <a:solidFill>
-                  <a:schemeClr val="tx1"/>
-                </a:solidFill>
-                <a:latin typeface="Times New Roman" panose="02020603050405020304" pitchFamily="18" charset="0"/>
-                <a:cs typeface="Times New Roman" panose="02020603050405020304" pitchFamily="18" charset="0"/>
-              </a:rPr>
-              <a:t>Telefones celulares</a:t>
-            </a:r>
-          </a:p>
-          <a:p>
-            <a:pPr algn="just">
-              <a:buFont typeface="Wingdings" panose="05000000000000000000" pitchFamily="2" charset="2"/>
-              <a:buChar char="§"/>
-            </a:pPr>
-            <a:r>
-              <a:rPr lang="pt-BR" sz="2000" dirty="0">
-                <a:solidFill>
-                  <a:schemeClr val="tx1"/>
-                </a:solidFill>
-                <a:latin typeface="Times New Roman" panose="02020603050405020304" pitchFamily="18" charset="0"/>
-                <a:cs typeface="Times New Roman" panose="02020603050405020304" pitchFamily="18" charset="0"/>
-              </a:rPr>
-              <a:t>Robótica</a:t>
+            <a:pPr marL="0" indent="0" algn="just">
+              <a:buNone/>
+            </a:pPr>
+            <a:r>
+              <a:rPr lang="pt-BR" sz="2000" dirty="0">
+                <a:solidFill>
+                  <a:schemeClr val="tx1"/>
+                </a:solidFill>
+                <a:latin typeface="Times New Roman" panose="02020603050405020304" pitchFamily="18" charset="0"/>
+                <a:cs typeface="Times New Roman" panose="02020603050405020304" pitchFamily="18" charset="0"/>
+              </a:rPr>
+              <a:t>Alguns utilizam microprocessadores (mais complexos), e chips para processamento dedicado, como chips DSP (</a:t>
+            </a:r>
+            <a:r>
+              <a:rPr lang="pt-BR" sz="2000" b="1" dirty="0">
+                <a:solidFill>
+                  <a:schemeClr val="tx1"/>
+                </a:solidFill>
+                <a:latin typeface="Times New Roman" panose="02020603050405020304" pitchFamily="18" charset="0"/>
+                <a:cs typeface="Times New Roman" panose="02020603050405020304" pitchFamily="18" charset="0"/>
+              </a:rPr>
+              <a:t>Digital </a:t>
+            </a:r>
+            <a:r>
+              <a:rPr lang="pt-BR" sz="2000" b="1" dirty="0" err="1">
+                <a:solidFill>
+                  <a:schemeClr val="tx1"/>
+                </a:solidFill>
+                <a:latin typeface="Times New Roman" panose="02020603050405020304" pitchFamily="18" charset="0"/>
+                <a:cs typeface="Times New Roman" panose="02020603050405020304" pitchFamily="18" charset="0"/>
+              </a:rPr>
+              <a:t>Signal</a:t>
+            </a:r>
+            <a:r>
+              <a:rPr lang="pt-BR" sz="2000" b="1" dirty="0">
+                <a:solidFill>
+                  <a:schemeClr val="tx1"/>
+                </a:solidFill>
+                <a:latin typeface="Times New Roman" panose="02020603050405020304" pitchFamily="18" charset="0"/>
+                <a:cs typeface="Times New Roman" panose="02020603050405020304" pitchFamily="18" charset="0"/>
+              </a:rPr>
+              <a:t> </a:t>
+            </a:r>
+            <a:r>
+              <a:rPr lang="pt-BR" sz="2000" b="1" dirty="0" err="1">
+                <a:solidFill>
+                  <a:schemeClr val="tx1"/>
+                </a:solidFill>
+                <a:latin typeface="Times New Roman" panose="02020603050405020304" pitchFamily="18" charset="0"/>
+                <a:cs typeface="Times New Roman" panose="02020603050405020304" pitchFamily="18" charset="0"/>
+              </a:rPr>
+              <a:t>Processing</a:t>
+            </a:r>
+            <a:r>
+              <a:rPr lang="pt-BR" sz="2000" dirty="0">
+                <a:solidFill>
+                  <a:schemeClr val="tx1"/>
+                </a:solidFill>
+                <a:latin typeface="Times New Roman" panose="02020603050405020304" pitchFamily="18" charset="0"/>
+                <a:cs typeface="Times New Roman" panose="02020603050405020304" pitchFamily="18" charset="0"/>
+              </a:rPr>
+              <a:t>).</a:t>
             </a:r>
           </a:p>
         </p:txBody>
@@ -12815,7 +12894,7 @@
     </p:spTree>
     <p:extLst>
       <p:ext uri="{BB962C8B-B14F-4D97-AF65-F5344CB8AC3E}">
-        <p14:creationId xmlns:p14="http://schemas.microsoft.com/office/powerpoint/2010/main" val="1732544465"/>
+        <p14:creationId xmlns:p14="http://schemas.microsoft.com/office/powerpoint/2010/main" val="2026084029"/>
       </p:ext>
     </p:extLst>
   </p:cSld>
@@ -12946,7 +13025,7 @@
                 <a:latin typeface="Times New Roman" panose="02020603050405020304" pitchFamily="18" charset="0"/>
                 <a:cs typeface="Times New Roman" panose="02020603050405020304" pitchFamily="18" charset="0"/>
               </a:rPr>
-              <a:t>Praticamente tudo o que é programável possui um sistema embarcado. </a:t>
+              <a:t>Os sistemas embarcados são utilizados em inúmeras aplicações, como por exemplo:</a:t>
             </a:r>
           </a:p>
           <a:p>
@@ -12962,136 +13041,19 @@
             </a:endParaRPr>
           </a:p>
           <a:p>
-            <a:pPr marL="0" indent="0" algn="just">
-              <a:buNone/>
-            </a:pPr>
-            <a:r>
-              <a:rPr lang="pt-BR" sz="2000" dirty="0">
-                <a:solidFill>
-                  <a:schemeClr val="tx1"/>
-                </a:solidFill>
-                <a:latin typeface="Times New Roman" panose="02020603050405020304" pitchFamily="18" charset="0"/>
-                <a:cs typeface="Times New Roman" panose="02020603050405020304" pitchFamily="18" charset="0"/>
-              </a:rPr>
-              <a:t>Os </a:t>
-            </a:r>
-            <a:r>
-              <a:rPr lang="pt-BR" sz="2000" b="1" dirty="0">
-                <a:solidFill>
-                  <a:schemeClr val="tx1"/>
-                </a:solidFill>
-                <a:latin typeface="Times New Roman" panose="02020603050405020304" pitchFamily="18" charset="0"/>
-                <a:cs typeface="Times New Roman" panose="02020603050405020304" pitchFamily="18" charset="0"/>
-              </a:rPr>
-              <a:t>sistemas embarcados</a:t>
-            </a:r>
-            <a:r>
-              <a:rPr lang="pt-BR" sz="2000" dirty="0">
-                <a:solidFill>
-                  <a:schemeClr val="tx1"/>
-                </a:solidFill>
-                <a:latin typeface="Times New Roman" panose="02020603050405020304" pitchFamily="18" charset="0"/>
-                <a:cs typeface="Times New Roman" panose="02020603050405020304" pitchFamily="18" charset="0"/>
-              </a:rPr>
-              <a:t> são, geralmente, </a:t>
-            </a:r>
-            <a:r>
-              <a:rPr lang="pt-BR" sz="2000" b="1" dirty="0">
-                <a:solidFill>
-                  <a:srgbClr val="FF0000"/>
-                </a:solidFill>
-                <a:latin typeface="Times New Roman" panose="02020603050405020304" pitchFamily="18" charset="0"/>
-                <a:cs typeface="Times New Roman" panose="02020603050405020304" pitchFamily="18" charset="0"/>
-              </a:rPr>
-              <a:t>classificados em quatro tipos</a:t>
-            </a:r>
-            <a:r>
-              <a:rPr lang="pt-BR" sz="2000" dirty="0">
-                <a:solidFill>
-                  <a:schemeClr val="tx1"/>
-                </a:solidFill>
-                <a:latin typeface="Times New Roman" panose="02020603050405020304" pitchFamily="18" charset="0"/>
-                <a:cs typeface="Times New Roman" panose="02020603050405020304" pitchFamily="18" charset="0"/>
-              </a:rPr>
-              <a:t>:</a:t>
-            </a:r>
-          </a:p>
-          <a:p>
-            <a:pPr marL="0" indent="0" algn="just">
-              <a:buNone/>
-            </a:pPr>
-            <a:endParaRPr lang="pt-BR" sz="2000" dirty="0">
-              <a:solidFill>
-                <a:schemeClr val="tx1"/>
-              </a:solidFill>
-              <a:latin typeface="Times New Roman" panose="02020603050405020304" pitchFamily="18" charset="0"/>
-              <a:cs typeface="Times New Roman" panose="02020603050405020304" pitchFamily="18" charset="0"/>
-            </a:endParaRPr>
-          </a:p>
-          <a:p>
             <a:pPr algn="just">
               <a:buFont typeface="Wingdings" panose="05000000000000000000" pitchFamily="2" charset="2"/>
               <a:buChar char="§"/>
             </a:pPr>
             <a:r>
-              <a:rPr lang="pt-BR" sz="2000" b="1" dirty="0">
-                <a:solidFill>
-                  <a:srgbClr val="FF0000"/>
-                </a:solidFill>
-                <a:latin typeface="Times New Roman" panose="02020603050405020304" pitchFamily="18" charset="0"/>
-                <a:cs typeface="Times New Roman" panose="02020603050405020304" pitchFamily="18" charset="0"/>
-              </a:rPr>
-              <a:t>Computação geral</a:t>
-            </a:r>
-            <a:r>
-              <a:rPr lang="pt-BR" sz="2000" dirty="0">
-                <a:solidFill>
-                  <a:schemeClr val="tx1"/>
-                </a:solidFill>
-                <a:latin typeface="Times New Roman" panose="02020603050405020304" pitchFamily="18" charset="0"/>
-                <a:cs typeface="Times New Roman" panose="02020603050405020304" pitchFamily="18" charset="0"/>
-              </a:rPr>
-              <a:t> (PDA, </a:t>
-            </a:r>
-            <a:r>
-              <a:rPr lang="pt-BR" sz="2000" dirty="0" err="1">
-                <a:solidFill>
-                  <a:schemeClr val="tx1"/>
-                </a:solidFill>
-                <a:latin typeface="Times New Roman" panose="02020603050405020304" pitchFamily="18" charset="0"/>
-                <a:cs typeface="Times New Roman" panose="02020603050405020304" pitchFamily="18" charset="0"/>
-              </a:rPr>
-              <a:t>vídeo-games</a:t>
-            </a:r>
-            <a:r>
-              <a:rPr lang="pt-BR" sz="2000" dirty="0">
-                <a:solidFill>
-                  <a:schemeClr val="tx1"/>
-                </a:solidFill>
-                <a:latin typeface="Times New Roman" panose="02020603050405020304" pitchFamily="18" charset="0"/>
-                <a:cs typeface="Times New Roman" panose="02020603050405020304" pitchFamily="18" charset="0"/>
-              </a:rPr>
-              <a:t>, </a:t>
-            </a:r>
-            <a:r>
-              <a:rPr lang="pt-BR" sz="2000" dirty="0" err="1">
-                <a:solidFill>
-                  <a:schemeClr val="tx1"/>
-                </a:solidFill>
-                <a:latin typeface="Times New Roman" panose="02020603050405020304" pitchFamily="18" charset="0"/>
-                <a:cs typeface="Times New Roman" panose="02020603050405020304" pitchFamily="18" charset="0"/>
-              </a:rPr>
-              <a:t>etc</a:t>
-            </a:r>
-            <a:r>
-              <a:rPr lang="pt-BR" sz="2000" dirty="0">
-                <a:solidFill>
-                  <a:schemeClr val="tx1"/>
-                </a:solidFill>
-                <a:latin typeface="Times New Roman" panose="02020603050405020304" pitchFamily="18" charset="0"/>
-                <a:cs typeface="Times New Roman" panose="02020603050405020304" pitchFamily="18" charset="0"/>
-              </a:rPr>
-              <a:t>); </a:t>
+              <a:rPr lang="pt-BR" sz="2000" dirty="0">
+                <a:solidFill>
+                  <a:schemeClr val="tx1"/>
+                </a:solidFill>
+                <a:latin typeface="Times New Roman" panose="02020603050405020304" pitchFamily="18" charset="0"/>
+                <a:cs typeface="Times New Roman" panose="02020603050405020304" pitchFamily="18" charset="0"/>
+              </a:rPr>
+              <a:t>Relógios digitais</a:t>
             </a:r>
           </a:p>
           <a:p>
@@ -13100,26 +13062,6 @@
               <a:buChar char="§"/>
             </a:pPr>
             <a:r>
-              <a:rPr lang="pt-BR" sz="2000" b="1" dirty="0">
-                <a:solidFill>
-                  <a:srgbClr val="FF0000"/>
-                </a:solidFill>
-                <a:latin typeface="Times New Roman" panose="02020603050405020304" pitchFamily="18" charset="0"/>
-                <a:cs typeface="Times New Roman" panose="02020603050405020304" pitchFamily="18" charset="0"/>
-              </a:rPr>
-              <a:t>Sistemas de Controle</a:t>
-            </a:r>
-            <a:r>
-              <a:rPr lang="pt-BR" sz="2000" dirty="0">
-                <a:solidFill>
-                  <a:schemeClr val="tx1"/>
-                </a:solidFill>
-                <a:latin typeface="Times New Roman" panose="02020603050405020304" pitchFamily="18" charset="0"/>
-                <a:cs typeface="Times New Roman" panose="02020603050405020304" pitchFamily="18" charset="0"/>
-              </a:rPr>
-              <a:t> (Controles veiculares, controles de </a:t>
-            </a:r>
-            <a:r>
               <a:rPr lang="pt-BR" sz="2000" dirty="0" err="1">
                 <a:solidFill>
                   <a:schemeClr val="tx1"/>
@@ -13127,17 +13069,17 @@
                 <a:latin typeface="Times New Roman" panose="02020603050405020304" pitchFamily="18" charset="0"/>
                 <a:cs typeface="Times New Roman" panose="02020603050405020304" pitchFamily="18" charset="0"/>
               </a:rPr>
-              <a:t>vôo</a:t>
-            </a:r>
-            <a:r>
-              <a:rPr lang="pt-BR" sz="2000" dirty="0">
-                <a:solidFill>
-                  <a:schemeClr val="tx1"/>
-                </a:solidFill>
-                <a:latin typeface="Times New Roman" panose="02020603050405020304" pitchFamily="18" charset="0"/>
-                <a:cs typeface="Times New Roman" panose="02020603050405020304" pitchFamily="18" charset="0"/>
-              </a:rPr>
-              <a:t>, reatores nucleares); </a:t>
+              <a:t>CLPs</a:t>
+            </a:r>
+            <a:r>
+              <a:rPr lang="pt-BR" sz="2000" dirty="0">
+                <a:solidFill>
+                  <a:schemeClr val="tx1"/>
+                </a:solidFill>
+                <a:latin typeface="Times New Roman" panose="02020603050405020304" pitchFamily="18" charset="0"/>
+                <a:cs typeface="Times New Roman" panose="02020603050405020304" pitchFamily="18" charset="0"/>
+              </a:rPr>
+              <a:t> e controles industriais</a:t>
             </a:r>
           </a:p>
           <a:p>
@@ -13146,24 +13088,34 @@
               <a:buChar char="§"/>
             </a:pPr>
             <a:r>
-              <a:rPr lang="pt-BR" sz="2000" b="1" dirty="0">
-                <a:solidFill>
-                  <a:srgbClr val="FF0000"/>
-                </a:solidFill>
-                <a:latin typeface="Times New Roman" panose="02020603050405020304" pitchFamily="18" charset="0"/>
-                <a:cs typeface="Times New Roman" panose="02020603050405020304" pitchFamily="18" charset="0"/>
-              </a:rPr>
-              <a:t>Processamento de Sinais</a:t>
-            </a:r>
-            <a:r>
-              <a:rPr lang="pt-BR" sz="2000" dirty="0">
-                <a:solidFill>
-                  <a:schemeClr val="tx1"/>
-                </a:solidFill>
-                <a:latin typeface="Times New Roman" panose="02020603050405020304" pitchFamily="18" charset="0"/>
-                <a:cs typeface="Times New Roman" panose="02020603050405020304" pitchFamily="18" charset="0"/>
-              </a:rPr>
-              <a:t> (radares, sonares, DVD player, processadores de efeitos, analisadores de espectro); </a:t>
+              <a:rPr lang="pt-BR" sz="2000" dirty="0">
+                <a:solidFill>
+                  <a:schemeClr val="tx1"/>
+                </a:solidFill>
+                <a:latin typeface="Times New Roman" panose="02020603050405020304" pitchFamily="18" charset="0"/>
+                <a:cs typeface="Times New Roman" panose="02020603050405020304" pitchFamily="18" charset="0"/>
+              </a:rPr>
+              <a:t>Eletrodomésticos (</a:t>
+            </a:r>
+            <a:r>
+              <a:rPr lang="pt-BR" sz="2000" dirty="0" err="1">
+                <a:solidFill>
+                  <a:schemeClr val="tx1"/>
+                </a:solidFill>
+                <a:latin typeface="Times New Roman" panose="02020603050405020304" pitchFamily="18" charset="0"/>
+                <a:cs typeface="Times New Roman" panose="02020603050405020304" pitchFamily="18" charset="0"/>
+              </a:rPr>
+              <a:t>microondas</a:t>
+            </a:r>
+            <a:r>
+              <a:rPr lang="pt-BR" sz="2000" dirty="0">
+                <a:solidFill>
+                  <a:schemeClr val="tx1"/>
+                </a:solidFill>
+                <a:latin typeface="Times New Roman" panose="02020603050405020304" pitchFamily="18" charset="0"/>
+                <a:cs typeface="Times New Roman" panose="02020603050405020304" pitchFamily="18" charset="0"/>
+              </a:rPr>
+              <a:t>, lavadoras)</a:t>
             </a:r>
           </a:p>
           <a:p>
@@ -13172,24 +13124,78 @@
               <a:buChar char="§"/>
             </a:pPr>
             <a:r>
-              <a:rPr lang="pt-BR" sz="2000" b="1" dirty="0">
-                <a:solidFill>
-                  <a:srgbClr val="FF0000"/>
-                </a:solidFill>
-                <a:latin typeface="Times New Roman" panose="02020603050405020304" pitchFamily="18" charset="0"/>
-                <a:cs typeface="Times New Roman" panose="02020603050405020304" pitchFamily="18" charset="0"/>
-              </a:rPr>
-              <a:t>Comunicação / Rede</a:t>
-            </a:r>
-            <a:r>
-              <a:rPr lang="pt-BR" sz="2000" dirty="0">
-                <a:solidFill>
-                  <a:schemeClr val="tx1"/>
-                </a:solidFill>
-                <a:latin typeface="Times New Roman" panose="02020603050405020304" pitchFamily="18" charset="0"/>
-                <a:cs typeface="Times New Roman" panose="02020603050405020304" pitchFamily="18" charset="0"/>
-              </a:rPr>
-              <a:t> (telefones celulares, roteadores, modems de internet).</a:t>
+              <a:rPr lang="pt-BR" sz="2000" dirty="0">
+                <a:solidFill>
+                  <a:schemeClr val="tx1"/>
+                </a:solidFill>
+                <a:latin typeface="Times New Roman" panose="02020603050405020304" pitchFamily="18" charset="0"/>
+                <a:cs typeface="Times New Roman" panose="02020603050405020304" pitchFamily="18" charset="0"/>
+              </a:rPr>
+              <a:t>Aviônica</a:t>
+            </a:r>
+          </a:p>
+          <a:p>
+            <a:pPr algn="just">
+              <a:buFont typeface="Wingdings" panose="05000000000000000000" pitchFamily="2" charset="2"/>
+              <a:buChar char="§"/>
+            </a:pPr>
+            <a:r>
+              <a:rPr lang="pt-BR" sz="2000" dirty="0">
+                <a:solidFill>
+                  <a:schemeClr val="tx1"/>
+                </a:solidFill>
+                <a:latin typeface="Times New Roman" panose="02020603050405020304" pitchFamily="18" charset="0"/>
+                <a:cs typeface="Times New Roman" panose="02020603050405020304" pitchFamily="18" charset="0"/>
+              </a:rPr>
+              <a:t>Eletrônica automotiva</a:t>
+            </a:r>
+          </a:p>
+          <a:p>
+            <a:pPr algn="just">
+              <a:buFont typeface="Wingdings" panose="05000000000000000000" pitchFamily="2" charset="2"/>
+              <a:buChar char="§"/>
+            </a:pPr>
+            <a:r>
+              <a:rPr lang="pt-BR" sz="2000" dirty="0">
+                <a:solidFill>
+                  <a:schemeClr val="tx1"/>
+                </a:solidFill>
+                <a:latin typeface="Times New Roman" panose="02020603050405020304" pitchFamily="18" charset="0"/>
+                <a:cs typeface="Times New Roman" panose="02020603050405020304" pitchFamily="18" charset="0"/>
+              </a:rPr>
+              <a:t>Automação residencial</a:t>
+            </a:r>
+          </a:p>
+          <a:p>
+            <a:pPr algn="just">
+              <a:buFont typeface="Wingdings" panose="05000000000000000000" pitchFamily="2" charset="2"/>
+              <a:buChar char="§"/>
+            </a:pPr>
+            <a:r>
+              <a:rPr lang="pt-BR" sz="2000" dirty="0">
+                <a:solidFill>
+                  <a:schemeClr val="tx1"/>
+                </a:solidFill>
+                <a:latin typeface="Times New Roman" panose="02020603050405020304" pitchFamily="18" charset="0"/>
+                <a:cs typeface="Times New Roman" panose="02020603050405020304" pitchFamily="18" charset="0"/>
+              </a:rPr>
+              <a:t>Telefones celulares</a:t>
+            </a:r>
+          </a:p>
+          <a:p>
+            <a:pPr algn="just">
+              <a:buFont typeface="Wingdings" panose="05000000000000000000" pitchFamily="2" charset="2"/>
+              <a:buChar char="§"/>
+            </a:pPr>
+            <a:r>
+              <a:rPr lang="pt-BR" sz="2000" dirty="0">
+                <a:solidFill>
+                  <a:schemeClr val="tx1"/>
+                </a:solidFill>
+                <a:latin typeface="Times New Roman" panose="02020603050405020304" pitchFamily="18" charset="0"/>
+                <a:cs typeface="Times New Roman" panose="02020603050405020304" pitchFamily="18" charset="0"/>
+              </a:rPr>
+              <a:t>Robótica</a:t>
             </a:r>
           </a:p>
         </p:txBody>
@@ -13197,7 +13203,7 @@
     </p:spTree>
     <p:extLst>
       <p:ext uri="{BB962C8B-B14F-4D97-AF65-F5344CB8AC3E}">
-        <p14:creationId xmlns:p14="http://schemas.microsoft.com/office/powerpoint/2010/main" val="2344018811"/>
+        <p14:creationId xmlns:p14="http://schemas.microsoft.com/office/powerpoint/2010/main" val="1732544465"/>
       </p:ext>
     </p:extLst>
   </p:cSld>
@@ -13248,12 +13254,20 @@
           <a:lstStyle/>
           <a:p>
             <a:r>
+              <a:rPr lang="en-US" b="1" dirty="0" err="1">
+                <a:solidFill>
+                  <a:srgbClr val="0070C0"/>
+                </a:solidFill>
+              </a:rPr>
+              <a:t>Aplicações</a:t>
+            </a:r>
+            <a:r>
               <a:rPr lang="en-US" b="1" dirty="0">
                 <a:solidFill>
                   <a:srgbClr val="0070C0"/>
                 </a:solidFill>
               </a:rPr>
-              <a:t>Interfaces - </a:t>
+              <a:t> - </a:t>
             </a:r>
             <a:r>
               <a:rPr lang="en-US" b="1" dirty="0" err="1">
@@ -13320,87 +13334,7 @@
                 <a:latin typeface="Times New Roman" panose="02020603050405020304" pitchFamily="18" charset="0"/>
                 <a:cs typeface="Times New Roman" panose="02020603050405020304" pitchFamily="18" charset="0"/>
               </a:rPr>
-              <a:t>Alguns </a:t>
-            </a:r>
-            <a:r>
-              <a:rPr lang="pt-BR" sz="2000" b="1" dirty="0">
-                <a:solidFill>
-                  <a:schemeClr val="tx1"/>
-                </a:solidFill>
-                <a:latin typeface="Times New Roman" panose="02020603050405020304" pitchFamily="18" charset="0"/>
-                <a:cs typeface="Times New Roman" panose="02020603050405020304" pitchFamily="18" charset="0"/>
-              </a:rPr>
-              <a:t>sistemas embarcados</a:t>
-            </a:r>
-            <a:r>
-              <a:rPr lang="pt-BR" sz="2000" dirty="0">
-                <a:solidFill>
-                  <a:schemeClr val="tx1"/>
-                </a:solidFill>
-                <a:latin typeface="Times New Roman" panose="02020603050405020304" pitchFamily="18" charset="0"/>
-                <a:cs typeface="Times New Roman" panose="02020603050405020304" pitchFamily="18" charset="0"/>
-              </a:rPr>
-              <a:t> não possuem </a:t>
-            </a:r>
-            <a:r>
-              <a:rPr lang="pt-BR" sz="2000" b="1" dirty="0">
-                <a:solidFill>
-                  <a:srgbClr val="FF0000"/>
-                </a:solidFill>
-                <a:latin typeface="Times New Roman" panose="02020603050405020304" pitchFamily="18" charset="0"/>
-                <a:cs typeface="Times New Roman" panose="02020603050405020304" pitchFamily="18" charset="0"/>
-              </a:rPr>
-              <a:t>nenhuma interface</a:t>
-            </a:r>
-            <a:r>
-              <a:rPr lang="pt-BR" sz="2000" dirty="0">
-                <a:solidFill>
-                  <a:schemeClr val="tx1"/>
-                </a:solidFill>
-                <a:latin typeface="Times New Roman" panose="02020603050405020304" pitchFamily="18" charset="0"/>
-                <a:cs typeface="Times New Roman" panose="02020603050405020304" pitchFamily="18" charset="0"/>
-              </a:rPr>
-              <a:t>, e outro possuem </a:t>
-            </a:r>
-            <a:r>
-              <a:rPr lang="pt-BR" sz="2000" b="1" dirty="0">
-                <a:solidFill>
-                  <a:schemeClr val="tx1"/>
-                </a:solidFill>
-                <a:latin typeface="Times New Roman" panose="02020603050405020304" pitchFamily="18" charset="0"/>
-                <a:cs typeface="Times New Roman" panose="02020603050405020304" pitchFamily="18" charset="0"/>
-              </a:rPr>
-              <a:t>interfaces gráficas</a:t>
-            </a:r>
-            <a:r>
-              <a:rPr lang="pt-BR" sz="2000" dirty="0">
-                <a:solidFill>
-                  <a:schemeClr val="tx1"/>
-                </a:solidFill>
-                <a:latin typeface="Times New Roman" panose="02020603050405020304" pitchFamily="18" charset="0"/>
-                <a:cs typeface="Times New Roman" panose="02020603050405020304" pitchFamily="18" charset="0"/>
-              </a:rPr>
-              <a:t> complexas para </a:t>
-            </a:r>
-            <a:r>
-              <a:rPr lang="pt-BR" sz="2000" b="1" dirty="0">
-                <a:solidFill>
-                  <a:srgbClr val="FF0000"/>
-                </a:solidFill>
-                <a:latin typeface="Times New Roman" panose="02020603050405020304" pitchFamily="18" charset="0"/>
-                <a:cs typeface="Times New Roman" panose="02020603050405020304" pitchFamily="18" charset="0"/>
-              </a:rPr>
-              <a:t>interação com o usuário</a:t>
-            </a:r>
-            <a:r>
-              <a:rPr lang="pt-BR" sz="2000" dirty="0">
-                <a:solidFill>
-                  <a:schemeClr val="tx1"/>
-                </a:solidFill>
-                <a:latin typeface="Times New Roman" panose="02020603050405020304" pitchFamily="18" charset="0"/>
-                <a:cs typeface="Times New Roman" panose="02020603050405020304" pitchFamily="18" charset="0"/>
-              </a:rPr>
-              <a:t>.</a:t>
+              <a:t>Praticamente tudo o que é programável possui um sistema embarcado. </a:t>
             </a:r>
           </a:p>
           <a:p>
@@ -13427,7 +13361,7 @@
                 <a:latin typeface="Times New Roman" panose="02020603050405020304" pitchFamily="18" charset="0"/>
                 <a:cs typeface="Times New Roman" panose="02020603050405020304" pitchFamily="18" charset="0"/>
               </a:rPr>
-              <a:t>Às vezes a </a:t>
+              <a:t>Os </a:t>
             </a:r>
             <a:r>
               <a:rPr lang="pt-BR" sz="2000" b="1" dirty="0">
@@ -13437,17 +13371,17 @@
                 <a:latin typeface="Times New Roman" panose="02020603050405020304" pitchFamily="18" charset="0"/>
                 <a:cs typeface="Times New Roman" panose="02020603050405020304" pitchFamily="18" charset="0"/>
               </a:rPr>
-              <a:t>interface</a:t>
-            </a:r>
-            <a:r>
-              <a:rPr lang="pt-BR" sz="2000" dirty="0">
-                <a:solidFill>
-                  <a:schemeClr val="tx1"/>
-                </a:solidFill>
-                <a:latin typeface="Times New Roman" panose="02020603050405020304" pitchFamily="18" charset="0"/>
-                <a:cs typeface="Times New Roman" panose="02020603050405020304" pitchFamily="18" charset="0"/>
-              </a:rPr>
-              <a:t> se resume a alguns </a:t>
+              <a:t>sistemas embarcados</a:t>
+            </a:r>
+            <a:r>
+              <a:rPr lang="pt-BR" sz="2000" dirty="0">
+                <a:solidFill>
+                  <a:schemeClr val="tx1"/>
+                </a:solidFill>
+                <a:latin typeface="Times New Roman" panose="02020603050405020304" pitchFamily="18" charset="0"/>
+                <a:cs typeface="Times New Roman" panose="02020603050405020304" pitchFamily="18" charset="0"/>
+              </a:rPr>
+              <a:t> são, geralmente, </a:t>
             </a:r>
             <a:r>
               <a:rPr lang="pt-BR" sz="2000" b="1" dirty="0">
@@ -13457,27 +13391,17 @@
                 <a:latin typeface="Times New Roman" panose="02020603050405020304" pitchFamily="18" charset="0"/>
                 <a:cs typeface="Times New Roman" panose="02020603050405020304" pitchFamily="18" charset="0"/>
               </a:rPr>
-              <a:t>botões, LEDs, sinais sonoros e </a:t>
-            </a:r>
-            <a:r>
-              <a:rPr lang="pt-BR" sz="2000" b="1" dirty="0" err="1">
-                <a:solidFill>
-                  <a:srgbClr val="FF0000"/>
-                </a:solidFill>
-                <a:latin typeface="Times New Roman" panose="02020603050405020304" pitchFamily="18" charset="0"/>
-                <a:cs typeface="Times New Roman" panose="02020603050405020304" pitchFamily="18" charset="0"/>
-              </a:rPr>
-              <a:t>LCDs</a:t>
-            </a:r>
-            <a:r>
-              <a:rPr lang="pt-BR" sz="2000" dirty="0">
-                <a:solidFill>
-                  <a:schemeClr val="tx1"/>
-                </a:solidFill>
-                <a:latin typeface="Times New Roman" panose="02020603050405020304" pitchFamily="18" charset="0"/>
-                <a:cs typeface="Times New Roman" panose="02020603050405020304" pitchFamily="18" charset="0"/>
-              </a:rPr>
-              <a:t>.</a:t>
+              <a:t>classificados em quatro tipos</a:t>
+            </a:r>
+            <a:r>
+              <a:rPr lang="pt-BR" sz="2000" dirty="0">
+                <a:solidFill>
+                  <a:schemeClr val="tx1"/>
+                </a:solidFill>
+                <a:latin typeface="Times New Roman" panose="02020603050405020304" pitchFamily="18" charset="0"/>
+                <a:cs typeface="Times New Roman" panose="02020603050405020304" pitchFamily="18" charset="0"/>
+              </a:rPr>
+              <a:t>:</a:t>
             </a:r>
           </a:p>
           <a:p>
@@ -13493,39 +13417,76 @@
             </a:endParaRPr>
           </a:p>
           <a:p>
-            <a:pPr marL="0" indent="0" algn="just">
-              <a:buNone/>
-            </a:pPr>
-            <a:r>
-              <a:rPr lang="pt-BR" sz="2000" dirty="0">
-                <a:solidFill>
-                  <a:schemeClr val="tx1"/>
-                </a:solidFill>
-                <a:latin typeface="Times New Roman" panose="02020603050405020304" pitchFamily="18" charset="0"/>
-                <a:cs typeface="Times New Roman" panose="02020603050405020304" pitchFamily="18" charset="0"/>
-              </a:rPr>
-              <a:t>Em alguns casos o </a:t>
-            </a:r>
+            <a:pPr algn="just">
+              <a:buFont typeface="Wingdings" panose="05000000000000000000" pitchFamily="2" charset="2"/>
+              <a:buChar char="§"/>
+            </a:pPr>
             <a:r>
               <a:rPr lang="pt-BR" sz="2000" b="1" dirty="0">
                 <a:solidFill>
-                  <a:schemeClr val="tx1"/>
-                </a:solidFill>
-                <a:latin typeface="Times New Roman" panose="02020603050405020304" pitchFamily="18" charset="0"/>
-                <a:cs typeface="Times New Roman" panose="02020603050405020304" pitchFamily="18" charset="0"/>
-              </a:rPr>
-              <a:t>sistema embarcado</a:t>
-            </a:r>
-            <a:r>
-              <a:rPr lang="pt-BR" sz="2000" dirty="0">
-                <a:solidFill>
-                  <a:schemeClr val="tx1"/>
-                </a:solidFill>
-                <a:latin typeface="Times New Roman" panose="02020603050405020304" pitchFamily="18" charset="0"/>
-                <a:cs typeface="Times New Roman" panose="02020603050405020304" pitchFamily="18" charset="0"/>
-              </a:rPr>
-              <a:t> é </a:t>
-            </a:r>
+                  <a:srgbClr val="FF0000"/>
+                </a:solidFill>
+                <a:latin typeface="Times New Roman" panose="02020603050405020304" pitchFamily="18" charset="0"/>
+                <a:cs typeface="Times New Roman" panose="02020603050405020304" pitchFamily="18" charset="0"/>
+              </a:rPr>
+              <a:t>Computação geral</a:t>
+            </a:r>
+            <a:r>
+              <a:rPr lang="pt-BR" sz="2000" dirty="0">
+                <a:solidFill>
+                  <a:schemeClr val="tx1"/>
+                </a:solidFill>
+                <a:latin typeface="Times New Roman" panose="02020603050405020304" pitchFamily="18" charset="0"/>
+                <a:cs typeface="Times New Roman" panose="02020603050405020304" pitchFamily="18" charset="0"/>
+              </a:rPr>
+              <a:t> (PDA, </a:t>
+            </a:r>
+            <a:r>
+              <a:rPr lang="pt-BR" sz="2000" dirty="0" err="1">
+                <a:solidFill>
+                  <a:schemeClr val="tx1"/>
+                </a:solidFill>
+                <a:latin typeface="Times New Roman" panose="02020603050405020304" pitchFamily="18" charset="0"/>
+                <a:cs typeface="Times New Roman" panose="02020603050405020304" pitchFamily="18" charset="0"/>
+              </a:rPr>
+              <a:t>vídeo-games</a:t>
+            </a:r>
+            <a:r>
+              <a:rPr lang="pt-BR" sz="2000" dirty="0">
+                <a:solidFill>
+                  <a:schemeClr val="tx1"/>
+                </a:solidFill>
+                <a:latin typeface="Times New Roman" panose="02020603050405020304" pitchFamily="18" charset="0"/>
+                <a:cs typeface="Times New Roman" panose="02020603050405020304" pitchFamily="18" charset="0"/>
+              </a:rPr>
+              <a:t>, </a:t>
+            </a:r>
+            <a:r>
+              <a:rPr lang="pt-BR" sz="2000" dirty="0" err="1">
+                <a:solidFill>
+                  <a:schemeClr val="tx1"/>
+                </a:solidFill>
+                <a:latin typeface="Times New Roman" panose="02020603050405020304" pitchFamily="18" charset="0"/>
+                <a:cs typeface="Times New Roman" panose="02020603050405020304" pitchFamily="18" charset="0"/>
+              </a:rPr>
+              <a:t>etc</a:t>
+            </a:r>
+            <a:r>
+              <a:rPr lang="pt-BR" sz="2000" dirty="0">
+                <a:solidFill>
+                  <a:schemeClr val="tx1"/>
+                </a:solidFill>
+                <a:latin typeface="Times New Roman" panose="02020603050405020304" pitchFamily="18" charset="0"/>
+                <a:cs typeface="Times New Roman" panose="02020603050405020304" pitchFamily="18" charset="0"/>
+              </a:rPr>
+              <a:t>); </a:t>
+            </a:r>
+          </a:p>
+          <a:p>
+            <a:pPr algn="just">
+              <a:buFont typeface="Wingdings" panose="05000000000000000000" pitchFamily="2" charset="2"/>
+              <a:buChar char="§"/>
+            </a:pPr>
             <a:r>
               <a:rPr lang="pt-BR" sz="2000" b="1" dirty="0">
                 <a:solidFill>
@@ -13534,18 +13495,44 @@
                 <a:latin typeface="Times New Roman" panose="02020603050405020304" pitchFamily="18" charset="0"/>
                 <a:cs typeface="Times New Roman" panose="02020603050405020304" pitchFamily="18" charset="0"/>
               </a:rPr>
-              <a:t>acessado remotamente</a:t>
-            </a:r>
-            <a:r>
-              <a:rPr lang="pt-BR" sz="2000" dirty="0">
-                <a:solidFill>
-                  <a:schemeClr val="tx1"/>
-                </a:solidFill>
-                <a:latin typeface="Times New Roman" panose="02020603050405020304" pitchFamily="18" charset="0"/>
-                <a:cs typeface="Times New Roman" panose="02020603050405020304" pitchFamily="18" charset="0"/>
-              </a:rPr>
-              <a:t>, usando algum </a:t>
-            </a:r>
+              <a:t>Sistemas de Controle</a:t>
+            </a:r>
+            <a:r>
+              <a:rPr lang="pt-BR" sz="2000" dirty="0">
+                <a:solidFill>
+                  <a:schemeClr val="tx1"/>
+                </a:solidFill>
+                <a:latin typeface="Times New Roman" panose="02020603050405020304" pitchFamily="18" charset="0"/>
+                <a:cs typeface="Times New Roman" panose="02020603050405020304" pitchFamily="18" charset="0"/>
+              </a:rPr>
+              <a:t> (Controles veiculares, controles de </a:t>
+            </a:r>
+            <a:r>
+              <a:rPr lang="pt-BR" sz="2000" dirty="0" err="1">
+                <a:solidFill>
+                  <a:schemeClr val="tx1"/>
+                </a:solidFill>
+                <a:latin typeface="Times New Roman" panose="02020603050405020304" pitchFamily="18" charset="0"/>
+                <a:cs typeface="Times New Roman" panose="02020603050405020304" pitchFamily="18" charset="0"/>
+              </a:rPr>
+              <a:t>vôo</a:t>
+            </a:r>
+            <a:r>
+              <a:rPr lang="pt-BR" sz="2000" dirty="0">
+                <a:solidFill>
+                  <a:schemeClr val="tx1"/>
+                </a:solidFill>
+                <a:latin typeface="Times New Roman" panose="02020603050405020304" pitchFamily="18" charset="0"/>
+                <a:cs typeface="Times New Roman" panose="02020603050405020304" pitchFamily="18" charset="0"/>
+              </a:rPr>
+              <a:t>, reatores nucleares); </a:t>
+            </a:r>
+          </a:p>
+          <a:p>
+            <a:pPr algn="just">
+              <a:buFont typeface="Wingdings" panose="05000000000000000000" pitchFamily="2" charset="2"/>
+              <a:buChar char="§"/>
+            </a:pPr>
             <a:r>
               <a:rPr lang="pt-BR" sz="2000" b="1" dirty="0">
                 <a:solidFill>
@@ -13554,57 +13541,43 @@
                 <a:latin typeface="Times New Roman" panose="02020603050405020304" pitchFamily="18" charset="0"/>
                 <a:cs typeface="Times New Roman" panose="02020603050405020304" pitchFamily="18" charset="0"/>
               </a:rPr>
-              <a:t>protocolo de comunicação</a:t>
-            </a:r>
-            <a:r>
-              <a:rPr lang="pt-BR" sz="2000" dirty="0">
-                <a:solidFill>
-                  <a:schemeClr val="tx1"/>
-                </a:solidFill>
-                <a:latin typeface="Times New Roman" panose="02020603050405020304" pitchFamily="18" charset="0"/>
-                <a:cs typeface="Times New Roman" panose="02020603050405020304" pitchFamily="18" charset="0"/>
-              </a:rPr>
-              <a:t> como </a:t>
-            </a:r>
+              <a:t>Processamento de Sinais</a:t>
+            </a:r>
+            <a:r>
+              <a:rPr lang="pt-BR" sz="2000" dirty="0">
+                <a:solidFill>
+                  <a:schemeClr val="tx1"/>
+                </a:solidFill>
+                <a:latin typeface="Times New Roman" panose="02020603050405020304" pitchFamily="18" charset="0"/>
+                <a:cs typeface="Times New Roman" panose="02020603050405020304" pitchFamily="18" charset="0"/>
+              </a:rPr>
+              <a:t> (radares, sonares, DVD player, processadores de efeitos, analisadores de espectro); </a:t>
+            </a:r>
+          </a:p>
+          <a:p>
+            <a:pPr algn="just">
+              <a:buFont typeface="Wingdings" panose="05000000000000000000" pitchFamily="2" charset="2"/>
+              <a:buChar char="§"/>
+            </a:pPr>
             <a:r>
               <a:rPr lang="pt-BR" sz="2000" b="1" dirty="0">
                 <a:solidFill>
-                  <a:schemeClr val="tx1"/>
-                </a:solidFill>
-                <a:latin typeface="Times New Roman" panose="02020603050405020304" pitchFamily="18" charset="0"/>
-                <a:cs typeface="Times New Roman" panose="02020603050405020304" pitchFamily="18" charset="0"/>
-              </a:rPr>
-              <a:t>Ethernet</a:t>
-            </a:r>
-            <a:r>
-              <a:rPr lang="pt-BR" sz="2000" dirty="0">
-                <a:solidFill>
-                  <a:schemeClr val="tx1"/>
-                </a:solidFill>
-                <a:latin typeface="Times New Roman" panose="02020603050405020304" pitchFamily="18" charset="0"/>
-                <a:cs typeface="Times New Roman" panose="02020603050405020304" pitchFamily="18" charset="0"/>
-              </a:rPr>
-              <a:t>, </a:t>
-            </a:r>
-            <a:r>
-              <a:rPr lang="pt-BR" sz="2000" b="1" dirty="0">
-                <a:solidFill>
                   <a:srgbClr val="FF0000"/>
                 </a:solidFill>
                 <a:latin typeface="Times New Roman" panose="02020603050405020304" pitchFamily="18" charset="0"/>
                 <a:cs typeface="Times New Roman" panose="02020603050405020304" pitchFamily="18" charset="0"/>
               </a:rPr>
-              <a:t>USB, RS-232, I2C </a:t>
-            </a:r>
-            <a:r>
-              <a:rPr lang="pt-BR" sz="2000" dirty="0">
-                <a:solidFill>
-                  <a:schemeClr val="tx1"/>
-                </a:solidFill>
-                <a:latin typeface="Times New Roman" panose="02020603050405020304" pitchFamily="18" charset="0"/>
-                <a:cs typeface="Times New Roman" panose="02020603050405020304" pitchFamily="18" charset="0"/>
-              </a:rPr>
-              <a:t>ou outro.</a:t>
+              <a:t>Comunicação / Rede</a:t>
+            </a:r>
+            <a:r>
+              <a:rPr lang="pt-BR" sz="2000" dirty="0">
+                <a:solidFill>
+                  <a:schemeClr val="tx1"/>
+                </a:solidFill>
+                <a:latin typeface="Times New Roman" panose="02020603050405020304" pitchFamily="18" charset="0"/>
+                <a:cs typeface="Times New Roman" panose="02020603050405020304" pitchFamily="18" charset="0"/>
+              </a:rPr>
+              <a:t> (telefones celulares, roteadores, modems de internet).</a:t>
             </a:r>
           </a:p>
         </p:txBody>
@@ -13612,7 +13585,7 @@
     </p:spTree>
     <p:extLst>
       <p:ext uri="{BB962C8B-B14F-4D97-AF65-F5344CB8AC3E}">
-        <p14:creationId xmlns:p14="http://schemas.microsoft.com/office/powerpoint/2010/main" val="1349841108"/>
+        <p14:creationId xmlns:p14="http://schemas.microsoft.com/office/powerpoint/2010/main" val="2344018811"/>
       </p:ext>
     </p:extLst>
   </p:cSld>
@@ -13658,25 +13631,17 @@
         </p:spPr>
         <p:txBody>
           <a:bodyPr>
-            <a:normAutofit fontScale="90000"/>
+            <a:normAutofit/>
           </a:bodyPr>
           <a:lstStyle/>
           <a:p>
             <a:r>
-              <a:rPr lang="en-US" b="1" dirty="0" err="1">
+              <a:rPr lang="en-US" b="1" dirty="0">
                 <a:solidFill>
                   <a:srgbClr val="0070C0"/>
                 </a:solidFill>
               </a:rPr>
-              <a:t>Comunicação</a:t>
-            </a:r>
-            <a:r>
-              <a:rPr lang="en-US" b="1" dirty="0">
-                <a:solidFill>
-                  <a:srgbClr val="0070C0"/>
-                </a:solidFill>
-              </a:rPr>
-              <a:t> - </a:t>
+              <a:t>Interfaces - </a:t>
             </a:r>
             <a:r>
               <a:rPr lang="en-US" b="1" dirty="0" err="1">
@@ -13743,7 +13708,87 @@
                 <a:latin typeface="Times New Roman" panose="02020603050405020304" pitchFamily="18" charset="0"/>
                 <a:cs typeface="Times New Roman" panose="02020603050405020304" pitchFamily="18" charset="0"/>
               </a:rPr>
-              <a:t>Os sistemas embarcados podem se comunicar com o mundo externo usando diversos tipos de periféricos, como:</a:t>
+              <a:t>Alguns </a:t>
+            </a:r>
+            <a:r>
+              <a:rPr lang="pt-BR" sz="2000" b="1" dirty="0">
+                <a:solidFill>
+                  <a:schemeClr val="tx1"/>
+                </a:solidFill>
+                <a:latin typeface="Times New Roman" panose="02020603050405020304" pitchFamily="18" charset="0"/>
+                <a:cs typeface="Times New Roman" panose="02020603050405020304" pitchFamily="18" charset="0"/>
+              </a:rPr>
+              <a:t>sistemas embarcados</a:t>
+            </a:r>
+            <a:r>
+              <a:rPr lang="pt-BR" sz="2000" dirty="0">
+                <a:solidFill>
+                  <a:schemeClr val="tx1"/>
+                </a:solidFill>
+                <a:latin typeface="Times New Roman" panose="02020603050405020304" pitchFamily="18" charset="0"/>
+                <a:cs typeface="Times New Roman" panose="02020603050405020304" pitchFamily="18" charset="0"/>
+              </a:rPr>
+              <a:t> não possuem </a:t>
+            </a:r>
+            <a:r>
+              <a:rPr lang="pt-BR" sz="2000" b="1" dirty="0">
+                <a:solidFill>
+                  <a:srgbClr val="FF0000"/>
+                </a:solidFill>
+                <a:latin typeface="Times New Roman" panose="02020603050405020304" pitchFamily="18" charset="0"/>
+                <a:cs typeface="Times New Roman" panose="02020603050405020304" pitchFamily="18" charset="0"/>
+              </a:rPr>
+              <a:t>nenhuma interface</a:t>
+            </a:r>
+            <a:r>
+              <a:rPr lang="pt-BR" sz="2000" dirty="0">
+                <a:solidFill>
+                  <a:schemeClr val="tx1"/>
+                </a:solidFill>
+                <a:latin typeface="Times New Roman" panose="02020603050405020304" pitchFamily="18" charset="0"/>
+                <a:cs typeface="Times New Roman" panose="02020603050405020304" pitchFamily="18" charset="0"/>
+              </a:rPr>
+              <a:t>, e outro possuem </a:t>
+            </a:r>
+            <a:r>
+              <a:rPr lang="pt-BR" sz="2000" b="1" dirty="0">
+                <a:solidFill>
+                  <a:schemeClr val="tx1"/>
+                </a:solidFill>
+                <a:latin typeface="Times New Roman" panose="02020603050405020304" pitchFamily="18" charset="0"/>
+                <a:cs typeface="Times New Roman" panose="02020603050405020304" pitchFamily="18" charset="0"/>
+              </a:rPr>
+              <a:t>interfaces gráficas</a:t>
+            </a:r>
+            <a:r>
+              <a:rPr lang="pt-BR" sz="2000" dirty="0">
+                <a:solidFill>
+                  <a:schemeClr val="tx1"/>
+                </a:solidFill>
+                <a:latin typeface="Times New Roman" panose="02020603050405020304" pitchFamily="18" charset="0"/>
+                <a:cs typeface="Times New Roman" panose="02020603050405020304" pitchFamily="18" charset="0"/>
+              </a:rPr>
+              <a:t> complexas para </a:t>
+            </a:r>
+            <a:r>
+              <a:rPr lang="pt-BR" sz="2000" b="1" dirty="0">
+                <a:solidFill>
+                  <a:srgbClr val="FF0000"/>
+                </a:solidFill>
+                <a:latin typeface="Times New Roman" panose="02020603050405020304" pitchFamily="18" charset="0"/>
+                <a:cs typeface="Times New Roman" panose="02020603050405020304" pitchFamily="18" charset="0"/>
+              </a:rPr>
+              <a:t>interação com o usuário</a:t>
+            </a:r>
+            <a:r>
+              <a:rPr lang="pt-BR" sz="2000" dirty="0">
+                <a:solidFill>
+                  <a:schemeClr val="tx1"/>
+                </a:solidFill>
+                <a:latin typeface="Times New Roman" panose="02020603050405020304" pitchFamily="18" charset="0"/>
+                <a:cs typeface="Times New Roman" panose="02020603050405020304" pitchFamily="18" charset="0"/>
+              </a:rPr>
+              <a:t>.</a:t>
             </a:r>
           </a:p>
           <a:p>
@@ -13759,175 +13804,195 @@
             </a:endParaRPr>
           </a:p>
           <a:p>
-            <a:pPr algn="just">
-              <a:buFont typeface="Wingdings" panose="05000000000000000000" pitchFamily="2" charset="2"/>
-              <a:buChar char="§"/>
-            </a:pPr>
-            <a:r>
-              <a:rPr lang="pt-BR" sz="2000" dirty="0">
-                <a:solidFill>
-                  <a:schemeClr val="tx1"/>
-                </a:solidFill>
-                <a:latin typeface="Times New Roman" panose="02020603050405020304" pitchFamily="18" charset="0"/>
-                <a:cs typeface="Times New Roman" panose="02020603050405020304" pitchFamily="18" charset="0"/>
-              </a:rPr>
-              <a:t>Interfaces Seriais</a:t>
-            </a:r>
-          </a:p>
-          <a:p>
-            <a:pPr algn="just">
-              <a:buFont typeface="Wingdings" panose="05000000000000000000" pitchFamily="2" charset="2"/>
-              <a:buChar char="§"/>
-            </a:pPr>
-            <a:r>
-              <a:rPr lang="pt-BR" sz="2000" dirty="0">
-                <a:solidFill>
-                  <a:schemeClr val="tx1"/>
-                </a:solidFill>
-                <a:latin typeface="Times New Roman" panose="02020603050405020304" pitchFamily="18" charset="0"/>
-                <a:cs typeface="Times New Roman" panose="02020603050405020304" pitchFamily="18" charset="0"/>
-              </a:rPr>
-              <a:t>Cartões SD, </a:t>
-            </a:r>
-            <a:r>
-              <a:rPr lang="pt-BR" sz="2000" dirty="0" err="1">
-                <a:solidFill>
-                  <a:schemeClr val="tx1"/>
-                </a:solidFill>
-                <a:latin typeface="Times New Roman" panose="02020603050405020304" pitchFamily="18" charset="0"/>
-                <a:cs typeface="Times New Roman" panose="02020603050405020304" pitchFamily="18" charset="0"/>
-              </a:rPr>
-              <a:t>Compact</a:t>
-            </a:r>
-            <a:r>
-              <a:rPr lang="pt-BR" sz="2000" dirty="0">
-                <a:solidFill>
-                  <a:schemeClr val="tx1"/>
-                </a:solidFill>
-                <a:latin typeface="Times New Roman" panose="02020603050405020304" pitchFamily="18" charset="0"/>
-                <a:cs typeface="Times New Roman" panose="02020603050405020304" pitchFamily="18" charset="0"/>
-              </a:rPr>
-              <a:t> Flash, etc.</a:t>
-            </a:r>
-          </a:p>
-          <a:p>
-            <a:pPr algn="just">
-              <a:buFont typeface="Wingdings" panose="05000000000000000000" pitchFamily="2" charset="2"/>
-              <a:buChar char="§"/>
-            </a:pPr>
-            <a:r>
-              <a:rPr lang="pt-BR" sz="2000" dirty="0">
-                <a:solidFill>
-                  <a:schemeClr val="tx1"/>
-                </a:solidFill>
-                <a:latin typeface="Times New Roman" panose="02020603050405020304" pitchFamily="18" charset="0"/>
-                <a:cs typeface="Times New Roman" panose="02020603050405020304" pitchFamily="18" charset="0"/>
-              </a:rPr>
-              <a:t>Rede Ethernet</a:t>
-            </a:r>
-          </a:p>
-          <a:p>
-            <a:pPr algn="just">
-              <a:buFont typeface="Wingdings" panose="05000000000000000000" pitchFamily="2" charset="2"/>
-              <a:buChar char="§"/>
-            </a:pPr>
-            <a:r>
-              <a:rPr lang="pt-BR" sz="2000" dirty="0">
-                <a:solidFill>
-                  <a:schemeClr val="tx1"/>
-                </a:solidFill>
-                <a:latin typeface="Times New Roman" panose="02020603050405020304" pitchFamily="18" charset="0"/>
-                <a:cs typeface="Times New Roman" panose="02020603050405020304" pitchFamily="18" charset="0"/>
-              </a:rPr>
-              <a:t>GPIO (General </a:t>
-            </a:r>
-            <a:r>
-              <a:rPr lang="pt-BR" sz="2000" dirty="0" err="1">
-                <a:solidFill>
-                  <a:schemeClr val="tx1"/>
-                </a:solidFill>
-                <a:latin typeface="Times New Roman" panose="02020603050405020304" pitchFamily="18" charset="0"/>
-                <a:cs typeface="Times New Roman" panose="02020603050405020304" pitchFamily="18" charset="0"/>
-              </a:rPr>
-              <a:t>Purpose</a:t>
-            </a:r>
-            <a:r>
-              <a:rPr lang="pt-BR" sz="2000" dirty="0">
-                <a:solidFill>
-                  <a:schemeClr val="tx1"/>
-                </a:solidFill>
-                <a:latin typeface="Times New Roman" panose="02020603050405020304" pitchFamily="18" charset="0"/>
-                <a:cs typeface="Times New Roman" panose="02020603050405020304" pitchFamily="18" charset="0"/>
-              </a:rPr>
-              <a:t> Input/Output Pin)</a:t>
-            </a:r>
-          </a:p>
-          <a:p>
-            <a:pPr algn="just">
-              <a:buFont typeface="Wingdings" panose="05000000000000000000" pitchFamily="2" charset="2"/>
-              <a:buChar char="§"/>
-            </a:pPr>
-            <a:r>
-              <a:rPr lang="pt-BR" sz="2000" dirty="0">
-                <a:solidFill>
-                  <a:schemeClr val="tx1"/>
-                </a:solidFill>
-                <a:latin typeface="Times New Roman" panose="02020603050405020304" pitchFamily="18" charset="0"/>
-                <a:cs typeface="Times New Roman" panose="02020603050405020304" pitchFamily="18" charset="0"/>
-              </a:rPr>
-              <a:t>Conversores ADC e DAC</a:t>
-            </a:r>
-          </a:p>
-          <a:p>
-            <a:pPr algn="just">
-              <a:buFont typeface="Wingdings" panose="05000000000000000000" pitchFamily="2" charset="2"/>
-              <a:buChar char="§"/>
-            </a:pPr>
-            <a:r>
-              <a:rPr lang="pt-BR" sz="2000" dirty="0">
-                <a:solidFill>
-                  <a:schemeClr val="tx1"/>
-                </a:solidFill>
-                <a:latin typeface="Times New Roman" panose="02020603050405020304" pitchFamily="18" charset="0"/>
-                <a:cs typeface="Times New Roman" panose="02020603050405020304" pitchFamily="18" charset="0"/>
-              </a:rPr>
-              <a:t>Barramentos especializados, como PROFIBUS</a:t>
-            </a:r>
-          </a:p>
-          <a:p>
-            <a:pPr algn="just">
-              <a:buFont typeface="Wingdings" panose="05000000000000000000" pitchFamily="2" charset="2"/>
-              <a:buChar char="§"/>
-            </a:pPr>
-            <a:r>
-              <a:rPr lang="pt-BR" sz="2000" dirty="0">
-                <a:solidFill>
-                  <a:schemeClr val="tx1"/>
-                </a:solidFill>
-                <a:latin typeface="Times New Roman" panose="02020603050405020304" pitchFamily="18" charset="0"/>
-                <a:cs typeface="Times New Roman" panose="02020603050405020304" pitchFamily="18" charset="0"/>
-              </a:rPr>
-              <a:t>Interfaces wireless, como </a:t>
-            </a:r>
-            <a:r>
-              <a:rPr lang="pt-BR" sz="2000" dirty="0" err="1">
-                <a:solidFill>
-                  <a:schemeClr val="tx1"/>
-                </a:solidFill>
-                <a:latin typeface="Times New Roman" panose="02020603050405020304" pitchFamily="18" charset="0"/>
-                <a:cs typeface="Times New Roman" panose="02020603050405020304" pitchFamily="18" charset="0"/>
-              </a:rPr>
-              <a:t>XBee</a:t>
-            </a:r>
-            <a:r>
-              <a:rPr lang="pt-BR" sz="2000" dirty="0">
-                <a:solidFill>
-                  <a:schemeClr val="tx1"/>
-                </a:solidFill>
-                <a:latin typeface="Times New Roman" panose="02020603050405020304" pitchFamily="18" charset="0"/>
-                <a:cs typeface="Times New Roman" panose="02020603050405020304" pitchFamily="18" charset="0"/>
-              </a:rPr>
-              <a:t> e Bluetooth</a:t>
+            <a:pPr marL="0" indent="0" algn="just">
+              <a:buNone/>
+            </a:pPr>
+            <a:r>
+              <a:rPr lang="pt-BR" sz="2000" dirty="0">
+                <a:solidFill>
+                  <a:schemeClr val="tx1"/>
+                </a:solidFill>
+                <a:latin typeface="Times New Roman" panose="02020603050405020304" pitchFamily="18" charset="0"/>
+                <a:cs typeface="Times New Roman" panose="02020603050405020304" pitchFamily="18" charset="0"/>
+              </a:rPr>
+              <a:t>Às vezes a </a:t>
+            </a:r>
+            <a:r>
+              <a:rPr lang="pt-BR" sz="2000" b="1" dirty="0">
+                <a:solidFill>
+                  <a:schemeClr val="tx1"/>
+                </a:solidFill>
+                <a:latin typeface="Times New Roman" panose="02020603050405020304" pitchFamily="18" charset="0"/>
+                <a:cs typeface="Times New Roman" panose="02020603050405020304" pitchFamily="18" charset="0"/>
+              </a:rPr>
+              <a:t>interface</a:t>
+            </a:r>
+            <a:r>
+              <a:rPr lang="pt-BR" sz="2000" dirty="0">
+                <a:solidFill>
+                  <a:schemeClr val="tx1"/>
+                </a:solidFill>
+                <a:latin typeface="Times New Roman" panose="02020603050405020304" pitchFamily="18" charset="0"/>
+                <a:cs typeface="Times New Roman" panose="02020603050405020304" pitchFamily="18" charset="0"/>
+              </a:rPr>
+              <a:t> se resume a alguns </a:t>
+            </a:r>
+            <a:r>
+              <a:rPr lang="pt-BR" sz="2000" b="1" dirty="0">
+                <a:solidFill>
+                  <a:srgbClr val="FF0000"/>
+                </a:solidFill>
+                <a:latin typeface="Times New Roman" panose="02020603050405020304" pitchFamily="18" charset="0"/>
+                <a:cs typeface="Times New Roman" panose="02020603050405020304" pitchFamily="18" charset="0"/>
+              </a:rPr>
+              <a:t>botões, LEDs, sinais sonoros e </a:t>
+            </a:r>
+            <a:r>
+              <a:rPr lang="pt-BR" sz="2000" b="1" dirty="0" err="1">
+                <a:solidFill>
+                  <a:srgbClr val="FF0000"/>
+                </a:solidFill>
+                <a:latin typeface="Times New Roman" panose="02020603050405020304" pitchFamily="18" charset="0"/>
+                <a:cs typeface="Times New Roman" panose="02020603050405020304" pitchFamily="18" charset="0"/>
+              </a:rPr>
+              <a:t>LCDs</a:t>
+            </a:r>
+            <a:r>
+              <a:rPr lang="pt-BR" sz="2000" dirty="0">
+                <a:solidFill>
+                  <a:schemeClr val="tx1"/>
+                </a:solidFill>
+                <a:latin typeface="Times New Roman" panose="02020603050405020304" pitchFamily="18" charset="0"/>
+                <a:cs typeface="Times New Roman" panose="02020603050405020304" pitchFamily="18" charset="0"/>
+              </a:rPr>
+              <a:t>.</a:t>
+            </a:r>
+          </a:p>
+          <a:p>
+            <a:pPr marL="0" indent="0" algn="just">
+              <a:buNone/>
+            </a:pPr>
+            <a:endParaRPr lang="pt-BR" sz="2000" dirty="0">
+              <a:solidFill>
+                <a:schemeClr val="tx1"/>
+              </a:solidFill>
+              <a:latin typeface="Times New Roman" panose="02020603050405020304" pitchFamily="18" charset="0"/>
+              <a:cs typeface="Times New Roman" panose="02020603050405020304" pitchFamily="18" charset="0"/>
+            </a:endParaRPr>
+          </a:p>
+          <a:p>
+            <a:pPr marL="0" indent="0" algn="just">
+              <a:buNone/>
+            </a:pPr>
+            <a:r>
+              <a:rPr lang="pt-BR" sz="2000" dirty="0">
+                <a:solidFill>
+                  <a:schemeClr val="tx1"/>
+                </a:solidFill>
+                <a:latin typeface="Times New Roman" panose="02020603050405020304" pitchFamily="18" charset="0"/>
+                <a:cs typeface="Times New Roman" panose="02020603050405020304" pitchFamily="18" charset="0"/>
+              </a:rPr>
+              <a:t>Em alguns casos o </a:t>
+            </a:r>
+            <a:r>
+              <a:rPr lang="pt-BR" sz="2000" b="1" dirty="0">
+                <a:solidFill>
+                  <a:schemeClr val="tx1"/>
+                </a:solidFill>
+                <a:latin typeface="Times New Roman" panose="02020603050405020304" pitchFamily="18" charset="0"/>
+                <a:cs typeface="Times New Roman" panose="02020603050405020304" pitchFamily="18" charset="0"/>
+              </a:rPr>
+              <a:t>sistema embarcado</a:t>
+            </a:r>
+            <a:r>
+              <a:rPr lang="pt-BR" sz="2000" dirty="0">
+                <a:solidFill>
+                  <a:schemeClr val="tx1"/>
+                </a:solidFill>
+                <a:latin typeface="Times New Roman" panose="02020603050405020304" pitchFamily="18" charset="0"/>
+                <a:cs typeface="Times New Roman" panose="02020603050405020304" pitchFamily="18" charset="0"/>
+              </a:rPr>
+              <a:t> é </a:t>
+            </a:r>
+            <a:r>
+              <a:rPr lang="pt-BR" sz="2000" b="1" dirty="0">
+                <a:solidFill>
+                  <a:srgbClr val="FF0000"/>
+                </a:solidFill>
+                <a:latin typeface="Times New Roman" panose="02020603050405020304" pitchFamily="18" charset="0"/>
+                <a:cs typeface="Times New Roman" panose="02020603050405020304" pitchFamily="18" charset="0"/>
+              </a:rPr>
+              <a:t>acessado remotamente</a:t>
+            </a:r>
+            <a:r>
+              <a:rPr lang="pt-BR" sz="2000" dirty="0">
+                <a:solidFill>
+                  <a:schemeClr val="tx1"/>
+                </a:solidFill>
+                <a:latin typeface="Times New Roman" panose="02020603050405020304" pitchFamily="18" charset="0"/>
+                <a:cs typeface="Times New Roman" panose="02020603050405020304" pitchFamily="18" charset="0"/>
+              </a:rPr>
+              <a:t>, usando algum </a:t>
+            </a:r>
+            <a:r>
+              <a:rPr lang="pt-BR" sz="2000" b="1" dirty="0">
+                <a:solidFill>
+                  <a:srgbClr val="FF0000"/>
+                </a:solidFill>
+                <a:latin typeface="Times New Roman" panose="02020603050405020304" pitchFamily="18" charset="0"/>
+                <a:cs typeface="Times New Roman" panose="02020603050405020304" pitchFamily="18" charset="0"/>
+              </a:rPr>
+              <a:t>protocolo de comunicação</a:t>
+            </a:r>
+            <a:r>
+              <a:rPr lang="pt-BR" sz="2000" dirty="0">
+                <a:solidFill>
+                  <a:schemeClr val="tx1"/>
+                </a:solidFill>
+                <a:latin typeface="Times New Roman" panose="02020603050405020304" pitchFamily="18" charset="0"/>
+                <a:cs typeface="Times New Roman" panose="02020603050405020304" pitchFamily="18" charset="0"/>
+              </a:rPr>
+              <a:t> como </a:t>
+            </a:r>
+            <a:r>
+              <a:rPr lang="pt-BR" sz="2000" b="1" dirty="0">
+                <a:solidFill>
+                  <a:schemeClr val="tx1"/>
+                </a:solidFill>
+                <a:latin typeface="Times New Roman" panose="02020603050405020304" pitchFamily="18" charset="0"/>
+                <a:cs typeface="Times New Roman" panose="02020603050405020304" pitchFamily="18" charset="0"/>
+              </a:rPr>
+              <a:t>Ethernet</a:t>
+            </a:r>
+            <a:r>
+              <a:rPr lang="pt-BR" sz="2000" dirty="0">
+                <a:solidFill>
+                  <a:schemeClr val="tx1"/>
+                </a:solidFill>
+                <a:latin typeface="Times New Roman" panose="02020603050405020304" pitchFamily="18" charset="0"/>
+                <a:cs typeface="Times New Roman" panose="02020603050405020304" pitchFamily="18" charset="0"/>
+              </a:rPr>
+              <a:t>, </a:t>
+            </a:r>
+            <a:r>
+              <a:rPr lang="pt-BR" sz="2000" b="1" dirty="0">
+                <a:solidFill>
+                  <a:srgbClr val="FF0000"/>
+                </a:solidFill>
+                <a:latin typeface="Times New Roman" panose="02020603050405020304" pitchFamily="18" charset="0"/>
+                <a:cs typeface="Times New Roman" panose="02020603050405020304" pitchFamily="18" charset="0"/>
+              </a:rPr>
+              <a:t>USB, RS-232, I2C </a:t>
+            </a:r>
+            <a:r>
+              <a:rPr lang="pt-BR" sz="2000" dirty="0">
+                <a:solidFill>
+                  <a:schemeClr val="tx1"/>
+                </a:solidFill>
+                <a:latin typeface="Times New Roman" panose="02020603050405020304" pitchFamily="18" charset="0"/>
+                <a:cs typeface="Times New Roman" panose="02020603050405020304" pitchFamily="18" charset="0"/>
+              </a:rPr>
+              <a:t>ou outro.</a:t>
             </a:r>
           </a:p>
         </p:txBody>
@@ -13935,7 +14000,7 @@
     </p:spTree>
     <p:extLst>
       <p:ext uri="{BB962C8B-B14F-4D97-AF65-F5344CB8AC3E}">
-        <p14:creationId xmlns:p14="http://schemas.microsoft.com/office/powerpoint/2010/main" val="3694847235"/>
+        <p14:creationId xmlns:p14="http://schemas.microsoft.com/office/powerpoint/2010/main" val="1349841108"/>
       </p:ext>
     </p:extLst>
   </p:cSld>
@@ -13981,7 +14046,7 @@
         </p:spPr>
         <p:txBody>
           <a:bodyPr>
-            <a:normAutofit/>
+            <a:normAutofit fontScale="90000"/>
           </a:bodyPr>
           <a:lstStyle/>
           <a:p>
@@ -13991,7 +14056,7 @@
                   <a:srgbClr val="0070C0"/>
                 </a:solidFill>
               </a:rPr>
-              <a:t>Vídeo</a:t>
+              <a:t>Comunicação</a:t>
             </a:r>
             <a:r>
               <a:rPr lang="en-US" b="1" dirty="0">
@@ -14058,6 +14123,21 @@
             <a:pPr marL="0" indent="0" algn="just">
               <a:buNone/>
             </a:pPr>
+            <a:r>
+              <a:rPr lang="pt-BR" sz="2000" dirty="0">
+                <a:solidFill>
+                  <a:schemeClr val="tx1"/>
+                </a:solidFill>
+                <a:latin typeface="Times New Roman" panose="02020603050405020304" pitchFamily="18" charset="0"/>
+                <a:cs typeface="Times New Roman" panose="02020603050405020304" pitchFamily="18" charset="0"/>
+              </a:rPr>
+              <a:t>Os sistemas embarcados podem se comunicar com o mundo externo usando diversos tipos de periféricos, como:</a:t>
+            </a:r>
+          </a:p>
+          <a:p>
+            <a:pPr marL="0" indent="0" algn="just">
+              <a:buNone/>
+            </a:pPr>
             <a:endParaRPr lang="pt-BR" sz="2000" dirty="0">
               <a:solidFill>
                 <a:schemeClr val="tx1"/>
@@ -14067,173 +14147,183 @@
             </a:endParaRPr>
           </a:p>
           <a:p>
-            <a:pPr marL="0" indent="0" algn="just">
-              <a:buNone/>
-            </a:pPr>
-            <a:endParaRPr lang="pt-BR" sz="2000" dirty="0">
-              <a:solidFill>
-                <a:schemeClr val="tx1"/>
-              </a:solidFill>
-              <a:latin typeface="Times New Roman" panose="02020603050405020304" pitchFamily="18" charset="0"/>
-              <a:cs typeface="Times New Roman" panose="02020603050405020304" pitchFamily="18" charset="0"/>
-            </a:endParaRPr>
-          </a:p>
-          <a:p>
-            <a:pPr marL="0" indent="0" algn="just">
-              <a:buNone/>
-            </a:pPr>
-            <a:endParaRPr lang="pt-BR" sz="2000" dirty="0">
-              <a:solidFill>
-                <a:schemeClr val="tx1"/>
-              </a:solidFill>
-              <a:latin typeface="Times New Roman" panose="02020603050405020304" pitchFamily="18" charset="0"/>
-              <a:cs typeface="Times New Roman" panose="02020603050405020304" pitchFamily="18" charset="0"/>
-            </a:endParaRPr>
-          </a:p>
-          <a:p>
-            <a:pPr marL="0" indent="0" algn="just">
-              <a:buNone/>
-            </a:pPr>
-            <a:endParaRPr lang="pt-BR" sz="2000" dirty="0">
-              <a:solidFill>
-                <a:schemeClr val="tx1"/>
-              </a:solidFill>
-              <a:latin typeface="Times New Roman" panose="02020603050405020304" pitchFamily="18" charset="0"/>
-              <a:cs typeface="Times New Roman" panose="02020603050405020304" pitchFamily="18" charset="0"/>
-            </a:endParaRPr>
-          </a:p>
-          <a:p>
-            <a:pPr marL="0" indent="0" algn="just">
-              <a:buNone/>
-            </a:pPr>
-            <a:endParaRPr lang="pt-BR" sz="2000" dirty="0">
-              <a:solidFill>
-                <a:schemeClr val="tx1"/>
-              </a:solidFill>
-              <a:latin typeface="Times New Roman" panose="02020603050405020304" pitchFamily="18" charset="0"/>
-              <a:cs typeface="Times New Roman" panose="02020603050405020304" pitchFamily="18" charset="0"/>
-            </a:endParaRPr>
-          </a:p>
-          <a:p>
-            <a:pPr marL="0" indent="0" algn="just">
-              <a:buNone/>
-            </a:pPr>
-            <a:endParaRPr lang="pt-BR" sz="2000" dirty="0">
-              <a:solidFill>
-                <a:schemeClr val="tx1"/>
-              </a:solidFill>
-              <a:latin typeface="Times New Roman" panose="02020603050405020304" pitchFamily="18" charset="0"/>
-              <a:cs typeface="Times New Roman" panose="02020603050405020304" pitchFamily="18" charset="0"/>
-            </a:endParaRPr>
-          </a:p>
-          <a:p>
-            <a:pPr marL="0" indent="0" algn="just">
-              <a:buNone/>
-            </a:pPr>
-            <a:endParaRPr lang="pt-BR" sz="2000" dirty="0">
-              <a:solidFill>
-                <a:schemeClr val="tx1"/>
-              </a:solidFill>
-              <a:latin typeface="Times New Roman" panose="02020603050405020304" pitchFamily="18" charset="0"/>
-              <a:cs typeface="Times New Roman" panose="02020603050405020304" pitchFamily="18" charset="0"/>
-            </a:endParaRPr>
-          </a:p>
-          <a:p>
-            <a:pPr marL="0" indent="0" algn="just">
-              <a:buNone/>
-            </a:pPr>
-            <a:endParaRPr lang="pt-BR" sz="2000" dirty="0">
-              <a:solidFill>
-                <a:schemeClr val="tx1"/>
-              </a:solidFill>
-              <a:latin typeface="Times New Roman" panose="02020603050405020304" pitchFamily="18" charset="0"/>
-              <a:cs typeface="Times New Roman" panose="02020603050405020304" pitchFamily="18" charset="0"/>
-            </a:endParaRPr>
-          </a:p>
-          <a:p>
-            <a:pPr marL="0" indent="0" algn="just">
-              <a:buNone/>
-            </a:pPr>
-            <a:endParaRPr lang="pt-BR" sz="2000" dirty="0">
-              <a:solidFill>
-                <a:schemeClr val="tx1"/>
-              </a:solidFill>
-              <a:latin typeface="Times New Roman" panose="02020603050405020304" pitchFamily="18" charset="0"/>
-              <a:cs typeface="Times New Roman" panose="02020603050405020304" pitchFamily="18" charset="0"/>
-            </a:endParaRPr>
-          </a:p>
-          <a:p>
-            <a:pPr marL="0" indent="0" algn="just">
-              <a:buNone/>
-            </a:pPr>
-            <a:r>
-              <a:rPr lang="pt-BR" sz="2000" dirty="0">
-                <a:solidFill>
-                  <a:schemeClr val="tx1"/>
-                </a:solidFill>
-                <a:latin typeface="Times New Roman" panose="02020603050405020304" pitchFamily="18" charset="0"/>
-                <a:cs typeface="Times New Roman" panose="02020603050405020304" pitchFamily="18" charset="0"/>
-              </a:rPr>
-              <a:t>					</a:t>
-            </a:r>
-            <a:r>
-              <a:rPr lang="pt-BR" sz="2000" dirty="0">
-                <a:solidFill>
-                  <a:schemeClr val="tx1"/>
-                </a:solidFill>
-                <a:latin typeface="Times New Roman" panose="02020603050405020304" pitchFamily="18" charset="0"/>
-                <a:cs typeface="Times New Roman" panose="02020603050405020304" pitchFamily="18" charset="0"/>
-                <a:hlinkClick r:id="rId3"/>
-              </a:rPr>
-              <a:t>https://youtu.be/1I3QKMzSXUM</a:t>
-            </a:r>
-            <a:r>
-              <a:rPr lang="pt-BR" sz="2000" dirty="0">
-                <a:solidFill>
-                  <a:schemeClr val="tx1"/>
-                </a:solidFill>
-                <a:latin typeface="Times New Roman" panose="02020603050405020304" pitchFamily="18" charset="0"/>
-                <a:cs typeface="Times New Roman" panose="02020603050405020304" pitchFamily="18" charset="0"/>
-              </a:rPr>
-              <a:t> </a:t>
+            <a:pPr algn="just">
+              <a:buFont typeface="Wingdings" panose="05000000000000000000" pitchFamily="2" charset="2"/>
+              <a:buChar char="§"/>
+            </a:pPr>
+            <a:r>
+              <a:rPr lang="pt-BR" sz="2000" dirty="0">
+                <a:solidFill>
+                  <a:schemeClr val="tx1"/>
+                </a:solidFill>
+                <a:latin typeface="Times New Roman" panose="02020603050405020304" pitchFamily="18" charset="0"/>
+                <a:cs typeface="Times New Roman" panose="02020603050405020304" pitchFamily="18" charset="0"/>
+              </a:rPr>
+              <a:t>Interfaces Seriais</a:t>
+            </a:r>
+          </a:p>
+          <a:p>
+            <a:pPr algn="just">
+              <a:buFont typeface="Wingdings" panose="05000000000000000000" pitchFamily="2" charset="2"/>
+              <a:buChar char="§"/>
+            </a:pPr>
+            <a:r>
+              <a:rPr lang="pt-BR" sz="2000" dirty="0">
+                <a:solidFill>
+                  <a:schemeClr val="tx1"/>
+                </a:solidFill>
+                <a:latin typeface="Times New Roman" panose="02020603050405020304" pitchFamily="18" charset="0"/>
+                <a:cs typeface="Times New Roman" panose="02020603050405020304" pitchFamily="18" charset="0"/>
+              </a:rPr>
+              <a:t>Cartões SD, </a:t>
+            </a:r>
+            <a:r>
+              <a:rPr lang="pt-BR" sz="2000" dirty="0" err="1">
+                <a:solidFill>
+                  <a:schemeClr val="tx1"/>
+                </a:solidFill>
+                <a:latin typeface="Times New Roman" panose="02020603050405020304" pitchFamily="18" charset="0"/>
+                <a:cs typeface="Times New Roman" panose="02020603050405020304" pitchFamily="18" charset="0"/>
+              </a:rPr>
+              <a:t>Compact</a:t>
+            </a:r>
+            <a:r>
+              <a:rPr lang="pt-BR" sz="2000" dirty="0">
+                <a:solidFill>
+                  <a:schemeClr val="tx1"/>
+                </a:solidFill>
+                <a:latin typeface="Times New Roman" panose="02020603050405020304" pitchFamily="18" charset="0"/>
+                <a:cs typeface="Times New Roman" panose="02020603050405020304" pitchFamily="18" charset="0"/>
+              </a:rPr>
+              <a:t> Flash, etc.</a:t>
+            </a:r>
+          </a:p>
+          <a:p>
+            <a:pPr algn="just">
+              <a:buFont typeface="Wingdings" panose="05000000000000000000" pitchFamily="2" charset="2"/>
+              <a:buChar char="§"/>
+            </a:pPr>
+            <a:r>
+              <a:rPr lang="pt-BR" sz="2000" dirty="0">
+                <a:solidFill>
+                  <a:schemeClr val="tx1"/>
+                </a:solidFill>
+                <a:latin typeface="Times New Roman" panose="02020603050405020304" pitchFamily="18" charset="0"/>
+                <a:cs typeface="Times New Roman" panose="02020603050405020304" pitchFamily="18" charset="0"/>
+              </a:rPr>
+              <a:t>Rede Ethernet</a:t>
+            </a:r>
+          </a:p>
+          <a:p>
+            <a:pPr algn="just">
+              <a:buFont typeface="Wingdings" panose="05000000000000000000" pitchFamily="2" charset="2"/>
+              <a:buChar char="§"/>
+            </a:pPr>
+            <a:r>
+              <a:rPr lang="pt-BR" sz="2000" dirty="0">
+                <a:solidFill>
+                  <a:schemeClr val="tx1"/>
+                </a:solidFill>
+                <a:latin typeface="Times New Roman" panose="02020603050405020304" pitchFamily="18" charset="0"/>
+                <a:cs typeface="Times New Roman" panose="02020603050405020304" pitchFamily="18" charset="0"/>
+              </a:rPr>
+              <a:t>GPIO (General </a:t>
+            </a:r>
+            <a:r>
+              <a:rPr lang="pt-BR" sz="2000" dirty="0" err="1">
+                <a:solidFill>
+                  <a:schemeClr val="tx1"/>
+                </a:solidFill>
+                <a:latin typeface="Times New Roman" panose="02020603050405020304" pitchFamily="18" charset="0"/>
+                <a:cs typeface="Times New Roman" panose="02020603050405020304" pitchFamily="18" charset="0"/>
+              </a:rPr>
+              <a:t>Purpose</a:t>
+            </a:r>
+            <a:r>
+              <a:rPr lang="pt-BR" sz="2000" dirty="0">
+                <a:solidFill>
+                  <a:schemeClr val="tx1"/>
+                </a:solidFill>
+                <a:latin typeface="Times New Roman" panose="02020603050405020304" pitchFamily="18" charset="0"/>
+                <a:cs typeface="Times New Roman" panose="02020603050405020304" pitchFamily="18" charset="0"/>
+              </a:rPr>
+              <a:t> Input/Output Pin)</a:t>
+            </a:r>
+          </a:p>
+          <a:p>
+            <a:pPr algn="just">
+              <a:buFont typeface="Wingdings" panose="05000000000000000000" pitchFamily="2" charset="2"/>
+              <a:buChar char="§"/>
+            </a:pPr>
+            <a:r>
+              <a:rPr lang="pt-BR" sz="2000" dirty="0">
+                <a:solidFill>
+                  <a:schemeClr val="tx1"/>
+                </a:solidFill>
+                <a:latin typeface="Times New Roman" panose="02020603050405020304" pitchFamily="18" charset="0"/>
+                <a:cs typeface="Times New Roman" panose="02020603050405020304" pitchFamily="18" charset="0"/>
+              </a:rPr>
+              <a:t>Conversores ADC e DAC</a:t>
+            </a:r>
+          </a:p>
+          <a:p>
+            <a:pPr algn="just">
+              <a:buFont typeface="Wingdings" panose="05000000000000000000" pitchFamily="2" charset="2"/>
+              <a:buChar char="§"/>
+            </a:pPr>
+            <a:r>
+              <a:rPr lang="pt-BR" sz="2000" dirty="0">
+                <a:solidFill>
+                  <a:schemeClr val="tx1"/>
+                </a:solidFill>
+                <a:latin typeface="Times New Roman" panose="02020603050405020304" pitchFamily="18" charset="0"/>
+                <a:cs typeface="Times New Roman" panose="02020603050405020304" pitchFamily="18" charset="0"/>
+              </a:rPr>
+              <a:t>Barramentos especializados, como PROFIBUS</a:t>
+            </a:r>
+          </a:p>
+          <a:p>
+            <a:pPr algn="just">
+              <a:buFont typeface="Wingdings" panose="05000000000000000000" pitchFamily="2" charset="2"/>
+              <a:buChar char="§"/>
+            </a:pPr>
+            <a:r>
+              <a:rPr lang="pt-BR" sz="2000" dirty="0">
+                <a:solidFill>
+                  <a:schemeClr val="tx1"/>
+                </a:solidFill>
+                <a:latin typeface="Times New Roman" panose="02020603050405020304" pitchFamily="18" charset="0"/>
+                <a:cs typeface="Times New Roman" panose="02020603050405020304" pitchFamily="18" charset="0"/>
+              </a:rPr>
+              <a:t>Interfaces wireless, como </a:t>
+            </a:r>
+            <a:r>
+              <a:rPr lang="pt-BR" sz="2000" dirty="0" err="1">
+                <a:solidFill>
+                  <a:schemeClr val="tx1"/>
+                </a:solidFill>
+                <a:latin typeface="Times New Roman" panose="02020603050405020304" pitchFamily="18" charset="0"/>
+                <a:cs typeface="Times New Roman" panose="02020603050405020304" pitchFamily="18" charset="0"/>
+              </a:rPr>
+              <a:t>XBee</a:t>
+            </a:r>
+            <a:r>
+              <a:rPr lang="pt-BR" sz="2000" dirty="0">
+                <a:solidFill>
+                  <a:schemeClr val="tx1"/>
+                </a:solidFill>
+                <a:latin typeface="Times New Roman" panose="02020603050405020304" pitchFamily="18" charset="0"/>
+                <a:cs typeface="Times New Roman" panose="02020603050405020304" pitchFamily="18" charset="0"/>
+              </a:rPr>
+              <a:t> e Bluetooth</a:t>
             </a:r>
           </a:p>
         </p:txBody>
       </p:sp>
-      <p:pic>
-        <p:nvPicPr>
-          <p:cNvPr id="3" name="Imagem 2">
-            <a:extLst>
-              <a:ext uri="{FF2B5EF4-FFF2-40B4-BE49-F238E27FC236}">
-                <a16:creationId xmlns:a16="http://schemas.microsoft.com/office/drawing/2014/main" id="{B1E1A186-CE42-51EB-C996-A94338EC77BA}"/>
-              </a:ext>
-            </a:extLst>
-          </p:cNvPr>
-          <p:cNvPicPr>
-            <a:picLocks noChangeAspect="1"/>
-          </p:cNvPicPr>
-          <p:nvPr/>
-        </p:nvPicPr>
-        <p:blipFill>
-          <a:blip r:embed="rId4"/>
-          <a:stretch>
-            <a:fillRect/>
-          </a:stretch>
-        </p:blipFill>
-        <p:spPr>
-          <a:xfrm>
-            <a:off x="1385214" y="1138571"/>
-            <a:ext cx="5929986" cy="3247099"/>
-          </a:xfrm>
-          <a:prstGeom prst="rect">
-            <a:avLst/>
-          </a:prstGeom>
-        </p:spPr>
-      </p:pic>
     </p:spTree>
     <p:extLst>
       <p:ext uri="{BB962C8B-B14F-4D97-AF65-F5344CB8AC3E}">
-        <p14:creationId xmlns:p14="http://schemas.microsoft.com/office/powerpoint/2010/main" val="610777222"/>
+        <p14:creationId xmlns:p14="http://schemas.microsoft.com/office/powerpoint/2010/main" val="3694847235"/>
       </p:ext>
     </p:extLst>
   </p:cSld>
@@ -14725,7 +14815,39 @@
                   <a:srgbClr val="0070C0"/>
                 </a:solidFill>
               </a:rPr>
-              <a:t>Sensores</a:t>
+              <a:t>Vídeo</a:t>
+            </a:r>
+            <a:r>
+              <a:rPr lang="en-US" b="1" dirty="0">
+                <a:solidFill>
+                  <a:srgbClr val="0070C0"/>
+                </a:solidFill>
+              </a:rPr>
+              <a:t> - </a:t>
+            </a:r>
+            <a:r>
+              <a:rPr lang="en-US" b="1" dirty="0" err="1">
+                <a:solidFill>
+                  <a:srgbClr val="0070C0"/>
+                </a:solidFill>
+              </a:rPr>
+              <a:t>Sistemas</a:t>
+            </a:r>
+            <a:r>
+              <a:rPr lang="en-US" b="1" dirty="0">
+                <a:solidFill>
+                  <a:srgbClr val="0070C0"/>
+                </a:solidFill>
+              </a:rPr>
+              <a:t> </a:t>
+            </a:r>
+            <a:r>
+              <a:rPr lang="en-US" b="1" dirty="0" err="1">
+                <a:solidFill>
+                  <a:srgbClr val="0070C0"/>
+                </a:solidFill>
+              </a:rPr>
+              <a:t>Embarcados</a:t>
             </a:r>
             <a:endParaRPr lang="en-US" b="1" dirty="0">
               <a:solidFill>
@@ -14747,8 +14869,8 @@
         </p:nvSpPr>
         <p:spPr>
           <a:xfrm>
-            <a:off x="142865" y="1395222"/>
-            <a:ext cx="8865056" cy="3542298"/>
+            <a:off x="142865" y="1029462"/>
+            <a:ext cx="8865056" cy="4018026"/>
           </a:xfrm>
         </p:spPr>
         <p:txBody>
@@ -14760,121 +14882,6 @@
             <a:pPr marL="0" indent="0" algn="just">
               <a:buNone/>
             </a:pPr>
-            <a:r>
-              <a:rPr lang="pt-BR" sz="2000" dirty="0">
-                <a:solidFill>
-                  <a:schemeClr val="tx1"/>
-                </a:solidFill>
-                <a:latin typeface="Times New Roman" panose="02020603050405020304" pitchFamily="18" charset="0"/>
-                <a:cs typeface="Times New Roman" panose="02020603050405020304" pitchFamily="18" charset="0"/>
-              </a:rPr>
-              <a:t>Os </a:t>
-            </a:r>
-            <a:r>
-              <a:rPr lang="pt-BR" sz="2000" b="1" dirty="0">
-                <a:solidFill>
-                  <a:srgbClr val="FF0000"/>
-                </a:solidFill>
-                <a:latin typeface="Times New Roman" panose="02020603050405020304" pitchFamily="18" charset="0"/>
-                <a:cs typeface="Times New Roman" panose="02020603050405020304" pitchFamily="18" charset="0"/>
-              </a:rPr>
-              <a:t>sensores</a:t>
-            </a:r>
-            <a:r>
-              <a:rPr lang="pt-BR" sz="2000" dirty="0">
-                <a:solidFill>
-                  <a:schemeClr val="tx1"/>
-                </a:solidFill>
-                <a:latin typeface="Times New Roman" panose="02020603050405020304" pitchFamily="18" charset="0"/>
-                <a:cs typeface="Times New Roman" panose="02020603050405020304" pitchFamily="18" charset="0"/>
-              </a:rPr>
-              <a:t> são dispositivos capazes de </a:t>
-            </a:r>
-            <a:r>
-              <a:rPr lang="pt-BR" sz="2000" b="1" dirty="0">
-                <a:solidFill>
-                  <a:schemeClr val="tx1"/>
-                </a:solidFill>
-                <a:latin typeface="Times New Roman" panose="02020603050405020304" pitchFamily="18" charset="0"/>
-                <a:cs typeface="Times New Roman" panose="02020603050405020304" pitchFamily="18" charset="0"/>
-              </a:rPr>
-              <a:t>detectar eventos ou alterações em variáveis ambientais</a:t>
-            </a:r>
-            <a:r>
-              <a:rPr lang="pt-BR" sz="2000" dirty="0">
-                <a:solidFill>
-                  <a:schemeClr val="tx1"/>
-                </a:solidFill>
-                <a:latin typeface="Times New Roman" panose="02020603050405020304" pitchFamily="18" charset="0"/>
-                <a:cs typeface="Times New Roman" panose="02020603050405020304" pitchFamily="18" charset="0"/>
-              </a:rPr>
-              <a:t> e gerar uma saída na forma de sinais elétricos ou ópticos, que serão </a:t>
-            </a:r>
-            <a:r>
-              <a:rPr lang="pt-BR" sz="2000" b="1" dirty="0">
-                <a:solidFill>
-                  <a:srgbClr val="FF0000"/>
-                </a:solidFill>
-                <a:latin typeface="Times New Roman" panose="02020603050405020304" pitchFamily="18" charset="0"/>
-                <a:cs typeface="Times New Roman" panose="02020603050405020304" pitchFamily="18" charset="0"/>
-              </a:rPr>
-              <a:t>processados pelo sistema embarcado</a:t>
-            </a:r>
-            <a:r>
-              <a:rPr lang="pt-BR" sz="2000" dirty="0">
-                <a:solidFill>
-                  <a:schemeClr val="tx1"/>
-                </a:solidFill>
-                <a:latin typeface="Times New Roman" panose="02020603050405020304" pitchFamily="18" charset="0"/>
-                <a:cs typeface="Times New Roman" panose="02020603050405020304" pitchFamily="18" charset="0"/>
-              </a:rPr>
-              <a:t> e utilizados para realizar  algum tipo de tarefa de controle, muitas vezes  </a:t>
-            </a:r>
-            <a:r>
-              <a:rPr lang="pt-BR" sz="2000" b="1" dirty="0">
-                <a:solidFill>
-                  <a:schemeClr val="tx1"/>
-                </a:solidFill>
-                <a:latin typeface="Times New Roman" panose="02020603050405020304" pitchFamily="18" charset="0"/>
-                <a:cs typeface="Times New Roman" panose="02020603050405020304" pitchFamily="18" charset="0"/>
-              </a:rPr>
-              <a:t>acionando um atuador</a:t>
-            </a:r>
-            <a:r>
-              <a:rPr lang="pt-BR" sz="2000" dirty="0">
-                <a:solidFill>
-                  <a:schemeClr val="tx1"/>
-                </a:solidFill>
-                <a:latin typeface="Times New Roman" panose="02020603050405020304" pitchFamily="18" charset="0"/>
-                <a:cs typeface="Times New Roman" panose="02020603050405020304" pitchFamily="18" charset="0"/>
-              </a:rPr>
-              <a:t> ou </a:t>
-            </a:r>
-            <a:r>
-              <a:rPr lang="pt-BR" sz="2000" b="1" dirty="0">
-                <a:solidFill>
-                  <a:srgbClr val="FF0000"/>
-                </a:solidFill>
-                <a:latin typeface="Times New Roman" panose="02020603050405020304" pitchFamily="18" charset="0"/>
-                <a:cs typeface="Times New Roman" panose="02020603050405020304" pitchFamily="18" charset="0"/>
-              </a:rPr>
-              <a:t>enviando sinais para outros circuitos</a:t>
-            </a:r>
-            <a:r>
-              <a:rPr lang="pt-BR" sz="2000" dirty="0">
-                <a:solidFill>
-                  <a:schemeClr val="tx1"/>
-                </a:solidFill>
-                <a:latin typeface="Times New Roman" panose="02020603050405020304" pitchFamily="18" charset="0"/>
-                <a:cs typeface="Times New Roman" panose="02020603050405020304" pitchFamily="18" charset="0"/>
-              </a:rPr>
-              <a:t>.</a:t>
-            </a:r>
-          </a:p>
-          <a:p>
-            <a:pPr marL="0" indent="0" algn="just">
-              <a:buNone/>
-            </a:pPr>
             <a:endParaRPr lang="pt-BR" sz="2000" dirty="0">
               <a:solidFill>
                 <a:schemeClr val="tx1"/>
@@ -14887,81 +14894,6 @@
             <a:pPr marL="0" indent="0" algn="just">
               <a:buNone/>
             </a:pPr>
-            <a:r>
-              <a:rPr lang="pt-BR" sz="2000" dirty="0">
-                <a:solidFill>
-                  <a:schemeClr val="tx1"/>
-                </a:solidFill>
-                <a:latin typeface="Times New Roman" panose="02020603050405020304" pitchFamily="18" charset="0"/>
-                <a:cs typeface="Times New Roman" panose="02020603050405020304" pitchFamily="18" charset="0"/>
-              </a:rPr>
-              <a:t>Este tipo de nó é responsável pela </a:t>
-            </a:r>
-            <a:r>
-              <a:rPr lang="pt-BR" sz="2000" b="1" dirty="0">
-                <a:solidFill>
-                  <a:schemeClr val="tx1"/>
-                </a:solidFill>
-                <a:latin typeface="Times New Roman" panose="02020603050405020304" pitchFamily="18" charset="0"/>
-                <a:cs typeface="Times New Roman" panose="02020603050405020304" pitchFamily="18" charset="0"/>
-              </a:rPr>
-              <a:t>leitura de dados</a:t>
-            </a:r>
-            <a:r>
-              <a:rPr lang="pt-BR" sz="2000" dirty="0">
-                <a:solidFill>
-                  <a:schemeClr val="tx1"/>
-                </a:solidFill>
-                <a:latin typeface="Times New Roman" panose="02020603050405020304" pitchFamily="18" charset="0"/>
-                <a:cs typeface="Times New Roman" panose="02020603050405020304" pitchFamily="18" charset="0"/>
-              </a:rPr>
-              <a:t> do </a:t>
-            </a:r>
-            <a:r>
-              <a:rPr lang="pt-BR" sz="2000" b="1" dirty="0">
-                <a:solidFill>
-                  <a:srgbClr val="FF0000"/>
-                </a:solidFill>
-                <a:latin typeface="Times New Roman" panose="02020603050405020304" pitchFamily="18" charset="0"/>
-                <a:cs typeface="Times New Roman" panose="02020603050405020304" pitchFamily="18" charset="0"/>
-              </a:rPr>
-              <a:t>meio externo</a:t>
-            </a:r>
-            <a:r>
-              <a:rPr lang="pt-BR" sz="2000" dirty="0">
-                <a:solidFill>
-                  <a:schemeClr val="tx1"/>
-                </a:solidFill>
-                <a:latin typeface="Times New Roman" panose="02020603050405020304" pitchFamily="18" charset="0"/>
-                <a:cs typeface="Times New Roman" panose="02020603050405020304" pitchFamily="18" charset="0"/>
-              </a:rPr>
-              <a:t> e realizar a </a:t>
-            </a:r>
-            <a:r>
-              <a:rPr lang="pt-BR" sz="2000" b="1" dirty="0">
-                <a:solidFill>
-                  <a:schemeClr val="tx1"/>
-                </a:solidFill>
-                <a:latin typeface="Times New Roman" panose="02020603050405020304" pitchFamily="18" charset="0"/>
-                <a:cs typeface="Times New Roman" panose="02020603050405020304" pitchFamily="18" charset="0"/>
-              </a:rPr>
-              <a:t>comunicação com o Arduino</a:t>
-            </a:r>
-            <a:r>
-              <a:rPr lang="pt-BR" sz="2000" dirty="0">
-                <a:solidFill>
-                  <a:schemeClr val="tx1"/>
-                </a:solidFill>
-                <a:latin typeface="Times New Roman" panose="02020603050405020304" pitchFamily="18" charset="0"/>
-                <a:cs typeface="Times New Roman" panose="02020603050405020304" pitchFamily="18" charset="0"/>
-              </a:rPr>
-              <a:t>. </a:t>
-            </a:r>
-          </a:p>
-          <a:p>
-            <a:pPr marL="0" indent="0" algn="just">
-              <a:buNone/>
-            </a:pPr>
             <a:endParaRPr lang="pt-BR" sz="2000" dirty="0">
               <a:solidFill>
                 <a:schemeClr val="tx1"/>
@@ -14974,53 +14906,158 @@
             <a:pPr marL="0" indent="0" algn="just">
               <a:buNone/>
             </a:pPr>
-            <a:r>
-              <a:rPr lang="pt-BR" sz="2000" b="1" dirty="0">
-                <a:solidFill>
-                  <a:srgbClr val="FF0000"/>
-                </a:solidFill>
-                <a:latin typeface="Times New Roman" panose="02020603050405020304" pitchFamily="18" charset="0"/>
-                <a:cs typeface="Times New Roman" panose="02020603050405020304" pitchFamily="18" charset="0"/>
-              </a:rPr>
-              <a:t>Sensor de temperatura, umidade e luminosidade </a:t>
-            </a:r>
-            <a:r>
-              <a:rPr lang="pt-BR" sz="2000" dirty="0">
-                <a:solidFill>
-                  <a:schemeClr val="tx1"/>
-                </a:solidFill>
-                <a:latin typeface="Times New Roman" panose="02020603050405020304" pitchFamily="18" charset="0"/>
-                <a:cs typeface="Times New Roman" panose="02020603050405020304" pitchFamily="18" charset="0"/>
-              </a:rPr>
-              <a:t>são alguns exemplos de </a:t>
-            </a:r>
-            <a:r>
-              <a:rPr lang="pt-BR" sz="2000" b="1" dirty="0">
-                <a:solidFill>
-                  <a:schemeClr val="tx1"/>
-                </a:solidFill>
-                <a:latin typeface="Times New Roman" panose="02020603050405020304" pitchFamily="18" charset="0"/>
-                <a:cs typeface="Times New Roman" panose="02020603050405020304" pitchFamily="18" charset="0"/>
-              </a:rPr>
-              <a:t>sensores</a:t>
-            </a:r>
-            <a:r>
-              <a:rPr lang="pt-BR" sz="2000" dirty="0">
-                <a:solidFill>
-                  <a:schemeClr val="tx1"/>
-                </a:solidFill>
-                <a:latin typeface="Times New Roman" panose="02020603050405020304" pitchFamily="18" charset="0"/>
-                <a:cs typeface="Times New Roman" panose="02020603050405020304" pitchFamily="18" charset="0"/>
-              </a:rPr>
-              <a:t>.</a:t>
+            <a:endParaRPr lang="pt-BR" sz="2000" dirty="0">
+              <a:solidFill>
+                <a:schemeClr val="tx1"/>
+              </a:solidFill>
+              <a:latin typeface="Times New Roman" panose="02020603050405020304" pitchFamily="18" charset="0"/>
+              <a:cs typeface="Times New Roman" panose="02020603050405020304" pitchFamily="18" charset="0"/>
+            </a:endParaRPr>
+          </a:p>
+          <a:p>
+            <a:pPr marL="0" indent="0" algn="just">
+              <a:buNone/>
+            </a:pPr>
+            <a:endParaRPr lang="pt-BR" sz="2000" dirty="0">
+              <a:solidFill>
+                <a:schemeClr val="tx1"/>
+              </a:solidFill>
+              <a:latin typeface="Times New Roman" panose="02020603050405020304" pitchFamily="18" charset="0"/>
+              <a:cs typeface="Times New Roman" panose="02020603050405020304" pitchFamily="18" charset="0"/>
+            </a:endParaRPr>
+          </a:p>
+          <a:p>
+            <a:pPr marL="0" indent="0" algn="just">
+              <a:buNone/>
+            </a:pPr>
+            <a:endParaRPr lang="pt-BR" sz="2000" dirty="0">
+              <a:solidFill>
+                <a:schemeClr val="tx1"/>
+              </a:solidFill>
+              <a:latin typeface="Times New Roman" panose="02020603050405020304" pitchFamily="18" charset="0"/>
+              <a:cs typeface="Times New Roman" panose="02020603050405020304" pitchFamily="18" charset="0"/>
+            </a:endParaRPr>
+          </a:p>
+          <a:p>
+            <a:pPr marL="0" indent="0" algn="just">
+              <a:buNone/>
+            </a:pPr>
+            <a:endParaRPr lang="pt-BR" sz="2000" dirty="0">
+              <a:solidFill>
+                <a:schemeClr val="tx1"/>
+              </a:solidFill>
+              <a:latin typeface="Times New Roman" panose="02020603050405020304" pitchFamily="18" charset="0"/>
+              <a:cs typeface="Times New Roman" panose="02020603050405020304" pitchFamily="18" charset="0"/>
+            </a:endParaRPr>
+          </a:p>
+          <a:p>
+            <a:pPr marL="0" indent="0" algn="just">
+              <a:buNone/>
+            </a:pPr>
+            <a:endParaRPr lang="pt-BR" sz="2000" dirty="0">
+              <a:solidFill>
+                <a:schemeClr val="tx1"/>
+              </a:solidFill>
+              <a:latin typeface="Times New Roman" panose="02020603050405020304" pitchFamily="18" charset="0"/>
+              <a:cs typeface="Times New Roman" panose="02020603050405020304" pitchFamily="18" charset="0"/>
+            </a:endParaRPr>
+          </a:p>
+          <a:p>
+            <a:pPr marL="0" indent="0" algn="just">
+              <a:buNone/>
+            </a:pPr>
+            <a:endParaRPr lang="pt-BR" sz="2000" dirty="0">
+              <a:solidFill>
+                <a:schemeClr val="tx1"/>
+              </a:solidFill>
+              <a:latin typeface="Times New Roman" panose="02020603050405020304" pitchFamily="18" charset="0"/>
+              <a:cs typeface="Times New Roman" panose="02020603050405020304" pitchFamily="18" charset="0"/>
+            </a:endParaRPr>
+          </a:p>
+          <a:p>
+            <a:pPr marL="0" indent="0" algn="just">
+              <a:buNone/>
+            </a:pPr>
+            <a:endParaRPr lang="pt-BR" sz="2000" dirty="0">
+              <a:solidFill>
+                <a:schemeClr val="tx1"/>
+              </a:solidFill>
+              <a:latin typeface="Times New Roman" panose="02020603050405020304" pitchFamily="18" charset="0"/>
+              <a:cs typeface="Times New Roman" panose="02020603050405020304" pitchFamily="18" charset="0"/>
+            </a:endParaRPr>
+          </a:p>
+          <a:p>
+            <a:pPr marL="0" indent="0" algn="just">
+              <a:buNone/>
+            </a:pPr>
+            <a:r>
+              <a:rPr lang="pt-BR" sz="2000" dirty="0">
+                <a:solidFill>
+                  <a:schemeClr val="tx1"/>
+                </a:solidFill>
+                <a:latin typeface="Times New Roman" panose="02020603050405020304" pitchFamily="18" charset="0"/>
+                <a:cs typeface="Times New Roman" panose="02020603050405020304" pitchFamily="18" charset="0"/>
+              </a:rPr>
+              <a:t>					</a:t>
+            </a:r>
+            <a:r>
+              <a:rPr lang="pt-BR" sz="2000" dirty="0">
+                <a:solidFill>
+                  <a:schemeClr val="tx1"/>
+                </a:solidFill>
+                <a:latin typeface="Times New Roman" panose="02020603050405020304" pitchFamily="18" charset="0"/>
+                <a:cs typeface="Times New Roman" panose="02020603050405020304" pitchFamily="18" charset="0"/>
+                <a:hlinkClick r:id="rId3"/>
+              </a:rPr>
+              <a:t>https://youtu.be/1I3QKMzSXUM</a:t>
+            </a:r>
+            <a:r>
+              <a:rPr lang="pt-BR" sz="2000" dirty="0">
+                <a:solidFill>
+                  <a:schemeClr val="tx1"/>
+                </a:solidFill>
+                <a:latin typeface="Times New Roman" panose="02020603050405020304" pitchFamily="18" charset="0"/>
+                <a:cs typeface="Times New Roman" panose="02020603050405020304" pitchFamily="18" charset="0"/>
+              </a:rPr>
+              <a:t> </a:t>
             </a:r>
           </a:p>
         </p:txBody>
       </p:sp>
+      <p:pic>
+        <p:nvPicPr>
+          <p:cNvPr id="3" name="Imagem 2">
+            <a:extLst>
+              <a:ext uri="{FF2B5EF4-FFF2-40B4-BE49-F238E27FC236}">
+                <a16:creationId xmlns:a16="http://schemas.microsoft.com/office/drawing/2014/main" id="{B1E1A186-CE42-51EB-C996-A94338EC77BA}"/>
+              </a:ext>
+            </a:extLst>
+          </p:cNvPr>
+          <p:cNvPicPr>
+            <a:picLocks noChangeAspect="1"/>
+          </p:cNvPicPr>
+          <p:nvPr/>
+        </p:nvPicPr>
+        <p:blipFill>
+          <a:blip r:embed="rId4"/>
+          <a:stretch>
+            <a:fillRect/>
+          </a:stretch>
+        </p:blipFill>
+        <p:spPr>
+          <a:xfrm>
+            <a:off x="1385214" y="1138571"/>
+            <a:ext cx="5929986" cy="3247099"/>
+          </a:xfrm>
+          <a:prstGeom prst="rect">
+            <a:avLst/>
+          </a:prstGeom>
+        </p:spPr>
+      </p:pic>
     </p:spTree>
     <p:extLst>
       <p:ext uri="{BB962C8B-B14F-4D97-AF65-F5344CB8AC3E}">
-        <p14:creationId xmlns:p14="http://schemas.microsoft.com/office/powerpoint/2010/main" val="3553918350"/>
+        <p14:creationId xmlns:p14="http://schemas.microsoft.com/office/powerpoint/2010/main" val="610777222"/>
       </p:ext>
     </p:extLst>
   </p:cSld>
@@ -15119,47 +15156,67 @@
                 <a:latin typeface="Times New Roman" panose="02020603050405020304" pitchFamily="18" charset="0"/>
                 <a:cs typeface="Times New Roman" panose="02020603050405020304" pitchFamily="18" charset="0"/>
               </a:rPr>
-              <a:t>São os </a:t>
+              <a:t>Os </a:t>
             </a:r>
             <a:r>
               <a:rPr lang="pt-BR" sz="2000" b="1" dirty="0">
                 <a:solidFill>
-                  <a:schemeClr val="tx1"/>
-                </a:solidFill>
-                <a:latin typeface="Times New Roman" panose="02020603050405020304" pitchFamily="18" charset="0"/>
-                <a:cs typeface="Times New Roman" panose="02020603050405020304" pitchFamily="18" charset="0"/>
-              </a:rPr>
-              <a:t>INPUTS</a:t>
-            </a:r>
-            <a:r>
-              <a:rPr lang="pt-BR" sz="2000" dirty="0">
-                <a:solidFill>
-                  <a:schemeClr val="tx1"/>
-                </a:solidFill>
-                <a:latin typeface="Times New Roman" panose="02020603050405020304" pitchFamily="18" charset="0"/>
-                <a:cs typeface="Times New Roman" panose="02020603050405020304" pitchFamily="18" charset="0"/>
-              </a:rPr>
-              <a:t> (</a:t>
+                  <a:srgbClr val="FF0000"/>
+                </a:solidFill>
+                <a:latin typeface="Times New Roman" panose="02020603050405020304" pitchFamily="18" charset="0"/>
+                <a:cs typeface="Times New Roman" panose="02020603050405020304" pitchFamily="18" charset="0"/>
+              </a:rPr>
+              <a:t>sensores</a:t>
+            </a:r>
+            <a:r>
+              <a:rPr lang="pt-BR" sz="2000" dirty="0">
+                <a:solidFill>
+                  <a:schemeClr val="tx1"/>
+                </a:solidFill>
+                <a:latin typeface="Times New Roman" panose="02020603050405020304" pitchFamily="18" charset="0"/>
+                <a:cs typeface="Times New Roman" panose="02020603050405020304" pitchFamily="18" charset="0"/>
+              </a:rPr>
+              <a:t> são dispositivos capazes de </a:t>
             </a:r>
             <a:r>
               <a:rPr lang="pt-BR" sz="2000" b="1" dirty="0">
                 <a:solidFill>
+                  <a:schemeClr val="tx1"/>
+                </a:solidFill>
+                <a:latin typeface="Times New Roman" panose="02020603050405020304" pitchFamily="18" charset="0"/>
+                <a:cs typeface="Times New Roman" panose="02020603050405020304" pitchFamily="18" charset="0"/>
+              </a:rPr>
+              <a:t>detectar eventos ou alterações em variáveis ambientais</a:t>
+            </a:r>
+            <a:r>
+              <a:rPr lang="pt-BR" sz="2000" dirty="0">
+                <a:solidFill>
+                  <a:schemeClr val="tx1"/>
+                </a:solidFill>
+                <a:latin typeface="Times New Roman" panose="02020603050405020304" pitchFamily="18" charset="0"/>
+                <a:cs typeface="Times New Roman" panose="02020603050405020304" pitchFamily="18" charset="0"/>
+              </a:rPr>
+              <a:t> e gerar uma saída na forma de sinais elétricos ou ópticos, que serão </a:t>
+            </a:r>
+            <a:r>
+              <a:rPr lang="pt-BR" sz="2000" b="1" dirty="0">
+                <a:solidFill>
                   <a:srgbClr val="FF0000"/>
                 </a:solidFill>
                 <a:latin typeface="Times New Roman" panose="02020603050405020304" pitchFamily="18" charset="0"/>
                 <a:cs typeface="Times New Roman" panose="02020603050405020304" pitchFamily="18" charset="0"/>
               </a:rPr>
-              <a:t>dispositivos de entrada</a:t>
-            </a:r>
-            <a:r>
-              <a:rPr lang="pt-BR" sz="2000" dirty="0">
-                <a:solidFill>
-                  <a:schemeClr val="tx1"/>
-                </a:solidFill>
-                <a:latin typeface="Times New Roman" panose="02020603050405020304" pitchFamily="18" charset="0"/>
-                <a:cs typeface="Times New Roman" panose="02020603050405020304" pitchFamily="18" charset="0"/>
-              </a:rPr>
-              <a:t>), são utilizados na </a:t>
+              <a:t>processados pelo sistema embarcado</a:t>
+            </a:r>
+            <a:r>
+              <a:rPr lang="pt-BR" sz="2000" dirty="0">
+                <a:solidFill>
+                  <a:schemeClr val="tx1"/>
+                </a:solidFill>
+                <a:latin typeface="Times New Roman" panose="02020603050405020304" pitchFamily="18" charset="0"/>
+                <a:cs typeface="Times New Roman" panose="02020603050405020304" pitchFamily="18" charset="0"/>
+              </a:rPr>
+              <a:t> e utilizados para realizar  algum tipo de tarefa de controle, muitas vezes  </a:t>
             </a:r>
             <a:r>
               <a:rPr lang="pt-BR" sz="2000" b="1" dirty="0">
@@ -15169,107 +15226,27 @@
                 <a:latin typeface="Times New Roman" panose="02020603050405020304" pitchFamily="18" charset="0"/>
                 <a:cs typeface="Times New Roman" panose="02020603050405020304" pitchFamily="18" charset="0"/>
               </a:rPr>
-              <a:t>detecção</a:t>
-            </a:r>
-            <a:r>
-              <a:rPr lang="pt-BR" sz="2000" dirty="0">
-                <a:solidFill>
-                  <a:schemeClr val="tx1"/>
-                </a:solidFill>
-                <a:latin typeface="Times New Roman" panose="02020603050405020304" pitchFamily="18" charset="0"/>
-                <a:cs typeface="Times New Roman" panose="02020603050405020304" pitchFamily="18" charset="0"/>
-              </a:rPr>
-              <a:t> de uma </a:t>
+              <a:t>acionando um atuador</a:t>
+            </a:r>
+            <a:r>
+              <a:rPr lang="pt-BR" sz="2000" dirty="0">
+                <a:solidFill>
+                  <a:schemeClr val="tx1"/>
+                </a:solidFill>
+                <a:latin typeface="Times New Roman" panose="02020603050405020304" pitchFamily="18" charset="0"/>
+                <a:cs typeface="Times New Roman" panose="02020603050405020304" pitchFamily="18" charset="0"/>
+              </a:rPr>
+              <a:t> ou </a:t>
             </a:r>
             <a:r>
               <a:rPr lang="pt-BR" sz="2000" b="1" dirty="0">
                 <a:solidFill>
-                  <a:schemeClr val="tx1"/>
-                </a:solidFill>
-                <a:latin typeface="Times New Roman" panose="02020603050405020304" pitchFamily="18" charset="0"/>
-                <a:cs typeface="Times New Roman" panose="02020603050405020304" pitchFamily="18" charset="0"/>
-              </a:rPr>
-              <a:t>característica</a:t>
-            </a:r>
-            <a:r>
-              <a:rPr lang="pt-BR" sz="2000" dirty="0">
-                <a:solidFill>
-                  <a:schemeClr val="tx1"/>
-                </a:solidFill>
-                <a:latin typeface="Times New Roman" panose="02020603050405020304" pitchFamily="18" charset="0"/>
-                <a:cs typeface="Times New Roman" panose="02020603050405020304" pitchFamily="18" charset="0"/>
-              </a:rPr>
-              <a:t> do </a:t>
-            </a:r>
-            <a:r>
-              <a:rPr lang="pt-BR" sz="2000" b="1" dirty="0">
-                <a:solidFill>
                   <a:srgbClr val="FF0000"/>
                 </a:solidFill>
                 <a:latin typeface="Times New Roman" panose="02020603050405020304" pitchFamily="18" charset="0"/>
                 <a:cs typeface="Times New Roman" panose="02020603050405020304" pitchFamily="18" charset="0"/>
               </a:rPr>
-              <a:t>ambiente</a:t>
-            </a:r>
-            <a:r>
-              <a:rPr lang="pt-BR" sz="2000" dirty="0">
-                <a:solidFill>
-                  <a:schemeClr val="tx1"/>
-                </a:solidFill>
-                <a:latin typeface="Times New Roman" panose="02020603050405020304" pitchFamily="18" charset="0"/>
-                <a:cs typeface="Times New Roman" panose="02020603050405020304" pitchFamily="18" charset="0"/>
-              </a:rPr>
-              <a:t> para </a:t>
-            </a:r>
-            <a:r>
-              <a:rPr lang="pt-BR" sz="2000" b="1" dirty="0">
-                <a:solidFill>
-                  <a:schemeClr val="tx1"/>
-                </a:solidFill>
-                <a:latin typeface="Times New Roman" panose="02020603050405020304" pitchFamily="18" charset="0"/>
-                <a:cs typeface="Times New Roman" panose="02020603050405020304" pitchFamily="18" charset="0"/>
-              </a:rPr>
-              <a:t>enviar dados </a:t>
-            </a:r>
-            <a:r>
-              <a:rPr lang="pt-BR" sz="2000" dirty="0">
-                <a:solidFill>
-                  <a:schemeClr val="tx1"/>
-                </a:solidFill>
-                <a:latin typeface="Times New Roman" panose="02020603050405020304" pitchFamily="18" charset="0"/>
-                <a:cs typeface="Times New Roman" panose="02020603050405020304" pitchFamily="18" charset="0"/>
-              </a:rPr>
-              <a:t>através dos </a:t>
-            </a:r>
-            <a:r>
-              <a:rPr lang="pt-BR" sz="2000" b="1" dirty="0">
-                <a:solidFill>
-                  <a:schemeClr val="tx1"/>
-                </a:solidFill>
-                <a:latin typeface="Times New Roman" panose="02020603050405020304" pitchFamily="18" charset="0"/>
-                <a:cs typeface="Times New Roman" panose="02020603050405020304" pitchFamily="18" charset="0"/>
-              </a:rPr>
-              <a:t>pinos</a:t>
-            </a:r>
-            <a:r>
-              <a:rPr lang="pt-BR" sz="2000" dirty="0">
-                <a:solidFill>
-                  <a:schemeClr val="tx1"/>
-                </a:solidFill>
-                <a:latin typeface="Times New Roman" panose="02020603050405020304" pitchFamily="18" charset="0"/>
-                <a:cs typeface="Times New Roman" panose="02020603050405020304" pitchFamily="18" charset="0"/>
-              </a:rPr>
-              <a:t> para o </a:t>
-            </a:r>
-            <a:r>
-              <a:rPr lang="pt-BR" sz="2000" b="1" dirty="0">
-                <a:solidFill>
-                  <a:srgbClr val="FF0000"/>
-                </a:solidFill>
-                <a:latin typeface="Times New Roman" panose="02020603050405020304" pitchFamily="18" charset="0"/>
-                <a:cs typeface="Times New Roman" panose="02020603050405020304" pitchFamily="18" charset="0"/>
-              </a:rPr>
-              <a:t>microcontrolador</a:t>
+              <a:t>enviando sinais para outros circuitos</a:t>
             </a:r>
             <a:r>
               <a:rPr lang="pt-BR" sz="2000" dirty="0">
@@ -15306,7 +15283,7 @@
                 <a:latin typeface="Times New Roman" panose="02020603050405020304" pitchFamily="18" charset="0"/>
                 <a:cs typeface="Times New Roman" panose="02020603050405020304" pitchFamily="18" charset="0"/>
               </a:rPr>
-              <a:t>Nos </a:t>
+              <a:t>Este tipo de nó é responsável pela </a:t>
             </a:r>
             <a:r>
               <a:rPr lang="pt-BR" sz="2000" b="1" dirty="0">
@@ -15316,17 +15293,17 @@
                 <a:latin typeface="Times New Roman" panose="02020603050405020304" pitchFamily="18" charset="0"/>
                 <a:cs typeface="Times New Roman" panose="02020603050405020304" pitchFamily="18" charset="0"/>
               </a:rPr>
-              <a:t>microcontroladores</a:t>
-            </a:r>
-            <a:r>
-              <a:rPr lang="pt-BR" sz="2000" dirty="0">
-                <a:solidFill>
-                  <a:schemeClr val="tx1"/>
-                </a:solidFill>
-                <a:latin typeface="Times New Roman" panose="02020603050405020304" pitchFamily="18" charset="0"/>
-                <a:cs typeface="Times New Roman" panose="02020603050405020304" pitchFamily="18" charset="0"/>
-              </a:rPr>
-              <a:t> os </a:t>
+              <a:t>leitura de dados</a:t>
+            </a:r>
+            <a:r>
+              <a:rPr lang="pt-BR" sz="2000" dirty="0">
+                <a:solidFill>
+                  <a:schemeClr val="tx1"/>
+                </a:solidFill>
+                <a:latin typeface="Times New Roman" panose="02020603050405020304" pitchFamily="18" charset="0"/>
+                <a:cs typeface="Times New Roman" panose="02020603050405020304" pitchFamily="18" charset="0"/>
+              </a:rPr>
+              <a:t> do </a:t>
             </a:r>
             <a:r>
               <a:rPr lang="pt-BR" sz="2000" b="1" dirty="0">
@@ -15336,17 +15313,17 @@
                 <a:latin typeface="Times New Roman" panose="02020603050405020304" pitchFamily="18" charset="0"/>
                 <a:cs typeface="Times New Roman" panose="02020603050405020304" pitchFamily="18" charset="0"/>
               </a:rPr>
-              <a:t>pinos são bidirecionais</a:t>
-            </a:r>
-            <a:r>
-              <a:rPr lang="pt-BR" sz="2000" dirty="0">
-                <a:solidFill>
-                  <a:schemeClr val="tx1"/>
-                </a:solidFill>
-                <a:latin typeface="Times New Roman" panose="02020603050405020304" pitchFamily="18" charset="0"/>
-                <a:cs typeface="Times New Roman" panose="02020603050405020304" pitchFamily="18" charset="0"/>
-              </a:rPr>
-              <a:t> podendo conectar os dispositivos de </a:t>
+              <a:t>meio externo</a:t>
+            </a:r>
+            <a:r>
+              <a:rPr lang="pt-BR" sz="2000" dirty="0">
+                <a:solidFill>
+                  <a:schemeClr val="tx1"/>
+                </a:solidFill>
+                <a:latin typeface="Times New Roman" panose="02020603050405020304" pitchFamily="18" charset="0"/>
+                <a:cs typeface="Times New Roman" panose="02020603050405020304" pitchFamily="18" charset="0"/>
+              </a:rPr>
+              <a:t> e realizar a </a:t>
             </a:r>
             <a:r>
               <a:rPr lang="pt-BR" sz="2000" b="1" dirty="0">
@@ -15356,37 +15333,17 @@
                 <a:latin typeface="Times New Roman" panose="02020603050405020304" pitchFamily="18" charset="0"/>
                 <a:cs typeface="Times New Roman" panose="02020603050405020304" pitchFamily="18" charset="0"/>
               </a:rPr>
-              <a:t>INPUT</a:t>
-            </a:r>
-            <a:r>
-              <a:rPr lang="pt-BR" sz="2000" dirty="0">
-                <a:solidFill>
-                  <a:schemeClr val="tx1"/>
-                </a:solidFill>
-                <a:latin typeface="Times New Roman" panose="02020603050405020304" pitchFamily="18" charset="0"/>
-                <a:cs typeface="Times New Roman" panose="02020603050405020304" pitchFamily="18" charset="0"/>
-              </a:rPr>
-              <a:t> ou </a:t>
-            </a:r>
-            <a:r>
-              <a:rPr lang="pt-BR" sz="2000" b="1" dirty="0">
-                <a:solidFill>
-                  <a:srgbClr val="FF0000"/>
-                </a:solidFill>
-                <a:latin typeface="Times New Roman" panose="02020603050405020304" pitchFamily="18" charset="0"/>
-                <a:cs typeface="Times New Roman" panose="02020603050405020304" pitchFamily="18" charset="0"/>
-              </a:rPr>
-              <a:t>OUTPUT</a:t>
-            </a:r>
-            <a:r>
-              <a:rPr lang="pt-BR" sz="2000" dirty="0">
-                <a:solidFill>
-                  <a:schemeClr val="tx1"/>
-                </a:solidFill>
-                <a:latin typeface="Times New Roman" panose="02020603050405020304" pitchFamily="18" charset="0"/>
-                <a:cs typeface="Times New Roman" panose="02020603050405020304" pitchFamily="18" charset="0"/>
-              </a:rPr>
-              <a:t>.</a:t>
+              <a:t>comunicação com o Arduino</a:t>
+            </a:r>
+            <a:r>
+              <a:rPr lang="pt-BR" sz="2000" dirty="0">
+                <a:solidFill>
+                  <a:schemeClr val="tx1"/>
+                </a:solidFill>
+                <a:latin typeface="Times New Roman" panose="02020603050405020304" pitchFamily="18" charset="0"/>
+                <a:cs typeface="Times New Roman" panose="02020603050405020304" pitchFamily="18" charset="0"/>
+              </a:rPr>
+              <a:t>. </a:t>
             </a:r>
           </a:p>
           <a:p>
@@ -15408,72 +15365,32 @@
             <a:r>
               <a:rPr lang="pt-BR" sz="2000" b="1" dirty="0">
                 <a:solidFill>
-                  <a:schemeClr val="tx1"/>
-                </a:solidFill>
-                <a:latin typeface="Times New Roman" panose="02020603050405020304" pitchFamily="18" charset="0"/>
-                <a:cs typeface="Times New Roman" panose="02020603050405020304" pitchFamily="18" charset="0"/>
-              </a:rPr>
-              <a:t>CLP</a:t>
-            </a:r>
-            <a:r>
-              <a:rPr lang="pt-BR" sz="2000" dirty="0">
-                <a:solidFill>
-                  <a:schemeClr val="tx1"/>
-                </a:solidFill>
-                <a:latin typeface="Times New Roman" panose="02020603050405020304" pitchFamily="18" charset="0"/>
-                <a:cs typeface="Times New Roman" panose="02020603050405020304" pitchFamily="18" charset="0"/>
-              </a:rPr>
-              <a:t> (</a:t>
+                  <a:srgbClr val="FF0000"/>
+                </a:solidFill>
+                <a:latin typeface="Times New Roman" panose="02020603050405020304" pitchFamily="18" charset="0"/>
+                <a:cs typeface="Times New Roman" panose="02020603050405020304" pitchFamily="18" charset="0"/>
+              </a:rPr>
+              <a:t>Sensor de temperatura, umidade e luminosidade </a:t>
+            </a:r>
+            <a:r>
+              <a:rPr lang="pt-BR" sz="2000" dirty="0">
+                <a:solidFill>
+                  <a:schemeClr val="tx1"/>
+                </a:solidFill>
+                <a:latin typeface="Times New Roman" panose="02020603050405020304" pitchFamily="18" charset="0"/>
+                <a:cs typeface="Times New Roman" panose="02020603050405020304" pitchFamily="18" charset="0"/>
+              </a:rPr>
+              <a:t>são alguns exemplos de </a:t>
             </a:r>
             <a:r>
               <a:rPr lang="pt-BR" sz="2000" b="1" dirty="0">
                 <a:solidFill>
-                  <a:srgbClr val="FF0000"/>
-                </a:solidFill>
-                <a:latin typeface="Times New Roman" panose="02020603050405020304" pitchFamily="18" charset="0"/>
-                <a:cs typeface="Times New Roman" panose="02020603050405020304" pitchFamily="18" charset="0"/>
-              </a:rPr>
-              <a:t>Controladores lógicos programáveis</a:t>
-            </a:r>
-            <a:r>
-              <a:rPr lang="pt-BR" sz="2000" dirty="0">
-                <a:solidFill>
-                  <a:schemeClr val="tx1"/>
-                </a:solidFill>
-                <a:latin typeface="Times New Roman" panose="02020603050405020304" pitchFamily="18" charset="0"/>
-                <a:cs typeface="Times New Roman" panose="02020603050405020304" pitchFamily="18" charset="0"/>
-              </a:rPr>
-              <a:t>), existem pinos específicos para </a:t>
-            </a:r>
-            <a:r>
-              <a:rPr lang="pt-BR" sz="2000" b="1" dirty="0">
-                <a:solidFill>
-                  <a:schemeClr val="tx1"/>
-                </a:solidFill>
-                <a:latin typeface="Times New Roman" panose="02020603050405020304" pitchFamily="18" charset="0"/>
-                <a:cs typeface="Times New Roman" panose="02020603050405020304" pitchFamily="18" charset="0"/>
-              </a:rPr>
-              <a:t>INPUTS</a:t>
-            </a:r>
-            <a:r>
-              <a:rPr lang="pt-BR" sz="2000" dirty="0">
-                <a:solidFill>
-                  <a:schemeClr val="tx1"/>
-                </a:solidFill>
-                <a:latin typeface="Times New Roman" panose="02020603050405020304" pitchFamily="18" charset="0"/>
-                <a:cs typeface="Times New Roman" panose="02020603050405020304" pitchFamily="18" charset="0"/>
-              </a:rPr>
-              <a:t> e </a:t>
-            </a:r>
-            <a:r>
-              <a:rPr lang="pt-BR" sz="2000" b="1" dirty="0">
-                <a:solidFill>
-                  <a:srgbClr val="FF0000"/>
-                </a:solidFill>
-                <a:latin typeface="Times New Roman" panose="02020603050405020304" pitchFamily="18" charset="0"/>
-                <a:cs typeface="Times New Roman" panose="02020603050405020304" pitchFamily="18" charset="0"/>
-              </a:rPr>
-              <a:t>OUTPUTS</a:t>
+                  <a:schemeClr val="tx1"/>
+                </a:solidFill>
+                <a:latin typeface="Times New Roman" panose="02020603050405020304" pitchFamily="18" charset="0"/>
+                <a:cs typeface="Times New Roman" panose="02020603050405020304" pitchFamily="18" charset="0"/>
+              </a:rPr>
+              <a:t>sensores</a:t>
             </a:r>
             <a:r>
               <a:rPr lang="pt-BR" sz="2000" dirty="0">
@@ -15485,61 +15402,13 @@
               </a:rPr>
               <a:t>.</a:t>
             </a:r>
-          </a:p>
-          <a:p>
-            <a:pPr marL="0" indent="0" algn="just">
-              <a:buNone/>
-            </a:pPr>
-            <a:endParaRPr lang="pt-BR" sz="2000" dirty="0">
-              <a:solidFill>
-                <a:schemeClr val="tx1"/>
-              </a:solidFill>
-              <a:latin typeface="Times New Roman" panose="02020603050405020304" pitchFamily="18" charset="0"/>
-              <a:cs typeface="Times New Roman" panose="02020603050405020304" pitchFamily="18" charset="0"/>
-            </a:endParaRPr>
-          </a:p>
-          <a:p>
-            <a:pPr marL="0" indent="0" algn="just">
-              <a:buNone/>
-            </a:pPr>
-            <a:endParaRPr lang="pt-BR" sz="2000" dirty="0">
-              <a:solidFill>
-                <a:schemeClr val="tx1"/>
-              </a:solidFill>
-              <a:latin typeface="Times New Roman" panose="02020603050405020304" pitchFamily="18" charset="0"/>
-              <a:cs typeface="Times New Roman" panose="02020603050405020304" pitchFamily="18" charset="0"/>
-            </a:endParaRPr>
-          </a:p>
-          <a:p>
-            <a:pPr marL="0" indent="0" algn="just">
-              <a:buNone/>
-            </a:pPr>
-            <a:endParaRPr lang="pt-BR" sz="2000" dirty="0">
-              <a:solidFill>
-                <a:schemeClr val="tx1"/>
-              </a:solidFill>
-              <a:latin typeface="Times New Roman" panose="02020603050405020304" pitchFamily="18" charset="0"/>
-              <a:cs typeface="Times New Roman" panose="02020603050405020304" pitchFamily="18" charset="0"/>
-            </a:endParaRPr>
-          </a:p>
-          <a:p>
-            <a:pPr marL="0" indent="0" algn="just">
-              <a:buNone/>
-            </a:pPr>
-            <a:endParaRPr lang="pt-BR" sz="2000" dirty="0">
-              <a:solidFill>
-                <a:schemeClr val="tx1"/>
-              </a:solidFill>
-              <a:latin typeface="Times New Roman" panose="02020603050405020304" pitchFamily="18" charset="0"/>
-              <a:cs typeface="Times New Roman" panose="02020603050405020304" pitchFamily="18" charset="0"/>
-            </a:endParaRPr>
           </a:p>
         </p:txBody>
       </p:sp>
     </p:spTree>
     <p:extLst>
       <p:ext uri="{BB962C8B-B14F-4D97-AF65-F5344CB8AC3E}">
-        <p14:creationId xmlns:p14="http://schemas.microsoft.com/office/powerpoint/2010/main" val="2294957223"/>
+        <p14:creationId xmlns:p14="http://schemas.microsoft.com/office/powerpoint/2010/main" val="3553918350"/>
       </p:ext>
     </p:extLst>
   </p:cSld>
@@ -15595,22 +15464,6 @@
                   <a:srgbClr val="0070C0"/>
                 </a:solidFill>
               </a:rPr>
-              <a:t>Tipos</a:t>
-            </a:r>
-            <a:r>
-              <a:rPr lang="en-US" b="1" dirty="0">
-                <a:solidFill>
-                  <a:srgbClr val="0070C0"/>
-                </a:solidFill>
-              </a:rPr>
-              <a:t> de </a:t>
-            </a:r>
-            <a:r>
-              <a:rPr lang="en-US" b="1" dirty="0" err="1">
-                <a:solidFill>
-                  <a:srgbClr val="0070C0"/>
-                </a:solidFill>
-              </a:rPr>
               <a:t>Sensores</a:t>
             </a:r>
             <a:endParaRPr lang="en-US" b="1" dirty="0">
@@ -15643,153 +15496,183 @@
           </a:bodyPr>
           <a:lstStyle/>
           <a:p>
-            <a:pPr algn="just">
-              <a:buFont typeface="Wingdings" panose="05000000000000000000" pitchFamily="2" charset="2"/>
-              <a:buChar char="§"/>
-            </a:pPr>
-            <a:r>
-              <a:rPr lang="pt-BR" sz="2000" dirty="0">
-                <a:solidFill>
-                  <a:schemeClr val="tx1"/>
-                </a:solidFill>
-                <a:latin typeface="Times New Roman" panose="02020603050405020304" pitchFamily="18" charset="0"/>
-                <a:cs typeface="Times New Roman" panose="02020603050405020304" pitchFamily="18" charset="0"/>
-              </a:rPr>
-              <a:t>Fotoelétrico</a:t>
-            </a:r>
-          </a:p>
-          <a:p>
-            <a:pPr algn="just">
-              <a:buFont typeface="Wingdings" panose="05000000000000000000" pitchFamily="2" charset="2"/>
-              <a:buChar char="§"/>
-            </a:pPr>
-            <a:r>
-              <a:rPr lang="pt-BR" sz="2000" dirty="0">
-                <a:solidFill>
-                  <a:schemeClr val="tx1"/>
-                </a:solidFill>
-                <a:latin typeface="Times New Roman" panose="02020603050405020304" pitchFamily="18" charset="0"/>
-                <a:cs typeface="Times New Roman" panose="02020603050405020304" pitchFamily="18" charset="0"/>
-              </a:rPr>
-              <a:t>Detectores de sons</a:t>
-            </a:r>
-          </a:p>
-          <a:p>
-            <a:pPr algn="just">
-              <a:buFont typeface="Wingdings" panose="05000000000000000000" pitchFamily="2" charset="2"/>
-              <a:buChar char="§"/>
-            </a:pPr>
-            <a:r>
-              <a:rPr lang="pt-BR" sz="2000" dirty="0">
-                <a:solidFill>
-                  <a:schemeClr val="tx1"/>
-                </a:solidFill>
-                <a:latin typeface="Times New Roman" panose="02020603050405020304" pitchFamily="18" charset="0"/>
-                <a:cs typeface="Times New Roman" panose="02020603050405020304" pitchFamily="18" charset="0"/>
-              </a:rPr>
-              <a:t>Velocidade</a:t>
-            </a:r>
-          </a:p>
-          <a:p>
-            <a:pPr algn="just">
-              <a:buFont typeface="Wingdings" panose="05000000000000000000" pitchFamily="2" charset="2"/>
-              <a:buChar char="§"/>
-            </a:pPr>
-            <a:r>
-              <a:rPr lang="pt-BR" sz="2000" dirty="0">
-                <a:solidFill>
-                  <a:schemeClr val="tx1"/>
-                </a:solidFill>
-                <a:latin typeface="Times New Roman" panose="02020603050405020304" pitchFamily="18" charset="0"/>
-                <a:cs typeface="Times New Roman" panose="02020603050405020304" pitchFamily="18" charset="0"/>
-              </a:rPr>
-              <a:t>Temperatura</a:t>
-            </a:r>
-          </a:p>
-          <a:p>
-            <a:pPr algn="just">
-              <a:buFont typeface="Wingdings" panose="05000000000000000000" pitchFamily="2" charset="2"/>
-              <a:buChar char="§"/>
-            </a:pPr>
-            <a:r>
-              <a:rPr lang="pt-BR" sz="2000" dirty="0">
-                <a:solidFill>
-                  <a:schemeClr val="tx1"/>
-                </a:solidFill>
-                <a:latin typeface="Times New Roman" panose="02020603050405020304" pitchFamily="18" charset="0"/>
-                <a:cs typeface="Times New Roman" panose="02020603050405020304" pitchFamily="18" charset="0"/>
-              </a:rPr>
-              <a:t>Magnéticos</a:t>
-            </a:r>
-          </a:p>
-          <a:p>
-            <a:pPr algn="just">
-              <a:buFont typeface="Wingdings" panose="05000000000000000000" pitchFamily="2" charset="2"/>
-              <a:buChar char="§"/>
-            </a:pPr>
-            <a:r>
-              <a:rPr lang="pt-BR" sz="2000" dirty="0">
-                <a:solidFill>
-                  <a:schemeClr val="tx1"/>
-                </a:solidFill>
-                <a:latin typeface="Times New Roman" panose="02020603050405020304" pitchFamily="18" charset="0"/>
-                <a:cs typeface="Times New Roman" panose="02020603050405020304" pitchFamily="18" charset="0"/>
-              </a:rPr>
-              <a:t>Pressão</a:t>
-            </a:r>
-          </a:p>
-          <a:p>
-            <a:pPr algn="just">
-              <a:buFont typeface="Wingdings" panose="05000000000000000000" pitchFamily="2" charset="2"/>
-              <a:buChar char="§"/>
-            </a:pPr>
-            <a:r>
-              <a:rPr lang="pt-BR" sz="2000" dirty="0">
-                <a:solidFill>
-                  <a:schemeClr val="tx1"/>
-                </a:solidFill>
-                <a:latin typeface="Times New Roman" panose="02020603050405020304" pitchFamily="18" charset="0"/>
-                <a:cs typeface="Times New Roman" panose="02020603050405020304" pitchFamily="18" charset="0"/>
-              </a:rPr>
-              <a:t>Acelerômetros</a:t>
-            </a:r>
-          </a:p>
-          <a:p>
-            <a:pPr algn="just">
-              <a:buFont typeface="Wingdings" panose="05000000000000000000" pitchFamily="2" charset="2"/>
-              <a:buChar char="§"/>
-            </a:pPr>
-            <a:r>
-              <a:rPr lang="pt-BR" sz="2000" dirty="0">
-                <a:solidFill>
-                  <a:schemeClr val="tx1"/>
-                </a:solidFill>
-                <a:latin typeface="Times New Roman" panose="02020603050405020304" pitchFamily="18" charset="0"/>
-                <a:cs typeface="Times New Roman" panose="02020603050405020304" pitchFamily="18" charset="0"/>
-              </a:rPr>
-              <a:t>Giroscópios</a:t>
-            </a:r>
-          </a:p>
-          <a:p>
-            <a:pPr algn="just">
-              <a:buFont typeface="Wingdings" panose="05000000000000000000" pitchFamily="2" charset="2"/>
-              <a:buChar char="§"/>
-            </a:pPr>
-            <a:r>
-              <a:rPr lang="pt-BR" sz="2000" dirty="0">
-                <a:solidFill>
-                  <a:schemeClr val="tx1"/>
-                </a:solidFill>
-                <a:latin typeface="Times New Roman" panose="02020603050405020304" pitchFamily="18" charset="0"/>
-                <a:cs typeface="Times New Roman" panose="02020603050405020304" pitchFamily="18" charset="0"/>
-              </a:rPr>
-              <a:t>Gás e fumaça.</a:t>
-            </a:r>
-          </a:p>
-          <a:p>
-            <a:pPr algn="just">
-              <a:buFont typeface="Wingdings" panose="05000000000000000000" pitchFamily="2" charset="2"/>
-              <a:buChar char="§"/>
+            <a:pPr marL="0" indent="0" algn="just">
+              <a:buNone/>
+            </a:pPr>
+            <a:r>
+              <a:rPr lang="pt-BR" sz="2000" dirty="0">
+                <a:solidFill>
+                  <a:schemeClr val="tx1"/>
+                </a:solidFill>
+                <a:latin typeface="Times New Roman" panose="02020603050405020304" pitchFamily="18" charset="0"/>
+                <a:cs typeface="Times New Roman" panose="02020603050405020304" pitchFamily="18" charset="0"/>
+              </a:rPr>
+              <a:t>São os </a:t>
+            </a:r>
+            <a:r>
+              <a:rPr lang="pt-BR" sz="2000" b="1" dirty="0">
+                <a:solidFill>
+                  <a:schemeClr val="tx1"/>
+                </a:solidFill>
+                <a:latin typeface="Times New Roman" panose="02020603050405020304" pitchFamily="18" charset="0"/>
+                <a:cs typeface="Times New Roman" panose="02020603050405020304" pitchFamily="18" charset="0"/>
+              </a:rPr>
+              <a:t>INPUTS</a:t>
+            </a:r>
+            <a:r>
+              <a:rPr lang="pt-BR" sz="2000" dirty="0">
+                <a:solidFill>
+                  <a:schemeClr val="tx1"/>
+                </a:solidFill>
+                <a:latin typeface="Times New Roman" panose="02020603050405020304" pitchFamily="18" charset="0"/>
+                <a:cs typeface="Times New Roman" panose="02020603050405020304" pitchFamily="18" charset="0"/>
+              </a:rPr>
+              <a:t> (</a:t>
+            </a:r>
+            <a:r>
+              <a:rPr lang="pt-BR" sz="2000" b="1" dirty="0">
+                <a:solidFill>
+                  <a:srgbClr val="FF0000"/>
+                </a:solidFill>
+                <a:latin typeface="Times New Roman" panose="02020603050405020304" pitchFamily="18" charset="0"/>
+                <a:cs typeface="Times New Roman" panose="02020603050405020304" pitchFamily="18" charset="0"/>
+              </a:rPr>
+              <a:t>dispositivos de entrada</a:t>
+            </a:r>
+            <a:r>
+              <a:rPr lang="pt-BR" sz="2000" dirty="0">
+                <a:solidFill>
+                  <a:schemeClr val="tx1"/>
+                </a:solidFill>
+                <a:latin typeface="Times New Roman" panose="02020603050405020304" pitchFamily="18" charset="0"/>
+                <a:cs typeface="Times New Roman" panose="02020603050405020304" pitchFamily="18" charset="0"/>
+              </a:rPr>
+              <a:t>), são utilizados na </a:t>
+            </a:r>
+            <a:r>
+              <a:rPr lang="pt-BR" sz="2000" b="1" dirty="0">
+                <a:solidFill>
+                  <a:schemeClr val="tx1"/>
+                </a:solidFill>
+                <a:latin typeface="Times New Roman" panose="02020603050405020304" pitchFamily="18" charset="0"/>
+                <a:cs typeface="Times New Roman" panose="02020603050405020304" pitchFamily="18" charset="0"/>
+              </a:rPr>
+              <a:t>detecção</a:t>
+            </a:r>
+            <a:r>
+              <a:rPr lang="pt-BR" sz="2000" dirty="0">
+                <a:solidFill>
+                  <a:schemeClr val="tx1"/>
+                </a:solidFill>
+                <a:latin typeface="Times New Roman" panose="02020603050405020304" pitchFamily="18" charset="0"/>
+                <a:cs typeface="Times New Roman" panose="02020603050405020304" pitchFamily="18" charset="0"/>
+              </a:rPr>
+              <a:t> de uma </a:t>
+            </a:r>
+            <a:r>
+              <a:rPr lang="pt-BR" sz="2000" b="1" dirty="0">
+                <a:solidFill>
+                  <a:schemeClr val="tx1"/>
+                </a:solidFill>
+                <a:latin typeface="Times New Roman" panose="02020603050405020304" pitchFamily="18" charset="0"/>
+                <a:cs typeface="Times New Roman" panose="02020603050405020304" pitchFamily="18" charset="0"/>
+              </a:rPr>
+              <a:t>característica</a:t>
+            </a:r>
+            <a:r>
+              <a:rPr lang="pt-BR" sz="2000" dirty="0">
+                <a:solidFill>
+                  <a:schemeClr val="tx1"/>
+                </a:solidFill>
+                <a:latin typeface="Times New Roman" panose="02020603050405020304" pitchFamily="18" charset="0"/>
+                <a:cs typeface="Times New Roman" panose="02020603050405020304" pitchFamily="18" charset="0"/>
+              </a:rPr>
+              <a:t> do </a:t>
+            </a:r>
+            <a:r>
+              <a:rPr lang="pt-BR" sz="2000" b="1" dirty="0">
+                <a:solidFill>
+                  <a:srgbClr val="FF0000"/>
+                </a:solidFill>
+                <a:latin typeface="Times New Roman" panose="02020603050405020304" pitchFamily="18" charset="0"/>
+                <a:cs typeface="Times New Roman" panose="02020603050405020304" pitchFamily="18" charset="0"/>
+              </a:rPr>
+              <a:t>ambiente</a:t>
+            </a:r>
+            <a:r>
+              <a:rPr lang="pt-BR" sz="2000" dirty="0">
+                <a:solidFill>
+                  <a:schemeClr val="tx1"/>
+                </a:solidFill>
+                <a:latin typeface="Times New Roman" panose="02020603050405020304" pitchFamily="18" charset="0"/>
+                <a:cs typeface="Times New Roman" panose="02020603050405020304" pitchFamily="18" charset="0"/>
+              </a:rPr>
+              <a:t> para </a:t>
+            </a:r>
+            <a:r>
+              <a:rPr lang="pt-BR" sz="2000" b="1" dirty="0">
+                <a:solidFill>
+                  <a:schemeClr val="tx1"/>
+                </a:solidFill>
+                <a:latin typeface="Times New Roman" panose="02020603050405020304" pitchFamily="18" charset="0"/>
+                <a:cs typeface="Times New Roman" panose="02020603050405020304" pitchFamily="18" charset="0"/>
+              </a:rPr>
+              <a:t>enviar dados </a:t>
+            </a:r>
+            <a:r>
+              <a:rPr lang="pt-BR" sz="2000" dirty="0">
+                <a:solidFill>
+                  <a:schemeClr val="tx1"/>
+                </a:solidFill>
+                <a:latin typeface="Times New Roman" panose="02020603050405020304" pitchFamily="18" charset="0"/>
+                <a:cs typeface="Times New Roman" panose="02020603050405020304" pitchFamily="18" charset="0"/>
+              </a:rPr>
+              <a:t>através dos </a:t>
+            </a:r>
+            <a:r>
+              <a:rPr lang="pt-BR" sz="2000" b="1" dirty="0">
+                <a:solidFill>
+                  <a:schemeClr val="tx1"/>
+                </a:solidFill>
+                <a:latin typeface="Times New Roman" panose="02020603050405020304" pitchFamily="18" charset="0"/>
+                <a:cs typeface="Times New Roman" panose="02020603050405020304" pitchFamily="18" charset="0"/>
+              </a:rPr>
+              <a:t>pinos</a:t>
+            </a:r>
+            <a:r>
+              <a:rPr lang="pt-BR" sz="2000" dirty="0">
+                <a:solidFill>
+                  <a:schemeClr val="tx1"/>
+                </a:solidFill>
+                <a:latin typeface="Times New Roman" panose="02020603050405020304" pitchFamily="18" charset="0"/>
+                <a:cs typeface="Times New Roman" panose="02020603050405020304" pitchFamily="18" charset="0"/>
+              </a:rPr>
+              <a:t> para o </a:t>
+            </a:r>
+            <a:r>
+              <a:rPr lang="pt-BR" sz="2000" b="1" dirty="0">
+                <a:solidFill>
+                  <a:srgbClr val="FF0000"/>
+                </a:solidFill>
+                <a:latin typeface="Times New Roman" panose="02020603050405020304" pitchFamily="18" charset="0"/>
+                <a:cs typeface="Times New Roman" panose="02020603050405020304" pitchFamily="18" charset="0"/>
+              </a:rPr>
+              <a:t>microcontrolador</a:t>
+            </a:r>
+            <a:r>
+              <a:rPr lang="pt-BR" sz="2000" dirty="0">
+                <a:solidFill>
+                  <a:schemeClr val="tx1"/>
+                </a:solidFill>
+                <a:latin typeface="Times New Roman" panose="02020603050405020304" pitchFamily="18" charset="0"/>
+                <a:cs typeface="Times New Roman" panose="02020603050405020304" pitchFamily="18" charset="0"/>
+              </a:rPr>
+              <a:t>.</a:t>
+            </a:r>
+          </a:p>
+          <a:p>
+            <a:pPr marL="0" indent="0" algn="just">
+              <a:buNone/>
             </a:pPr>
             <a:endParaRPr lang="pt-BR" sz="2000" dirty="0">
               <a:solidFill>
@@ -15800,9 +15683,103 @@
             </a:endParaRPr>
           </a:p>
           <a:p>
-            <a:pPr algn="just">
-              <a:buFont typeface="Wingdings" panose="05000000000000000000" pitchFamily="2" charset="2"/>
-              <a:buChar char="§"/>
+            <a:pPr marL="0" indent="0" algn="just">
+              <a:buNone/>
+            </a:pPr>
+            <a:r>
+              <a:rPr lang="pt-BR" sz="2000" dirty="0">
+                <a:solidFill>
+                  <a:schemeClr val="tx1"/>
+                </a:solidFill>
+                <a:latin typeface="Times New Roman" panose="02020603050405020304" pitchFamily="18" charset="0"/>
+                <a:cs typeface="Times New Roman" panose="02020603050405020304" pitchFamily="18" charset="0"/>
+              </a:rPr>
+              <a:t>Nos </a:t>
+            </a:r>
+            <a:r>
+              <a:rPr lang="pt-BR" sz="2000" b="1" dirty="0">
+                <a:solidFill>
+                  <a:schemeClr val="tx1"/>
+                </a:solidFill>
+                <a:latin typeface="Times New Roman" panose="02020603050405020304" pitchFamily="18" charset="0"/>
+                <a:cs typeface="Times New Roman" panose="02020603050405020304" pitchFamily="18" charset="0"/>
+              </a:rPr>
+              <a:t>microcontroladores</a:t>
+            </a:r>
+            <a:r>
+              <a:rPr lang="pt-BR" sz="2000" dirty="0">
+                <a:solidFill>
+                  <a:schemeClr val="tx1"/>
+                </a:solidFill>
+                <a:latin typeface="Times New Roman" panose="02020603050405020304" pitchFamily="18" charset="0"/>
+                <a:cs typeface="Times New Roman" panose="02020603050405020304" pitchFamily="18" charset="0"/>
+              </a:rPr>
+              <a:t> os </a:t>
+            </a:r>
+            <a:r>
+              <a:rPr lang="pt-BR" sz="2000" b="1" dirty="0">
+                <a:solidFill>
+                  <a:srgbClr val="FF0000"/>
+                </a:solidFill>
+                <a:latin typeface="Times New Roman" panose="02020603050405020304" pitchFamily="18" charset="0"/>
+                <a:cs typeface="Times New Roman" panose="02020603050405020304" pitchFamily="18" charset="0"/>
+              </a:rPr>
+              <a:t>pinos são bidirecionais</a:t>
+            </a:r>
+            <a:r>
+              <a:rPr lang="pt-BR" sz="2000" dirty="0">
+                <a:solidFill>
+                  <a:schemeClr val="tx1"/>
+                </a:solidFill>
+                <a:latin typeface="Times New Roman" panose="02020603050405020304" pitchFamily="18" charset="0"/>
+                <a:cs typeface="Times New Roman" panose="02020603050405020304" pitchFamily="18" charset="0"/>
+              </a:rPr>
+              <a:t> podendo conectar os dispositivos de </a:t>
+            </a:r>
+            <a:r>
+              <a:rPr lang="pt-BR" sz="2000" b="1" dirty="0">
+                <a:solidFill>
+                  <a:schemeClr val="tx1"/>
+                </a:solidFill>
+                <a:latin typeface="Times New Roman" panose="02020603050405020304" pitchFamily="18" charset="0"/>
+                <a:cs typeface="Times New Roman" panose="02020603050405020304" pitchFamily="18" charset="0"/>
+              </a:rPr>
+              <a:t>INPUT</a:t>
+            </a:r>
+            <a:r>
+              <a:rPr lang="pt-BR" sz="2000" dirty="0">
+                <a:solidFill>
+                  <a:schemeClr val="tx1"/>
+                </a:solidFill>
+                <a:latin typeface="Times New Roman" panose="02020603050405020304" pitchFamily="18" charset="0"/>
+                <a:cs typeface="Times New Roman" panose="02020603050405020304" pitchFamily="18" charset="0"/>
+              </a:rPr>
+              <a:t> ou </a:t>
+            </a:r>
+            <a:r>
+              <a:rPr lang="pt-BR" sz="2000" b="1" dirty="0">
+                <a:solidFill>
+                  <a:srgbClr val="FF0000"/>
+                </a:solidFill>
+                <a:latin typeface="Times New Roman" panose="02020603050405020304" pitchFamily="18" charset="0"/>
+                <a:cs typeface="Times New Roman" panose="02020603050405020304" pitchFamily="18" charset="0"/>
+              </a:rPr>
+              <a:t>OUTPUT</a:t>
+            </a:r>
+            <a:r>
+              <a:rPr lang="pt-BR" sz="2000" dirty="0">
+                <a:solidFill>
+                  <a:schemeClr val="tx1"/>
+                </a:solidFill>
+                <a:latin typeface="Times New Roman" panose="02020603050405020304" pitchFamily="18" charset="0"/>
+                <a:cs typeface="Times New Roman" panose="02020603050405020304" pitchFamily="18" charset="0"/>
+              </a:rPr>
+              <a:t>.</a:t>
+            </a:r>
+          </a:p>
+          <a:p>
+            <a:pPr marL="0" indent="0" algn="just">
+              <a:buNone/>
             </a:pPr>
             <a:endParaRPr lang="pt-BR" sz="2000" dirty="0">
               <a:solidFill>
@@ -15813,9 +15790,93 @@
             </a:endParaRPr>
           </a:p>
           <a:p>
-            <a:pPr algn="just">
-              <a:buFont typeface="Wingdings" panose="05000000000000000000" pitchFamily="2" charset="2"/>
-              <a:buChar char="§"/>
+            <a:pPr marL="0" indent="0" algn="just">
+              <a:buNone/>
+            </a:pPr>
+            <a:r>
+              <a:rPr lang="pt-BR" sz="2000" b="1" dirty="0">
+                <a:solidFill>
+                  <a:schemeClr val="tx1"/>
+                </a:solidFill>
+                <a:latin typeface="Times New Roman" panose="02020603050405020304" pitchFamily="18" charset="0"/>
+                <a:cs typeface="Times New Roman" panose="02020603050405020304" pitchFamily="18" charset="0"/>
+              </a:rPr>
+              <a:t>CLP</a:t>
+            </a:r>
+            <a:r>
+              <a:rPr lang="pt-BR" sz="2000" dirty="0">
+                <a:solidFill>
+                  <a:schemeClr val="tx1"/>
+                </a:solidFill>
+                <a:latin typeface="Times New Roman" panose="02020603050405020304" pitchFamily="18" charset="0"/>
+                <a:cs typeface="Times New Roman" panose="02020603050405020304" pitchFamily="18" charset="0"/>
+              </a:rPr>
+              <a:t> (</a:t>
+            </a:r>
+            <a:r>
+              <a:rPr lang="pt-BR" sz="2000" b="1" dirty="0">
+                <a:solidFill>
+                  <a:srgbClr val="FF0000"/>
+                </a:solidFill>
+                <a:latin typeface="Times New Roman" panose="02020603050405020304" pitchFamily="18" charset="0"/>
+                <a:cs typeface="Times New Roman" panose="02020603050405020304" pitchFamily="18" charset="0"/>
+              </a:rPr>
+              <a:t>Controladores lógicos programáveis</a:t>
+            </a:r>
+            <a:r>
+              <a:rPr lang="pt-BR" sz="2000" dirty="0">
+                <a:solidFill>
+                  <a:schemeClr val="tx1"/>
+                </a:solidFill>
+                <a:latin typeface="Times New Roman" panose="02020603050405020304" pitchFamily="18" charset="0"/>
+                <a:cs typeface="Times New Roman" panose="02020603050405020304" pitchFamily="18" charset="0"/>
+              </a:rPr>
+              <a:t>), existem pinos específicos para </a:t>
+            </a:r>
+            <a:r>
+              <a:rPr lang="pt-BR" sz="2000" b="1" dirty="0">
+                <a:solidFill>
+                  <a:schemeClr val="tx1"/>
+                </a:solidFill>
+                <a:latin typeface="Times New Roman" panose="02020603050405020304" pitchFamily="18" charset="0"/>
+                <a:cs typeface="Times New Roman" panose="02020603050405020304" pitchFamily="18" charset="0"/>
+              </a:rPr>
+              <a:t>INPUTS</a:t>
+            </a:r>
+            <a:r>
+              <a:rPr lang="pt-BR" sz="2000" dirty="0">
+                <a:solidFill>
+                  <a:schemeClr val="tx1"/>
+                </a:solidFill>
+                <a:latin typeface="Times New Roman" panose="02020603050405020304" pitchFamily="18" charset="0"/>
+                <a:cs typeface="Times New Roman" panose="02020603050405020304" pitchFamily="18" charset="0"/>
+              </a:rPr>
+              <a:t> e </a:t>
+            </a:r>
+            <a:r>
+              <a:rPr lang="pt-BR" sz="2000" b="1" dirty="0">
+                <a:solidFill>
+                  <a:srgbClr val="FF0000"/>
+                </a:solidFill>
+                <a:latin typeface="Times New Roman" panose="02020603050405020304" pitchFamily="18" charset="0"/>
+                <a:cs typeface="Times New Roman" panose="02020603050405020304" pitchFamily="18" charset="0"/>
+              </a:rPr>
+              <a:t>OUTPUTS</a:t>
+            </a:r>
+            <a:r>
+              <a:rPr lang="pt-BR" sz="2000" dirty="0">
+                <a:solidFill>
+                  <a:schemeClr val="tx1"/>
+                </a:solidFill>
+                <a:latin typeface="Times New Roman" panose="02020603050405020304" pitchFamily="18" charset="0"/>
+                <a:cs typeface="Times New Roman" panose="02020603050405020304" pitchFamily="18" charset="0"/>
+              </a:rPr>
+              <a:t>.</a:t>
+            </a:r>
+          </a:p>
+          <a:p>
+            <a:pPr marL="0" indent="0" algn="just">
+              <a:buNone/>
             </a:pPr>
             <a:endParaRPr lang="pt-BR" sz="2000" dirty="0">
               <a:solidFill>
@@ -15826,9 +15887,8 @@
             </a:endParaRPr>
           </a:p>
           <a:p>
-            <a:pPr algn="just">
-              <a:buFont typeface="Wingdings" panose="05000000000000000000" pitchFamily="2" charset="2"/>
-              <a:buChar char="§"/>
+            <a:pPr marL="0" indent="0" algn="just">
+              <a:buNone/>
             </a:pPr>
             <a:endParaRPr lang="pt-BR" sz="2000" dirty="0">
               <a:solidFill>
@@ -15838,12 +15898,36 @@
               <a:cs typeface="Times New Roman" panose="02020603050405020304" pitchFamily="18" charset="0"/>
             </a:endParaRPr>
           </a:p>
+          <a:p>
+            <a:pPr marL="0" indent="0" algn="just">
+              <a:buNone/>
+            </a:pPr>
+            <a:endParaRPr lang="pt-BR" sz="2000" dirty="0">
+              <a:solidFill>
+                <a:schemeClr val="tx1"/>
+              </a:solidFill>
+              <a:latin typeface="Times New Roman" panose="02020603050405020304" pitchFamily="18" charset="0"/>
+              <a:cs typeface="Times New Roman" panose="02020603050405020304" pitchFamily="18" charset="0"/>
+            </a:endParaRPr>
+          </a:p>
+          <a:p>
+            <a:pPr marL="0" indent="0" algn="just">
+              <a:buNone/>
+            </a:pPr>
+            <a:endParaRPr lang="pt-BR" sz="2000" dirty="0">
+              <a:solidFill>
+                <a:schemeClr val="tx1"/>
+              </a:solidFill>
+              <a:latin typeface="Times New Roman" panose="02020603050405020304" pitchFamily="18" charset="0"/>
+              <a:cs typeface="Times New Roman" panose="02020603050405020304" pitchFamily="18" charset="0"/>
+            </a:endParaRPr>
+          </a:p>
         </p:txBody>
       </p:sp>
     </p:spTree>
     <p:extLst>
       <p:ext uri="{BB962C8B-B14F-4D97-AF65-F5344CB8AC3E}">
-        <p14:creationId xmlns:p14="http://schemas.microsoft.com/office/powerpoint/2010/main" val="3272485774"/>
+        <p14:creationId xmlns:p14="http://schemas.microsoft.com/office/powerpoint/2010/main" val="2294957223"/>
       </p:ext>
     </p:extLst>
   </p:cSld>
@@ -15899,7 +15983,23 @@
                   <a:srgbClr val="0070C0"/>
                 </a:solidFill>
               </a:rPr>
-              <a:t>Atuadores</a:t>
+              <a:t>Tipos</a:t>
+            </a:r>
+            <a:r>
+              <a:rPr lang="en-US" b="1" dirty="0">
+                <a:solidFill>
+                  <a:srgbClr val="0070C0"/>
+                </a:solidFill>
+              </a:rPr>
+              <a:t> de </a:t>
+            </a:r>
+            <a:r>
+              <a:rPr lang="en-US" b="1" dirty="0" err="1">
+                <a:solidFill>
+                  <a:srgbClr val="0070C0"/>
+                </a:solidFill>
+              </a:rPr>
+              <a:t>Sensores</a:t>
             </a:r>
             <a:endParaRPr lang="en-US" b="1" dirty="0">
               <a:solidFill>
@@ -15931,43 +16031,153 @@
           </a:bodyPr>
           <a:lstStyle/>
           <a:p>
-            <a:pPr marL="0" indent="0" algn="just">
-              <a:buNone/>
-            </a:pPr>
-            <a:r>
-              <a:rPr lang="pt-BR" sz="2000" dirty="0">
-                <a:solidFill>
-                  <a:schemeClr val="tx1"/>
-                </a:solidFill>
-                <a:latin typeface="Times New Roman" panose="02020603050405020304" pitchFamily="18" charset="0"/>
-                <a:cs typeface="Times New Roman" panose="02020603050405020304" pitchFamily="18" charset="0"/>
-              </a:rPr>
-              <a:t>Nós </a:t>
-            </a:r>
-            <a:r>
-              <a:rPr lang="pt-BR" sz="2000" b="1" dirty="0">
-                <a:solidFill>
-                  <a:schemeClr val="tx1"/>
-                </a:solidFill>
-                <a:latin typeface="Times New Roman" panose="02020603050405020304" pitchFamily="18" charset="0"/>
-                <a:cs typeface="Times New Roman" panose="02020603050405020304" pitchFamily="18" charset="0"/>
-              </a:rPr>
-              <a:t>atuadores</a:t>
-            </a:r>
-            <a:r>
-              <a:rPr lang="pt-BR" sz="2000" dirty="0">
-                <a:solidFill>
-                  <a:schemeClr val="tx1"/>
-                </a:solidFill>
-                <a:latin typeface="Times New Roman" panose="02020603050405020304" pitchFamily="18" charset="0"/>
-                <a:cs typeface="Times New Roman" panose="02020603050405020304" pitchFamily="18" charset="0"/>
-              </a:rPr>
-              <a:t> são aqueles que realizam alguma ação no ambiente.</a:t>
-            </a:r>
-          </a:p>
-          <a:p>
-            <a:pPr marL="0" indent="0" algn="just">
-              <a:buNone/>
+            <a:pPr algn="just">
+              <a:buFont typeface="Wingdings" panose="05000000000000000000" pitchFamily="2" charset="2"/>
+              <a:buChar char="§"/>
+            </a:pPr>
+            <a:r>
+              <a:rPr lang="pt-BR" sz="2000" dirty="0">
+                <a:solidFill>
+                  <a:schemeClr val="tx1"/>
+                </a:solidFill>
+                <a:latin typeface="Times New Roman" panose="02020603050405020304" pitchFamily="18" charset="0"/>
+                <a:cs typeface="Times New Roman" panose="02020603050405020304" pitchFamily="18" charset="0"/>
+              </a:rPr>
+              <a:t>Fotoelétrico</a:t>
+            </a:r>
+          </a:p>
+          <a:p>
+            <a:pPr algn="just">
+              <a:buFont typeface="Wingdings" panose="05000000000000000000" pitchFamily="2" charset="2"/>
+              <a:buChar char="§"/>
+            </a:pPr>
+            <a:r>
+              <a:rPr lang="pt-BR" sz="2000" dirty="0">
+                <a:solidFill>
+                  <a:schemeClr val="tx1"/>
+                </a:solidFill>
+                <a:latin typeface="Times New Roman" panose="02020603050405020304" pitchFamily="18" charset="0"/>
+                <a:cs typeface="Times New Roman" panose="02020603050405020304" pitchFamily="18" charset="0"/>
+              </a:rPr>
+              <a:t>Detectores de sons</a:t>
+            </a:r>
+          </a:p>
+          <a:p>
+            <a:pPr algn="just">
+              <a:buFont typeface="Wingdings" panose="05000000000000000000" pitchFamily="2" charset="2"/>
+              <a:buChar char="§"/>
+            </a:pPr>
+            <a:r>
+              <a:rPr lang="pt-BR" sz="2000" dirty="0">
+                <a:solidFill>
+                  <a:schemeClr val="tx1"/>
+                </a:solidFill>
+                <a:latin typeface="Times New Roman" panose="02020603050405020304" pitchFamily="18" charset="0"/>
+                <a:cs typeface="Times New Roman" panose="02020603050405020304" pitchFamily="18" charset="0"/>
+              </a:rPr>
+              <a:t>Velocidade</a:t>
+            </a:r>
+          </a:p>
+          <a:p>
+            <a:pPr algn="just">
+              <a:buFont typeface="Wingdings" panose="05000000000000000000" pitchFamily="2" charset="2"/>
+              <a:buChar char="§"/>
+            </a:pPr>
+            <a:r>
+              <a:rPr lang="pt-BR" sz="2000" dirty="0">
+                <a:solidFill>
+                  <a:schemeClr val="tx1"/>
+                </a:solidFill>
+                <a:latin typeface="Times New Roman" panose="02020603050405020304" pitchFamily="18" charset="0"/>
+                <a:cs typeface="Times New Roman" panose="02020603050405020304" pitchFamily="18" charset="0"/>
+              </a:rPr>
+              <a:t>Temperatura</a:t>
+            </a:r>
+          </a:p>
+          <a:p>
+            <a:pPr algn="just">
+              <a:buFont typeface="Wingdings" panose="05000000000000000000" pitchFamily="2" charset="2"/>
+              <a:buChar char="§"/>
+            </a:pPr>
+            <a:r>
+              <a:rPr lang="pt-BR" sz="2000" dirty="0">
+                <a:solidFill>
+                  <a:schemeClr val="tx1"/>
+                </a:solidFill>
+                <a:latin typeface="Times New Roman" panose="02020603050405020304" pitchFamily="18" charset="0"/>
+                <a:cs typeface="Times New Roman" panose="02020603050405020304" pitchFamily="18" charset="0"/>
+              </a:rPr>
+              <a:t>Magnéticos</a:t>
+            </a:r>
+          </a:p>
+          <a:p>
+            <a:pPr algn="just">
+              <a:buFont typeface="Wingdings" panose="05000000000000000000" pitchFamily="2" charset="2"/>
+              <a:buChar char="§"/>
+            </a:pPr>
+            <a:r>
+              <a:rPr lang="pt-BR" sz="2000" dirty="0">
+                <a:solidFill>
+                  <a:schemeClr val="tx1"/>
+                </a:solidFill>
+                <a:latin typeface="Times New Roman" panose="02020603050405020304" pitchFamily="18" charset="0"/>
+                <a:cs typeface="Times New Roman" panose="02020603050405020304" pitchFamily="18" charset="0"/>
+              </a:rPr>
+              <a:t>Pressão</a:t>
+            </a:r>
+          </a:p>
+          <a:p>
+            <a:pPr algn="just">
+              <a:buFont typeface="Wingdings" panose="05000000000000000000" pitchFamily="2" charset="2"/>
+              <a:buChar char="§"/>
+            </a:pPr>
+            <a:r>
+              <a:rPr lang="pt-BR" sz="2000" dirty="0">
+                <a:solidFill>
+                  <a:schemeClr val="tx1"/>
+                </a:solidFill>
+                <a:latin typeface="Times New Roman" panose="02020603050405020304" pitchFamily="18" charset="0"/>
+                <a:cs typeface="Times New Roman" panose="02020603050405020304" pitchFamily="18" charset="0"/>
+              </a:rPr>
+              <a:t>Acelerômetros</a:t>
+            </a:r>
+          </a:p>
+          <a:p>
+            <a:pPr algn="just">
+              <a:buFont typeface="Wingdings" panose="05000000000000000000" pitchFamily="2" charset="2"/>
+              <a:buChar char="§"/>
+            </a:pPr>
+            <a:r>
+              <a:rPr lang="pt-BR" sz="2000" dirty="0">
+                <a:solidFill>
+                  <a:schemeClr val="tx1"/>
+                </a:solidFill>
+                <a:latin typeface="Times New Roman" panose="02020603050405020304" pitchFamily="18" charset="0"/>
+                <a:cs typeface="Times New Roman" panose="02020603050405020304" pitchFamily="18" charset="0"/>
+              </a:rPr>
+              <a:t>Giroscópios</a:t>
+            </a:r>
+          </a:p>
+          <a:p>
+            <a:pPr algn="just">
+              <a:buFont typeface="Wingdings" panose="05000000000000000000" pitchFamily="2" charset="2"/>
+              <a:buChar char="§"/>
+            </a:pPr>
+            <a:r>
+              <a:rPr lang="pt-BR" sz="2000" dirty="0">
+                <a:solidFill>
+                  <a:schemeClr val="tx1"/>
+                </a:solidFill>
+                <a:latin typeface="Times New Roman" panose="02020603050405020304" pitchFamily="18" charset="0"/>
+                <a:cs typeface="Times New Roman" panose="02020603050405020304" pitchFamily="18" charset="0"/>
+              </a:rPr>
+              <a:t>Gás e fumaça.</a:t>
+            </a:r>
+          </a:p>
+          <a:p>
+            <a:pPr algn="just">
+              <a:buFont typeface="Wingdings" panose="05000000000000000000" pitchFamily="2" charset="2"/>
+              <a:buChar char="§"/>
             </a:pPr>
             <a:endParaRPr lang="pt-BR" sz="2000" dirty="0">
               <a:solidFill>
@@ -15978,26 +16188,50 @@
             </a:endParaRPr>
           </a:p>
           <a:p>
-            <a:pPr marL="0" indent="0" algn="just">
-              <a:buNone/>
-            </a:pPr>
-            <a:r>
-              <a:rPr lang="pt-BR" sz="2000" dirty="0">
-                <a:solidFill>
-                  <a:schemeClr val="tx1"/>
-                </a:solidFill>
-                <a:latin typeface="Times New Roman" panose="02020603050405020304" pitchFamily="18" charset="0"/>
-                <a:cs typeface="Times New Roman" panose="02020603050405020304" pitchFamily="18" charset="0"/>
-              </a:rPr>
-              <a:t>Um servo motor por exemplo é um nó atuador, podendo ser utilizado para abrir uma janela na casa ou mover algum objeto.</a:t>
-            </a:r>
+            <a:pPr algn="just">
+              <a:buFont typeface="Wingdings" panose="05000000000000000000" pitchFamily="2" charset="2"/>
+              <a:buChar char="§"/>
+            </a:pPr>
+            <a:endParaRPr lang="pt-BR" sz="2000" dirty="0">
+              <a:solidFill>
+                <a:schemeClr val="tx1"/>
+              </a:solidFill>
+              <a:latin typeface="Times New Roman" panose="02020603050405020304" pitchFamily="18" charset="0"/>
+              <a:cs typeface="Times New Roman" panose="02020603050405020304" pitchFamily="18" charset="0"/>
+            </a:endParaRPr>
+          </a:p>
+          <a:p>
+            <a:pPr algn="just">
+              <a:buFont typeface="Wingdings" panose="05000000000000000000" pitchFamily="2" charset="2"/>
+              <a:buChar char="§"/>
+            </a:pPr>
+            <a:endParaRPr lang="pt-BR" sz="2000" dirty="0">
+              <a:solidFill>
+                <a:schemeClr val="tx1"/>
+              </a:solidFill>
+              <a:latin typeface="Times New Roman" panose="02020603050405020304" pitchFamily="18" charset="0"/>
+              <a:cs typeface="Times New Roman" panose="02020603050405020304" pitchFamily="18" charset="0"/>
+            </a:endParaRPr>
+          </a:p>
+          <a:p>
+            <a:pPr algn="just">
+              <a:buFont typeface="Wingdings" panose="05000000000000000000" pitchFamily="2" charset="2"/>
+              <a:buChar char="§"/>
+            </a:pPr>
+            <a:endParaRPr lang="pt-BR" sz="2000" dirty="0">
+              <a:solidFill>
+                <a:schemeClr val="tx1"/>
+              </a:solidFill>
+              <a:latin typeface="Times New Roman" panose="02020603050405020304" pitchFamily="18" charset="0"/>
+              <a:cs typeface="Times New Roman" panose="02020603050405020304" pitchFamily="18" charset="0"/>
+            </a:endParaRPr>
           </a:p>
         </p:txBody>
       </p:sp>
     </p:spTree>
     <p:extLst>
       <p:ext uri="{BB962C8B-B14F-4D97-AF65-F5344CB8AC3E}">
-        <p14:creationId xmlns:p14="http://schemas.microsoft.com/office/powerpoint/2010/main" val="1245534450"/>
+        <p14:creationId xmlns:p14="http://schemas.microsoft.com/office/powerpoint/2010/main" val="3272485774"/>
       </p:ext>
     </p:extLst>
   </p:cSld>
@@ -16096,7 +16330,7 @@
                 <a:latin typeface="Times New Roman" panose="02020603050405020304" pitchFamily="18" charset="0"/>
                 <a:cs typeface="Times New Roman" panose="02020603050405020304" pitchFamily="18" charset="0"/>
               </a:rPr>
-              <a:t>São os </a:t>
+              <a:t>Nós </a:t>
             </a:r>
             <a:r>
               <a:rPr lang="pt-BR" sz="2000" b="1" dirty="0">
@@ -16106,37 +16340,17 @@
                 <a:latin typeface="Times New Roman" panose="02020603050405020304" pitchFamily="18" charset="0"/>
                 <a:cs typeface="Times New Roman" panose="02020603050405020304" pitchFamily="18" charset="0"/>
               </a:rPr>
-              <a:t>OUTPUTS</a:t>
-            </a:r>
-            <a:r>
-              <a:rPr lang="pt-BR" sz="2000" dirty="0">
-                <a:solidFill>
-                  <a:schemeClr val="tx1"/>
-                </a:solidFill>
-                <a:latin typeface="Times New Roman" panose="02020603050405020304" pitchFamily="18" charset="0"/>
-                <a:cs typeface="Times New Roman" panose="02020603050405020304" pitchFamily="18" charset="0"/>
-              </a:rPr>
-              <a:t> (</a:t>
-            </a:r>
-            <a:r>
-              <a:rPr lang="pt-BR" sz="2000" b="1" dirty="0">
-                <a:solidFill>
-                  <a:srgbClr val="FF0000"/>
-                </a:solidFill>
-                <a:latin typeface="Times New Roman" panose="02020603050405020304" pitchFamily="18" charset="0"/>
-                <a:cs typeface="Times New Roman" panose="02020603050405020304" pitchFamily="18" charset="0"/>
-              </a:rPr>
-              <a:t>dispositivos de saída</a:t>
-            </a:r>
-            <a:r>
-              <a:rPr lang="pt-BR" sz="2000" dirty="0">
-                <a:solidFill>
-                  <a:schemeClr val="tx1"/>
-                </a:solidFill>
-                <a:latin typeface="Times New Roman" panose="02020603050405020304" pitchFamily="18" charset="0"/>
-                <a:cs typeface="Times New Roman" panose="02020603050405020304" pitchFamily="18" charset="0"/>
-              </a:rPr>
-              <a:t>), gerando uma ação no ambiente externo, por exemplo, luz, temperatura, som, movimento/força.</a:t>
+              <a:t>atuadores</a:t>
+            </a:r>
+            <a:r>
+              <a:rPr lang="pt-BR" sz="2000" dirty="0">
+                <a:solidFill>
+                  <a:schemeClr val="tx1"/>
+                </a:solidFill>
+                <a:latin typeface="Times New Roman" panose="02020603050405020304" pitchFamily="18" charset="0"/>
+                <a:cs typeface="Times New Roman" panose="02020603050405020304" pitchFamily="18" charset="0"/>
+              </a:rPr>
+              <a:t> são aqueles que realizam alguma ação no ambiente.</a:t>
             </a:r>
           </a:p>
           <a:p>
@@ -16163,54 +16377,7 @@
                 <a:latin typeface="Times New Roman" panose="02020603050405020304" pitchFamily="18" charset="0"/>
                 <a:cs typeface="Times New Roman" panose="02020603050405020304" pitchFamily="18" charset="0"/>
               </a:rPr>
-              <a:t>Pois eles, </a:t>
-            </a:r>
-            <a:r>
-              <a:rPr lang="pt-BR" sz="2000" b="1" dirty="0">
-                <a:solidFill>
-                  <a:schemeClr val="tx1"/>
-                </a:solidFill>
-                <a:latin typeface="Times New Roman" panose="02020603050405020304" pitchFamily="18" charset="0"/>
-                <a:cs typeface="Times New Roman" panose="02020603050405020304" pitchFamily="18" charset="0"/>
-              </a:rPr>
-              <a:t>geram uma ação</a:t>
-            </a:r>
-            <a:r>
-              <a:rPr lang="pt-BR" sz="2000" dirty="0">
-                <a:solidFill>
-                  <a:schemeClr val="tx1"/>
-                </a:solidFill>
-                <a:latin typeface="Times New Roman" panose="02020603050405020304" pitchFamily="18" charset="0"/>
-                <a:cs typeface="Times New Roman" panose="02020603050405020304" pitchFamily="18" charset="0"/>
-              </a:rPr>
-              <a:t>, trabalho executado, mudando uma característica no ambiente.</a:t>
-            </a:r>
-          </a:p>
-          <a:p>
-            <a:pPr marL="0" indent="0" algn="just">
-              <a:buNone/>
-            </a:pPr>
-            <a:endParaRPr lang="pt-BR" sz="2000" dirty="0">
-              <a:solidFill>
-                <a:schemeClr val="tx1"/>
-              </a:solidFill>
-              <a:latin typeface="Times New Roman" panose="02020603050405020304" pitchFamily="18" charset="0"/>
-              <a:cs typeface="Times New Roman" panose="02020603050405020304" pitchFamily="18" charset="0"/>
-            </a:endParaRPr>
-          </a:p>
-          <a:p>
-            <a:pPr marL="0" indent="0" algn="just">
-              <a:buNone/>
-            </a:pPr>
-            <a:r>
-              <a:rPr lang="pt-BR" sz="2000" dirty="0">
-                <a:solidFill>
-                  <a:schemeClr val="tx1"/>
-                </a:solidFill>
-                <a:latin typeface="Times New Roman" panose="02020603050405020304" pitchFamily="18" charset="0"/>
-                <a:cs typeface="Times New Roman" panose="02020603050405020304" pitchFamily="18" charset="0"/>
-              </a:rPr>
-              <a:t>		</a:t>
+              <a:t>Um servo motor por exemplo é um nó atuador, podendo ser utilizado para abrir uma janela na casa ou mover algum objeto.</a:t>
             </a:r>
           </a:p>
         </p:txBody>
@@ -16218,7 +16385,7 @@
     </p:spTree>
     <p:extLst>
       <p:ext uri="{BB962C8B-B14F-4D97-AF65-F5344CB8AC3E}">
-        <p14:creationId xmlns:p14="http://schemas.microsoft.com/office/powerpoint/2010/main" val="3778441520"/>
+        <p14:creationId xmlns:p14="http://schemas.microsoft.com/office/powerpoint/2010/main" val="1245534450"/>
       </p:ext>
     </p:extLst>
   </p:cSld>
@@ -16264,7 +16431,7 @@
         </p:spPr>
         <p:txBody>
           <a:bodyPr>
-            <a:normAutofit fontScale="90000"/>
+            <a:normAutofit/>
           </a:bodyPr>
           <a:lstStyle/>
           <a:p>
@@ -16274,55 +16441,7 @@
                   <a:srgbClr val="0070C0"/>
                 </a:solidFill>
               </a:rPr>
-              <a:t>Ciclo</a:t>
-            </a:r>
-            <a:r>
-              <a:rPr lang="en-US" b="1" dirty="0">
-                <a:solidFill>
-                  <a:srgbClr val="0070C0"/>
-                </a:solidFill>
-              </a:rPr>
-              <a:t> de </a:t>
-            </a:r>
-            <a:r>
-              <a:rPr lang="en-US" b="1" dirty="0" err="1">
-                <a:solidFill>
-                  <a:srgbClr val="0070C0"/>
-                </a:solidFill>
-              </a:rPr>
-              <a:t>Malha</a:t>
-            </a:r>
-            <a:r>
-              <a:rPr lang="en-US" b="1" dirty="0">
-                <a:solidFill>
-                  <a:srgbClr val="0070C0"/>
-                </a:solidFill>
-              </a:rPr>
-              <a:t> de </a:t>
-            </a:r>
-            <a:r>
-              <a:rPr lang="en-US" b="1" dirty="0" err="1">
-                <a:solidFill>
-                  <a:srgbClr val="0070C0"/>
-                </a:solidFill>
-              </a:rPr>
-              <a:t>Controle</a:t>
-            </a:r>
-            <a:r>
-              <a:rPr lang="en-US" b="1" dirty="0">
-                <a:solidFill>
-                  <a:srgbClr val="0070C0"/>
-                </a:solidFill>
-              </a:rPr>
-              <a:t> </a:t>
-            </a:r>
-            <a:r>
-              <a:rPr lang="en-US" b="1" dirty="0" err="1">
-                <a:solidFill>
-                  <a:srgbClr val="0070C0"/>
-                </a:solidFill>
-              </a:rPr>
-              <a:t>Fechada</a:t>
+              <a:t>Atuadores</a:t>
             </a:r>
             <a:endParaRPr lang="en-US" b="1" dirty="0">
               <a:solidFill>
@@ -16344,8 +16463,8 @@
         </p:nvSpPr>
         <p:spPr>
           <a:xfrm>
-            <a:off x="142865" y="1099004"/>
-            <a:ext cx="8865056" cy="3949513"/>
+            <a:off x="142865" y="1395222"/>
+            <a:ext cx="8865056" cy="3542298"/>
           </a:xfrm>
         </p:spPr>
         <p:txBody>
@@ -16358,6 +16477,16 @@
               <a:buNone/>
             </a:pPr>
             <a:r>
+              <a:rPr lang="pt-BR" sz="2000" dirty="0">
+                <a:solidFill>
+                  <a:schemeClr val="tx1"/>
+                </a:solidFill>
+                <a:latin typeface="Times New Roman" panose="02020603050405020304" pitchFamily="18" charset="0"/>
+                <a:cs typeface="Times New Roman" panose="02020603050405020304" pitchFamily="18" charset="0"/>
+              </a:rPr>
+              <a:t>São os </a:t>
+            </a:r>
+            <a:r>
               <a:rPr lang="pt-BR" sz="2000" b="1" dirty="0">
                 <a:solidFill>
                   <a:schemeClr val="tx1"/>
@@ -16365,17 +16494,17 @@
                 <a:latin typeface="Times New Roman" panose="02020603050405020304" pitchFamily="18" charset="0"/>
                 <a:cs typeface="Times New Roman" panose="02020603050405020304" pitchFamily="18" charset="0"/>
               </a:rPr>
-              <a:t>AMBIENTE</a:t>
-            </a:r>
-            <a:r>
-              <a:rPr lang="pt-BR" sz="2000" dirty="0">
-                <a:solidFill>
-                  <a:schemeClr val="tx1"/>
-                </a:solidFill>
-                <a:latin typeface="Times New Roman" panose="02020603050405020304" pitchFamily="18" charset="0"/>
-                <a:cs typeface="Times New Roman" panose="02020603050405020304" pitchFamily="18" charset="0"/>
-              </a:rPr>
-              <a:t> =&gt; </a:t>
+              <a:t>OUTPUTS</a:t>
+            </a:r>
+            <a:r>
+              <a:rPr lang="pt-BR" sz="2000" dirty="0">
+                <a:solidFill>
+                  <a:schemeClr val="tx1"/>
+                </a:solidFill>
+                <a:latin typeface="Times New Roman" panose="02020603050405020304" pitchFamily="18" charset="0"/>
+                <a:cs typeface="Times New Roman" panose="02020603050405020304" pitchFamily="18" charset="0"/>
+              </a:rPr>
+              <a:t> (</a:t>
             </a:r>
             <a:r>
               <a:rPr lang="pt-BR" sz="2000" b="1" dirty="0">
@@ -16385,57 +16514,17 @@
                 <a:latin typeface="Times New Roman" panose="02020603050405020304" pitchFamily="18" charset="0"/>
                 <a:cs typeface="Times New Roman" panose="02020603050405020304" pitchFamily="18" charset="0"/>
               </a:rPr>
-              <a:t>INPUT</a:t>
-            </a:r>
-            <a:r>
-              <a:rPr lang="pt-BR" sz="2000" dirty="0">
-                <a:solidFill>
-                  <a:schemeClr val="tx1"/>
-                </a:solidFill>
-                <a:latin typeface="Times New Roman" panose="02020603050405020304" pitchFamily="18" charset="0"/>
-                <a:cs typeface="Times New Roman" panose="02020603050405020304" pitchFamily="18" charset="0"/>
-              </a:rPr>
-              <a:t>(sensores) =&gt; </a:t>
-            </a:r>
-            <a:r>
-              <a:rPr lang="pt-BR" sz="2000" b="1" dirty="0">
-                <a:solidFill>
-                  <a:schemeClr val="tx1"/>
-                </a:solidFill>
-                <a:latin typeface="Times New Roman" panose="02020603050405020304" pitchFamily="18" charset="0"/>
-                <a:cs typeface="Times New Roman" panose="02020603050405020304" pitchFamily="18" charset="0"/>
-              </a:rPr>
-              <a:t>CONTROLADOR</a:t>
-            </a:r>
-            <a:r>
-              <a:rPr lang="pt-BR" sz="2000" dirty="0">
-                <a:solidFill>
-                  <a:schemeClr val="tx1"/>
-                </a:solidFill>
-                <a:latin typeface="Times New Roman" panose="02020603050405020304" pitchFamily="18" charset="0"/>
-                <a:cs typeface="Times New Roman" panose="02020603050405020304" pitchFamily="18" charset="0"/>
-              </a:rPr>
-              <a:t> =&gt; </a:t>
-            </a:r>
-            <a:r>
-              <a:rPr lang="pt-BR" sz="2000" b="1" dirty="0">
-                <a:solidFill>
-                  <a:srgbClr val="FF0000"/>
-                </a:solidFill>
-                <a:latin typeface="Times New Roman" panose="02020603050405020304" pitchFamily="18" charset="0"/>
-                <a:cs typeface="Times New Roman" panose="02020603050405020304" pitchFamily="18" charset="0"/>
-              </a:rPr>
-              <a:t>OUTPUT</a:t>
-            </a:r>
-            <a:r>
-              <a:rPr lang="pt-BR" sz="2000" dirty="0">
-                <a:solidFill>
-                  <a:schemeClr val="tx1"/>
-                </a:solidFill>
-                <a:latin typeface="Times New Roman" panose="02020603050405020304" pitchFamily="18" charset="0"/>
-                <a:cs typeface="Times New Roman" panose="02020603050405020304" pitchFamily="18" charset="0"/>
-              </a:rPr>
-              <a:t>(atuadores)</a:t>
+              <a:t>dispositivos de saída</a:t>
+            </a:r>
+            <a:r>
+              <a:rPr lang="pt-BR" sz="2000" dirty="0">
+                <a:solidFill>
+                  <a:schemeClr val="tx1"/>
+                </a:solidFill>
+                <a:latin typeface="Times New Roman" panose="02020603050405020304" pitchFamily="18" charset="0"/>
+                <a:cs typeface="Times New Roman" panose="02020603050405020304" pitchFamily="18" charset="0"/>
+              </a:rPr>
+              <a:t>), gerando uma ação no ambiente externo, por exemplo, luz, temperatura, som, movimento/força.</a:t>
             </a:r>
           </a:p>
           <a:p>
@@ -16454,6 +16543,41 @@
             <a:pPr marL="0" indent="0" algn="just">
               <a:buNone/>
             </a:pPr>
+            <a:r>
+              <a:rPr lang="pt-BR" sz="2000" dirty="0">
+                <a:solidFill>
+                  <a:schemeClr val="tx1"/>
+                </a:solidFill>
+                <a:latin typeface="Times New Roman" panose="02020603050405020304" pitchFamily="18" charset="0"/>
+                <a:cs typeface="Times New Roman" panose="02020603050405020304" pitchFamily="18" charset="0"/>
+              </a:rPr>
+              <a:t>Pois eles, </a:t>
+            </a:r>
+            <a:r>
+              <a:rPr lang="pt-BR" sz="2000" b="1" dirty="0">
+                <a:solidFill>
+                  <a:schemeClr val="tx1"/>
+                </a:solidFill>
+                <a:latin typeface="Times New Roman" panose="02020603050405020304" pitchFamily="18" charset="0"/>
+                <a:cs typeface="Times New Roman" panose="02020603050405020304" pitchFamily="18" charset="0"/>
+              </a:rPr>
+              <a:t>geram uma ação</a:t>
+            </a:r>
+            <a:r>
+              <a:rPr lang="pt-BR" sz="2000" dirty="0">
+                <a:solidFill>
+                  <a:schemeClr val="tx1"/>
+                </a:solidFill>
+                <a:latin typeface="Times New Roman" panose="02020603050405020304" pitchFamily="18" charset="0"/>
+                <a:cs typeface="Times New Roman" panose="02020603050405020304" pitchFamily="18" charset="0"/>
+              </a:rPr>
+              <a:t>, trabalho executado, mudando uma característica no ambiente.</a:t>
+            </a:r>
+          </a:p>
+          <a:p>
+            <a:pPr marL="0" indent="0" algn="just">
+              <a:buNone/>
+            </a:pPr>
             <a:endParaRPr lang="pt-BR" sz="2000" dirty="0">
               <a:solidFill>
                 <a:schemeClr val="tx1"/>
@@ -16462,42 +16586,27 @@
               <a:cs typeface="Times New Roman" panose="02020603050405020304" pitchFamily="18" charset="0"/>
             </a:endParaRPr>
           </a:p>
+          <a:p>
+            <a:pPr marL="0" indent="0" algn="just">
+              <a:buNone/>
+            </a:pPr>
+            <a:r>
+              <a:rPr lang="pt-BR" sz="2000" dirty="0">
+                <a:solidFill>
+                  <a:schemeClr val="tx1"/>
+                </a:solidFill>
+                <a:latin typeface="Times New Roman" panose="02020603050405020304" pitchFamily="18" charset="0"/>
+                <a:cs typeface="Times New Roman" panose="02020603050405020304" pitchFamily="18" charset="0"/>
+              </a:rPr>
+              <a:t>		</a:t>
+            </a:r>
+          </a:p>
         </p:txBody>
       </p:sp>
-      <p:pic>
-        <p:nvPicPr>
-          <p:cNvPr id="3" name="Imagem 2">
-            <a:extLst>
-              <a:ext uri="{FF2B5EF4-FFF2-40B4-BE49-F238E27FC236}">
-                <a16:creationId xmlns:a16="http://schemas.microsoft.com/office/drawing/2014/main" id="{B81CDE0D-93C1-AFAB-982C-409CD6E76633}"/>
-              </a:ext>
-            </a:extLst>
-          </p:cNvPr>
-          <p:cNvPicPr>
-            <a:picLocks noChangeAspect="1"/>
-          </p:cNvPicPr>
-          <p:nvPr/>
-        </p:nvPicPr>
-        <p:blipFill>
-          <a:blip r:embed="rId3"/>
-          <a:stretch>
-            <a:fillRect/>
-          </a:stretch>
-        </p:blipFill>
-        <p:spPr>
-          <a:xfrm>
-            <a:off x="1092284" y="1455619"/>
-            <a:ext cx="5888061" cy="3607100"/>
-          </a:xfrm>
-          <a:prstGeom prst="rect">
-            <a:avLst/>
-          </a:prstGeom>
-        </p:spPr>
-      </p:pic>
     </p:spTree>
     <p:extLst>
       <p:ext uri="{BB962C8B-B14F-4D97-AF65-F5344CB8AC3E}">
-        <p14:creationId xmlns:p14="http://schemas.microsoft.com/office/powerpoint/2010/main" val="2749577136"/>
+        <p14:creationId xmlns:p14="http://schemas.microsoft.com/office/powerpoint/2010/main" val="3778441520"/>
       </p:ext>
     </p:extLst>
   </p:cSld>
@@ -16745,10 +16854,10 @@
       </p:sp>
       <p:pic>
         <p:nvPicPr>
-          <p:cNvPr id="4" name="Imagem 3">
+          <p:cNvPr id="3" name="Imagem 2">
             <a:extLst>
               <a:ext uri="{FF2B5EF4-FFF2-40B4-BE49-F238E27FC236}">
-                <a16:creationId xmlns:a16="http://schemas.microsoft.com/office/drawing/2014/main" id="{AECD8018-812B-89D8-F9FA-E8B4EAC7D4AB}"/>
+                <a16:creationId xmlns:a16="http://schemas.microsoft.com/office/drawing/2014/main" id="{B81CDE0D-93C1-AFAB-982C-409CD6E76633}"/>
               </a:ext>
             </a:extLst>
           </p:cNvPr>
@@ -16765,8 +16874,8 @@
         </p:blipFill>
         <p:spPr>
           <a:xfrm>
-            <a:off x="1290237" y="1619042"/>
-            <a:ext cx="5226470" cy="3429475"/>
+            <a:off x="1092284" y="1455619"/>
+            <a:ext cx="5888061" cy="3607100"/>
           </a:xfrm>
           <a:prstGeom prst="rect">
             <a:avLst/>
@@ -16776,7 +16885,7 @@
     </p:spTree>
     <p:extLst>
       <p:ext uri="{BB962C8B-B14F-4D97-AF65-F5344CB8AC3E}">
-        <p14:creationId xmlns:p14="http://schemas.microsoft.com/office/powerpoint/2010/main" val="636913236"/>
+        <p14:creationId xmlns:p14="http://schemas.microsoft.com/office/powerpoint/2010/main" val="2749577136"/>
       </p:ext>
     </p:extLst>
   </p:cSld>
@@ -16822,7 +16931,7 @@
         </p:spPr>
         <p:txBody>
           <a:bodyPr>
-            <a:normAutofit/>
+            <a:normAutofit fontScale="90000"/>
           </a:bodyPr>
           <a:lstStyle/>
           <a:p>
@@ -16832,7 +16941,7 @@
                   <a:srgbClr val="0070C0"/>
                 </a:solidFill>
               </a:rPr>
-              <a:t>Leitura</a:t>
+              <a:t>Ciclo</a:t>
             </a:r>
             <a:r>
               <a:rPr lang="en-US" b="1" dirty="0">
@@ -16840,6 +16949,38 @@
                   <a:srgbClr val="0070C0"/>
                 </a:solidFill>
               </a:rPr>
+              <a:t> de </a:t>
+            </a:r>
+            <a:r>
+              <a:rPr lang="en-US" b="1" dirty="0" err="1">
+                <a:solidFill>
+                  <a:srgbClr val="0070C0"/>
+                </a:solidFill>
+              </a:rPr>
+              <a:t>Malha</a:t>
+            </a:r>
+            <a:r>
+              <a:rPr lang="en-US" b="1" dirty="0">
+                <a:solidFill>
+                  <a:srgbClr val="0070C0"/>
+                </a:solidFill>
+              </a:rPr>
+              <a:t> de </a:t>
+            </a:r>
+            <a:r>
+              <a:rPr lang="en-US" b="1" dirty="0" err="1">
+                <a:solidFill>
+                  <a:srgbClr val="0070C0"/>
+                </a:solidFill>
+              </a:rPr>
+              <a:t>Controle</a:t>
+            </a:r>
+            <a:r>
+              <a:rPr lang="en-US" b="1" dirty="0">
+                <a:solidFill>
+                  <a:srgbClr val="0070C0"/>
+                </a:solidFill>
+              </a:rPr>
               <a:t> </a:t>
             </a:r>
             <a:r>
@@ -16848,7 +16989,7 @@
                   <a:srgbClr val="0070C0"/>
                 </a:solidFill>
               </a:rPr>
-              <a:t>Específica</a:t>
+              <a:t>Fechada</a:t>
             </a:r>
             <a:endParaRPr lang="en-US" b="1" dirty="0">
               <a:solidFill>
@@ -16870,8 +17011,8 @@
         </p:nvSpPr>
         <p:spPr>
           <a:xfrm>
-            <a:off x="142865" y="1200150"/>
-            <a:ext cx="8865056" cy="3737369"/>
+            <a:off x="142865" y="1099004"/>
+            <a:ext cx="8865056" cy="3949513"/>
           </a:xfrm>
         </p:spPr>
         <p:txBody>
@@ -16884,111 +17025,94 @@
               <a:buNone/>
             </a:pPr>
             <a:r>
-              <a:rPr lang="pt-BR" sz="1800" dirty="0">
-                <a:latin typeface="Times New Roman" panose="02020603050405020304" pitchFamily="18" charset="0"/>
-                <a:cs typeface="Times New Roman" panose="02020603050405020304" pitchFamily="18" charset="0"/>
-              </a:rPr>
-              <a:t>[1] </a:t>
-            </a:r>
-            <a:r>
-              <a:rPr lang="pt-BR" sz="1800" b="1" dirty="0">
-                <a:latin typeface="Times New Roman" panose="02020603050405020304" pitchFamily="18" charset="0"/>
-                <a:cs typeface="Times New Roman" panose="02020603050405020304" pitchFamily="18" charset="0"/>
-              </a:rPr>
-              <a:t>Sistema de Aquisição de Dados em Microcontrolador e Comunicação pelo Protocolo </a:t>
-            </a:r>
-            <a:r>
-              <a:rPr lang="pt-BR" sz="1800" b="1" dirty="0" err="1">
-                <a:latin typeface="Times New Roman" panose="02020603050405020304" pitchFamily="18" charset="0"/>
-                <a:cs typeface="Times New Roman" panose="02020603050405020304" pitchFamily="18" charset="0"/>
-              </a:rPr>
-              <a:t>Modbus</a:t>
-            </a:r>
-            <a:r>
-              <a:rPr lang="pt-BR" sz="1800" dirty="0">
-                <a:latin typeface="Times New Roman" panose="02020603050405020304" pitchFamily="18" charset="0"/>
-                <a:cs typeface="Times New Roman" panose="02020603050405020304" pitchFamily="18" charset="0"/>
-              </a:rPr>
-              <a:t>.</a:t>
+              <a:rPr lang="pt-BR" sz="2000" b="1" dirty="0">
+                <a:solidFill>
+                  <a:schemeClr val="tx1"/>
+                </a:solidFill>
+                <a:latin typeface="Times New Roman" panose="02020603050405020304" pitchFamily="18" charset="0"/>
+                <a:cs typeface="Times New Roman" panose="02020603050405020304" pitchFamily="18" charset="0"/>
+              </a:rPr>
+              <a:t>AMBIENTE</a:t>
+            </a:r>
+            <a:r>
+              <a:rPr lang="pt-BR" sz="2000" dirty="0">
+                <a:solidFill>
+                  <a:schemeClr val="tx1"/>
+                </a:solidFill>
+                <a:latin typeface="Times New Roman" panose="02020603050405020304" pitchFamily="18" charset="0"/>
+                <a:cs typeface="Times New Roman" panose="02020603050405020304" pitchFamily="18" charset="0"/>
+              </a:rPr>
+              <a:t> =&gt; </a:t>
+            </a:r>
+            <a:r>
+              <a:rPr lang="pt-BR" sz="2000" b="1" dirty="0">
+                <a:solidFill>
+                  <a:srgbClr val="FF0000"/>
+                </a:solidFill>
+                <a:latin typeface="Times New Roman" panose="02020603050405020304" pitchFamily="18" charset="0"/>
+                <a:cs typeface="Times New Roman" panose="02020603050405020304" pitchFamily="18" charset="0"/>
+              </a:rPr>
+              <a:t>INPUT</a:t>
+            </a:r>
+            <a:r>
+              <a:rPr lang="pt-BR" sz="2000" dirty="0">
+                <a:solidFill>
+                  <a:schemeClr val="tx1"/>
+                </a:solidFill>
+                <a:latin typeface="Times New Roman" panose="02020603050405020304" pitchFamily="18" charset="0"/>
+                <a:cs typeface="Times New Roman" panose="02020603050405020304" pitchFamily="18" charset="0"/>
+              </a:rPr>
+              <a:t>(sensores) =&gt; </a:t>
+            </a:r>
+            <a:r>
+              <a:rPr lang="pt-BR" sz="2000" b="1" dirty="0">
+                <a:solidFill>
+                  <a:schemeClr val="tx1"/>
+                </a:solidFill>
+                <a:latin typeface="Times New Roman" panose="02020603050405020304" pitchFamily="18" charset="0"/>
+                <a:cs typeface="Times New Roman" panose="02020603050405020304" pitchFamily="18" charset="0"/>
+              </a:rPr>
+              <a:t>CONTROLADOR</a:t>
+            </a:r>
+            <a:r>
+              <a:rPr lang="pt-BR" sz="2000" dirty="0">
+                <a:solidFill>
+                  <a:schemeClr val="tx1"/>
+                </a:solidFill>
+                <a:latin typeface="Times New Roman" panose="02020603050405020304" pitchFamily="18" charset="0"/>
+                <a:cs typeface="Times New Roman" panose="02020603050405020304" pitchFamily="18" charset="0"/>
+              </a:rPr>
+              <a:t> =&gt; </a:t>
+            </a:r>
+            <a:r>
+              <a:rPr lang="pt-BR" sz="2000" b="1" dirty="0">
+                <a:solidFill>
+                  <a:srgbClr val="FF0000"/>
+                </a:solidFill>
+                <a:latin typeface="Times New Roman" panose="02020603050405020304" pitchFamily="18" charset="0"/>
+                <a:cs typeface="Times New Roman" panose="02020603050405020304" pitchFamily="18" charset="0"/>
+              </a:rPr>
+              <a:t>OUTPUT</a:t>
+            </a:r>
+            <a:r>
+              <a:rPr lang="pt-BR" sz="2000" dirty="0">
+                <a:solidFill>
+                  <a:schemeClr val="tx1"/>
+                </a:solidFill>
+                <a:latin typeface="Times New Roman" panose="02020603050405020304" pitchFamily="18" charset="0"/>
+                <a:cs typeface="Times New Roman" panose="02020603050405020304" pitchFamily="18" charset="0"/>
+              </a:rPr>
+              <a:t>(atuadores)</a:t>
             </a:r>
           </a:p>
           <a:p>
             <a:pPr marL="0" indent="0" algn="just">
               <a:buNone/>
             </a:pPr>
-            <a:r>
-              <a:rPr lang="pt-BR" sz="1800" b="1" dirty="0">
-                <a:solidFill>
-                  <a:srgbClr val="FF0000"/>
-                </a:solidFill>
-                <a:latin typeface="Times New Roman" panose="02020603050405020304" pitchFamily="18" charset="0"/>
-                <a:cs typeface="Times New Roman" panose="02020603050405020304" pitchFamily="18" charset="0"/>
-              </a:rPr>
-              <a:t>Disponível em:</a:t>
-            </a:r>
-          </a:p>
-          <a:p>
-            <a:pPr marL="0" indent="0" algn="just">
-              <a:buNone/>
-            </a:pPr>
-            <a:r>
-              <a:rPr lang="pt-BR" sz="1800" b="1" dirty="0">
-                <a:solidFill>
-                  <a:srgbClr val="FF0000"/>
-                </a:solidFill>
-                <a:latin typeface="Times New Roman" panose="02020603050405020304" pitchFamily="18" charset="0"/>
-                <a:cs typeface="Times New Roman" panose="02020603050405020304" pitchFamily="18" charset="0"/>
-              </a:rPr>
-              <a:t> </a:t>
-            </a:r>
-            <a:r>
-              <a:rPr lang="pt-BR" sz="1800" dirty="0">
-                <a:latin typeface="Times New Roman" panose="02020603050405020304" pitchFamily="18" charset="0"/>
-                <a:cs typeface="Times New Roman" panose="02020603050405020304" pitchFamily="18" charset="0"/>
-                <a:hlinkClick r:id="rId3"/>
-              </a:rPr>
-              <a:t>https://pantheon.ufrj.br/bitstream/11422/9714/1/monopoli10007473.pdf</a:t>
-            </a:r>
-            <a:r>
-              <a:rPr lang="pt-BR" sz="1800" dirty="0">
-                <a:latin typeface="Times New Roman" panose="02020603050405020304" pitchFamily="18" charset="0"/>
-                <a:cs typeface="Times New Roman" panose="02020603050405020304" pitchFamily="18" charset="0"/>
-              </a:rPr>
-              <a:t> </a:t>
-            </a:r>
-          </a:p>
-          <a:p>
-            <a:pPr marL="0" indent="0" algn="just">
-              <a:buNone/>
-            </a:pPr>
-            <a:r>
-              <a:rPr lang="pt-BR" sz="1800" dirty="0">
-                <a:latin typeface="Times New Roman" panose="02020603050405020304" pitchFamily="18" charset="0"/>
-                <a:cs typeface="Times New Roman" panose="02020603050405020304" pitchFamily="18" charset="0"/>
-              </a:rPr>
-              <a:t> </a:t>
-            </a:r>
-            <a:r>
-              <a:rPr lang="pt-BR" sz="1800" dirty="0">
-                <a:latin typeface="Times New Roman" panose="02020603050405020304" pitchFamily="18" charset="0"/>
-                <a:cs typeface="Times New Roman" panose="02020603050405020304" pitchFamily="18" charset="0"/>
-                <a:hlinkClick r:id="rId4"/>
-              </a:rPr>
-              <a:t>http://paginapessoal.utfpr.edu.br/gustavobborba/material/files/mc_nocoesGerais.pdf</a:t>
-            </a:r>
-            <a:r>
-              <a:rPr lang="pt-BR" sz="1800" dirty="0">
-                <a:latin typeface="Times New Roman" panose="02020603050405020304" pitchFamily="18" charset="0"/>
-                <a:cs typeface="Times New Roman" panose="02020603050405020304" pitchFamily="18" charset="0"/>
-              </a:rPr>
-              <a:t> </a:t>
-            </a:r>
-          </a:p>
-          <a:p>
-            <a:pPr marL="0" indent="0" algn="just">
-              <a:buNone/>
-            </a:pPr>
-            <a:endParaRPr lang="pt-BR" sz="1800" dirty="0">
+            <a:endParaRPr lang="pt-BR" sz="2000" dirty="0">
+              <a:solidFill>
+                <a:schemeClr val="tx1"/>
+              </a:solidFill>
               <a:latin typeface="Times New Roman" panose="02020603050405020304" pitchFamily="18" charset="0"/>
               <a:cs typeface="Times New Roman" panose="02020603050405020304" pitchFamily="18" charset="0"/>
             </a:endParaRPr>
@@ -16997,142 +17121,50 @@
             <a:pPr marL="0" indent="0" algn="just">
               <a:buNone/>
             </a:pPr>
-            <a:r>
-              <a:rPr lang="pt-BR" sz="1800" dirty="0">
-                <a:latin typeface="Times New Roman" panose="02020603050405020304" pitchFamily="18" charset="0"/>
-                <a:cs typeface="Times New Roman" panose="02020603050405020304" pitchFamily="18" charset="0"/>
-              </a:rPr>
-              <a:t>[2] </a:t>
-            </a:r>
-            <a:r>
-              <a:rPr lang="pt-BR" sz="1800" b="1" dirty="0">
-                <a:latin typeface="Times New Roman" panose="02020603050405020304" pitchFamily="18" charset="0"/>
-                <a:cs typeface="Times New Roman" panose="02020603050405020304" pitchFamily="18" charset="0"/>
-              </a:rPr>
-              <a:t>Comunicações: Protocolos</a:t>
-            </a:r>
-            <a:r>
-              <a:rPr lang="pt-BR" sz="1800" dirty="0">
-                <a:latin typeface="Times New Roman" panose="02020603050405020304" pitchFamily="18" charset="0"/>
-                <a:cs typeface="Times New Roman" panose="02020603050405020304" pitchFamily="18" charset="0"/>
-              </a:rPr>
-              <a:t>. </a:t>
-            </a:r>
-          </a:p>
-          <a:p>
-            <a:pPr marL="0" indent="0" algn="just">
-              <a:buNone/>
-            </a:pPr>
-            <a:r>
-              <a:rPr lang="pt-BR" sz="1800" b="1" dirty="0">
-                <a:solidFill>
-                  <a:srgbClr val="FF0000"/>
-                </a:solidFill>
-                <a:latin typeface="Times New Roman" panose="02020603050405020304" pitchFamily="18" charset="0"/>
-                <a:cs typeface="Times New Roman" panose="02020603050405020304" pitchFamily="18" charset="0"/>
-              </a:rPr>
-              <a:t>Disponível em:</a:t>
-            </a:r>
-          </a:p>
-          <a:p>
-            <a:pPr marL="0" indent="0" algn="just">
-              <a:buNone/>
-            </a:pPr>
-            <a:r>
-              <a:rPr lang="pt-BR" sz="1800" b="1" dirty="0">
-                <a:solidFill>
-                  <a:srgbClr val="FF0000"/>
-                </a:solidFill>
-                <a:latin typeface="Times New Roman" panose="02020603050405020304" pitchFamily="18" charset="0"/>
-                <a:cs typeface="Times New Roman" panose="02020603050405020304" pitchFamily="18" charset="0"/>
-              </a:rPr>
-              <a:t> </a:t>
-            </a:r>
-            <a:r>
-              <a:rPr lang="pt-BR" sz="1800" dirty="0">
-                <a:latin typeface="Times New Roman" panose="02020603050405020304" pitchFamily="18" charset="0"/>
-                <a:cs typeface="Times New Roman" panose="02020603050405020304" pitchFamily="18" charset="0"/>
-                <a:hlinkClick r:id="rId5"/>
-              </a:rPr>
-              <a:t>https://www.dca.fee.unicamp.br/~rferrari/EA075_2s2017/Cap.%206.2%20-%20Protocolos.pdf</a:t>
-            </a:r>
-            <a:endParaRPr lang="pt-BR" sz="1800" dirty="0">
+            <a:endParaRPr lang="pt-BR" sz="2000" dirty="0">
+              <a:solidFill>
+                <a:schemeClr val="tx1"/>
+              </a:solidFill>
               <a:latin typeface="Times New Roman" panose="02020603050405020304" pitchFamily="18" charset="0"/>
               <a:cs typeface="Times New Roman" panose="02020603050405020304" pitchFamily="18" charset="0"/>
             </a:endParaRPr>
           </a:p>
-          <a:p>
-            <a:pPr marL="0" indent="0" algn="just">
-              <a:buNone/>
-            </a:pPr>
-            <a:r>
-              <a:rPr lang="pt-BR" sz="1800" b="1" dirty="0">
-                <a:solidFill>
-                  <a:srgbClr val="FF0000"/>
-                </a:solidFill>
-                <a:latin typeface="Times New Roman" panose="02020603050405020304" pitchFamily="18" charset="0"/>
-                <a:cs typeface="Times New Roman" panose="02020603050405020304" pitchFamily="18" charset="0"/>
-              </a:rPr>
-              <a:t> </a:t>
-            </a:r>
-            <a:r>
-              <a:rPr lang="pt-BR" sz="1800" dirty="0">
-                <a:latin typeface="Times New Roman" panose="02020603050405020304" pitchFamily="18" charset="0"/>
-                <a:cs typeface="Times New Roman" panose="02020603050405020304" pitchFamily="18" charset="0"/>
-                <a:hlinkClick r:id="rId6"/>
-              </a:rPr>
-              <a:t>https://www.robocore.net/tutoriais/comparacao-entre-protocolos-de-comunicacao-serial.html</a:t>
-            </a:r>
-            <a:endParaRPr lang="pt-BR" sz="1800" dirty="0">
-              <a:latin typeface="Times New Roman" panose="02020603050405020304" pitchFamily="18" charset="0"/>
-              <a:cs typeface="Times New Roman" panose="02020603050405020304" pitchFamily="18" charset="0"/>
-            </a:endParaRPr>
-          </a:p>
-          <a:p>
-            <a:pPr marL="0" indent="0" algn="just">
-              <a:buNone/>
-            </a:pPr>
-            <a:r>
-              <a:rPr lang="pt-BR" sz="1800" b="1" dirty="0">
-                <a:solidFill>
-                  <a:srgbClr val="FF0000"/>
-                </a:solidFill>
-                <a:latin typeface="Times New Roman" panose="02020603050405020304" pitchFamily="18" charset="0"/>
-                <a:cs typeface="Times New Roman" panose="02020603050405020304" pitchFamily="18" charset="0"/>
-              </a:rPr>
-              <a:t> </a:t>
-            </a:r>
-            <a:r>
-              <a:rPr lang="pt-BR" sz="1800" dirty="0">
-                <a:latin typeface="Times New Roman" panose="02020603050405020304" pitchFamily="18" charset="0"/>
-                <a:cs typeface="Times New Roman" panose="02020603050405020304" pitchFamily="18" charset="0"/>
-                <a:hlinkClick r:id="rId7"/>
-              </a:rPr>
-              <a:t>https://smarthouse.readthedocs.io/en/latest/internetDasCoisas.html</a:t>
-            </a:r>
-            <a:r>
-              <a:rPr lang="pt-BR" sz="1800" dirty="0">
-                <a:latin typeface="Times New Roman" panose="02020603050405020304" pitchFamily="18" charset="0"/>
-                <a:cs typeface="Times New Roman" panose="02020603050405020304" pitchFamily="18" charset="0"/>
-              </a:rPr>
-              <a:t>  </a:t>
-            </a:r>
-          </a:p>
-          <a:p>
-            <a:pPr marL="0" indent="0" algn="just">
-              <a:buNone/>
-            </a:pPr>
-            <a:endParaRPr lang="pt-BR" sz="1800" dirty="0">
-              <a:latin typeface="Times New Roman" panose="02020603050405020304" pitchFamily="18" charset="0"/>
-              <a:cs typeface="Times New Roman" panose="02020603050405020304" pitchFamily="18" charset="0"/>
-            </a:endParaRPr>
-          </a:p>
         </p:txBody>
       </p:sp>
+      <p:pic>
+        <p:nvPicPr>
+          <p:cNvPr id="4" name="Imagem 3">
+            <a:extLst>
+              <a:ext uri="{FF2B5EF4-FFF2-40B4-BE49-F238E27FC236}">
+                <a16:creationId xmlns:a16="http://schemas.microsoft.com/office/drawing/2014/main" id="{AECD8018-812B-89D8-F9FA-E8B4EAC7D4AB}"/>
+              </a:ext>
+            </a:extLst>
+          </p:cNvPr>
+          <p:cNvPicPr>
+            <a:picLocks noChangeAspect="1"/>
+          </p:cNvPicPr>
+          <p:nvPr/>
+        </p:nvPicPr>
+        <p:blipFill>
+          <a:blip r:embed="rId3"/>
+          <a:stretch>
+            <a:fillRect/>
+          </a:stretch>
+        </p:blipFill>
+        <p:spPr>
+          <a:xfrm>
+            <a:off x="1290237" y="1619042"/>
+            <a:ext cx="5226470" cy="3429475"/>
+          </a:xfrm>
+          <a:prstGeom prst="rect">
+            <a:avLst/>
+          </a:prstGeom>
+        </p:spPr>
+      </p:pic>
     </p:spTree>
     <p:extLst>
       <p:ext uri="{BB962C8B-B14F-4D97-AF65-F5344CB8AC3E}">
-        <p14:creationId xmlns:p14="http://schemas.microsoft.com/office/powerpoint/2010/main" val="3680270425"/>
+        <p14:creationId xmlns:p14="http://schemas.microsoft.com/office/powerpoint/2010/main" val="636913236"/>
       </p:ext>
     </p:extLst>
   </p:cSld>
@@ -17188,7 +17220,7 @@
                   <a:srgbClr val="0070C0"/>
                 </a:solidFill>
               </a:rPr>
-              <a:t>Aprenda</a:t>
+              <a:t>Leitura</a:t>
             </a:r>
             <a:r>
               <a:rPr lang="en-US" b="1" dirty="0">
@@ -17196,8 +17228,21 @@
                   <a:srgbClr val="0070C0"/>
                 </a:solidFill>
               </a:rPr>
-              <a:t>+</a:t>
-            </a:r>
+              <a:t> </a:t>
+            </a:r>
+            <a:r>
+              <a:rPr lang="en-US" b="1" dirty="0" err="1">
+                <a:solidFill>
+                  <a:srgbClr val="0070C0"/>
+                </a:solidFill>
+              </a:rPr>
+              <a:t>Específica</a:t>
+            </a:r>
+            <a:endParaRPr lang="en-US" b="1" dirty="0">
+              <a:solidFill>
+                <a:srgbClr val="0070C0"/>
+              </a:solidFill>
+            </a:endParaRPr>
           </a:p>
         </p:txBody>
       </p:sp>
@@ -17214,7 +17259,7 @@
         <p:spPr>
           <a:xfrm>
             <a:off x="142865" y="1200150"/>
-            <a:ext cx="8865056" cy="3737370"/>
+            <a:ext cx="8865056" cy="3737369"/>
           </a:xfrm>
         </p:spPr>
         <p:txBody>
@@ -17227,21 +17272,28 @@
               <a:buNone/>
             </a:pPr>
             <a:r>
-              <a:rPr lang="pt-BR" sz="2400" dirty="0">
+              <a:rPr lang="pt-BR" sz="1800" dirty="0">
                 <a:latin typeface="Times New Roman" panose="02020603050405020304" pitchFamily="18" charset="0"/>
                 <a:cs typeface="Times New Roman" panose="02020603050405020304" pitchFamily="18" charset="0"/>
               </a:rPr>
               <a:t>[1] </a:t>
             </a:r>
             <a:r>
-              <a:rPr lang="pt-BR" sz="2400" b="1" dirty="0">
-                <a:latin typeface="Times New Roman" panose="02020603050405020304" pitchFamily="18" charset="0"/>
-                <a:cs typeface="Times New Roman" panose="02020603050405020304" pitchFamily="18" charset="0"/>
-              </a:rPr>
-              <a:t>Protocolos de comunicações UART, I2C e SPI</a:t>
-            </a:r>
-            <a:r>
-              <a:rPr lang="pt-BR" sz="2400" dirty="0">
+              <a:rPr lang="pt-BR" sz="1800" b="1" dirty="0">
+                <a:latin typeface="Times New Roman" panose="02020603050405020304" pitchFamily="18" charset="0"/>
+                <a:cs typeface="Times New Roman" panose="02020603050405020304" pitchFamily="18" charset="0"/>
+              </a:rPr>
+              <a:t>Sistema de Aquisição de Dados em Microcontrolador e Comunicação pelo Protocolo </a:t>
+            </a:r>
+            <a:r>
+              <a:rPr lang="pt-BR" sz="1800" b="1" dirty="0" err="1">
+                <a:latin typeface="Times New Roman" panose="02020603050405020304" pitchFamily="18" charset="0"/>
+                <a:cs typeface="Times New Roman" panose="02020603050405020304" pitchFamily="18" charset="0"/>
+              </a:rPr>
+              <a:t>Modbus</a:t>
+            </a:r>
+            <a:r>
+              <a:rPr lang="pt-BR" sz="1800" dirty="0">
                 <a:latin typeface="Times New Roman" panose="02020603050405020304" pitchFamily="18" charset="0"/>
                 <a:cs typeface="Times New Roman" panose="02020603050405020304" pitchFamily="18" charset="0"/>
               </a:rPr>
@@ -17253,25 +17305,40 @@
               <a:buNone/>
             </a:pPr>
             <a:r>
-              <a:rPr lang="pt-BR" sz="2400" b="1" dirty="0">
+              <a:rPr lang="pt-BR" sz="1800" b="1" dirty="0">
                 <a:solidFill>
                   <a:srgbClr val="FF0000"/>
                 </a:solidFill>
                 <a:latin typeface="Times New Roman" panose="02020603050405020304" pitchFamily="18" charset="0"/>
                 <a:cs typeface="Times New Roman" panose="02020603050405020304" pitchFamily="18" charset="0"/>
               </a:rPr>
-              <a:t>Disponível em: </a:t>
-            </a:r>
-            <a:r>
-              <a:rPr lang="pt-BR" sz="2400" dirty="0">
+              <a:t>Disponível em:</a:t>
+            </a:r>
+          </a:p>
+          <a:p>
+            <a:pPr marL="0" indent="0" algn="just">
+              <a:buNone/>
+            </a:pPr>
+            <a:r>
+              <a:rPr lang="pt-BR" sz="1800" b="1" dirty="0">
+                <a:solidFill>
+                  <a:srgbClr val="FF0000"/>
+                </a:solidFill>
+                <a:latin typeface="Times New Roman" panose="02020603050405020304" pitchFamily="18" charset="0"/>
+                <a:cs typeface="Times New Roman" panose="02020603050405020304" pitchFamily="18" charset="0"/>
+              </a:rPr>
+              <a:t> </a:t>
+            </a:r>
+            <a:r>
+              <a:rPr lang="pt-BR" sz="1800" dirty="0">
                 <a:latin typeface="Times New Roman" panose="02020603050405020304" pitchFamily="18" charset="0"/>
                 <a:cs typeface="Times New Roman" panose="02020603050405020304" pitchFamily="18" charset="0"/>
                 <a:hlinkClick r:id="rId3"/>
               </a:rPr>
-              <a:t>https://youtu.be/A1HmMtz9QGs</a:t>
-            </a:r>
-            <a:r>
-              <a:rPr lang="pt-BR" sz="2400" dirty="0">
+              <a:t>https://pantheon.ufrj.br/bitstream/11422/9714/1/monopoli10007473.pdf</a:t>
+            </a:r>
+            <a:r>
+              <a:rPr lang="pt-BR" sz="1800" dirty="0">
                 <a:latin typeface="Times New Roman" panose="02020603050405020304" pitchFamily="18" charset="0"/>
                 <a:cs typeface="Times New Roman" panose="02020603050405020304" pitchFamily="18" charset="0"/>
               </a:rPr>
@@ -17283,21 +17350,33 @@
               <a:buNone/>
             </a:pPr>
             <a:r>
-              <a:rPr lang="pt-BR" sz="2400" dirty="0">
-                <a:latin typeface="Times New Roman" panose="02020603050405020304" pitchFamily="18" charset="0"/>
-                <a:cs typeface="Times New Roman" panose="02020603050405020304" pitchFamily="18" charset="0"/>
-              </a:rPr>
-              <a:t>			         </a:t>
-            </a:r>
-            <a:r>
-              <a:rPr lang="pt-BR" sz="2400" dirty="0">
+              <a:rPr lang="pt-BR" sz="1800" dirty="0">
+                <a:latin typeface="Times New Roman" panose="02020603050405020304" pitchFamily="18" charset="0"/>
+                <a:cs typeface="Times New Roman" panose="02020603050405020304" pitchFamily="18" charset="0"/>
+              </a:rPr>
+              <a:t> </a:t>
+            </a:r>
+            <a:r>
+              <a:rPr lang="pt-BR" sz="1800" dirty="0">
                 <a:latin typeface="Times New Roman" panose="02020603050405020304" pitchFamily="18" charset="0"/>
                 <a:cs typeface="Times New Roman" panose="02020603050405020304" pitchFamily="18" charset="0"/>
                 <a:hlinkClick r:id="rId4"/>
               </a:rPr>
-              <a:t>https://www.bairrospd.com/</a:t>
-            </a:r>
-            <a:endParaRPr lang="pt-BR" sz="2400" dirty="0">
+              <a:t>http://paginapessoal.utfpr.edu.br/gustavobborba/material/files/mc_nocoesGerais.pdf</a:t>
+            </a:r>
+            <a:r>
+              <a:rPr lang="pt-BR" sz="1800" dirty="0">
+                <a:latin typeface="Times New Roman" panose="02020603050405020304" pitchFamily="18" charset="0"/>
+                <a:cs typeface="Times New Roman" panose="02020603050405020304" pitchFamily="18" charset="0"/>
+              </a:rPr>
+              <a:t> </a:t>
+            </a:r>
+          </a:p>
+          <a:p>
+            <a:pPr marL="0" indent="0" algn="just">
+              <a:buNone/>
+            </a:pPr>
+            <a:endParaRPr lang="pt-BR" sz="1800" dirty="0">
               <a:latin typeface="Times New Roman" panose="02020603050405020304" pitchFamily="18" charset="0"/>
               <a:cs typeface="Times New Roman" panose="02020603050405020304" pitchFamily="18" charset="0"/>
             </a:endParaRPr>
@@ -17306,7 +17385,66 @@
             <a:pPr marL="0" indent="0" algn="just">
               <a:buNone/>
             </a:pPr>
-            <a:endParaRPr lang="pt-BR" sz="2400" dirty="0">
+            <a:r>
+              <a:rPr lang="pt-BR" sz="1800" dirty="0">
+                <a:latin typeface="Times New Roman" panose="02020603050405020304" pitchFamily="18" charset="0"/>
+                <a:cs typeface="Times New Roman" panose="02020603050405020304" pitchFamily="18" charset="0"/>
+              </a:rPr>
+              <a:t>[2] </a:t>
+            </a:r>
+            <a:r>
+              <a:rPr lang="pt-BR" sz="1800" b="1" dirty="0">
+                <a:latin typeface="Times New Roman" panose="02020603050405020304" pitchFamily="18" charset="0"/>
+                <a:cs typeface="Times New Roman" panose="02020603050405020304" pitchFamily="18" charset="0"/>
+              </a:rPr>
+              <a:t>Comunicações: Protocolos</a:t>
+            </a:r>
+            <a:r>
+              <a:rPr lang="pt-BR" sz="1800" dirty="0">
+                <a:latin typeface="Times New Roman" panose="02020603050405020304" pitchFamily="18" charset="0"/>
+                <a:cs typeface="Times New Roman" panose="02020603050405020304" pitchFamily="18" charset="0"/>
+              </a:rPr>
+              <a:t>. </a:t>
+            </a:r>
+          </a:p>
+          <a:p>
+            <a:pPr marL="0" indent="0" algn="just">
+              <a:buNone/>
+            </a:pPr>
+            <a:r>
+              <a:rPr lang="pt-BR" sz="1800" b="1" dirty="0">
+                <a:solidFill>
+                  <a:srgbClr val="FF0000"/>
+                </a:solidFill>
+                <a:latin typeface="Times New Roman" panose="02020603050405020304" pitchFamily="18" charset="0"/>
+                <a:cs typeface="Times New Roman" panose="02020603050405020304" pitchFamily="18" charset="0"/>
+              </a:rPr>
+              <a:t>Disponível em:</a:t>
+            </a:r>
+          </a:p>
+          <a:p>
+            <a:pPr marL="0" indent="0" algn="just">
+              <a:buNone/>
+            </a:pPr>
+            <a:r>
+              <a:rPr lang="pt-BR" sz="1800" b="1" dirty="0">
+                <a:solidFill>
+                  <a:srgbClr val="FF0000"/>
+                </a:solidFill>
+                <a:latin typeface="Times New Roman" panose="02020603050405020304" pitchFamily="18" charset="0"/>
+                <a:cs typeface="Times New Roman" panose="02020603050405020304" pitchFamily="18" charset="0"/>
+              </a:rPr>
+              <a:t> </a:t>
+            </a:r>
+            <a:r>
+              <a:rPr lang="pt-BR" sz="1800" dirty="0">
+                <a:latin typeface="Times New Roman" panose="02020603050405020304" pitchFamily="18" charset="0"/>
+                <a:cs typeface="Times New Roman" panose="02020603050405020304" pitchFamily="18" charset="0"/>
+                <a:hlinkClick r:id="rId5"/>
+              </a:rPr>
+              <a:t>https://www.dca.fee.unicamp.br/~rferrari/EA075_2s2017/Cap.%206.2%20-%20Protocolos.pdf</a:t>
+            </a:r>
+            <a:endParaRPr lang="pt-BR" sz="1800" dirty="0">
               <a:latin typeface="Times New Roman" panose="02020603050405020304" pitchFamily="18" charset="0"/>
               <a:cs typeface="Times New Roman" panose="02020603050405020304" pitchFamily="18" charset="0"/>
             </a:endParaRPr>
@@ -17316,64 +17454,63 @@
               <a:buNone/>
             </a:pPr>
             <a:r>
-              <a:rPr lang="pt-BR" sz="2400" dirty="0">
-                <a:latin typeface="Times New Roman" panose="02020603050405020304" pitchFamily="18" charset="0"/>
-                <a:cs typeface="Times New Roman" panose="02020603050405020304" pitchFamily="18" charset="0"/>
-              </a:rPr>
-              <a:t>[2] </a:t>
-            </a:r>
-            <a:r>
-              <a:rPr lang="pt-BR" sz="2400" b="1" dirty="0">
-                <a:latin typeface="Times New Roman" panose="02020603050405020304" pitchFamily="18" charset="0"/>
-                <a:cs typeface="Times New Roman" panose="02020603050405020304" pitchFamily="18" charset="0"/>
-              </a:rPr>
-              <a:t>Dispositivos Inputs</a:t>
-            </a:r>
-            <a:r>
-              <a:rPr lang="pt-BR" sz="2400" dirty="0">
-                <a:latin typeface="Times New Roman" panose="02020603050405020304" pitchFamily="18" charset="0"/>
-                <a:cs typeface="Times New Roman" panose="02020603050405020304" pitchFamily="18" charset="0"/>
-              </a:rPr>
-              <a:t>(Sensores) e </a:t>
-            </a:r>
-            <a:r>
-              <a:rPr lang="pt-BR" sz="2400" b="1" dirty="0">
-                <a:latin typeface="Times New Roman" panose="02020603050405020304" pitchFamily="18" charset="0"/>
-                <a:cs typeface="Times New Roman" panose="02020603050405020304" pitchFamily="18" charset="0"/>
-              </a:rPr>
-              <a:t>Dispositivos Outputs</a:t>
-            </a:r>
-            <a:r>
-              <a:rPr lang="pt-BR" sz="2400" dirty="0">
-                <a:latin typeface="Times New Roman" panose="02020603050405020304" pitchFamily="18" charset="0"/>
-                <a:cs typeface="Times New Roman" panose="02020603050405020304" pitchFamily="18" charset="0"/>
-              </a:rPr>
-              <a:t>(Atuadores)</a:t>
-            </a:r>
+              <a:rPr lang="pt-BR" sz="1800" b="1" dirty="0">
+                <a:solidFill>
+                  <a:srgbClr val="FF0000"/>
+                </a:solidFill>
+                <a:latin typeface="Times New Roman" panose="02020603050405020304" pitchFamily="18" charset="0"/>
+                <a:cs typeface="Times New Roman" panose="02020603050405020304" pitchFamily="18" charset="0"/>
+              </a:rPr>
+              <a:t> </a:t>
+            </a:r>
+            <a:r>
+              <a:rPr lang="pt-BR" sz="1800" dirty="0">
+                <a:latin typeface="Times New Roman" panose="02020603050405020304" pitchFamily="18" charset="0"/>
+                <a:cs typeface="Times New Roman" panose="02020603050405020304" pitchFamily="18" charset="0"/>
+                <a:hlinkClick r:id="rId6"/>
+              </a:rPr>
+              <a:t>https://www.robocore.net/tutoriais/comparacao-entre-protocolos-de-comunicacao-serial.html</a:t>
+            </a:r>
+            <a:endParaRPr lang="pt-BR" sz="1800" dirty="0">
+              <a:latin typeface="Times New Roman" panose="02020603050405020304" pitchFamily="18" charset="0"/>
+              <a:cs typeface="Times New Roman" panose="02020603050405020304" pitchFamily="18" charset="0"/>
+            </a:endParaRPr>
           </a:p>
           <a:p>
             <a:pPr marL="0" indent="0" algn="just">
               <a:buNone/>
             </a:pPr>
             <a:r>
-              <a:rPr lang="pt-BR" sz="2400" b="1" dirty="0">
+              <a:rPr lang="pt-BR" sz="1800" b="1" dirty="0">
                 <a:solidFill>
                   <a:srgbClr val="FF0000"/>
                 </a:solidFill>
                 <a:latin typeface="Times New Roman" panose="02020603050405020304" pitchFamily="18" charset="0"/>
                 <a:cs typeface="Times New Roman" panose="02020603050405020304" pitchFamily="18" charset="0"/>
               </a:rPr>
-              <a:t>Disponível em: </a:t>
-            </a:r>
-            <a:r>
-              <a:rPr lang="pt-BR" sz="2400" dirty="0">
-                <a:latin typeface="Times New Roman" panose="02020603050405020304" pitchFamily="18" charset="0"/>
-                <a:cs typeface="Times New Roman" panose="02020603050405020304" pitchFamily="18" charset="0"/>
-                <a:hlinkClick r:id="rId5"/>
-              </a:rPr>
-              <a:t>https://youtu.be/aFzAKzFLy68</a:t>
-            </a:r>
-            <a:endParaRPr lang="pt-BR" sz="2400" dirty="0">
+              <a:t> </a:t>
+            </a:r>
+            <a:r>
+              <a:rPr lang="pt-BR" sz="1800" dirty="0">
+                <a:latin typeface="Times New Roman" panose="02020603050405020304" pitchFamily="18" charset="0"/>
+                <a:cs typeface="Times New Roman" panose="02020603050405020304" pitchFamily="18" charset="0"/>
+                <a:hlinkClick r:id="rId7"/>
+              </a:rPr>
+              <a:t>https://smarthouse.readthedocs.io/en/latest/internetDasCoisas.html</a:t>
+            </a:r>
+            <a:r>
+              <a:rPr lang="pt-BR" sz="1800" dirty="0">
+                <a:latin typeface="Times New Roman" panose="02020603050405020304" pitchFamily="18" charset="0"/>
+                <a:cs typeface="Times New Roman" panose="02020603050405020304" pitchFamily="18" charset="0"/>
+              </a:rPr>
+              <a:t>  </a:t>
+            </a:r>
+          </a:p>
+          <a:p>
+            <a:pPr marL="0" indent="0" algn="just">
+              <a:buNone/>
+            </a:pPr>
+            <a:endParaRPr lang="pt-BR" sz="1800" dirty="0">
               <a:latin typeface="Times New Roman" panose="02020603050405020304" pitchFamily="18" charset="0"/>
               <a:cs typeface="Times New Roman" panose="02020603050405020304" pitchFamily="18" charset="0"/>
             </a:endParaRPr>
@@ -17383,7 +17520,7 @@
     </p:spTree>
     <p:extLst>
       <p:ext uri="{BB962C8B-B14F-4D97-AF65-F5344CB8AC3E}">
-        <p14:creationId xmlns:p14="http://schemas.microsoft.com/office/powerpoint/2010/main" val="2747596967"/>
+        <p14:creationId xmlns:p14="http://schemas.microsoft.com/office/powerpoint/2010/main" val="3680270425"/>
       </p:ext>
     </p:extLst>
   </p:cSld>
@@ -17439,7 +17576,7 @@
                   <a:srgbClr val="0070C0"/>
                 </a:solidFill>
               </a:rPr>
-              <a:t>Dinâmica</a:t>
+              <a:t>Aprenda</a:t>
             </a:r>
             <a:r>
               <a:rPr lang="en-US" b="1" dirty="0">
@@ -17447,37 +17584,8 @@
                   <a:srgbClr val="0070C0"/>
                 </a:solidFill>
               </a:rPr>
-              <a:t>/</a:t>
-            </a:r>
-            <a:r>
-              <a:rPr lang="en-US" b="1" dirty="0" err="1">
-                <a:solidFill>
-                  <a:srgbClr val="0070C0"/>
-                </a:solidFill>
-              </a:rPr>
-              <a:t>Atividades</a:t>
-            </a:r>
-            <a:r>
-              <a:rPr lang="en-US" b="1" dirty="0">
-                <a:solidFill>
-                  <a:srgbClr val="0070C0"/>
-                </a:solidFill>
-              </a:rPr>
-              <a:t> - </a:t>
-            </a:r>
-            <a:r>
-              <a:rPr lang="en-US" b="1" dirty="0" err="1">
-                <a:solidFill>
-                  <a:srgbClr val="0070C0"/>
-                </a:solidFill>
-              </a:rPr>
-              <a:t>Exercícios</a:t>
-            </a:r>
-            <a:endParaRPr lang="en-US" b="1" dirty="0">
-              <a:solidFill>
-                <a:srgbClr val="0070C0"/>
-              </a:solidFill>
-            </a:endParaRPr>
+              <a:t>+</a:t>
+            </a:r>
           </a:p>
         </p:txBody>
       </p:sp>
@@ -17493,8 +17601,8 @@
         </p:nvSpPr>
         <p:spPr>
           <a:xfrm>
-            <a:off x="139472" y="1063230"/>
-            <a:ext cx="8865056" cy="3996450"/>
+            <a:off x="142865" y="1200150"/>
+            <a:ext cx="8865056" cy="3737370"/>
           </a:xfrm>
         </p:spPr>
         <p:txBody>
@@ -17507,100 +17615,86 @@
               <a:buNone/>
             </a:pPr>
             <a:r>
-              <a:rPr lang="pt-BR" sz="1800" dirty="0">
-                <a:latin typeface="Times New Roman" panose="02020603050405020304" pitchFamily="18" charset="0"/>
-                <a:cs typeface="Times New Roman" panose="02020603050405020304" pitchFamily="18" charset="0"/>
-              </a:rPr>
-              <a:t>Criar </a:t>
-            </a:r>
-            <a:r>
-              <a:rPr lang="pt-BR" sz="1800" b="1" dirty="0">
+              <a:rPr lang="pt-BR" sz="2400" dirty="0">
+                <a:latin typeface="Times New Roman" panose="02020603050405020304" pitchFamily="18" charset="0"/>
+                <a:cs typeface="Times New Roman" panose="02020603050405020304" pitchFamily="18" charset="0"/>
+              </a:rPr>
+              <a:t>[1] </a:t>
+            </a:r>
+            <a:r>
+              <a:rPr lang="pt-BR" sz="2400" b="1" dirty="0">
+                <a:latin typeface="Times New Roman" panose="02020603050405020304" pitchFamily="18" charset="0"/>
+                <a:cs typeface="Times New Roman" panose="02020603050405020304" pitchFamily="18" charset="0"/>
+              </a:rPr>
+              <a:t>Protocolos de comunicações UART, I2C e SPI</a:t>
+            </a:r>
+            <a:r>
+              <a:rPr lang="pt-BR" sz="2400" dirty="0">
+                <a:latin typeface="Times New Roman" panose="02020603050405020304" pitchFamily="18" charset="0"/>
+                <a:cs typeface="Times New Roman" panose="02020603050405020304" pitchFamily="18" charset="0"/>
+              </a:rPr>
+              <a:t>.</a:t>
+            </a:r>
+          </a:p>
+          <a:p>
+            <a:pPr marL="0" indent="0" algn="just">
+              <a:buNone/>
+            </a:pPr>
+            <a:r>
+              <a:rPr lang="pt-BR" sz="2400" b="1" dirty="0">
                 <a:solidFill>
                   <a:srgbClr val="FF0000"/>
                 </a:solidFill>
                 <a:latin typeface="Times New Roman" panose="02020603050405020304" pitchFamily="18" charset="0"/>
                 <a:cs typeface="Times New Roman" panose="02020603050405020304" pitchFamily="18" charset="0"/>
               </a:rPr>
-              <a:t>projeto</a:t>
-            </a:r>
-            <a:r>
-              <a:rPr lang="pt-BR" sz="1800" dirty="0">
-                <a:solidFill>
-                  <a:srgbClr val="FF0000"/>
-                </a:solidFill>
+              <a:t>Disponível em: </a:t>
+            </a:r>
+            <a:r>
+              <a:rPr lang="pt-BR" sz="2400" dirty="0">
+                <a:latin typeface="Times New Roman" panose="02020603050405020304" pitchFamily="18" charset="0"/>
+                <a:cs typeface="Times New Roman" panose="02020603050405020304" pitchFamily="18" charset="0"/>
+                <a:hlinkClick r:id="rId3"/>
+              </a:rPr>
+              <a:t>https://youtu.be/A1HmMtz9QGs</a:t>
+            </a:r>
+            <a:r>
+              <a:rPr lang="pt-BR" sz="2400" dirty="0">
                 <a:latin typeface="Times New Roman" panose="02020603050405020304" pitchFamily="18" charset="0"/>
                 <a:cs typeface="Times New Roman" panose="02020603050405020304" pitchFamily="18" charset="0"/>
               </a:rPr>
               <a:t> </a:t>
             </a:r>
-            <a:r>
-              <a:rPr lang="pt-BR" sz="1800" b="1" dirty="0">
-                <a:solidFill>
-                  <a:srgbClr val="FF0000"/>
-                </a:solidFill>
-                <a:latin typeface="Times New Roman" panose="02020603050405020304" pitchFamily="18" charset="0"/>
-                <a:cs typeface="Times New Roman" panose="02020603050405020304" pitchFamily="18" charset="0"/>
-              </a:rPr>
-              <a:t>Arduino 1,</a:t>
-            </a:r>
-            <a:r>
-              <a:rPr lang="pt-BR" sz="1800" dirty="0">
-                <a:latin typeface="Times New Roman" panose="02020603050405020304" pitchFamily="18" charset="0"/>
-                <a:cs typeface="Times New Roman" panose="02020603050405020304" pitchFamily="18" charset="0"/>
-              </a:rPr>
-              <a:t> componentes:</a:t>
-            </a:r>
           </a:p>
           <a:p>
             <a:pPr marL="0" indent="0" algn="just">
               <a:buNone/>
             </a:pPr>
-            <a:endParaRPr lang="pt-BR" sz="1800" dirty="0">
+            <a:r>
+              <a:rPr lang="pt-BR" sz="2400" dirty="0">
+                <a:latin typeface="Times New Roman" panose="02020603050405020304" pitchFamily="18" charset="0"/>
+                <a:cs typeface="Times New Roman" panose="02020603050405020304" pitchFamily="18" charset="0"/>
+              </a:rPr>
+              <a:t>			         </a:t>
+            </a:r>
+            <a:r>
+              <a:rPr lang="pt-BR" sz="2400" dirty="0">
+                <a:latin typeface="Times New Roman" panose="02020603050405020304" pitchFamily="18" charset="0"/>
+                <a:cs typeface="Times New Roman" panose="02020603050405020304" pitchFamily="18" charset="0"/>
+                <a:hlinkClick r:id="rId4"/>
+              </a:rPr>
+              <a:t>https://www.bairrospd.com/</a:t>
+            </a:r>
+            <a:endParaRPr lang="pt-BR" sz="2400" dirty="0">
               <a:latin typeface="Times New Roman" panose="02020603050405020304" pitchFamily="18" charset="0"/>
               <a:cs typeface="Times New Roman" panose="02020603050405020304" pitchFamily="18" charset="0"/>
             </a:endParaRPr>
           </a:p>
           <a:p>
-            <a:pPr marL="457200" indent="-457200" algn="just">
-              <a:buAutoNum type="arabicPeriod"/>
-            </a:pPr>
-            <a:r>
-              <a:rPr lang="pt-BR" sz="1800" dirty="0">
-                <a:latin typeface="Times New Roman" panose="02020603050405020304" pitchFamily="18" charset="0"/>
-                <a:cs typeface="Times New Roman" panose="02020603050405020304" pitchFamily="18" charset="0"/>
-              </a:rPr>
-              <a:t>Placa Arduino URO R3</a:t>
-            </a:r>
-          </a:p>
-          <a:p>
-            <a:pPr marL="457200" indent="-457200" algn="just">
-              <a:buAutoNum type="arabicPeriod"/>
-            </a:pPr>
-            <a:r>
-              <a:rPr lang="pt-BR" sz="1800" dirty="0">
-                <a:latin typeface="Times New Roman" panose="02020603050405020304" pitchFamily="18" charset="0"/>
-                <a:cs typeface="Times New Roman" panose="02020603050405020304" pitchFamily="18" charset="0"/>
-              </a:rPr>
-              <a:t>Protoboard</a:t>
-            </a:r>
-          </a:p>
-          <a:p>
-            <a:pPr marL="457200" indent="-457200" algn="just">
-              <a:buAutoNum type="arabicPeriod"/>
-            </a:pPr>
-            <a:r>
-              <a:rPr lang="pt-BR" sz="1800" dirty="0">
-                <a:latin typeface="Times New Roman" panose="02020603050405020304" pitchFamily="18" charset="0"/>
-                <a:cs typeface="Times New Roman" panose="02020603050405020304" pitchFamily="18" charset="0"/>
-              </a:rPr>
-              <a:t>Sensor de movimento PIR</a:t>
-            </a:r>
-          </a:p>
-          <a:p>
             <a:pPr marL="0" indent="0" algn="just">
               <a:buNone/>
             </a:pPr>
-            <a:endParaRPr lang="pt-BR" sz="1800" dirty="0">
+            <a:endParaRPr lang="pt-BR" sz="2400" dirty="0">
               <a:latin typeface="Times New Roman" panose="02020603050405020304" pitchFamily="18" charset="0"/>
               <a:cs typeface="Times New Roman" panose="02020603050405020304" pitchFamily="18" charset="0"/>
             </a:endParaRPr>
@@ -17609,44 +17703,75 @@
             <a:pPr marL="0" indent="0" algn="just">
               <a:buNone/>
             </a:pPr>
-            <a:endParaRPr lang="pt-BR" sz="1800" dirty="0">
+            <a:r>
+              <a:rPr lang="pt-BR" sz="2400" dirty="0">
+                <a:latin typeface="Times New Roman" panose="02020603050405020304" pitchFamily="18" charset="0"/>
+                <a:cs typeface="Times New Roman" panose="02020603050405020304" pitchFamily="18" charset="0"/>
+              </a:rPr>
+              <a:t>[2] </a:t>
+            </a:r>
+            <a:r>
+              <a:rPr lang="pt-BR" sz="2400" b="1" dirty="0">
+                <a:latin typeface="Times New Roman" panose="02020603050405020304" pitchFamily="18" charset="0"/>
+                <a:cs typeface="Times New Roman" panose="02020603050405020304" pitchFamily="18" charset="0"/>
+              </a:rPr>
+              <a:t>Dispositivos Inputs</a:t>
+            </a:r>
+            <a:r>
+              <a:rPr lang="pt-BR" sz="2400" dirty="0">
+                <a:latin typeface="Times New Roman" panose="02020603050405020304" pitchFamily="18" charset="0"/>
+                <a:cs typeface="Times New Roman" panose="02020603050405020304" pitchFamily="18" charset="0"/>
+              </a:rPr>
+              <a:t>(Sensores) e </a:t>
+            </a:r>
+            <a:r>
+              <a:rPr lang="pt-BR" sz="2400" b="1" dirty="0">
+                <a:latin typeface="Times New Roman" panose="02020603050405020304" pitchFamily="18" charset="0"/>
+                <a:cs typeface="Times New Roman" panose="02020603050405020304" pitchFamily="18" charset="0"/>
+              </a:rPr>
+              <a:t>Dispositivos Outputs</a:t>
+            </a:r>
+            <a:r>
+              <a:rPr lang="pt-BR" sz="2400" dirty="0">
+                <a:latin typeface="Times New Roman" panose="02020603050405020304" pitchFamily="18" charset="0"/>
+                <a:cs typeface="Times New Roman" panose="02020603050405020304" pitchFamily="18" charset="0"/>
+              </a:rPr>
+              <a:t>(Atuadores)</a:t>
+            </a:r>
+          </a:p>
+          <a:p>
+            <a:pPr marL="0" indent="0" algn="just">
+              <a:buNone/>
+            </a:pPr>
+            <a:r>
+              <a:rPr lang="pt-BR" sz="2400" b="1" dirty="0">
+                <a:solidFill>
+                  <a:srgbClr val="FF0000"/>
+                </a:solidFill>
+                <a:latin typeface="Times New Roman" panose="02020603050405020304" pitchFamily="18" charset="0"/>
+                <a:cs typeface="Times New Roman" panose="02020603050405020304" pitchFamily="18" charset="0"/>
+              </a:rPr>
+              <a:t>Disponível em: </a:t>
+            </a:r>
+            <a:r>
+              <a:rPr lang="pt-BR" sz="2400" dirty="0">
+                <a:latin typeface="Times New Roman" panose="02020603050405020304" pitchFamily="18" charset="0"/>
+                <a:cs typeface="Times New Roman" panose="02020603050405020304" pitchFamily="18" charset="0"/>
+                <a:hlinkClick r:id="rId5"/>
+              </a:rPr>
+              <a:t>https://youtu.be/aFzAKzFLy68</a:t>
+            </a:r>
+            <a:endParaRPr lang="pt-BR" sz="2400" dirty="0">
               <a:latin typeface="Times New Roman" panose="02020603050405020304" pitchFamily="18" charset="0"/>
               <a:cs typeface="Times New Roman" panose="02020603050405020304" pitchFamily="18" charset="0"/>
             </a:endParaRPr>
-          </a:p>
-          <a:p>
-            <a:pPr marL="0" indent="0" algn="just">
-              <a:buNone/>
-            </a:pPr>
-            <a:r>
-              <a:rPr lang="pt-BR" sz="1800" dirty="0">
-                <a:latin typeface="Times New Roman" panose="02020603050405020304" pitchFamily="18" charset="0"/>
-                <a:cs typeface="Times New Roman" panose="02020603050405020304" pitchFamily="18" charset="0"/>
-              </a:rPr>
-              <a:t>		</a:t>
-            </a:r>
-            <a:r>
-              <a:rPr lang="pt-BR" sz="1800" dirty="0">
-                <a:latin typeface="Times New Roman" panose="02020603050405020304" pitchFamily="18" charset="0"/>
-                <a:cs typeface="Times New Roman" panose="02020603050405020304" pitchFamily="18" charset="0"/>
-                <a:hlinkClick r:id="rId3"/>
-              </a:rPr>
-              <a:t>https://youtu.be/ek74cM8379I</a:t>
-            </a:r>
-            <a:r>
-              <a:rPr lang="pt-BR" sz="1800" dirty="0">
-                <a:latin typeface="Times New Roman" panose="02020603050405020304" pitchFamily="18" charset="0"/>
-                <a:cs typeface="Times New Roman" panose="02020603050405020304" pitchFamily="18" charset="0"/>
-              </a:rPr>
-              <a:t> </a:t>
-            </a:r>
           </a:p>
         </p:txBody>
       </p:sp>
     </p:spTree>
     <p:extLst>
       <p:ext uri="{BB962C8B-B14F-4D97-AF65-F5344CB8AC3E}">
-        <p14:creationId xmlns:p14="http://schemas.microsoft.com/office/powerpoint/2010/main" val="2470652989"/>
+        <p14:creationId xmlns:p14="http://schemas.microsoft.com/office/powerpoint/2010/main" val="2747596967"/>
       </p:ext>
     </p:extLst>
   </p:cSld>
@@ -18145,128 +18270,100 @@
               <a:buNone/>
             </a:pPr>
             <a:r>
-              <a:rPr lang="pt-BR" sz="1600" dirty="0" err="1">
-                <a:latin typeface="Times New Roman" panose="02020603050405020304" pitchFamily="18" charset="0"/>
-                <a:cs typeface="Times New Roman" panose="02020603050405020304" pitchFamily="18" charset="0"/>
-              </a:rPr>
-              <a:t>int</a:t>
-            </a:r>
-            <a:r>
-              <a:rPr lang="pt-BR" sz="1600" dirty="0">
-                <a:latin typeface="Times New Roman" panose="02020603050405020304" pitchFamily="18" charset="0"/>
-                <a:cs typeface="Times New Roman" panose="02020603050405020304" pitchFamily="18" charset="0"/>
-              </a:rPr>
-              <a:t> sensor; // C++ </a:t>
-            </a:r>
-            <a:r>
-              <a:rPr lang="pt-BR" sz="1600" dirty="0" err="1">
-                <a:latin typeface="Times New Roman" panose="02020603050405020304" pitchFamily="18" charset="0"/>
-                <a:cs typeface="Times New Roman" panose="02020603050405020304" pitchFamily="18" charset="0"/>
-              </a:rPr>
-              <a:t>code</a:t>
-            </a:r>
-            <a:endParaRPr lang="pt-BR" sz="1600" dirty="0">
+              <a:rPr lang="pt-BR" sz="1800" dirty="0">
+                <a:latin typeface="Times New Roman" panose="02020603050405020304" pitchFamily="18" charset="0"/>
+                <a:cs typeface="Times New Roman" panose="02020603050405020304" pitchFamily="18" charset="0"/>
+              </a:rPr>
+              <a:t>Criar </a:t>
+            </a:r>
+            <a:r>
+              <a:rPr lang="pt-BR" sz="1800" b="1" dirty="0">
+                <a:solidFill>
+                  <a:srgbClr val="FF0000"/>
+                </a:solidFill>
+                <a:latin typeface="Times New Roman" panose="02020603050405020304" pitchFamily="18" charset="0"/>
+                <a:cs typeface="Times New Roman" panose="02020603050405020304" pitchFamily="18" charset="0"/>
+              </a:rPr>
+              <a:t>projeto</a:t>
+            </a:r>
+            <a:r>
+              <a:rPr lang="pt-BR" sz="1800" dirty="0">
+                <a:solidFill>
+                  <a:srgbClr val="FF0000"/>
+                </a:solidFill>
+                <a:latin typeface="Times New Roman" panose="02020603050405020304" pitchFamily="18" charset="0"/>
+                <a:cs typeface="Times New Roman" panose="02020603050405020304" pitchFamily="18" charset="0"/>
+              </a:rPr>
+              <a:t> </a:t>
+            </a:r>
+            <a:r>
+              <a:rPr lang="pt-BR" sz="1800" b="1" dirty="0">
+                <a:solidFill>
+                  <a:srgbClr val="FF0000"/>
+                </a:solidFill>
+                <a:latin typeface="Times New Roman" panose="02020603050405020304" pitchFamily="18" charset="0"/>
+                <a:cs typeface="Times New Roman" panose="02020603050405020304" pitchFamily="18" charset="0"/>
+              </a:rPr>
+              <a:t>Arduino 1,</a:t>
+            </a:r>
+            <a:r>
+              <a:rPr lang="pt-BR" sz="1800" dirty="0">
+                <a:latin typeface="Times New Roman" panose="02020603050405020304" pitchFamily="18" charset="0"/>
+                <a:cs typeface="Times New Roman" panose="02020603050405020304" pitchFamily="18" charset="0"/>
+              </a:rPr>
+              <a:t> componentes:</a:t>
+            </a:r>
+          </a:p>
+          <a:p>
+            <a:pPr marL="0" indent="0" algn="just">
+              <a:buNone/>
+            </a:pPr>
+            <a:endParaRPr lang="pt-BR" sz="1800" dirty="0">
               <a:latin typeface="Times New Roman" panose="02020603050405020304" pitchFamily="18" charset="0"/>
               <a:cs typeface="Times New Roman" panose="02020603050405020304" pitchFamily="18" charset="0"/>
             </a:endParaRPr>
           </a:p>
           <a:p>
+            <a:pPr marL="457200" indent="-457200" algn="just">
+              <a:buAutoNum type="arabicPeriod"/>
+            </a:pPr>
+            <a:r>
+              <a:rPr lang="pt-BR" sz="1800" dirty="0">
+                <a:latin typeface="Times New Roman" panose="02020603050405020304" pitchFamily="18" charset="0"/>
+                <a:cs typeface="Times New Roman" panose="02020603050405020304" pitchFamily="18" charset="0"/>
+              </a:rPr>
+              <a:t>Placa Arduino URO R3</a:t>
+            </a:r>
+          </a:p>
+          <a:p>
+            <a:pPr marL="457200" indent="-457200" algn="just">
+              <a:buAutoNum type="arabicPeriod"/>
+            </a:pPr>
+            <a:r>
+              <a:rPr lang="pt-BR" sz="1800" dirty="0">
+                <a:latin typeface="Times New Roman" panose="02020603050405020304" pitchFamily="18" charset="0"/>
+                <a:cs typeface="Times New Roman" panose="02020603050405020304" pitchFamily="18" charset="0"/>
+              </a:rPr>
+              <a:t>Protoboard</a:t>
+            </a:r>
+          </a:p>
+          <a:p>
+            <a:pPr marL="457200" indent="-457200" algn="just">
+              <a:buAutoNum type="arabicPeriod"/>
+            </a:pPr>
+            <a:r>
+              <a:rPr lang="pt-BR" sz="1800" dirty="0">
+                <a:latin typeface="Times New Roman" panose="02020603050405020304" pitchFamily="18" charset="0"/>
+                <a:cs typeface="Times New Roman" panose="02020603050405020304" pitchFamily="18" charset="0"/>
+              </a:rPr>
+              <a:t>Sensor de movimento PIR</a:t>
+            </a:r>
+          </a:p>
+          <a:p>
             <a:pPr marL="0" indent="0" algn="just">
               <a:buNone/>
             </a:pPr>
-            <a:r>
-              <a:rPr lang="pt-BR" sz="1600" dirty="0" err="1">
-                <a:latin typeface="Times New Roman" panose="02020603050405020304" pitchFamily="18" charset="0"/>
-                <a:cs typeface="Times New Roman" panose="02020603050405020304" pitchFamily="18" charset="0"/>
-              </a:rPr>
-              <a:t>void</a:t>
-            </a:r>
-            <a:r>
-              <a:rPr lang="pt-BR" sz="1600" dirty="0">
-                <a:latin typeface="Times New Roman" panose="02020603050405020304" pitchFamily="18" charset="0"/>
-                <a:cs typeface="Times New Roman" panose="02020603050405020304" pitchFamily="18" charset="0"/>
-              </a:rPr>
-              <a:t> </a:t>
-            </a:r>
-            <a:r>
-              <a:rPr lang="pt-BR" sz="1600" b="1" dirty="0">
-                <a:latin typeface="Times New Roman" panose="02020603050405020304" pitchFamily="18" charset="0"/>
-                <a:cs typeface="Times New Roman" panose="02020603050405020304" pitchFamily="18" charset="0"/>
-              </a:rPr>
-              <a:t>setup</a:t>
-            </a:r>
-            <a:r>
-              <a:rPr lang="pt-BR" sz="1600" dirty="0">
-                <a:latin typeface="Times New Roman" panose="02020603050405020304" pitchFamily="18" charset="0"/>
-                <a:cs typeface="Times New Roman" panose="02020603050405020304" pitchFamily="18" charset="0"/>
-              </a:rPr>
-              <a:t>()</a:t>
-            </a:r>
-          </a:p>
-          <a:p>
-            <a:pPr marL="0" indent="0" algn="just">
-              <a:buNone/>
-            </a:pPr>
-            <a:r>
-              <a:rPr lang="pt-BR" sz="1600" dirty="0">
-                <a:latin typeface="Times New Roman" panose="02020603050405020304" pitchFamily="18" charset="0"/>
-                <a:cs typeface="Times New Roman" panose="02020603050405020304" pitchFamily="18" charset="0"/>
-              </a:rPr>
-              <a:t>{  </a:t>
-            </a:r>
-            <a:r>
-              <a:rPr lang="pt-BR" sz="1600" b="1" dirty="0" err="1">
-                <a:latin typeface="Times New Roman" panose="02020603050405020304" pitchFamily="18" charset="0"/>
-                <a:cs typeface="Times New Roman" panose="02020603050405020304" pitchFamily="18" charset="0"/>
-              </a:rPr>
-              <a:t>Serial</a:t>
-            </a:r>
-            <a:r>
-              <a:rPr lang="pt-BR" sz="1600" dirty="0" err="1">
-                <a:latin typeface="Times New Roman" panose="02020603050405020304" pitchFamily="18" charset="0"/>
-                <a:cs typeface="Times New Roman" panose="02020603050405020304" pitchFamily="18" charset="0"/>
-              </a:rPr>
-              <a:t>.begin</a:t>
-            </a:r>
-            <a:r>
-              <a:rPr lang="pt-BR" sz="1600" dirty="0">
-                <a:latin typeface="Times New Roman" panose="02020603050405020304" pitchFamily="18" charset="0"/>
-                <a:cs typeface="Times New Roman" panose="02020603050405020304" pitchFamily="18" charset="0"/>
-              </a:rPr>
-              <a:t>(9600);</a:t>
-            </a:r>
-          </a:p>
-          <a:p>
-            <a:pPr marL="0" indent="0" algn="just">
-              <a:buNone/>
-            </a:pPr>
-            <a:r>
-              <a:rPr lang="pt-BR" sz="1600" dirty="0">
-                <a:latin typeface="Times New Roman" panose="02020603050405020304" pitchFamily="18" charset="0"/>
-                <a:cs typeface="Times New Roman" panose="02020603050405020304" pitchFamily="18" charset="0"/>
-              </a:rPr>
-              <a:t>    </a:t>
-            </a:r>
-            <a:r>
-              <a:rPr lang="pt-BR" sz="1600" b="1" dirty="0" err="1">
-                <a:latin typeface="Times New Roman" panose="02020603050405020304" pitchFamily="18" charset="0"/>
-                <a:cs typeface="Times New Roman" panose="02020603050405020304" pitchFamily="18" charset="0"/>
-              </a:rPr>
-              <a:t>pinMode</a:t>
-            </a:r>
-            <a:r>
-              <a:rPr lang="pt-BR" sz="1600" dirty="0">
-                <a:latin typeface="Times New Roman" panose="02020603050405020304" pitchFamily="18" charset="0"/>
-                <a:cs typeface="Times New Roman" panose="02020603050405020304" pitchFamily="18" charset="0"/>
-              </a:rPr>
-              <a:t>(3, INPUT); }</a:t>
-            </a:r>
-          </a:p>
-          <a:p>
-            <a:pPr marL="0" indent="0" algn="just">
-              <a:buNone/>
-            </a:pPr>
-            <a:endParaRPr lang="pt-BR" sz="1600" dirty="0">
+            <a:endParaRPr lang="pt-BR" sz="1800" dirty="0">
               <a:latin typeface="Times New Roman" panose="02020603050405020304" pitchFamily="18" charset="0"/>
               <a:cs typeface="Times New Roman" panose="02020603050405020304" pitchFamily="18" charset="0"/>
             </a:endParaRPr>
@@ -18275,189 +18372,36 @@
             <a:pPr marL="0" indent="0" algn="just">
               <a:buNone/>
             </a:pPr>
-            <a:r>
-              <a:rPr lang="pt-BR" sz="1600" dirty="0" err="1">
-                <a:latin typeface="Times New Roman" panose="02020603050405020304" pitchFamily="18" charset="0"/>
-                <a:cs typeface="Times New Roman" panose="02020603050405020304" pitchFamily="18" charset="0"/>
-              </a:rPr>
-              <a:t>void</a:t>
-            </a:r>
-            <a:r>
-              <a:rPr lang="pt-BR" sz="1600" dirty="0">
+            <a:endParaRPr lang="pt-BR" sz="1800" dirty="0">
+              <a:latin typeface="Times New Roman" panose="02020603050405020304" pitchFamily="18" charset="0"/>
+              <a:cs typeface="Times New Roman" panose="02020603050405020304" pitchFamily="18" charset="0"/>
+            </a:endParaRPr>
+          </a:p>
+          <a:p>
+            <a:pPr marL="0" indent="0" algn="just">
+              <a:buNone/>
+            </a:pPr>
+            <a:r>
+              <a:rPr lang="pt-BR" sz="1800" dirty="0">
+                <a:latin typeface="Times New Roman" panose="02020603050405020304" pitchFamily="18" charset="0"/>
+                <a:cs typeface="Times New Roman" panose="02020603050405020304" pitchFamily="18" charset="0"/>
+              </a:rPr>
+              <a:t>		</a:t>
+            </a:r>
+            <a:r>
+              <a:rPr lang="pt-BR" sz="1800" dirty="0">
+                <a:latin typeface="Times New Roman" panose="02020603050405020304" pitchFamily="18" charset="0"/>
+                <a:cs typeface="Times New Roman" panose="02020603050405020304" pitchFamily="18" charset="0"/>
+                <a:hlinkClick r:id="rId3"/>
+              </a:rPr>
+              <a:t>https://youtu.be/ek74cM8379I</a:t>
+            </a:r>
+            <a:r>
+              <a:rPr lang="pt-BR" sz="1800" dirty="0">
                 <a:latin typeface="Times New Roman" panose="02020603050405020304" pitchFamily="18" charset="0"/>
                 <a:cs typeface="Times New Roman" panose="02020603050405020304" pitchFamily="18" charset="0"/>
               </a:rPr>
               <a:t> </a:t>
-            </a:r>
-            <a:r>
-              <a:rPr lang="pt-BR" sz="1600" b="1" dirty="0">
-                <a:latin typeface="Times New Roman" panose="02020603050405020304" pitchFamily="18" charset="0"/>
-                <a:cs typeface="Times New Roman" panose="02020603050405020304" pitchFamily="18" charset="0"/>
-              </a:rPr>
-              <a:t>loop</a:t>
-            </a:r>
-            <a:r>
-              <a:rPr lang="pt-BR" sz="1600" dirty="0">
-                <a:latin typeface="Times New Roman" panose="02020603050405020304" pitchFamily="18" charset="0"/>
-                <a:cs typeface="Times New Roman" panose="02020603050405020304" pitchFamily="18" charset="0"/>
-              </a:rPr>
-              <a:t>(){ </a:t>
-            </a:r>
-          </a:p>
-          <a:p>
-            <a:pPr marL="0" indent="0" algn="just">
-              <a:buNone/>
-            </a:pPr>
-            <a:r>
-              <a:rPr lang="pt-BR" sz="1600" dirty="0">
-                <a:latin typeface="Times New Roman" panose="02020603050405020304" pitchFamily="18" charset="0"/>
-                <a:cs typeface="Times New Roman" panose="02020603050405020304" pitchFamily="18" charset="0"/>
-              </a:rPr>
-              <a:t>   sensor = </a:t>
-            </a:r>
-            <a:r>
-              <a:rPr lang="pt-BR" sz="1600" b="1" dirty="0" err="1">
-                <a:latin typeface="Times New Roman" panose="02020603050405020304" pitchFamily="18" charset="0"/>
-                <a:cs typeface="Times New Roman" panose="02020603050405020304" pitchFamily="18" charset="0"/>
-              </a:rPr>
-              <a:t>digitalRead</a:t>
-            </a:r>
-            <a:r>
-              <a:rPr lang="pt-BR" sz="1600" dirty="0">
-                <a:latin typeface="Times New Roman" panose="02020603050405020304" pitchFamily="18" charset="0"/>
-                <a:cs typeface="Times New Roman" panose="02020603050405020304" pitchFamily="18" charset="0"/>
-              </a:rPr>
-              <a:t>(3);</a:t>
-            </a:r>
-          </a:p>
-          <a:p>
-            <a:pPr marL="0" indent="0" algn="just">
-              <a:buNone/>
-            </a:pPr>
-            <a:r>
-              <a:rPr lang="pt-BR" sz="1600" dirty="0">
-                <a:latin typeface="Times New Roman" panose="02020603050405020304" pitchFamily="18" charset="0"/>
-                <a:cs typeface="Times New Roman" panose="02020603050405020304" pitchFamily="18" charset="0"/>
-              </a:rPr>
-              <a:t>   </a:t>
-            </a:r>
-            <a:r>
-              <a:rPr lang="pt-BR" sz="1600" b="1" dirty="0" err="1">
-                <a:latin typeface="Times New Roman" panose="02020603050405020304" pitchFamily="18" charset="0"/>
-                <a:cs typeface="Times New Roman" panose="02020603050405020304" pitchFamily="18" charset="0"/>
-              </a:rPr>
-              <a:t>Serial</a:t>
-            </a:r>
-            <a:r>
-              <a:rPr lang="pt-BR" sz="1600" dirty="0" err="1">
-                <a:latin typeface="Times New Roman" panose="02020603050405020304" pitchFamily="18" charset="0"/>
-                <a:cs typeface="Times New Roman" panose="02020603050405020304" pitchFamily="18" charset="0"/>
-              </a:rPr>
-              <a:t>.println</a:t>
-            </a:r>
-            <a:r>
-              <a:rPr lang="pt-BR" sz="1600" dirty="0">
-                <a:latin typeface="Times New Roman" panose="02020603050405020304" pitchFamily="18" charset="0"/>
-                <a:cs typeface="Times New Roman" panose="02020603050405020304" pitchFamily="18" charset="0"/>
-              </a:rPr>
-              <a:t>(sensor);</a:t>
-            </a:r>
-          </a:p>
-          <a:p>
-            <a:pPr marL="0" indent="0" algn="just">
-              <a:buNone/>
-            </a:pPr>
-            <a:r>
-              <a:rPr lang="pt-BR" sz="1600" dirty="0">
-                <a:latin typeface="Times New Roman" panose="02020603050405020304" pitchFamily="18" charset="0"/>
-                <a:cs typeface="Times New Roman" panose="02020603050405020304" pitchFamily="18" charset="0"/>
-              </a:rPr>
-              <a:t>  </a:t>
-            </a:r>
-          </a:p>
-          <a:p>
-            <a:pPr marL="0" indent="0" algn="just">
-              <a:buNone/>
-            </a:pPr>
-            <a:r>
-              <a:rPr lang="pt-BR" sz="1600" dirty="0">
-                <a:latin typeface="Times New Roman" panose="02020603050405020304" pitchFamily="18" charset="0"/>
-                <a:cs typeface="Times New Roman" panose="02020603050405020304" pitchFamily="18" charset="0"/>
-              </a:rPr>
-              <a:t>  </a:t>
-            </a:r>
-            <a:r>
-              <a:rPr lang="pt-BR" sz="1600" dirty="0" err="1">
-                <a:latin typeface="Times New Roman" panose="02020603050405020304" pitchFamily="18" charset="0"/>
-                <a:cs typeface="Times New Roman" panose="02020603050405020304" pitchFamily="18" charset="0"/>
-              </a:rPr>
-              <a:t>if</a:t>
-            </a:r>
-            <a:r>
-              <a:rPr lang="pt-BR" sz="1600" dirty="0">
-                <a:latin typeface="Times New Roman" panose="02020603050405020304" pitchFamily="18" charset="0"/>
-                <a:cs typeface="Times New Roman" panose="02020603050405020304" pitchFamily="18" charset="0"/>
-              </a:rPr>
-              <a:t> (sensor ==  </a:t>
-            </a:r>
-            <a:r>
-              <a:rPr lang="pt-BR" sz="1600" b="1" dirty="0">
-                <a:latin typeface="Times New Roman" panose="02020603050405020304" pitchFamily="18" charset="0"/>
-                <a:cs typeface="Times New Roman" panose="02020603050405020304" pitchFamily="18" charset="0"/>
-              </a:rPr>
-              <a:t>HIGH</a:t>
-            </a:r>
-            <a:r>
-              <a:rPr lang="pt-BR" sz="1600" dirty="0">
-                <a:latin typeface="Times New Roman" panose="02020603050405020304" pitchFamily="18" charset="0"/>
-                <a:cs typeface="Times New Roman" panose="02020603050405020304" pitchFamily="18" charset="0"/>
-              </a:rPr>
-              <a:t>)</a:t>
-            </a:r>
-          </a:p>
-          <a:p>
-            <a:pPr marL="0" indent="0" algn="just">
-              <a:buNone/>
-            </a:pPr>
-            <a:r>
-              <a:rPr lang="pt-BR" sz="1600" dirty="0">
-                <a:latin typeface="Times New Roman" panose="02020603050405020304" pitchFamily="18" charset="0"/>
-                <a:cs typeface="Times New Roman" panose="02020603050405020304" pitchFamily="18" charset="0"/>
-              </a:rPr>
-              <a:t>    </a:t>
-            </a:r>
-            <a:r>
-              <a:rPr lang="pt-BR" sz="1600" b="1" dirty="0" err="1">
-                <a:latin typeface="Times New Roman" panose="02020603050405020304" pitchFamily="18" charset="0"/>
-                <a:cs typeface="Times New Roman" panose="02020603050405020304" pitchFamily="18" charset="0"/>
-              </a:rPr>
-              <a:t>Serial</a:t>
-            </a:r>
-            <a:r>
-              <a:rPr lang="pt-BR" sz="1600" dirty="0" err="1">
-                <a:latin typeface="Times New Roman" panose="02020603050405020304" pitchFamily="18" charset="0"/>
-                <a:cs typeface="Times New Roman" panose="02020603050405020304" pitchFamily="18" charset="0"/>
-              </a:rPr>
-              <a:t>.println</a:t>
-            </a:r>
-            <a:r>
-              <a:rPr lang="pt-BR" sz="1600" dirty="0">
-                <a:latin typeface="Times New Roman" panose="02020603050405020304" pitchFamily="18" charset="0"/>
-                <a:cs typeface="Times New Roman" panose="02020603050405020304" pitchFamily="18" charset="0"/>
-              </a:rPr>
-              <a:t>("Perigo");</a:t>
-            </a:r>
-          </a:p>
-          <a:p>
-            <a:pPr marL="0" indent="0" algn="just">
-              <a:buNone/>
-            </a:pPr>
-            <a:r>
-              <a:rPr lang="pt-BR" sz="1600" dirty="0">
-                <a:latin typeface="Times New Roman" panose="02020603050405020304" pitchFamily="18" charset="0"/>
-                <a:cs typeface="Times New Roman" panose="02020603050405020304" pitchFamily="18" charset="0"/>
-              </a:rPr>
-              <a:t>}</a:t>
             </a:r>
           </a:p>
         </p:txBody>
@@ -18465,7 +18409,7 @@
     </p:spTree>
     <p:extLst>
       <p:ext uri="{BB962C8B-B14F-4D97-AF65-F5344CB8AC3E}">
-        <p14:creationId xmlns:p14="http://schemas.microsoft.com/office/powerpoint/2010/main" val="4164948487"/>
+        <p14:creationId xmlns:p14="http://schemas.microsoft.com/office/powerpoint/2010/main" val="2470652989"/>
       </p:ext>
     </p:extLst>
   </p:cSld>
@@ -18589,143 +18533,128 @@
               <a:buNone/>
             </a:pPr>
             <a:r>
-              <a:rPr lang="pt-BR" sz="1800" dirty="0">
-                <a:latin typeface="Times New Roman" panose="02020603050405020304" pitchFamily="18" charset="0"/>
-                <a:cs typeface="Times New Roman" panose="02020603050405020304" pitchFamily="18" charset="0"/>
-              </a:rPr>
-              <a:t>Criar </a:t>
-            </a:r>
-            <a:r>
-              <a:rPr lang="pt-BR" sz="1800" b="1" dirty="0">
-                <a:solidFill>
-                  <a:srgbClr val="FF0000"/>
-                </a:solidFill>
-                <a:latin typeface="Times New Roman" panose="02020603050405020304" pitchFamily="18" charset="0"/>
-                <a:cs typeface="Times New Roman" panose="02020603050405020304" pitchFamily="18" charset="0"/>
-              </a:rPr>
-              <a:t>projeto</a:t>
-            </a:r>
-            <a:r>
-              <a:rPr lang="pt-BR" sz="1800" dirty="0">
-                <a:solidFill>
-                  <a:srgbClr val="FF0000"/>
-                </a:solidFill>
-                <a:latin typeface="Times New Roman" panose="02020603050405020304" pitchFamily="18" charset="0"/>
-                <a:cs typeface="Times New Roman" panose="02020603050405020304" pitchFamily="18" charset="0"/>
-              </a:rPr>
-              <a:t> </a:t>
-            </a:r>
-            <a:r>
-              <a:rPr lang="pt-BR" sz="1800" b="1" dirty="0">
-                <a:solidFill>
-                  <a:srgbClr val="FF0000"/>
-                </a:solidFill>
-                <a:latin typeface="Times New Roman" panose="02020603050405020304" pitchFamily="18" charset="0"/>
-                <a:cs typeface="Times New Roman" panose="02020603050405020304" pitchFamily="18" charset="0"/>
-              </a:rPr>
-              <a:t>Arduino 2,</a:t>
-            </a:r>
-            <a:r>
-              <a:rPr lang="pt-BR" sz="1800" dirty="0">
-                <a:latin typeface="Times New Roman" panose="02020603050405020304" pitchFamily="18" charset="0"/>
-                <a:cs typeface="Times New Roman" panose="02020603050405020304" pitchFamily="18" charset="0"/>
-              </a:rPr>
-              <a:t> componentes:</a:t>
-            </a:r>
-          </a:p>
-          <a:p>
-            <a:pPr marL="0" indent="0" algn="just">
-              <a:buNone/>
-            </a:pPr>
-            <a:endParaRPr lang="pt-BR" sz="1800" dirty="0">
+              <a:rPr lang="pt-BR" sz="1600" dirty="0" err="1">
+                <a:latin typeface="Times New Roman" panose="02020603050405020304" pitchFamily="18" charset="0"/>
+                <a:cs typeface="Times New Roman" panose="02020603050405020304" pitchFamily="18" charset="0"/>
+              </a:rPr>
+              <a:t>int</a:t>
+            </a:r>
+            <a:r>
+              <a:rPr lang="pt-BR" sz="1600" dirty="0">
+                <a:latin typeface="Times New Roman" panose="02020603050405020304" pitchFamily="18" charset="0"/>
+                <a:cs typeface="Times New Roman" panose="02020603050405020304" pitchFamily="18" charset="0"/>
+              </a:rPr>
+              <a:t> sensor; // C++ </a:t>
+            </a:r>
+            <a:r>
+              <a:rPr lang="pt-BR" sz="1600" dirty="0" err="1">
+                <a:latin typeface="Times New Roman" panose="02020603050405020304" pitchFamily="18" charset="0"/>
+                <a:cs typeface="Times New Roman" panose="02020603050405020304" pitchFamily="18" charset="0"/>
+              </a:rPr>
+              <a:t>code</a:t>
+            </a:r>
+            <a:endParaRPr lang="pt-BR" sz="1600" dirty="0">
               <a:latin typeface="Times New Roman" panose="02020603050405020304" pitchFamily="18" charset="0"/>
               <a:cs typeface="Times New Roman" panose="02020603050405020304" pitchFamily="18" charset="0"/>
             </a:endParaRPr>
           </a:p>
           <a:p>
-            <a:pPr marL="457200" indent="-457200" algn="just">
-              <a:buAutoNum type="arabicPeriod"/>
-            </a:pPr>
-            <a:r>
-              <a:rPr lang="pt-BR" sz="1800" dirty="0">
-                <a:latin typeface="Times New Roman" panose="02020603050405020304" pitchFamily="18" charset="0"/>
-                <a:cs typeface="Times New Roman" panose="02020603050405020304" pitchFamily="18" charset="0"/>
-              </a:rPr>
-              <a:t>Placa Arduino URO R3</a:t>
-            </a:r>
-          </a:p>
-          <a:p>
-            <a:pPr marL="457200" indent="-457200" algn="just">
-              <a:buAutoNum type="arabicPeriod"/>
-            </a:pPr>
-            <a:r>
-              <a:rPr lang="pt-BR" sz="1800" dirty="0">
-                <a:latin typeface="Times New Roman" panose="02020603050405020304" pitchFamily="18" charset="0"/>
-                <a:cs typeface="Times New Roman" panose="02020603050405020304" pitchFamily="18" charset="0"/>
-              </a:rPr>
-              <a:t>Protoboard</a:t>
-            </a:r>
-          </a:p>
-          <a:p>
-            <a:pPr marL="457200" indent="-457200" algn="just">
-              <a:buAutoNum type="arabicPeriod"/>
-            </a:pPr>
-            <a:r>
-              <a:rPr lang="pt-BR" sz="1800" dirty="0" err="1">
-                <a:latin typeface="Times New Roman" panose="02020603050405020304" pitchFamily="18" charset="0"/>
-                <a:cs typeface="Times New Roman" panose="02020603050405020304" pitchFamily="18" charset="0"/>
-              </a:rPr>
-              <a:t>Fotorresistor</a:t>
-            </a:r>
-            <a:r>
-              <a:rPr lang="pt-BR" sz="1800" dirty="0">
-                <a:latin typeface="Times New Roman" panose="02020603050405020304" pitchFamily="18" charset="0"/>
-                <a:cs typeface="Times New Roman" panose="02020603050405020304" pitchFamily="18" charset="0"/>
-              </a:rPr>
-              <a:t> ou LDR</a:t>
-            </a:r>
-          </a:p>
-          <a:p>
-            <a:pPr marL="457200" indent="-457200" algn="just">
-              <a:buAutoNum type="arabicPeriod"/>
-            </a:pPr>
-            <a:r>
-              <a:rPr lang="pt-BR" sz="1800" dirty="0">
-                <a:latin typeface="Times New Roman" panose="02020603050405020304" pitchFamily="18" charset="0"/>
-                <a:cs typeface="Times New Roman" panose="02020603050405020304" pitchFamily="18" charset="0"/>
-              </a:rPr>
-              <a:t>Resistor 10 kΩ</a:t>
-            </a:r>
-          </a:p>
-          <a:p>
-            <a:pPr marL="457200" indent="-457200" algn="just">
-              <a:buAutoNum type="arabicPeriod"/>
-            </a:pPr>
-            <a:r>
-              <a:rPr lang="pt-BR" sz="1800" dirty="0">
-                <a:latin typeface="Times New Roman" panose="02020603050405020304" pitchFamily="18" charset="0"/>
-                <a:cs typeface="Times New Roman" panose="02020603050405020304" pitchFamily="18" charset="0"/>
-              </a:rPr>
-              <a:t>Resistor 330 Ω</a:t>
-            </a:r>
-          </a:p>
-          <a:p>
-            <a:pPr marL="457200" indent="-457200" algn="just">
-              <a:buAutoNum type="arabicPeriod"/>
-            </a:pPr>
-            <a:r>
-              <a:rPr lang="pt-BR" sz="1800" dirty="0">
-                <a:latin typeface="Times New Roman" panose="02020603050405020304" pitchFamily="18" charset="0"/>
-                <a:cs typeface="Times New Roman" panose="02020603050405020304" pitchFamily="18" charset="0"/>
-              </a:rPr>
-              <a:t>LED</a:t>
-            </a:r>
-          </a:p>
-          <a:p>
             <a:pPr marL="0" indent="0" algn="just">
               <a:buNone/>
             </a:pPr>
-            <a:endParaRPr lang="pt-BR" sz="1800" dirty="0">
+            <a:r>
+              <a:rPr lang="pt-BR" sz="1600" dirty="0" err="1">
+                <a:latin typeface="Times New Roman" panose="02020603050405020304" pitchFamily="18" charset="0"/>
+                <a:cs typeface="Times New Roman" panose="02020603050405020304" pitchFamily="18" charset="0"/>
+              </a:rPr>
+              <a:t>void</a:t>
+            </a:r>
+            <a:r>
+              <a:rPr lang="pt-BR" sz="1600" dirty="0">
+                <a:latin typeface="Times New Roman" panose="02020603050405020304" pitchFamily="18" charset="0"/>
+                <a:cs typeface="Times New Roman" panose="02020603050405020304" pitchFamily="18" charset="0"/>
+              </a:rPr>
+              <a:t> </a:t>
+            </a:r>
+            <a:r>
+              <a:rPr lang="pt-BR" sz="1600" b="1" dirty="0">
+                <a:latin typeface="Times New Roman" panose="02020603050405020304" pitchFamily="18" charset="0"/>
+                <a:cs typeface="Times New Roman" panose="02020603050405020304" pitchFamily="18" charset="0"/>
+              </a:rPr>
+              <a:t>setup</a:t>
+            </a:r>
+            <a:r>
+              <a:rPr lang="pt-BR" sz="1600" dirty="0">
+                <a:latin typeface="Times New Roman" panose="02020603050405020304" pitchFamily="18" charset="0"/>
+                <a:cs typeface="Times New Roman" panose="02020603050405020304" pitchFamily="18" charset="0"/>
+              </a:rPr>
+              <a:t>()</a:t>
+            </a:r>
+          </a:p>
+          <a:p>
+            <a:pPr marL="0" indent="0" algn="just">
+              <a:buNone/>
+            </a:pPr>
+            <a:r>
+              <a:rPr lang="pt-BR" sz="1600" dirty="0">
+                <a:latin typeface="Times New Roman" panose="02020603050405020304" pitchFamily="18" charset="0"/>
+                <a:cs typeface="Times New Roman" panose="02020603050405020304" pitchFamily="18" charset="0"/>
+              </a:rPr>
+              <a:t>{  </a:t>
+            </a:r>
+            <a:r>
+              <a:rPr lang="pt-BR" sz="1600" b="1" dirty="0" err="1">
+                <a:latin typeface="Times New Roman" panose="02020603050405020304" pitchFamily="18" charset="0"/>
+                <a:cs typeface="Times New Roman" panose="02020603050405020304" pitchFamily="18" charset="0"/>
+              </a:rPr>
+              <a:t>Serial</a:t>
+            </a:r>
+            <a:r>
+              <a:rPr lang="pt-BR" sz="1600" dirty="0" err="1">
+                <a:latin typeface="Times New Roman" panose="02020603050405020304" pitchFamily="18" charset="0"/>
+                <a:cs typeface="Times New Roman" panose="02020603050405020304" pitchFamily="18" charset="0"/>
+              </a:rPr>
+              <a:t>.begin</a:t>
+            </a:r>
+            <a:r>
+              <a:rPr lang="pt-BR" sz="1600" dirty="0">
+                <a:latin typeface="Times New Roman" panose="02020603050405020304" pitchFamily="18" charset="0"/>
+                <a:cs typeface="Times New Roman" panose="02020603050405020304" pitchFamily="18" charset="0"/>
+              </a:rPr>
+              <a:t>(9600);</a:t>
+            </a:r>
+          </a:p>
+          <a:p>
+            <a:pPr marL="0" indent="0" algn="just">
+              <a:buNone/>
+            </a:pPr>
+            <a:r>
+              <a:rPr lang="pt-BR" sz="1600" dirty="0">
+                <a:latin typeface="Times New Roman" panose="02020603050405020304" pitchFamily="18" charset="0"/>
+                <a:cs typeface="Times New Roman" panose="02020603050405020304" pitchFamily="18" charset="0"/>
+              </a:rPr>
+              <a:t>    </a:t>
+            </a:r>
+            <a:r>
+              <a:rPr lang="pt-BR" sz="1600" b="1" dirty="0" err="1">
+                <a:latin typeface="Times New Roman" panose="02020603050405020304" pitchFamily="18" charset="0"/>
+                <a:cs typeface="Times New Roman" panose="02020603050405020304" pitchFamily="18" charset="0"/>
+              </a:rPr>
+              <a:t>pinMode</a:t>
+            </a:r>
+            <a:r>
+              <a:rPr lang="pt-BR" sz="1600" dirty="0">
+                <a:latin typeface="Times New Roman" panose="02020603050405020304" pitchFamily="18" charset="0"/>
+                <a:cs typeface="Times New Roman" panose="02020603050405020304" pitchFamily="18" charset="0"/>
+              </a:rPr>
+              <a:t>(3, INPUT); }</a:t>
+            </a:r>
+          </a:p>
+          <a:p>
+            <a:pPr marL="0" indent="0" algn="just">
+              <a:buNone/>
+            </a:pPr>
+            <a:endParaRPr lang="pt-BR" sz="1600" dirty="0">
               <a:latin typeface="Times New Roman" panose="02020603050405020304" pitchFamily="18" charset="0"/>
               <a:cs typeface="Times New Roman" panose="02020603050405020304" pitchFamily="18" charset="0"/>
             </a:endParaRPr>
@@ -18735,53 +18664,188 @@
               <a:buNone/>
             </a:pPr>
             <a:r>
-              <a:rPr lang="pt-BR" sz="1800" dirty="0">
-                <a:latin typeface="Times New Roman" panose="02020603050405020304" pitchFamily="18" charset="0"/>
-                <a:cs typeface="Times New Roman" panose="02020603050405020304" pitchFamily="18" charset="0"/>
-              </a:rPr>
-              <a:t>		</a:t>
-            </a:r>
-            <a:r>
-              <a:rPr lang="pt-BR" sz="1800" dirty="0">
-                <a:latin typeface="Times New Roman" panose="02020603050405020304" pitchFamily="18" charset="0"/>
-                <a:cs typeface="Times New Roman" panose="02020603050405020304" pitchFamily="18" charset="0"/>
-                <a:hlinkClick r:id="rId3"/>
-              </a:rPr>
-              <a:t>https://inovaedu.tech/ldr-arduino-parte1/?cn-reloaded=1</a:t>
-            </a:r>
-            <a:r>
-              <a:rPr lang="pt-BR" sz="1800" dirty="0">
+              <a:rPr lang="pt-BR" sz="1600" dirty="0" err="1">
+                <a:latin typeface="Times New Roman" panose="02020603050405020304" pitchFamily="18" charset="0"/>
+                <a:cs typeface="Times New Roman" panose="02020603050405020304" pitchFamily="18" charset="0"/>
+              </a:rPr>
+              <a:t>void</a:t>
+            </a:r>
+            <a:r>
+              <a:rPr lang="pt-BR" sz="1600" dirty="0">
                 <a:latin typeface="Times New Roman" panose="02020603050405020304" pitchFamily="18" charset="0"/>
                 <a:cs typeface="Times New Roman" panose="02020603050405020304" pitchFamily="18" charset="0"/>
               </a:rPr>
               <a:t> </a:t>
             </a:r>
+            <a:r>
+              <a:rPr lang="pt-BR" sz="1600" b="1" dirty="0">
+                <a:latin typeface="Times New Roman" panose="02020603050405020304" pitchFamily="18" charset="0"/>
+                <a:cs typeface="Times New Roman" panose="02020603050405020304" pitchFamily="18" charset="0"/>
+              </a:rPr>
+              <a:t>loop</a:t>
+            </a:r>
+            <a:r>
+              <a:rPr lang="pt-BR" sz="1600" dirty="0">
+                <a:latin typeface="Times New Roman" panose="02020603050405020304" pitchFamily="18" charset="0"/>
+                <a:cs typeface="Times New Roman" panose="02020603050405020304" pitchFamily="18" charset="0"/>
+              </a:rPr>
+              <a:t>(){ </a:t>
+            </a:r>
           </a:p>
           <a:p>
             <a:pPr marL="0" indent="0" algn="just">
               <a:buNone/>
             </a:pPr>
             <a:r>
-              <a:rPr lang="pt-BR" sz="1800" dirty="0">
-                <a:latin typeface="Times New Roman" panose="02020603050405020304" pitchFamily="18" charset="0"/>
-                <a:cs typeface="Times New Roman" panose="02020603050405020304" pitchFamily="18" charset="0"/>
-              </a:rPr>
-              <a:t>		</a:t>
-            </a:r>
-            <a:r>
-              <a:rPr lang="pt-BR" sz="1800" dirty="0">
-                <a:latin typeface="Times New Roman" panose="02020603050405020304" pitchFamily="18" charset="0"/>
-                <a:cs typeface="Times New Roman" panose="02020603050405020304" pitchFamily="18" charset="0"/>
-                <a:hlinkClick r:id="rId4"/>
-              </a:rPr>
-              <a:t>https://youtu.be/pazcH1jI1qU</a:t>
-            </a:r>
-            <a:r>
-              <a:rPr lang="pt-BR" sz="1800" dirty="0">
-                <a:latin typeface="Times New Roman" panose="02020603050405020304" pitchFamily="18" charset="0"/>
-                <a:cs typeface="Times New Roman" panose="02020603050405020304" pitchFamily="18" charset="0"/>
-              </a:rPr>
-              <a:t> </a:t>
+              <a:rPr lang="pt-BR" sz="1600" dirty="0">
+                <a:latin typeface="Times New Roman" panose="02020603050405020304" pitchFamily="18" charset="0"/>
+                <a:cs typeface="Times New Roman" panose="02020603050405020304" pitchFamily="18" charset="0"/>
+              </a:rPr>
+              <a:t>   sensor = </a:t>
+            </a:r>
+            <a:r>
+              <a:rPr lang="pt-BR" sz="1600" b="1" dirty="0" err="1">
+                <a:latin typeface="Times New Roman" panose="02020603050405020304" pitchFamily="18" charset="0"/>
+                <a:cs typeface="Times New Roman" panose="02020603050405020304" pitchFamily="18" charset="0"/>
+              </a:rPr>
+              <a:t>digitalRead</a:t>
+            </a:r>
+            <a:r>
+              <a:rPr lang="pt-BR" sz="1600" dirty="0">
+                <a:latin typeface="Times New Roman" panose="02020603050405020304" pitchFamily="18" charset="0"/>
+                <a:cs typeface="Times New Roman" panose="02020603050405020304" pitchFamily="18" charset="0"/>
+              </a:rPr>
+              <a:t>(3);</a:t>
+            </a:r>
+          </a:p>
+          <a:p>
+            <a:pPr marL="0" indent="0" algn="just">
+              <a:buNone/>
+            </a:pPr>
+            <a:r>
+              <a:rPr lang="pt-BR" sz="1600" dirty="0">
+                <a:latin typeface="Times New Roman" panose="02020603050405020304" pitchFamily="18" charset="0"/>
+                <a:cs typeface="Times New Roman" panose="02020603050405020304" pitchFamily="18" charset="0"/>
+              </a:rPr>
+              <a:t>   </a:t>
+            </a:r>
+            <a:r>
+              <a:rPr lang="pt-BR" sz="1600" b="1" dirty="0" err="1">
+                <a:latin typeface="Times New Roman" panose="02020603050405020304" pitchFamily="18" charset="0"/>
+                <a:cs typeface="Times New Roman" panose="02020603050405020304" pitchFamily="18" charset="0"/>
+              </a:rPr>
+              <a:t>Serial</a:t>
+            </a:r>
+            <a:r>
+              <a:rPr lang="pt-BR" sz="1600" dirty="0" err="1">
+                <a:latin typeface="Times New Roman" panose="02020603050405020304" pitchFamily="18" charset="0"/>
+                <a:cs typeface="Times New Roman" panose="02020603050405020304" pitchFamily="18" charset="0"/>
+              </a:rPr>
+              <a:t>.println</a:t>
+            </a:r>
+            <a:r>
+              <a:rPr lang="pt-BR" sz="1600" dirty="0">
+                <a:latin typeface="Times New Roman" panose="02020603050405020304" pitchFamily="18" charset="0"/>
+                <a:cs typeface="Times New Roman" panose="02020603050405020304" pitchFamily="18" charset="0"/>
+              </a:rPr>
+              <a:t>(sensor);</a:t>
+            </a:r>
+          </a:p>
+          <a:p>
+            <a:pPr marL="0" indent="0" algn="just">
+              <a:buNone/>
+            </a:pPr>
+            <a:r>
+              <a:rPr lang="pt-BR" sz="1600" dirty="0">
+                <a:latin typeface="Times New Roman" panose="02020603050405020304" pitchFamily="18" charset="0"/>
+                <a:cs typeface="Times New Roman" panose="02020603050405020304" pitchFamily="18" charset="0"/>
+              </a:rPr>
+              <a:t>  </a:t>
+            </a:r>
+          </a:p>
+          <a:p>
+            <a:pPr marL="0" indent="0" algn="just">
+              <a:buNone/>
+            </a:pPr>
+            <a:r>
+              <a:rPr lang="pt-BR" sz="1600" dirty="0">
+                <a:latin typeface="Times New Roman" panose="02020603050405020304" pitchFamily="18" charset="0"/>
+                <a:cs typeface="Times New Roman" panose="02020603050405020304" pitchFamily="18" charset="0"/>
+              </a:rPr>
+              <a:t>  </a:t>
+            </a:r>
+            <a:r>
+              <a:rPr lang="pt-BR" sz="1600" dirty="0" err="1">
+                <a:latin typeface="Times New Roman" panose="02020603050405020304" pitchFamily="18" charset="0"/>
+                <a:cs typeface="Times New Roman" panose="02020603050405020304" pitchFamily="18" charset="0"/>
+              </a:rPr>
+              <a:t>if</a:t>
+            </a:r>
+            <a:r>
+              <a:rPr lang="pt-BR" sz="1600" dirty="0">
+                <a:latin typeface="Times New Roman" panose="02020603050405020304" pitchFamily="18" charset="0"/>
+                <a:cs typeface="Times New Roman" panose="02020603050405020304" pitchFamily="18" charset="0"/>
+              </a:rPr>
+              <a:t> (sensor ==  </a:t>
+            </a:r>
+            <a:r>
+              <a:rPr lang="pt-BR" sz="1600" b="1" dirty="0">
+                <a:latin typeface="Times New Roman" panose="02020603050405020304" pitchFamily="18" charset="0"/>
+                <a:cs typeface="Times New Roman" panose="02020603050405020304" pitchFamily="18" charset="0"/>
+              </a:rPr>
+              <a:t>HIGH</a:t>
+            </a:r>
+            <a:r>
+              <a:rPr lang="pt-BR" sz="1600" dirty="0">
+                <a:latin typeface="Times New Roman" panose="02020603050405020304" pitchFamily="18" charset="0"/>
+                <a:cs typeface="Times New Roman" panose="02020603050405020304" pitchFamily="18" charset="0"/>
+              </a:rPr>
+              <a:t>)</a:t>
+            </a:r>
+          </a:p>
+          <a:p>
+            <a:pPr marL="0" indent="0" algn="just">
+              <a:buNone/>
+            </a:pPr>
+            <a:r>
+              <a:rPr lang="pt-BR" sz="1600" dirty="0">
+                <a:latin typeface="Times New Roman" panose="02020603050405020304" pitchFamily="18" charset="0"/>
+                <a:cs typeface="Times New Roman" panose="02020603050405020304" pitchFamily="18" charset="0"/>
+              </a:rPr>
+              <a:t>    </a:t>
+            </a:r>
+            <a:r>
+              <a:rPr lang="pt-BR" sz="1600" b="1" dirty="0" err="1">
+                <a:latin typeface="Times New Roman" panose="02020603050405020304" pitchFamily="18" charset="0"/>
+                <a:cs typeface="Times New Roman" panose="02020603050405020304" pitchFamily="18" charset="0"/>
+              </a:rPr>
+              <a:t>Serial</a:t>
+            </a:r>
+            <a:r>
+              <a:rPr lang="pt-BR" sz="1600" dirty="0" err="1">
+                <a:latin typeface="Times New Roman" panose="02020603050405020304" pitchFamily="18" charset="0"/>
+                <a:cs typeface="Times New Roman" panose="02020603050405020304" pitchFamily="18" charset="0"/>
+              </a:rPr>
+              <a:t>.println</a:t>
+            </a:r>
+            <a:r>
+              <a:rPr lang="pt-BR" sz="1600" dirty="0">
+                <a:latin typeface="Times New Roman" panose="02020603050405020304" pitchFamily="18" charset="0"/>
+                <a:cs typeface="Times New Roman" panose="02020603050405020304" pitchFamily="18" charset="0"/>
+              </a:rPr>
+              <a:t>("Perigo");</a:t>
+            </a:r>
+          </a:p>
+          <a:p>
+            <a:pPr marL="0" indent="0" algn="just">
+              <a:buNone/>
+            </a:pPr>
+            <a:r>
+              <a:rPr lang="pt-BR" sz="1600" dirty="0">
+                <a:latin typeface="Times New Roman" panose="02020603050405020304" pitchFamily="18" charset="0"/>
+                <a:cs typeface="Times New Roman" panose="02020603050405020304" pitchFamily="18" charset="0"/>
+              </a:rPr>
+              <a:t>}</a:t>
             </a:r>
           </a:p>
         </p:txBody>
@@ -18789,7 +18853,7 @@
     </p:spTree>
     <p:extLst>
       <p:ext uri="{BB962C8B-B14F-4D97-AF65-F5344CB8AC3E}">
-        <p14:creationId xmlns:p14="http://schemas.microsoft.com/office/powerpoint/2010/main" val="94340159"/>
+        <p14:creationId xmlns:p14="http://schemas.microsoft.com/office/powerpoint/2010/main" val="4164948487"/>
       </p:ext>
     </p:extLst>
   </p:cSld>
@@ -18845,6 +18909,330 @@
                   <a:srgbClr val="0070C0"/>
                 </a:solidFill>
               </a:rPr>
+              <a:t>Dinâmica</a:t>
+            </a:r>
+            <a:r>
+              <a:rPr lang="en-US" b="1" dirty="0">
+                <a:solidFill>
+                  <a:srgbClr val="0070C0"/>
+                </a:solidFill>
+              </a:rPr>
+              <a:t>/</a:t>
+            </a:r>
+            <a:r>
+              <a:rPr lang="en-US" b="1" dirty="0" err="1">
+                <a:solidFill>
+                  <a:srgbClr val="0070C0"/>
+                </a:solidFill>
+              </a:rPr>
+              <a:t>Atividades</a:t>
+            </a:r>
+            <a:r>
+              <a:rPr lang="en-US" b="1" dirty="0">
+                <a:solidFill>
+                  <a:srgbClr val="0070C0"/>
+                </a:solidFill>
+              </a:rPr>
+              <a:t> - </a:t>
+            </a:r>
+            <a:r>
+              <a:rPr lang="en-US" b="1" dirty="0" err="1">
+                <a:solidFill>
+                  <a:srgbClr val="0070C0"/>
+                </a:solidFill>
+              </a:rPr>
+              <a:t>Exercícios</a:t>
+            </a:r>
+            <a:endParaRPr lang="en-US" b="1" dirty="0">
+              <a:solidFill>
+                <a:srgbClr val="0070C0"/>
+              </a:solidFill>
+            </a:endParaRPr>
+          </a:p>
+        </p:txBody>
+      </p:sp>
+      <p:sp>
+        <p:nvSpPr>
+          <p:cNvPr id="8" name="Text Placeholder 2"/>
+          <p:cNvSpPr>
+            <a:spLocks noGrp="1"/>
+          </p:cNvSpPr>
+          <p:nvPr>
+            <p:ph type="body" sz="half" idx="1"/>
+          </p:nvPr>
+        </p:nvSpPr>
+        <p:spPr>
+          <a:xfrm>
+            <a:off x="139472" y="1063230"/>
+            <a:ext cx="8865056" cy="3996450"/>
+          </a:xfrm>
+        </p:spPr>
+        <p:txBody>
+          <a:bodyPr>
+            <a:noAutofit/>
+          </a:bodyPr>
+          <a:lstStyle/>
+          <a:p>
+            <a:pPr marL="0" indent="0" algn="just">
+              <a:buNone/>
+            </a:pPr>
+            <a:r>
+              <a:rPr lang="pt-BR" sz="1800" dirty="0">
+                <a:latin typeface="Times New Roman" panose="02020603050405020304" pitchFamily="18" charset="0"/>
+                <a:cs typeface="Times New Roman" panose="02020603050405020304" pitchFamily="18" charset="0"/>
+              </a:rPr>
+              <a:t>Criar </a:t>
+            </a:r>
+            <a:r>
+              <a:rPr lang="pt-BR" sz="1800" b="1" dirty="0">
+                <a:solidFill>
+                  <a:srgbClr val="FF0000"/>
+                </a:solidFill>
+                <a:latin typeface="Times New Roman" panose="02020603050405020304" pitchFamily="18" charset="0"/>
+                <a:cs typeface="Times New Roman" panose="02020603050405020304" pitchFamily="18" charset="0"/>
+              </a:rPr>
+              <a:t>projeto</a:t>
+            </a:r>
+            <a:r>
+              <a:rPr lang="pt-BR" sz="1800" dirty="0">
+                <a:solidFill>
+                  <a:srgbClr val="FF0000"/>
+                </a:solidFill>
+                <a:latin typeface="Times New Roman" panose="02020603050405020304" pitchFamily="18" charset="0"/>
+                <a:cs typeface="Times New Roman" panose="02020603050405020304" pitchFamily="18" charset="0"/>
+              </a:rPr>
+              <a:t> </a:t>
+            </a:r>
+            <a:r>
+              <a:rPr lang="pt-BR" sz="1800" b="1" dirty="0">
+                <a:solidFill>
+                  <a:srgbClr val="FF0000"/>
+                </a:solidFill>
+                <a:latin typeface="Times New Roman" panose="02020603050405020304" pitchFamily="18" charset="0"/>
+                <a:cs typeface="Times New Roman" panose="02020603050405020304" pitchFamily="18" charset="0"/>
+              </a:rPr>
+              <a:t>Arduino 2,</a:t>
+            </a:r>
+            <a:r>
+              <a:rPr lang="pt-BR" sz="1800" dirty="0">
+                <a:latin typeface="Times New Roman" panose="02020603050405020304" pitchFamily="18" charset="0"/>
+                <a:cs typeface="Times New Roman" panose="02020603050405020304" pitchFamily="18" charset="0"/>
+              </a:rPr>
+              <a:t> componentes:</a:t>
+            </a:r>
+          </a:p>
+          <a:p>
+            <a:pPr marL="0" indent="0" algn="just">
+              <a:buNone/>
+            </a:pPr>
+            <a:endParaRPr lang="pt-BR" sz="1800" dirty="0">
+              <a:latin typeface="Times New Roman" panose="02020603050405020304" pitchFamily="18" charset="0"/>
+              <a:cs typeface="Times New Roman" panose="02020603050405020304" pitchFamily="18" charset="0"/>
+            </a:endParaRPr>
+          </a:p>
+          <a:p>
+            <a:pPr marL="457200" indent="-457200" algn="just">
+              <a:buAutoNum type="arabicPeriod"/>
+            </a:pPr>
+            <a:r>
+              <a:rPr lang="pt-BR" sz="1800" dirty="0">
+                <a:latin typeface="Times New Roman" panose="02020603050405020304" pitchFamily="18" charset="0"/>
+                <a:cs typeface="Times New Roman" panose="02020603050405020304" pitchFamily="18" charset="0"/>
+              </a:rPr>
+              <a:t>Placa Arduino URO R3</a:t>
+            </a:r>
+          </a:p>
+          <a:p>
+            <a:pPr marL="457200" indent="-457200" algn="just">
+              <a:buAutoNum type="arabicPeriod"/>
+            </a:pPr>
+            <a:r>
+              <a:rPr lang="pt-BR" sz="1800" dirty="0">
+                <a:latin typeface="Times New Roman" panose="02020603050405020304" pitchFamily="18" charset="0"/>
+                <a:cs typeface="Times New Roman" panose="02020603050405020304" pitchFamily="18" charset="0"/>
+              </a:rPr>
+              <a:t>Protoboard</a:t>
+            </a:r>
+          </a:p>
+          <a:p>
+            <a:pPr marL="457200" indent="-457200" algn="just">
+              <a:buAutoNum type="arabicPeriod"/>
+            </a:pPr>
+            <a:r>
+              <a:rPr lang="pt-BR" sz="1800" dirty="0" err="1">
+                <a:latin typeface="Times New Roman" panose="02020603050405020304" pitchFamily="18" charset="0"/>
+                <a:cs typeface="Times New Roman" panose="02020603050405020304" pitchFamily="18" charset="0"/>
+              </a:rPr>
+              <a:t>Fotorresistor</a:t>
+            </a:r>
+            <a:r>
+              <a:rPr lang="pt-BR" sz="1800" dirty="0">
+                <a:latin typeface="Times New Roman" panose="02020603050405020304" pitchFamily="18" charset="0"/>
+                <a:cs typeface="Times New Roman" panose="02020603050405020304" pitchFamily="18" charset="0"/>
+              </a:rPr>
+              <a:t> ou LDR</a:t>
+            </a:r>
+          </a:p>
+          <a:p>
+            <a:pPr marL="457200" indent="-457200" algn="just">
+              <a:buAutoNum type="arabicPeriod"/>
+            </a:pPr>
+            <a:r>
+              <a:rPr lang="pt-BR" sz="1800" dirty="0">
+                <a:latin typeface="Times New Roman" panose="02020603050405020304" pitchFamily="18" charset="0"/>
+                <a:cs typeface="Times New Roman" panose="02020603050405020304" pitchFamily="18" charset="0"/>
+              </a:rPr>
+              <a:t>Resistor 10 kΩ</a:t>
+            </a:r>
+          </a:p>
+          <a:p>
+            <a:pPr marL="457200" indent="-457200" algn="just">
+              <a:buAutoNum type="arabicPeriod"/>
+            </a:pPr>
+            <a:r>
+              <a:rPr lang="pt-BR" sz="1800" dirty="0">
+                <a:latin typeface="Times New Roman" panose="02020603050405020304" pitchFamily="18" charset="0"/>
+                <a:cs typeface="Times New Roman" panose="02020603050405020304" pitchFamily="18" charset="0"/>
+              </a:rPr>
+              <a:t>Resistor 330 Ω</a:t>
+            </a:r>
+          </a:p>
+          <a:p>
+            <a:pPr marL="457200" indent="-457200" algn="just">
+              <a:buAutoNum type="arabicPeriod"/>
+            </a:pPr>
+            <a:r>
+              <a:rPr lang="pt-BR" sz="1800" dirty="0">
+                <a:latin typeface="Times New Roman" panose="02020603050405020304" pitchFamily="18" charset="0"/>
+                <a:cs typeface="Times New Roman" panose="02020603050405020304" pitchFamily="18" charset="0"/>
+              </a:rPr>
+              <a:t>LED</a:t>
+            </a:r>
+          </a:p>
+          <a:p>
+            <a:pPr marL="0" indent="0" algn="just">
+              <a:buNone/>
+            </a:pPr>
+            <a:endParaRPr lang="pt-BR" sz="1800" dirty="0">
+              <a:latin typeface="Times New Roman" panose="02020603050405020304" pitchFamily="18" charset="0"/>
+              <a:cs typeface="Times New Roman" panose="02020603050405020304" pitchFamily="18" charset="0"/>
+            </a:endParaRPr>
+          </a:p>
+          <a:p>
+            <a:pPr marL="0" indent="0" algn="just">
+              <a:buNone/>
+            </a:pPr>
+            <a:r>
+              <a:rPr lang="pt-BR" sz="1800" dirty="0">
+                <a:latin typeface="Times New Roman" panose="02020603050405020304" pitchFamily="18" charset="0"/>
+                <a:cs typeface="Times New Roman" panose="02020603050405020304" pitchFamily="18" charset="0"/>
+              </a:rPr>
+              <a:t>		</a:t>
+            </a:r>
+            <a:r>
+              <a:rPr lang="pt-BR" sz="1800" dirty="0">
+                <a:latin typeface="Times New Roman" panose="02020603050405020304" pitchFamily="18" charset="0"/>
+                <a:cs typeface="Times New Roman" panose="02020603050405020304" pitchFamily="18" charset="0"/>
+                <a:hlinkClick r:id="rId3"/>
+              </a:rPr>
+              <a:t>https://inovaedu.tech/ldr-arduino-parte1/?cn-reloaded=1</a:t>
+            </a:r>
+            <a:r>
+              <a:rPr lang="pt-BR" sz="1800" dirty="0">
+                <a:latin typeface="Times New Roman" panose="02020603050405020304" pitchFamily="18" charset="0"/>
+                <a:cs typeface="Times New Roman" panose="02020603050405020304" pitchFamily="18" charset="0"/>
+              </a:rPr>
+              <a:t> </a:t>
+            </a:r>
+          </a:p>
+          <a:p>
+            <a:pPr marL="0" indent="0" algn="just">
+              <a:buNone/>
+            </a:pPr>
+            <a:r>
+              <a:rPr lang="pt-BR" sz="1800" dirty="0">
+                <a:latin typeface="Times New Roman" panose="02020603050405020304" pitchFamily="18" charset="0"/>
+                <a:cs typeface="Times New Roman" panose="02020603050405020304" pitchFamily="18" charset="0"/>
+              </a:rPr>
+              <a:t>		</a:t>
+            </a:r>
+            <a:r>
+              <a:rPr lang="pt-BR" sz="1800" dirty="0">
+                <a:latin typeface="Times New Roman" panose="02020603050405020304" pitchFamily="18" charset="0"/>
+                <a:cs typeface="Times New Roman" panose="02020603050405020304" pitchFamily="18" charset="0"/>
+                <a:hlinkClick r:id="rId4"/>
+              </a:rPr>
+              <a:t>https://youtu.be/pazcH1jI1qU</a:t>
+            </a:r>
+            <a:r>
+              <a:rPr lang="pt-BR" sz="1800" dirty="0">
+                <a:latin typeface="Times New Roman" panose="02020603050405020304" pitchFamily="18" charset="0"/>
+                <a:cs typeface="Times New Roman" panose="02020603050405020304" pitchFamily="18" charset="0"/>
+              </a:rPr>
+              <a:t> </a:t>
+            </a:r>
+          </a:p>
+        </p:txBody>
+      </p:sp>
+    </p:spTree>
+    <p:extLst>
+      <p:ext uri="{BB962C8B-B14F-4D97-AF65-F5344CB8AC3E}">
+        <p14:creationId xmlns:p14="http://schemas.microsoft.com/office/powerpoint/2010/main" val="94340159"/>
+      </p:ext>
+    </p:extLst>
+  </p:cSld>
+  <p:clrMapOvr>
+    <a:masterClrMapping/>
+  </p:clrMapOvr>
+  <p:transition spd="med"/>
+</p:sld>
+</file>
+
+<file path=ppt/slides/slide43.xml><?xml version="1.0" encoding="utf-8"?>
+<p:sld xmlns:a="http://schemas.openxmlformats.org/drawingml/2006/main" xmlns:r="http://schemas.openxmlformats.org/officeDocument/2006/relationships" xmlns:p="http://schemas.openxmlformats.org/presentationml/2006/main">
+  <p:cSld>
+    <p:spTree>
+      <p:nvGrpSpPr>
+        <p:cNvPr id="1" name=""/>
+        <p:cNvGrpSpPr/>
+        <p:nvPr/>
+      </p:nvGrpSpPr>
+      <p:grpSpPr>
+        <a:xfrm>
+          <a:off x="0" y="0"/>
+          <a:ext cx="0" cy="0"/>
+          <a:chOff x="0" y="0"/>
+          <a:chExt cx="0" cy="0"/>
+        </a:xfrm>
+      </p:grpSpPr>
+      <p:sp>
+        <p:nvSpPr>
+          <p:cNvPr id="6" name="Title 1"/>
+          <p:cNvSpPr>
+            <a:spLocks noGrp="1"/>
+          </p:cNvSpPr>
+          <p:nvPr>
+            <p:ph type="title"/>
+          </p:nvPr>
+        </p:nvSpPr>
+        <p:spPr>
+          <a:xfrm>
+            <a:off x="457200" y="205980"/>
+            <a:ext cx="8229600" cy="857251"/>
+          </a:xfrm>
+        </p:spPr>
+        <p:txBody>
+          <a:bodyPr>
+            <a:normAutofit/>
+          </a:bodyPr>
+          <a:lstStyle/>
+          <a:p>
+            <a:r>
+              <a:rPr lang="en-US" b="1" dirty="0" err="1">
+                <a:solidFill>
+                  <a:srgbClr val="0070C0"/>
+                </a:solidFill>
+              </a:rPr>
               <a:t>Referências</a:t>
             </a:r>
             <a:r>
@@ -19154,7 +19542,7 @@
 </p:sld>
 </file>
 
-<file path=ppt/slides/slide43.xml><?xml version="1.0" encoding="utf-8"?>
+<file path=ppt/slides/slide44.xml><?xml version="1.0" encoding="utf-8"?>
 <p:sld xmlns:a="http://schemas.openxmlformats.org/drawingml/2006/main" xmlns:r="http://schemas.openxmlformats.org/officeDocument/2006/relationships" xmlns:p="http://schemas.openxmlformats.org/presentationml/2006/main">
   <p:cSld>
     <p:spTree>
@@ -19708,8 +20096,8 @@
         </p:nvSpPr>
         <p:spPr>
           <a:xfrm>
-            <a:off x="142865" y="1395222"/>
-            <a:ext cx="8865056" cy="3542298"/>
+            <a:off x="139472" y="872730"/>
+            <a:ext cx="8865056" cy="4064789"/>
           </a:xfrm>
         </p:spPr>
         <p:txBody>
@@ -19974,6 +20362,105 @@
                 <a:cs typeface="Times New Roman" panose="02020603050405020304" pitchFamily="18" charset="0"/>
               </a:rPr>
               <a:t>, resultando em maior rapidez na transmissão da informação.</a:t>
+            </a:r>
+          </a:p>
+          <a:p>
+            <a:pPr marL="0" indent="0" algn="just">
+              <a:buNone/>
+            </a:pPr>
+            <a:endParaRPr lang="pt-BR" sz="2000" dirty="0">
+              <a:solidFill>
+                <a:schemeClr val="tx1"/>
+              </a:solidFill>
+              <a:latin typeface="Times New Roman" panose="02020603050405020304" pitchFamily="18" charset="0"/>
+              <a:cs typeface="Times New Roman" panose="02020603050405020304" pitchFamily="18" charset="0"/>
+            </a:endParaRPr>
+          </a:p>
+          <a:p>
+            <a:pPr marL="0" indent="0" algn="just">
+              <a:buNone/>
+            </a:pPr>
+            <a:r>
+              <a:rPr lang="pt-BR" sz="2000" dirty="0">
+                <a:solidFill>
+                  <a:srgbClr val="002060"/>
+                </a:solidFill>
+                <a:latin typeface="Times New Roman" panose="02020603050405020304" pitchFamily="18" charset="0"/>
+                <a:cs typeface="Times New Roman" panose="02020603050405020304" pitchFamily="18" charset="0"/>
+              </a:rPr>
+              <a:t>Protocolos de comunicação paralela</a:t>
+            </a:r>
+            <a:r>
+              <a:rPr lang="pt-BR" sz="2000" dirty="0">
+                <a:solidFill>
+                  <a:schemeClr val="tx1"/>
+                </a:solidFill>
+                <a:latin typeface="Times New Roman" panose="02020603050405020304" pitchFamily="18" charset="0"/>
+                <a:cs typeface="Times New Roman" panose="02020603050405020304" pitchFamily="18" charset="0"/>
+              </a:rPr>
+              <a:t>: GPIB, ISA, ATA, SCSI, PCI, Front </a:t>
+            </a:r>
+            <a:r>
+              <a:rPr lang="pt-BR" sz="2000" dirty="0" err="1">
+                <a:solidFill>
+                  <a:schemeClr val="tx1"/>
+                </a:solidFill>
+                <a:latin typeface="Times New Roman" panose="02020603050405020304" pitchFamily="18" charset="0"/>
+                <a:cs typeface="Times New Roman" panose="02020603050405020304" pitchFamily="18" charset="0"/>
+              </a:rPr>
+              <a:t>side</a:t>
+            </a:r>
+            <a:r>
+              <a:rPr lang="pt-BR" sz="2000" dirty="0">
+                <a:solidFill>
+                  <a:schemeClr val="tx1"/>
+                </a:solidFill>
+                <a:latin typeface="Times New Roman" panose="02020603050405020304" pitchFamily="18" charset="0"/>
+                <a:cs typeface="Times New Roman" panose="02020603050405020304" pitchFamily="18" charset="0"/>
+              </a:rPr>
+              <a:t> bus, </a:t>
+            </a:r>
+            <a:r>
+              <a:rPr lang="pt-BR" sz="2000" dirty="0" err="1">
+                <a:solidFill>
+                  <a:schemeClr val="tx1"/>
+                </a:solidFill>
+                <a:latin typeface="Times New Roman" panose="02020603050405020304" pitchFamily="18" charset="0"/>
+                <a:cs typeface="Times New Roman" panose="02020603050405020304" pitchFamily="18" charset="0"/>
+              </a:rPr>
+              <a:t>etc</a:t>
+            </a:r>
+            <a:endParaRPr lang="pt-BR" sz="2000" dirty="0">
+              <a:solidFill>
+                <a:schemeClr val="tx1"/>
+              </a:solidFill>
+              <a:latin typeface="Times New Roman" panose="02020603050405020304" pitchFamily="18" charset="0"/>
+              <a:cs typeface="Times New Roman" panose="02020603050405020304" pitchFamily="18" charset="0"/>
+            </a:endParaRPr>
+          </a:p>
+          <a:p>
+            <a:pPr marL="0" indent="0" algn="just">
+              <a:buNone/>
+            </a:pPr>
+            <a:r>
+              <a:rPr lang="pt-BR" sz="2000" b="1" dirty="0">
+                <a:solidFill>
+                  <a:srgbClr val="FF0000"/>
+                </a:solidFill>
+                <a:latin typeface="Times New Roman" panose="02020603050405020304" pitchFamily="18" charset="0"/>
+                <a:cs typeface="Times New Roman" panose="02020603050405020304" pitchFamily="18" charset="0"/>
+              </a:rPr>
+              <a:t>Protocolos de comunicação serial</a:t>
+            </a:r>
+            <a:r>
+              <a:rPr lang="pt-BR" sz="2000" dirty="0">
+                <a:solidFill>
+                  <a:schemeClr val="tx1"/>
+                </a:solidFill>
+                <a:latin typeface="Times New Roman" panose="02020603050405020304" pitchFamily="18" charset="0"/>
+                <a:cs typeface="Times New Roman" panose="02020603050405020304" pitchFamily="18" charset="0"/>
+              </a:rPr>
+              <a:t>: I2C, UART, USART, USB, RS-232, etc.</a:t>
             </a:r>
           </a:p>
         </p:txBody>
@@ -20346,7 +20833,7 @@
     </p:spTree>
     <p:extLst>
       <p:ext uri="{BB962C8B-B14F-4D97-AF65-F5344CB8AC3E}">
-        <p14:creationId xmlns:p14="http://schemas.microsoft.com/office/powerpoint/2010/main" val="1257318889"/>
+        <p14:creationId xmlns:p14="http://schemas.microsoft.com/office/powerpoint/2010/main" val="399327738"/>
       </p:ext>
     </p:extLst>
   </p:cSld>
@@ -20878,7 +21365,28 @@
                 <a:latin typeface="Times New Roman" panose="02020603050405020304" pitchFamily="18" charset="0"/>
                 <a:cs typeface="Times New Roman" panose="02020603050405020304" pitchFamily="18" charset="0"/>
               </a:rPr>
-              <a:t>.</a:t>
+              <a:t>. </a:t>
+            </a:r>
+            <a:r>
+              <a:rPr lang="pt-BR" sz="2000" dirty="0">
+                <a:solidFill>
+                  <a:schemeClr val="tx1"/>
+                </a:solidFill>
+                <a:latin typeface="Times New Roman" panose="02020603050405020304" pitchFamily="18" charset="0"/>
+                <a:cs typeface="Times New Roman" panose="02020603050405020304" pitchFamily="18" charset="0"/>
+                <a:hlinkClick r:id="rId3"/>
+              </a:rPr>
+              <a:t>https://pt.convertbinary.com/texto-para-binario/</a:t>
+            </a:r>
+            <a:r>
+              <a:rPr lang="pt-BR" sz="2000" dirty="0">
+                <a:solidFill>
+                  <a:schemeClr val="tx1"/>
+                </a:solidFill>
+                <a:latin typeface="Times New Roman" panose="02020603050405020304" pitchFamily="18" charset="0"/>
+                <a:cs typeface="Times New Roman" panose="02020603050405020304" pitchFamily="18" charset="0"/>
+              </a:rPr>
+              <a:t> </a:t>
             </a:r>
           </a:p>
           <a:p>
@@ -20910,7 +21418,7 @@
           <p:nvPr/>
         </p:nvPicPr>
         <p:blipFill>
-          <a:blip r:embed="rId3"/>
+          <a:blip r:embed="rId4"/>
           <a:stretch>
             <a:fillRect/>
           </a:stretch>
@@ -21029,7 +21537,7 @@
                 <a:latin typeface="Times New Roman" panose="02020603050405020304" pitchFamily="18" charset="0"/>
                 <a:cs typeface="Times New Roman" panose="02020603050405020304" pitchFamily="18" charset="0"/>
                 <a:sym typeface="Calibri"/>
-                <a:hlinkClick r:id="rId4"/>
+                <a:hlinkClick r:id="rId5"/>
               </a:rPr>
               <a:t>https://learn.sparkfun.com/tutorials/serial-peripheral-interface-spi</a:t>
             </a:r>
@@ -23707,26 +24215,6 @@
 </file>
 
 <file path=customXml/item1.xml><?xml version="1.0" encoding="utf-8"?>
-<p:properties xmlns:p="http://schemas.microsoft.com/office/2006/metadata/properties" xmlns:xsi="http://www.w3.org/2001/XMLSchema-instance" xmlns:pc="http://schemas.microsoft.com/office/infopath/2007/PartnerControls">
-  <documentManagement>
-    <lcf76f155ced4ddcb4097134ff3c332f xmlns="98e1e31b-e8bc-4a9d-b016-a7aee7f17869">
-      <Terms xmlns="http://schemas.microsoft.com/office/infopath/2007/PartnerControls"/>
-    </lcf76f155ced4ddcb4097134ff3c332f>
-    <TaxCatchAll xmlns="f8145f89-92d2-4d37-8709-42472031a4ea" xsi:nil="true"/>
-  </documentManagement>
-</p:properties>
-</file>
-
-<file path=customXml/item2.xml><?xml version="1.0" encoding="utf-8"?>
-<?mso-contentType ?>
-<FormTemplates xmlns="http://schemas.microsoft.com/sharepoint/v3/contenttype/forms">
-  <Display>DocumentLibraryForm</Display>
-  <Edit>DocumentLibraryForm</Edit>
-  <New>DocumentLibraryForm</New>
-</FormTemplates>
-</file>
-
-<file path=customXml/item3.xml><?xml version="1.0" encoding="utf-8"?>
 <ct:contentTypeSchema xmlns:ct="http://schemas.microsoft.com/office/2006/metadata/contentType" xmlns:ma="http://schemas.microsoft.com/office/2006/metadata/properties/metaAttributes" ct:_="" ma:_="" ma:contentTypeName="Documento" ma:contentTypeID="0x010100A46819EDA44A43419A206A64A233AFA3" ma:contentTypeVersion="8" ma:contentTypeDescription="Crie um novo documento." ma:contentTypeScope="" ma:versionID="f7c45d3b59371912a69d3a72ba41e684">
   <xsd:schema xmlns:xsd="http://www.w3.org/2001/XMLSchema" xmlns:xs="http://www.w3.org/2001/XMLSchema" xmlns:p="http://schemas.microsoft.com/office/2006/metadata/properties" xmlns:ns2="98e1e31b-e8bc-4a9d-b016-a7aee7f17869" xmlns:ns3="f8145f89-92d2-4d37-8709-42472031a4ea" targetNamespace="http://schemas.microsoft.com/office/2006/metadata/properties" ma:root="true" ma:fieldsID="3b09216253706be607b6d048608cd832" ns2:_="" ns3:_="">
     <xsd:import namespace="98e1e31b-e8bc-4a9d-b016-a7aee7f17869"/>
@@ -23903,26 +24391,27 @@
 </ct:contentTypeSchema>
 </file>
 
-<file path=customXml/itemProps1.xml><?xml version="1.0" encoding="utf-8"?>
-<ds:datastoreItem xmlns:ds="http://schemas.openxmlformats.org/officeDocument/2006/customXml" ds:itemID="{EE685939-BA00-463B-B483-6768DB1E360A}">
-  <ds:schemaRefs>
-    <ds:schemaRef ds:uri="http://schemas.microsoft.com/office/2006/metadata/properties"/>
-    <ds:schemaRef ds:uri="http://schemas.microsoft.com/office/infopath/2007/PartnerControls"/>
-    <ds:schemaRef ds:uri="98e1e31b-e8bc-4a9d-b016-a7aee7f17869"/>
-    <ds:schemaRef ds:uri="f8145f89-92d2-4d37-8709-42472031a4ea"/>
-  </ds:schemaRefs>
-</ds:datastoreItem>
+<file path=customXml/item2.xml><?xml version="1.0" encoding="utf-8"?>
+<p:properties xmlns:p="http://schemas.microsoft.com/office/2006/metadata/properties" xmlns:xsi="http://www.w3.org/2001/XMLSchema-instance" xmlns:pc="http://schemas.microsoft.com/office/infopath/2007/PartnerControls">
+  <documentManagement>
+    <lcf76f155ced4ddcb4097134ff3c332f xmlns="98e1e31b-e8bc-4a9d-b016-a7aee7f17869">
+      <Terms xmlns="http://schemas.microsoft.com/office/infopath/2007/PartnerControls"/>
+    </lcf76f155ced4ddcb4097134ff3c332f>
+    <TaxCatchAll xmlns="f8145f89-92d2-4d37-8709-42472031a4ea" xsi:nil="true"/>
+  </documentManagement>
+</p:properties>
 </file>
 
-<file path=customXml/itemProps2.xml><?xml version="1.0" encoding="utf-8"?>
-<ds:datastoreItem xmlns:ds="http://schemas.openxmlformats.org/officeDocument/2006/customXml" ds:itemID="{5F0CEC26-894B-4934-8E23-82943FCD068E}">
-  <ds:schemaRefs>
-    <ds:schemaRef ds:uri="http://schemas.microsoft.com/sharepoint/v3/contenttype/forms"/>
-  </ds:schemaRefs>
-</ds:datastoreItem>
+<file path=customXml/item3.xml><?xml version="1.0" encoding="utf-8"?>
+<?mso-contentType ?>
+<FormTemplates xmlns="http://schemas.microsoft.com/sharepoint/v3/contenttype/forms">
+  <Display>DocumentLibraryForm</Display>
+  <Edit>DocumentLibraryForm</Edit>
+  <New>DocumentLibraryForm</New>
+</FormTemplates>
 </file>
 
-<file path=customXml/itemProps3.xml><?xml version="1.0" encoding="utf-8"?>
+<file path=customXml/itemProps1.xml><?xml version="1.0" encoding="utf-8"?>
 <ds:datastoreItem xmlns:ds="http://schemas.openxmlformats.org/officeDocument/2006/customXml" ds:itemID="{E4C5C26F-B92B-49ED-9DB4-C5422A960E48}">
   <ds:schemaRefs>
     <ds:schemaRef ds:uri="http://schemas.microsoft.com/office/2006/metadata/contentType"/>
@@ -23939,4 +24428,23 @@
     <ds:schemaRef ds:uri="http://schemas.microsoft.com/internal/obd"/>
   </ds:schemaRefs>
 </ds:datastoreItem>
+</file>
+
+<file path=customXml/itemProps2.xml><?xml version="1.0" encoding="utf-8"?>
+<ds:datastoreItem xmlns:ds="http://schemas.openxmlformats.org/officeDocument/2006/customXml" ds:itemID="{EE685939-BA00-463B-B483-6768DB1E360A}">
+  <ds:schemaRefs>
+    <ds:schemaRef ds:uri="http://schemas.microsoft.com/office/2006/metadata/properties"/>
+    <ds:schemaRef ds:uri="http://schemas.microsoft.com/office/infopath/2007/PartnerControls"/>
+    <ds:schemaRef ds:uri="98e1e31b-e8bc-4a9d-b016-a7aee7f17869"/>
+    <ds:schemaRef ds:uri="f8145f89-92d2-4d37-8709-42472031a4ea"/>
+  </ds:schemaRefs>
+</ds:datastoreItem>
+</file>
+
+<file path=customXml/itemProps3.xml><?xml version="1.0" encoding="utf-8"?>
+<ds:datastoreItem xmlns:ds="http://schemas.openxmlformats.org/officeDocument/2006/customXml" ds:itemID="{5F0CEC26-894B-4934-8E23-82943FCD068E}">
+  <ds:schemaRefs>
+    <ds:schemaRef ds:uri="http://schemas.microsoft.com/sharepoint/v3/contenttype/forms"/>
+  </ds:schemaRefs>
+</ds:datastoreItem>
 </file>
--- a/01 Classes/Aula 07 - Programação Microcontroladores - Periféricos Externos- Protocolos Sensores e Atuadores.pptx
+++ b/01 Classes/Aula 07 - Programação Microcontroladores - Periféricos Externos- Protocolos Sensores e Atuadores.pptx
@@ -10808,7 +10808,23 @@
                   <a:schemeClr val="bg1"/>
                 </a:solidFill>
               </a:rPr>
-              <a:t>Periféricos Externos – Sensores e Atuadores</a:t>
+              <a:t>Protocolos </a:t>
+            </a:r>
+            <a:r>
+              <a:rPr lang="pt-BR" sz="3600" b="1">
+                <a:solidFill>
+                  <a:schemeClr val="bg1"/>
+                </a:solidFill>
+              </a:rPr>
+              <a:t>de Comunicação </a:t>
+            </a:r>
+            <a:r>
+              <a:rPr lang="pt-BR" sz="3600" b="1" dirty="0">
+                <a:solidFill>
+                  <a:schemeClr val="bg1"/>
+                </a:solidFill>
+              </a:rPr>
+              <a:t>e Periféricos Externos – Sensores e Atuadores</a:t>
             </a:r>
           </a:p>
         </p:txBody>
@@ -24215,6 +24231,26 @@
 </file>
 
 <file path=customXml/item1.xml><?xml version="1.0" encoding="utf-8"?>
+<p:properties xmlns:p="http://schemas.microsoft.com/office/2006/metadata/properties" xmlns:xsi="http://www.w3.org/2001/XMLSchema-instance" xmlns:pc="http://schemas.microsoft.com/office/infopath/2007/PartnerControls">
+  <documentManagement>
+    <lcf76f155ced4ddcb4097134ff3c332f xmlns="98e1e31b-e8bc-4a9d-b016-a7aee7f17869">
+      <Terms xmlns="http://schemas.microsoft.com/office/infopath/2007/PartnerControls"/>
+    </lcf76f155ced4ddcb4097134ff3c332f>
+    <TaxCatchAll xmlns="f8145f89-92d2-4d37-8709-42472031a4ea" xsi:nil="true"/>
+  </documentManagement>
+</p:properties>
+</file>
+
+<file path=customXml/item2.xml><?xml version="1.0" encoding="utf-8"?>
+<?mso-contentType ?>
+<FormTemplates xmlns="http://schemas.microsoft.com/sharepoint/v3/contenttype/forms">
+  <Display>DocumentLibraryForm</Display>
+  <Edit>DocumentLibraryForm</Edit>
+  <New>DocumentLibraryForm</New>
+</FormTemplates>
+</file>
+
+<file path=customXml/item3.xml><?xml version="1.0" encoding="utf-8"?>
 <ct:contentTypeSchema xmlns:ct="http://schemas.microsoft.com/office/2006/metadata/contentType" xmlns:ma="http://schemas.microsoft.com/office/2006/metadata/properties/metaAttributes" ct:_="" ma:_="" ma:contentTypeName="Documento" ma:contentTypeID="0x010100A46819EDA44A43419A206A64A233AFA3" ma:contentTypeVersion="8" ma:contentTypeDescription="Crie um novo documento." ma:contentTypeScope="" ma:versionID="f7c45d3b59371912a69d3a72ba41e684">
   <xsd:schema xmlns:xsd="http://www.w3.org/2001/XMLSchema" xmlns:xs="http://www.w3.org/2001/XMLSchema" xmlns:p="http://schemas.microsoft.com/office/2006/metadata/properties" xmlns:ns2="98e1e31b-e8bc-4a9d-b016-a7aee7f17869" xmlns:ns3="f8145f89-92d2-4d37-8709-42472031a4ea" targetNamespace="http://schemas.microsoft.com/office/2006/metadata/properties" ma:root="true" ma:fieldsID="3b09216253706be607b6d048608cd832" ns2:_="" ns3:_="">
     <xsd:import namespace="98e1e31b-e8bc-4a9d-b016-a7aee7f17869"/>
@@ -24391,27 +24427,26 @@
 </ct:contentTypeSchema>
 </file>
 
-<file path=customXml/item2.xml><?xml version="1.0" encoding="utf-8"?>
-<p:properties xmlns:p="http://schemas.microsoft.com/office/2006/metadata/properties" xmlns:xsi="http://www.w3.org/2001/XMLSchema-instance" xmlns:pc="http://schemas.microsoft.com/office/infopath/2007/PartnerControls">
-  <documentManagement>
-    <lcf76f155ced4ddcb4097134ff3c332f xmlns="98e1e31b-e8bc-4a9d-b016-a7aee7f17869">
-      <Terms xmlns="http://schemas.microsoft.com/office/infopath/2007/PartnerControls"/>
-    </lcf76f155ced4ddcb4097134ff3c332f>
-    <TaxCatchAll xmlns="f8145f89-92d2-4d37-8709-42472031a4ea" xsi:nil="true"/>
-  </documentManagement>
-</p:properties>
+<file path=customXml/itemProps1.xml><?xml version="1.0" encoding="utf-8"?>
+<ds:datastoreItem xmlns:ds="http://schemas.openxmlformats.org/officeDocument/2006/customXml" ds:itemID="{EE685939-BA00-463B-B483-6768DB1E360A}">
+  <ds:schemaRefs>
+    <ds:schemaRef ds:uri="http://schemas.microsoft.com/office/2006/metadata/properties"/>
+    <ds:schemaRef ds:uri="http://schemas.microsoft.com/office/infopath/2007/PartnerControls"/>
+    <ds:schemaRef ds:uri="98e1e31b-e8bc-4a9d-b016-a7aee7f17869"/>
+    <ds:schemaRef ds:uri="f8145f89-92d2-4d37-8709-42472031a4ea"/>
+  </ds:schemaRefs>
+</ds:datastoreItem>
 </file>
 
-<file path=customXml/item3.xml><?xml version="1.0" encoding="utf-8"?>
-<?mso-contentType ?>
-<FormTemplates xmlns="http://schemas.microsoft.com/sharepoint/v3/contenttype/forms">
-  <Display>DocumentLibraryForm</Display>
-  <Edit>DocumentLibraryForm</Edit>
-  <New>DocumentLibraryForm</New>
-</FormTemplates>
+<file path=customXml/itemProps2.xml><?xml version="1.0" encoding="utf-8"?>
+<ds:datastoreItem xmlns:ds="http://schemas.openxmlformats.org/officeDocument/2006/customXml" ds:itemID="{5F0CEC26-894B-4934-8E23-82943FCD068E}">
+  <ds:schemaRefs>
+    <ds:schemaRef ds:uri="http://schemas.microsoft.com/sharepoint/v3/contenttype/forms"/>
+  </ds:schemaRefs>
+</ds:datastoreItem>
 </file>
 
-<file path=customXml/itemProps1.xml><?xml version="1.0" encoding="utf-8"?>
+<file path=customXml/itemProps3.xml><?xml version="1.0" encoding="utf-8"?>
 <ds:datastoreItem xmlns:ds="http://schemas.openxmlformats.org/officeDocument/2006/customXml" ds:itemID="{E4C5C26F-B92B-49ED-9DB4-C5422A960E48}">
   <ds:schemaRefs>
     <ds:schemaRef ds:uri="http://schemas.microsoft.com/office/2006/metadata/contentType"/>
@@ -24428,23 +24463,4 @@
     <ds:schemaRef ds:uri="http://schemas.microsoft.com/internal/obd"/>
   </ds:schemaRefs>
 </ds:datastoreItem>
-</file>
-
-<file path=customXml/itemProps2.xml><?xml version="1.0" encoding="utf-8"?>
-<ds:datastoreItem xmlns:ds="http://schemas.openxmlformats.org/officeDocument/2006/customXml" ds:itemID="{EE685939-BA00-463B-B483-6768DB1E360A}">
-  <ds:schemaRefs>
-    <ds:schemaRef ds:uri="http://schemas.microsoft.com/office/2006/metadata/properties"/>
-    <ds:schemaRef ds:uri="http://schemas.microsoft.com/office/infopath/2007/PartnerControls"/>
-    <ds:schemaRef ds:uri="98e1e31b-e8bc-4a9d-b016-a7aee7f17869"/>
-    <ds:schemaRef ds:uri="f8145f89-92d2-4d37-8709-42472031a4ea"/>
-  </ds:schemaRefs>
-</ds:datastoreItem>
-</file>
-
-<file path=customXml/itemProps3.xml><?xml version="1.0" encoding="utf-8"?>
-<ds:datastoreItem xmlns:ds="http://schemas.openxmlformats.org/officeDocument/2006/customXml" ds:itemID="{5F0CEC26-894B-4934-8E23-82943FCD068E}">
-  <ds:schemaRefs>
-    <ds:schemaRef ds:uri="http://schemas.microsoft.com/sharepoint/v3/contenttype/forms"/>
-  </ds:schemaRefs>
-</ds:datastoreItem>
 </file>
--- a/01 Classes/Aula 07 - Programação Microcontroladores - Periféricos Externos- Protocolos Sensores e Atuadores.pptx
+++ b/01 Classes/Aula 07 - Programação Microcontroladores - Periféricos Externos- Protocolos Sensores e Atuadores.pptx
@@ -6461,7 +6461,7 @@
                 <a:latin typeface="Times New Roman" panose="02020603050405020304" pitchFamily="18" charset="0"/>
                 <a:cs typeface="Times New Roman" panose="02020603050405020304" pitchFamily="18" charset="0"/>
               </a:rPr>
-              <a:t>O dispositivo que comunica dessa forma pode enviar ou receber mas não executa essas funções simultaneamente.</a:t>
+              <a:t>O dispositivo que comunica dessa forma pode enviar ou receber, mas, não executa essas funções simultaneamente.</a:t>
             </a:r>
           </a:p>
           <a:p>
@@ -8749,7 +8749,7 @@
                     <a:lstStyle/>
                     <a:p>
                       <a:r>
-                        <a:rPr lang="pt-BR" sz="2000">
+                        <a:rPr lang="pt-BR" sz="2000" dirty="0">
                           <a:effectLst/>
                           <a:latin typeface="Times New Roman" panose="02020603050405020304" pitchFamily="18" charset="0"/>
                           <a:cs typeface="Times New Roman" panose="02020603050405020304" pitchFamily="18" charset="0"/>
@@ -12268,27 +12268,17 @@
                 <a:latin typeface="Times New Roman" panose="02020603050405020304" pitchFamily="18" charset="0"/>
                 <a:cs typeface="Times New Roman" panose="02020603050405020304" pitchFamily="18" charset="0"/>
               </a:rPr>
-              <a:t>sistema </a:t>
-            </a:r>
-            <a:r>
-              <a:rPr lang="pt-BR" sz="2000" b="1" dirty="0" err="1">
-                <a:solidFill>
-                  <a:schemeClr val="tx1"/>
-                </a:solidFill>
-                <a:latin typeface="Times New Roman" panose="02020603050405020304" pitchFamily="18" charset="0"/>
-                <a:cs typeface="Times New Roman" panose="02020603050405020304" pitchFamily="18" charset="0"/>
-              </a:rPr>
-              <a:t>embedido</a:t>
-            </a:r>
-            <a:r>
-              <a:rPr lang="pt-BR" sz="2000" dirty="0">
-                <a:solidFill>
-                  <a:schemeClr val="tx1"/>
-                </a:solidFill>
-                <a:latin typeface="Times New Roman" panose="02020603050405020304" pitchFamily="18" charset="0"/>
-                <a:cs typeface="Times New Roman" panose="02020603050405020304" pitchFamily="18" charset="0"/>
-              </a:rPr>
-              <a:t> é um sistema eletrônico microprocessado, completamente encapsulado, dedicado ao dispositivo ou sistema, , elétrico, mecânico, hidráulico, etc. que ele controla.</a:t>
+              <a:t>sistema embebido</a:t>
+            </a:r>
+            <a:r>
+              <a:rPr lang="pt-BR" sz="2000" dirty="0">
+                <a:solidFill>
+                  <a:schemeClr val="tx1"/>
+                </a:solidFill>
+                <a:latin typeface="Times New Roman" panose="02020603050405020304" pitchFamily="18" charset="0"/>
+                <a:cs typeface="Times New Roman" panose="02020603050405020304" pitchFamily="18" charset="0"/>
+              </a:rPr>
+              <a:t> é um sistema eletrônico microprocessado, completamente encapsulado, dedicado ao dispositivo ou sistema elétrico, mecânico, hidráulico, etc. que ele controla.</a:t>
             </a:r>
           </a:p>
           <a:p>
@@ -14147,7 +14137,47 @@
                 <a:latin typeface="Times New Roman" panose="02020603050405020304" pitchFamily="18" charset="0"/>
                 <a:cs typeface="Times New Roman" panose="02020603050405020304" pitchFamily="18" charset="0"/>
               </a:rPr>
-              <a:t>Os sistemas embarcados podem se comunicar com o mundo externo usando diversos tipos de periféricos, como:</a:t>
+              <a:t>Os </a:t>
+            </a:r>
+            <a:r>
+              <a:rPr lang="pt-BR" sz="2000" b="1" dirty="0">
+                <a:solidFill>
+                  <a:schemeClr val="tx1"/>
+                </a:solidFill>
+                <a:latin typeface="Times New Roman" panose="02020603050405020304" pitchFamily="18" charset="0"/>
+                <a:cs typeface="Times New Roman" panose="02020603050405020304" pitchFamily="18" charset="0"/>
+              </a:rPr>
+              <a:t>sistemas embarcados </a:t>
+            </a:r>
+            <a:r>
+              <a:rPr lang="pt-BR" sz="2000" dirty="0">
+                <a:solidFill>
+                  <a:schemeClr val="tx1"/>
+                </a:solidFill>
+                <a:latin typeface="Times New Roman" panose="02020603050405020304" pitchFamily="18" charset="0"/>
+                <a:cs typeface="Times New Roman" panose="02020603050405020304" pitchFamily="18" charset="0"/>
+              </a:rPr>
+              <a:t>podem se comunicar com o mundo externo usando diversos tipos de </a:t>
+            </a:r>
+            <a:r>
+              <a:rPr lang="pt-BR" sz="2000" b="1" dirty="0">
+                <a:solidFill>
+                  <a:srgbClr val="FF0000"/>
+                </a:solidFill>
+                <a:latin typeface="Times New Roman" panose="02020603050405020304" pitchFamily="18" charset="0"/>
+                <a:cs typeface="Times New Roman" panose="02020603050405020304" pitchFamily="18" charset="0"/>
+              </a:rPr>
+              <a:t>periféricos</a:t>
+            </a:r>
+            <a:r>
+              <a:rPr lang="pt-BR" sz="2000" dirty="0">
+                <a:solidFill>
+                  <a:schemeClr val="tx1"/>
+                </a:solidFill>
+                <a:latin typeface="Times New Roman" panose="02020603050405020304" pitchFamily="18" charset="0"/>
+                <a:cs typeface="Times New Roman" panose="02020603050405020304" pitchFamily="18" charset="0"/>
+              </a:rPr>
+              <a:t>, como:</a:t>
             </a:r>
           </a:p>
           <a:p>
@@ -16339,7 +16369,7 @@
               <a:buNone/>
             </a:pPr>
             <a:r>
-              <a:rPr lang="pt-BR" sz="2000" dirty="0">
+              <a:rPr lang="pt-BR" sz="2400" dirty="0">
                 <a:solidFill>
                   <a:schemeClr val="tx1"/>
                 </a:solidFill>
@@ -16349,7 +16379,7 @@
               <a:t>Nós </a:t>
             </a:r>
             <a:r>
-              <a:rPr lang="pt-BR" sz="2000" b="1" dirty="0">
+              <a:rPr lang="pt-BR" sz="2400" b="1" dirty="0">
                 <a:solidFill>
                   <a:schemeClr val="tx1"/>
                 </a:solidFill>
@@ -16359,7 +16389,7 @@
               <a:t>atuadores</a:t>
             </a:r>
             <a:r>
-              <a:rPr lang="pt-BR" sz="2000" dirty="0">
+              <a:rPr lang="pt-BR" sz="2400" dirty="0">
                 <a:solidFill>
                   <a:schemeClr val="tx1"/>
                 </a:solidFill>
@@ -16373,7 +16403,7 @@
             <a:pPr marL="0" indent="0" algn="just">
               <a:buNone/>
             </a:pPr>
-            <a:endParaRPr lang="pt-BR" sz="2000" dirty="0">
+            <a:endParaRPr lang="pt-BR" sz="2400" dirty="0">
               <a:solidFill>
                 <a:schemeClr val="tx1"/>
               </a:solidFill>
@@ -16386,14 +16416,94 @@
               <a:buNone/>
             </a:pPr>
             <a:r>
-              <a:rPr lang="pt-BR" sz="2000" dirty="0">
-                <a:solidFill>
-                  <a:schemeClr val="tx1"/>
-                </a:solidFill>
-                <a:latin typeface="Times New Roman" panose="02020603050405020304" pitchFamily="18" charset="0"/>
-                <a:cs typeface="Times New Roman" panose="02020603050405020304" pitchFamily="18" charset="0"/>
-              </a:rPr>
-              <a:t>Um servo motor por exemplo é um nó atuador, podendo ser utilizado para abrir uma janela na casa ou mover algum objeto.</a:t>
+              <a:rPr lang="pt-BR" sz="2400" dirty="0">
+                <a:solidFill>
+                  <a:schemeClr val="tx1"/>
+                </a:solidFill>
+                <a:latin typeface="Times New Roman" panose="02020603050405020304" pitchFamily="18" charset="0"/>
+                <a:cs typeface="Times New Roman" panose="02020603050405020304" pitchFamily="18" charset="0"/>
+              </a:rPr>
+              <a:t>Um </a:t>
+            </a:r>
+            <a:r>
+              <a:rPr lang="pt-BR" sz="2400" b="1" dirty="0">
+                <a:solidFill>
+                  <a:srgbClr val="FF0000"/>
+                </a:solidFill>
+                <a:latin typeface="Times New Roman" panose="02020603050405020304" pitchFamily="18" charset="0"/>
+                <a:cs typeface="Times New Roman" panose="02020603050405020304" pitchFamily="18" charset="0"/>
+              </a:rPr>
+              <a:t>servo motor</a:t>
+            </a:r>
+            <a:r>
+              <a:rPr lang="pt-BR" sz="2400" dirty="0">
+                <a:solidFill>
+                  <a:schemeClr val="tx1"/>
+                </a:solidFill>
+                <a:latin typeface="Times New Roman" panose="02020603050405020304" pitchFamily="18" charset="0"/>
+                <a:cs typeface="Times New Roman" panose="02020603050405020304" pitchFamily="18" charset="0"/>
+              </a:rPr>
+              <a:t>,</a:t>
+            </a:r>
+            <a:r>
+              <a:rPr lang="pt-BR" sz="2400" b="1" dirty="0">
+                <a:solidFill>
+                  <a:srgbClr val="FF0000"/>
+                </a:solidFill>
+                <a:latin typeface="Times New Roman" panose="02020603050405020304" pitchFamily="18" charset="0"/>
+                <a:cs typeface="Times New Roman" panose="02020603050405020304" pitchFamily="18" charset="0"/>
+              </a:rPr>
+              <a:t> </a:t>
+            </a:r>
+            <a:r>
+              <a:rPr lang="pt-BR" sz="2400" dirty="0">
+                <a:solidFill>
+                  <a:schemeClr val="tx1"/>
+                </a:solidFill>
+                <a:latin typeface="Times New Roman" panose="02020603050405020304" pitchFamily="18" charset="0"/>
+                <a:cs typeface="Times New Roman" panose="02020603050405020304" pitchFamily="18" charset="0"/>
+              </a:rPr>
+              <a:t>por exemplo, é um </a:t>
+            </a:r>
+            <a:r>
+              <a:rPr lang="pt-BR" sz="2400" b="1" dirty="0">
+                <a:solidFill>
+                  <a:schemeClr val="tx1"/>
+                </a:solidFill>
+                <a:latin typeface="Times New Roman" panose="02020603050405020304" pitchFamily="18" charset="0"/>
+                <a:cs typeface="Times New Roman" panose="02020603050405020304" pitchFamily="18" charset="0"/>
+              </a:rPr>
+              <a:t>nó</a:t>
+            </a:r>
+            <a:r>
+              <a:rPr lang="pt-BR" sz="2400" dirty="0">
+                <a:solidFill>
+                  <a:schemeClr val="tx1"/>
+                </a:solidFill>
+                <a:latin typeface="Times New Roman" panose="02020603050405020304" pitchFamily="18" charset="0"/>
+                <a:cs typeface="Times New Roman" panose="02020603050405020304" pitchFamily="18" charset="0"/>
+              </a:rPr>
+              <a:t> </a:t>
+            </a:r>
+            <a:r>
+              <a:rPr lang="pt-BR" sz="2400" b="1" dirty="0">
+                <a:solidFill>
+                  <a:schemeClr val="tx1"/>
+                </a:solidFill>
+                <a:latin typeface="Times New Roman" panose="02020603050405020304" pitchFamily="18" charset="0"/>
+                <a:cs typeface="Times New Roman" panose="02020603050405020304" pitchFamily="18" charset="0"/>
+              </a:rPr>
+              <a:t>atuador</a:t>
+            </a:r>
+            <a:r>
+              <a:rPr lang="pt-BR" sz="2400" dirty="0">
+                <a:solidFill>
+                  <a:schemeClr val="tx1"/>
+                </a:solidFill>
+                <a:latin typeface="Times New Roman" panose="02020603050405020304" pitchFamily="18" charset="0"/>
+                <a:cs typeface="Times New Roman" panose="02020603050405020304" pitchFamily="18" charset="0"/>
+              </a:rPr>
+              <a:t>, podendo ser utilizado para abrir uma janela na casa ou mover algum objeto.</a:t>
             </a:r>
           </a:p>
         </p:txBody>
@@ -16493,7 +16603,7 @@
               <a:buNone/>
             </a:pPr>
             <a:r>
-              <a:rPr lang="pt-BR" sz="2000" dirty="0">
+              <a:rPr lang="pt-BR" sz="2400" dirty="0">
                 <a:solidFill>
                   <a:schemeClr val="tx1"/>
                 </a:solidFill>
@@ -16503,7 +16613,7 @@
               <a:t>São os </a:t>
             </a:r>
             <a:r>
-              <a:rPr lang="pt-BR" sz="2000" b="1" dirty="0">
+              <a:rPr lang="pt-BR" sz="2400" b="1" dirty="0">
                 <a:solidFill>
                   <a:schemeClr val="tx1"/>
                 </a:solidFill>
@@ -16513,7 +16623,7 @@
               <a:t>OUTPUTS</a:t>
             </a:r>
             <a:r>
-              <a:rPr lang="pt-BR" sz="2000" dirty="0">
+              <a:rPr lang="pt-BR" sz="2400" dirty="0">
                 <a:solidFill>
                   <a:schemeClr val="tx1"/>
                 </a:solidFill>
@@ -16523,7 +16633,7 @@
               <a:t> (</a:t>
             </a:r>
             <a:r>
-              <a:rPr lang="pt-BR" sz="2000" b="1" dirty="0">
+              <a:rPr lang="pt-BR" sz="2400" b="1" dirty="0">
                 <a:solidFill>
                   <a:srgbClr val="FF0000"/>
                 </a:solidFill>
@@ -16533,7 +16643,7 @@
               <a:t>dispositivos de saída</a:t>
             </a:r>
             <a:r>
-              <a:rPr lang="pt-BR" sz="2000" dirty="0">
+              <a:rPr lang="pt-BR" sz="2400" dirty="0">
                 <a:solidFill>
                   <a:schemeClr val="tx1"/>
                 </a:solidFill>
@@ -16547,7 +16657,7 @@
             <a:pPr marL="0" indent="0" algn="just">
               <a:buNone/>
             </a:pPr>
-            <a:endParaRPr lang="pt-BR" sz="2000" dirty="0">
+            <a:endParaRPr lang="pt-BR" sz="2400" dirty="0">
               <a:solidFill>
                 <a:schemeClr val="tx1"/>
               </a:solidFill>
@@ -16560,7 +16670,7 @@
               <a:buNone/>
             </a:pPr>
             <a:r>
-              <a:rPr lang="pt-BR" sz="2000" dirty="0">
+              <a:rPr lang="pt-BR" sz="2400" dirty="0">
                 <a:solidFill>
                   <a:schemeClr val="tx1"/>
                 </a:solidFill>
@@ -16570,7 +16680,7 @@
               <a:t>Pois eles, </a:t>
             </a:r>
             <a:r>
-              <a:rPr lang="pt-BR" sz="2000" b="1" dirty="0">
+              <a:rPr lang="pt-BR" sz="2400" b="1" dirty="0">
                 <a:solidFill>
                   <a:schemeClr val="tx1"/>
                 </a:solidFill>
@@ -16580,7 +16690,7 @@
               <a:t>geram uma ação</a:t>
             </a:r>
             <a:r>
-              <a:rPr lang="pt-BR" sz="2000" dirty="0">
+              <a:rPr lang="pt-BR" sz="2400" dirty="0">
                 <a:solidFill>
                   <a:schemeClr val="tx1"/>
                 </a:solidFill>
@@ -16594,7 +16704,7 @@
             <a:pPr marL="0" indent="0" algn="just">
               <a:buNone/>
             </a:pPr>
-            <a:endParaRPr lang="pt-BR" sz="2000" dirty="0">
+            <a:endParaRPr lang="pt-BR" sz="2400" dirty="0">
               <a:solidFill>
                 <a:schemeClr val="tx1"/>
               </a:solidFill>
@@ -16607,7 +16717,7 @@
               <a:buNone/>
             </a:pPr>
             <a:r>
-              <a:rPr lang="pt-BR" sz="2000" dirty="0">
+              <a:rPr lang="pt-BR" sz="2400" dirty="0">
                 <a:solidFill>
                   <a:schemeClr val="tx1"/>
                 </a:solidFill>
@@ -18286,14 +18396,14 @@
               <a:buNone/>
             </a:pPr>
             <a:r>
-              <a:rPr lang="pt-BR" sz="1800" dirty="0">
+              <a:rPr lang="pt-BR" sz="2400" dirty="0">
                 <a:latin typeface="Times New Roman" panose="02020603050405020304" pitchFamily="18" charset="0"/>
                 <a:cs typeface="Times New Roman" panose="02020603050405020304" pitchFamily="18" charset="0"/>
               </a:rPr>
               <a:t>Criar </a:t>
             </a:r>
             <a:r>
-              <a:rPr lang="pt-BR" sz="1800" b="1" dirty="0">
+              <a:rPr lang="pt-BR" sz="2400" b="1" dirty="0">
                 <a:solidFill>
                   <a:srgbClr val="FF0000"/>
                 </a:solidFill>
@@ -18303,7 +18413,7 @@
               <a:t>projeto</a:t>
             </a:r>
             <a:r>
-              <a:rPr lang="pt-BR" sz="1800" dirty="0">
+              <a:rPr lang="pt-BR" sz="2400" dirty="0">
                 <a:solidFill>
                   <a:srgbClr val="FF0000"/>
                 </a:solidFill>
@@ -18313,7 +18423,7 @@
               <a:t> </a:t>
             </a:r>
             <a:r>
-              <a:rPr lang="pt-BR" sz="1800" b="1" dirty="0">
+              <a:rPr lang="pt-BR" sz="2400" b="1" dirty="0">
                 <a:solidFill>
                   <a:srgbClr val="FF0000"/>
                 </a:solidFill>
@@ -18323,7 +18433,7 @@
               <a:t>Arduino 1,</a:t>
             </a:r>
             <a:r>
-              <a:rPr lang="pt-BR" sz="1800" dirty="0">
+              <a:rPr lang="pt-BR" sz="2400" dirty="0">
                 <a:latin typeface="Times New Roman" panose="02020603050405020304" pitchFamily="18" charset="0"/>
                 <a:cs typeface="Times New Roman" panose="02020603050405020304" pitchFamily="18" charset="0"/>
               </a:rPr>
@@ -18334,7 +18444,7 @@
             <a:pPr marL="0" indent="0" algn="just">
               <a:buNone/>
             </a:pPr>
-            <a:endParaRPr lang="pt-BR" sz="1800" dirty="0">
+            <a:endParaRPr lang="pt-BR" sz="2400" dirty="0">
               <a:latin typeface="Times New Roman" panose="02020603050405020304" pitchFamily="18" charset="0"/>
               <a:cs typeface="Times New Roman" panose="02020603050405020304" pitchFamily="18" charset="0"/>
             </a:endParaRPr>
@@ -18344,7 +18454,7 @@
               <a:buAutoNum type="arabicPeriod"/>
             </a:pPr>
             <a:r>
-              <a:rPr lang="pt-BR" sz="1800" dirty="0">
+              <a:rPr lang="pt-BR" sz="2400" dirty="0">
                 <a:latin typeface="Times New Roman" panose="02020603050405020304" pitchFamily="18" charset="0"/>
                 <a:cs typeface="Times New Roman" panose="02020603050405020304" pitchFamily="18" charset="0"/>
               </a:rPr>
@@ -18356,7 +18466,7 @@
               <a:buAutoNum type="arabicPeriod"/>
             </a:pPr>
             <a:r>
-              <a:rPr lang="pt-BR" sz="1800" dirty="0">
+              <a:rPr lang="pt-BR" sz="2400" dirty="0">
                 <a:latin typeface="Times New Roman" panose="02020603050405020304" pitchFamily="18" charset="0"/>
                 <a:cs typeface="Times New Roman" panose="02020603050405020304" pitchFamily="18" charset="0"/>
               </a:rPr>
@@ -18368,7 +18478,7 @@
               <a:buAutoNum type="arabicPeriod"/>
             </a:pPr>
             <a:r>
-              <a:rPr lang="pt-BR" sz="1800" dirty="0">
+              <a:rPr lang="pt-BR" sz="2400" dirty="0">
                 <a:latin typeface="Times New Roman" panose="02020603050405020304" pitchFamily="18" charset="0"/>
                 <a:cs typeface="Times New Roman" panose="02020603050405020304" pitchFamily="18" charset="0"/>
               </a:rPr>
@@ -18379,7 +18489,7 @@
             <a:pPr marL="0" indent="0" algn="just">
               <a:buNone/>
             </a:pPr>
-            <a:endParaRPr lang="pt-BR" sz="1800" dirty="0">
+            <a:endParaRPr lang="pt-BR" sz="2400" dirty="0">
               <a:latin typeface="Times New Roman" panose="02020603050405020304" pitchFamily="18" charset="0"/>
               <a:cs typeface="Times New Roman" panose="02020603050405020304" pitchFamily="18" charset="0"/>
             </a:endParaRPr>
@@ -18388,37 +18498,25 @@
             <a:pPr marL="0" indent="0" algn="just">
               <a:buNone/>
             </a:pPr>
-            <a:endParaRPr lang="pt-BR" sz="1800" dirty="0">
+            <a:r>
+              <a:rPr lang="pt-BR" sz="2400" dirty="0">
+                <a:latin typeface="Times New Roman" panose="02020603050405020304" pitchFamily="18" charset="0"/>
+                <a:cs typeface="Times New Roman" panose="02020603050405020304" pitchFamily="18" charset="0"/>
+              </a:rPr>
+              <a:t>		</a:t>
+            </a:r>
+            <a:r>
+              <a:rPr lang="pt-BR" sz="2400" dirty="0">
+                <a:latin typeface="Times New Roman" panose="02020603050405020304" pitchFamily="18" charset="0"/>
+                <a:cs typeface="Times New Roman" panose="02020603050405020304" pitchFamily="18" charset="0"/>
+                <a:hlinkClick r:id="rId3"/>
+              </a:rPr>
+              <a:t>https://youtu.be/ek74cM8379I</a:t>
+            </a:r>
+            <a:endParaRPr lang="pt-BR" sz="2400" dirty="0">
               <a:latin typeface="Times New Roman" panose="02020603050405020304" pitchFamily="18" charset="0"/>
               <a:cs typeface="Times New Roman" panose="02020603050405020304" pitchFamily="18" charset="0"/>
             </a:endParaRPr>
-          </a:p>
-          <a:p>
-            <a:pPr marL="0" indent="0" algn="just">
-              <a:buNone/>
-            </a:pPr>
-            <a:r>
-              <a:rPr lang="pt-BR" sz="1800" dirty="0">
-                <a:latin typeface="Times New Roman" panose="02020603050405020304" pitchFamily="18" charset="0"/>
-                <a:cs typeface="Times New Roman" panose="02020603050405020304" pitchFamily="18" charset="0"/>
-              </a:rPr>
-              <a:t>		</a:t>
-            </a:r>
-            <a:r>
-              <a:rPr lang="pt-BR" sz="1800" dirty="0">
-                <a:latin typeface="Times New Roman" panose="02020603050405020304" pitchFamily="18" charset="0"/>
-                <a:cs typeface="Times New Roman" panose="02020603050405020304" pitchFamily="18" charset="0"/>
-                <a:hlinkClick r:id="rId3"/>
-              </a:rPr>
-              <a:t>https://youtu.be/ek74cM8379I</a:t>
-            </a:r>
-            <a:r>
-              <a:rPr lang="pt-BR" sz="1800" dirty="0">
-                <a:latin typeface="Times New Roman" panose="02020603050405020304" pitchFamily="18" charset="0"/>
-                <a:cs typeface="Times New Roman" panose="02020603050405020304" pitchFamily="18" charset="0"/>
-              </a:rPr>
-              <a:t> </a:t>
-            </a:r>
           </a:p>
         </p:txBody>
       </p:sp>
@@ -18993,14 +19091,14 @@
               <a:buNone/>
             </a:pPr>
             <a:r>
-              <a:rPr lang="pt-BR" sz="1800" dirty="0">
+              <a:rPr lang="pt-BR" sz="2000" dirty="0">
                 <a:latin typeface="Times New Roman" panose="02020603050405020304" pitchFamily="18" charset="0"/>
                 <a:cs typeface="Times New Roman" panose="02020603050405020304" pitchFamily="18" charset="0"/>
               </a:rPr>
               <a:t>Criar </a:t>
             </a:r>
             <a:r>
-              <a:rPr lang="pt-BR" sz="1800" b="1" dirty="0">
+              <a:rPr lang="pt-BR" sz="2000" b="1" dirty="0">
                 <a:solidFill>
                   <a:srgbClr val="FF0000"/>
                 </a:solidFill>
@@ -19010,7 +19108,7 @@
               <a:t>projeto</a:t>
             </a:r>
             <a:r>
-              <a:rPr lang="pt-BR" sz="1800" dirty="0">
+              <a:rPr lang="pt-BR" sz="2000" dirty="0">
                 <a:solidFill>
                   <a:srgbClr val="FF0000"/>
                 </a:solidFill>
@@ -19020,7 +19118,7 @@
               <a:t> </a:t>
             </a:r>
             <a:r>
-              <a:rPr lang="pt-BR" sz="1800" b="1" dirty="0">
+              <a:rPr lang="pt-BR" sz="2000" b="1" dirty="0">
                 <a:solidFill>
                   <a:srgbClr val="FF0000"/>
                 </a:solidFill>
@@ -19030,7 +19128,7 @@
               <a:t>Arduino 2,</a:t>
             </a:r>
             <a:r>
-              <a:rPr lang="pt-BR" sz="1800" dirty="0">
+              <a:rPr lang="pt-BR" sz="2000" dirty="0">
                 <a:latin typeface="Times New Roman" panose="02020603050405020304" pitchFamily="18" charset="0"/>
                 <a:cs typeface="Times New Roman" panose="02020603050405020304" pitchFamily="18" charset="0"/>
               </a:rPr>
@@ -19041,7 +19139,7 @@
             <a:pPr marL="0" indent="0" algn="just">
               <a:buNone/>
             </a:pPr>
-            <a:endParaRPr lang="pt-BR" sz="1800" dirty="0">
+            <a:endParaRPr lang="pt-BR" sz="2000" dirty="0">
               <a:latin typeface="Times New Roman" panose="02020603050405020304" pitchFamily="18" charset="0"/>
               <a:cs typeface="Times New Roman" panose="02020603050405020304" pitchFamily="18" charset="0"/>
             </a:endParaRPr>
@@ -19051,7 +19149,7 @@
               <a:buAutoNum type="arabicPeriod"/>
             </a:pPr>
             <a:r>
-              <a:rPr lang="pt-BR" sz="1800" dirty="0">
+              <a:rPr lang="pt-BR" sz="2000" dirty="0">
                 <a:latin typeface="Times New Roman" panose="02020603050405020304" pitchFamily="18" charset="0"/>
                 <a:cs typeface="Times New Roman" panose="02020603050405020304" pitchFamily="18" charset="0"/>
               </a:rPr>
@@ -19063,7 +19161,7 @@
               <a:buAutoNum type="arabicPeriod"/>
             </a:pPr>
             <a:r>
-              <a:rPr lang="pt-BR" sz="1800" dirty="0">
+              <a:rPr lang="pt-BR" sz="2000" dirty="0">
                 <a:latin typeface="Times New Roman" panose="02020603050405020304" pitchFamily="18" charset="0"/>
                 <a:cs typeface="Times New Roman" panose="02020603050405020304" pitchFamily="18" charset="0"/>
               </a:rPr>
@@ -19075,14 +19173,14 @@
               <a:buAutoNum type="arabicPeriod"/>
             </a:pPr>
             <a:r>
-              <a:rPr lang="pt-BR" sz="1800" dirty="0" err="1">
+              <a:rPr lang="pt-BR" sz="2000" dirty="0" err="1">
                 <a:latin typeface="Times New Roman" panose="02020603050405020304" pitchFamily="18" charset="0"/>
                 <a:cs typeface="Times New Roman" panose="02020603050405020304" pitchFamily="18" charset="0"/>
               </a:rPr>
               <a:t>Fotorresistor</a:t>
             </a:r>
             <a:r>
-              <a:rPr lang="pt-BR" sz="1800" dirty="0">
+              <a:rPr lang="pt-BR" sz="2000" dirty="0">
                 <a:latin typeface="Times New Roman" panose="02020603050405020304" pitchFamily="18" charset="0"/>
                 <a:cs typeface="Times New Roman" panose="02020603050405020304" pitchFamily="18" charset="0"/>
               </a:rPr>
@@ -19094,7 +19192,7 @@
               <a:buAutoNum type="arabicPeriod"/>
             </a:pPr>
             <a:r>
-              <a:rPr lang="pt-BR" sz="1800" dirty="0">
+              <a:rPr lang="pt-BR" sz="2000" dirty="0">
                 <a:latin typeface="Times New Roman" panose="02020603050405020304" pitchFamily="18" charset="0"/>
                 <a:cs typeface="Times New Roman" panose="02020603050405020304" pitchFamily="18" charset="0"/>
               </a:rPr>
@@ -19106,7 +19204,7 @@
               <a:buAutoNum type="arabicPeriod"/>
             </a:pPr>
             <a:r>
-              <a:rPr lang="pt-BR" sz="1800" dirty="0">
+              <a:rPr lang="pt-BR" sz="2000" dirty="0">
                 <a:latin typeface="Times New Roman" panose="02020603050405020304" pitchFamily="18" charset="0"/>
                 <a:cs typeface="Times New Roman" panose="02020603050405020304" pitchFamily="18" charset="0"/>
               </a:rPr>
@@ -19118,7 +19216,7 @@
               <a:buAutoNum type="arabicPeriod"/>
             </a:pPr>
             <a:r>
-              <a:rPr lang="pt-BR" sz="1800" dirty="0">
+              <a:rPr lang="pt-BR" sz="2000" dirty="0">
                 <a:latin typeface="Times New Roman" panose="02020603050405020304" pitchFamily="18" charset="0"/>
                 <a:cs typeface="Times New Roman" panose="02020603050405020304" pitchFamily="18" charset="0"/>
               </a:rPr>
@@ -19129,51 +19227,42 @@
             <a:pPr marL="0" indent="0" algn="just">
               <a:buNone/>
             </a:pPr>
-            <a:endParaRPr lang="pt-BR" sz="1800" dirty="0">
-              <a:latin typeface="Times New Roman" panose="02020603050405020304" pitchFamily="18" charset="0"/>
-              <a:cs typeface="Times New Roman" panose="02020603050405020304" pitchFamily="18" charset="0"/>
-            </a:endParaRPr>
+            <a:r>
+              <a:rPr lang="pt-BR" sz="2000" dirty="0">
+                <a:latin typeface="Times New Roman" panose="02020603050405020304" pitchFamily="18" charset="0"/>
+                <a:cs typeface="Times New Roman" panose="02020603050405020304" pitchFamily="18" charset="0"/>
+              </a:rPr>
+              <a:t>		</a:t>
+            </a:r>
+            <a:r>
+              <a:rPr lang="pt-BR" sz="2000" dirty="0">
+                <a:latin typeface="Times New Roman" panose="02020603050405020304" pitchFamily="18" charset="0"/>
+                <a:cs typeface="Times New Roman" panose="02020603050405020304" pitchFamily="18" charset="0"/>
+                <a:hlinkClick r:id="rId3"/>
+              </a:rPr>
+              <a:t>https://inovaedu.tech/ldr-arduino-parte1/?cn-reloaded=1</a:t>
+            </a:r>
+            <a:r>
+              <a:rPr lang="pt-BR" sz="2000" dirty="0">
+                <a:latin typeface="Times New Roman" panose="02020603050405020304" pitchFamily="18" charset="0"/>
+                <a:cs typeface="Times New Roman" panose="02020603050405020304" pitchFamily="18" charset="0"/>
+              </a:rPr>
+              <a:t> </a:t>
+            </a:r>
           </a:p>
           <a:p>
             <a:pPr marL="0" indent="0" algn="just">
               <a:buNone/>
             </a:pPr>
             <a:r>
-              <a:rPr lang="pt-BR" sz="1800" dirty="0">
+              <a:rPr lang="pt-BR" sz="2000" dirty="0">
                 <a:latin typeface="Times New Roman" panose="02020603050405020304" pitchFamily="18" charset="0"/>
                 <a:cs typeface="Times New Roman" panose="02020603050405020304" pitchFamily="18" charset="0"/>
               </a:rPr>
               <a:t>		</a:t>
             </a:r>
             <a:r>
-              <a:rPr lang="pt-BR" sz="1800" dirty="0">
-                <a:latin typeface="Times New Roman" panose="02020603050405020304" pitchFamily="18" charset="0"/>
-                <a:cs typeface="Times New Roman" panose="02020603050405020304" pitchFamily="18" charset="0"/>
-                <a:hlinkClick r:id="rId3"/>
-              </a:rPr>
-              <a:t>https://inovaedu.tech/ldr-arduino-parte1/?cn-reloaded=1</a:t>
-            </a:r>
-            <a:r>
-              <a:rPr lang="pt-BR" sz="1800" dirty="0">
-                <a:latin typeface="Times New Roman" panose="02020603050405020304" pitchFamily="18" charset="0"/>
-                <a:cs typeface="Times New Roman" panose="02020603050405020304" pitchFamily="18" charset="0"/>
-              </a:rPr>
-              <a:t> </a:t>
-            </a:r>
-          </a:p>
-          <a:p>
-            <a:pPr marL="0" indent="0" algn="just">
-              <a:buNone/>
-            </a:pPr>
-            <a:r>
-              <a:rPr lang="pt-BR" sz="1800" dirty="0">
-                <a:latin typeface="Times New Roman" panose="02020603050405020304" pitchFamily="18" charset="0"/>
-                <a:cs typeface="Times New Roman" panose="02020603050405020304" pitchFamily="18" charset="0"/>
-              </a:rPr>
-              <a:t>		</a:t>
-            </a:r>
-            <a:r>
-              <a:rPr lang="pt-BR" sz="1800" dirty="0">
+              <a:rPr lang="pt-BR" sz="2000" dirty="0">
                 <a:latin typeface="Times New Roman" panose="02020603050405020304" pitchFamily="18" charset="0"/>
                 <a:cs typeface="Times New Roman" panose="02020603050405020304" pitchFamily="18" charset="0"/>
                 <a:hlinkClick r:id="rId4"/>
@@ -19181,7 +19270,7 @@
               <a:t>https://youtu.be/pazcH1jI1qU</a:t>
             </a:r>
             <a:r>
-              <a:rPr lang="pt-BR" sz="1800" dirty="0">
+              <a:rPr lang="pt-BR" sz="2000" dirty="0">
                 <a:latin typeface="Times New Roman" panose="02020603050405020304" pitchFamily="18" charset="0"/>
                 <a:cs typeface="Times New Roman" panose="02020603050405020304" pitchFamily="18" charset="0"/>
               </a:rPr>
@@ -20674,7 +20763,7 @@
                 <a:latin typeface="Times New Roman" panose="02020603050405020304" pitchFamily="18" charset="0"/>
                 <a:cs typeface="Times New Roman" panose="02020603050405020304" pitchFamily="18" charset="0"/>
               </a:rPr>
-              <a:t>Por exemplo uma </a:t>
+              <a:t>Por exemplo, uma </a:t>
             </a:r>
             <a:r>
               <a:rPr lang="pt-BR" sz="2000" b="1" dirty="0">
@@ -24231,17 +24320,6 @@
 </file>
 
 <file path=customXml/item1.xml><?xml version="1.0" encoding="utf-8"?>
-<p:properties xmlns:p="http://schemas.microsoft.com/office/2006/metadata/properties" xmlns:xsi="http://www.w3.org/2001/XMLSchema-instance" xmlns:pc="http://schemas.microsoft.com/office/infopath/2007/PartnerControls">
-  <documentManagement>
-    <lcf76f155ced4ddcb4097134ff3c332f xmlns="98e1e31b-e8bc-4a9d-b016-a7aee7f17869">
-      <Terms xmlns="http://schemas.microsoft.com/office/infopath/2007/PartnerControls"/>
-    </lcf76f155ced4ddcb4097134ff3c332f>
-    <TaxCatchAll xmlns="f8145f89-92d2-4d37-8709-42472031a4ea" xsi:nil="true"/>
-  </documentManagement>
-</p:properties>
-</file>
-
-<file path=customXml/item2.xml><?xml version="1.0" encoding="utf-8"?>
 <?mso-contentType ?>
 <FormTemplates xmlns="http://schemas.microsoft.com/sharepoint/v3/contenttype/forms">
   <Display>DocumentLibraryForm</Display>
@@ -24250,7 +24328,7 @@
 </FormTemplates>
 </file>
 
-<file path=customXml/item3.xml><?xml version="1.0" encoding="utf-8"?>
+<file path=customXml/item2.xml><?xml version="1.0" encoding="utf-8"?>
 <ct:contentTypeSchema xmlns:ct="http://schemas.microsoft.com/office/2006/metadata/contentType" xmlns:ma="http://schemas.microsoft.com/office/2006/metadata/properties/metaAttributes" ct:_="" ma:_="" ma:contentTypeName="Documento" ma:contentTypeID="0x010100A46819EDA44A43419A206A64A233AFA3" ma:contentTypeVersion="8" ma:contentTypeDescription="Crie um novo documento." ma:contentTypeScope="" ma:versionID="f7c45d3b59371912a69d3a72ba41e684">
   <xsd:schema xmlns:xsd="http://www.w3.org/2001/XMLSchema" xmlns:xs="http://www.w3.org/2001/XMLSchema" xmlns:p="http://schemas.microsoft.com/office/2006/metadata/properties" xmlns:ns2="98e1e31b-e8bc-4a9d-b016-a7aee7f17869" xmlns:ns3="f8145f89-92d2-4d37-8709-42472031a4ea" targetNamespace="http://schemas.microsoft.com/office/2006/metadata/properties" ma:root="true" ma:fieldsID="3b09216253706be607b6d048608cd832" ns2:_="" ns3:_="">
     <xsd:import namespace="98e1e31b-e8bc-4a9d-b016-a7aee7f17869"/>
@@ -24427,18 +24505,18 @@
 </ct:contentTypeSchema>
 </file>
 
-<file path=customXml/itemProps1.xml><?xml version="1.0" encoding="utf-8"?>
-<ds:datastoreItem xmlns:ds="http://schemas.openxmlformats.org/officeDocument/2006/customXml" ds:itemID="{EE685939-BA00-463B-B483-6768DB1E360A}">
-  <ds:schemaRefs>
-    <ds:schemaRef ds:uri="http://schemas.microsoft.com/office/2006/metadata/properties"/>
-    <ds:schemaRef ds:uri="http://schemas.microsoft.com/office/infopath/2007/PartnerControls"/>
-    <ds:schemaRef ds:uri="98e1e31b-e8bc-4a9d-b016-a7aee7f17869"/>
-    <ds:schemaRef ds:uri="f8145f89-92d2-4d37-8709-42472031a4ea"/>
-  </ds:schemaRefs>
-</ds:datastoreItem>
+<file path=customXml/item3.xml><?xml version="1.0" encoding="utf-8"?>
+<p:properties xmlns:p="http://schemas.microsoft.com/office/2006/metadata/properties" xmlns:xsi="http://www.w3.org/2001/XMLSchema-instance" xmlns:pc="http://schemas.microsoft.com/office/infopath/2007/PartnerControls">
+  <documentManagement>
+    <lcf76f155ced4ddcb4097134ff3c332f xmlns="98e1e31b-e8bc-4a9d-b016-a7aee7f17869">
+      <Terms xmlns="http://schemas.microsoft.com/office/infopath/2007/PartnerControls"/>
+    </lcf76f155ced4ddcb4097134ff3c332f>
+    <TaxCatchAll xmlns="f8145f89-92d2-4d37-8709-42472031a4ea" xsi:nil="true"/>
+  </documentManagement>
+</p:properties>
 </file>
 
-<file path=customXml/itemProps2.xml><?xml version="1.0" encoding="utf-8"?>
+<file path=customXml/itemProps1.xml><?xml version="1.0" encoding="utf-8"?>
 <ds:datastoreItem xmlns:ds="http://schemas.openxmlformats.org/officeDocument/2006/customXml" ds:itemID="{5F0CEC26-894B-4934-8E23-82943FCD068E}">
   <ds:schemaRefs>
     <ds:schemaRef ds:uri="http://schemas.microsoft.com/sharepoint/v3/contenttype/forms"/>
@@ -24446,7 +24524,7 @@
 </ds:datastoreItem>
 </file>
 
-<file path=customXml/itemProps3.xml><?xml version="1.0" encoding="utf-8"?>
+<file path=customXml/itemProps2.xml><?xml version="1.0" encoding="utf-8"?>
 <ds:datastoreItem xmlns:ds="http://schemas.openxmlformats.org/officeDocument/2006/customXml" ds:itemID="{E4C5C26F-B92B-49ED-9DB4-C5422A960E48}">
   <ds:schemaRefs>
     <ds:schemaRef ds:uri="http://schemas.microsoft.com/office/2006/metadata/contentType"/>
@@ -24463,4 +24541,15 @@
     <ds:schemaRef ds:uri="http://schemas.microsoft.com/internal/obd"/>
   </ds:schemaRefs>
 </ds:datastoreItem>
+</file>
+
+<file path=customXml/itemProps3.xml><?xml version="1.0" encoding="utf-8"?>
+<ds:datastoreItem xmlns:ds="http://schemas.openxmlformats.org/officeDocument/2006/customXml" ds:itemID="{EE685939-BA00-463B-B483-6768DB1E360A}">
+  <ds:schemaRefs>
+    <ds:schemaRef ds:uri="http://schemas.microsoft.com/office/2006/metadata/properties"/>
+    <ds:schemaRef ds:uri="http://schemas.microsoft.com/office/infopath/2007/PartnerControls"/>
+    <ds:schemaRef ds:uri="98e1e31b-e8bc-4a9d-b016-a7aee7f17869"/>
+    <ds:schemaRef ds:uri="f8145f89-92d2-4d37-8709-42472031a4ea"/>
+  </ds:schemaRefs>
+</ds:datastoreItem>
 </file>
--- a/01 Classes/Aula 07 - Programação Microcontroladores - Periféricos Externos- Protocolos Sensores e Atuadores.pptx
+++ b/01 Classes/Aula 07 - Programação Microcontroladores - Periféricos Externos- Protocolos Sensores e Atuadores.pptx
@@ -5,7 +5,7 @@
     <p:sldMasterId id="2147483648" r:id="rId4"/>
   </p:sldMasterIdLst>
   <p:notesMasterIdLst>
-    <p:notesMasterId r:id="rId49"/>
+    <p:notesMasterId r:id="rId51"/>
   </p:notesMasterIdLst>
   <p:sldIdLst>
     <p:sldId id="256" r:id="rId5"/>
@@ -49,9 +49,11 @@
     <p:sldId id="323" r:id="rId43"/>
     <p:sldId id="334" r:id="rId44"/>
     <p:sldId id="374" r:id="rId45"/>
-    <p:sldId id="375" r:id="rId46"/>
-    <p:sldId id="337" r:id="rId47"/>
-    <p:sldId id="309" r:id="rId48"/>
+    <p:sldId id="378" r:id="rId46"/>
+    <p:sldId id="377" r:id="rId47"/>
+    <p:sldId id="375" r:id="rId48"/>
+    <p:sldId id="337" r:id="rId49"/>
+    <p:sldId id="309" r:id="rId50"/>
   </p:sldIdLst>
   <p:sldSz cx="9144000" cy="5143500" type="screen16x9"/>
   <p:notesSz cx="6858000" cy="9144000"/>
@@ -2847,6 +2849,174 @@
   <p:cSld>
     <p:spTree>
       <p:nvGrpSpPr>
+        <p:cNvPr id="1" name="">
+          <a:extLst>
+            <a:ext uri="{FF2B5EF4-FFF2-40B4-BE49-F238E27FC236}">
+              <a16:creationId xmlns:a16="http://schemas.microsoft.com/office/drawing/2014/main" id="{DB1A29EB-8EB7-C5A1-FC06-42FF22D96FF3}"/>
+            </a:ext>
+          </a:extLst>
+        </p:cNvPr>
+        <p:cNvGrpSpPr/>
+        <p:nvPr/>
+      </p:nvGrpSpPr>
+      <p:grpSpPr>
+        <a:xfrm>
+          <a:off x="0" y="0"/>
+          <a:ext cx="0" cy="0"/>
+          <a:chOff x="0" y="0"/>
+          <a:chExt cx="0" cy="0"/>
+        </a:xfrm>
+      </p:grpSpPr>
+      <p:sp>
+        <p:nvSpPr>
+          <p:cNvPr id="2" name="Espaço Reservado para Imagem de Slide 1">
+            <a:extLst>
+              <a:ext uri="{FF2B5EF4-FFF2-40B4-BE49-F238E27FC236}">
+                <a16:creationId xmlns:a16="http://schemas.microsoft.com/office/drawing/2014/main" id="{E1C68C0C-AC96-515E-C678-5C4D33B35074}"/>
+              </a:ext>
+            </a:extLst>
+          </p:cNvPr>
+          <p:cNvSpPr>
+            <a:spLocks noGrp="1" noRot="1" noChangeAspect="1"/>
+          </p:cNvSpPr>
+          <p:nvPr>
+            <p:ph type="sldImg"/>
+          </p:nvPr>
+        </p:nvSpPr>
+        <p:spPr>
+          <a:xfrm>
+            <a:off x="381000" y="685800"/>
+            <a:ext cx="6096000" cy="3429000"/>
+          </a:xfrm>
+        </p:spPr>
+      </p:sp>
+      <p:sp>
+        <p:nvSpPr>
+          <p:cNvPr id="3" name="Espaço Reservado para Anotações 2">
+            <a:extLst>
+              <a:ext uri="{FF2B5EF4-FFF2-40B4-BE49-F238E27FC236}">
+                <a16:creationId xmlns:a16="http://schemas.microsoft.com/office/drawing/2014/main" id="{570549E1-A096-79D1-D378-DC2E54CE6122}"/>
+              </a:ext>
+            </a:extLst>
+          </p:cNvPr>
+          <p:cNvSpPr>
+            <a:spLocks noGrp="1"/>
+          </p:cNvSpPr>
+          <p:nvPr>
+            <p:ph type="body" idx="1"/>
+          </p:nvPr>
+        </p:nvSpPr>
+        <p:spPr/>
+        <p:txBody>
+          <a:bodyPr/>
+          <a:lstStyle/>
+          <a:p>
+            <a:endParaRPr lang="pt-BR" dirty="0"/>
+          </a:p>
+        </p:txBody>
+      </p:sp>
+    </p:spTree>
+    <p:extLst>
+      <p:ext uri="{BB962C8B-B14F-4D97-AF65-F5344CB8AC3E}">
+        <p14:creationId xmlns:p14="http://schemas.microsoft.com/office/powerpoint/2010/main" val="3786084186"/>
+      </p:ext>
+    </p:extLst>
+  </p:cSld>
+  <p:clrMapOvr>
+    <a:masterClrMapping/>
+  </p:clrMapOvr>
+</p:notes>
+</file>
+
+<file path=ppt/notesSlides/notesSlide42.xml><?xml version="1.0" encoding="utf-8"?>
+<p:notes xmlns:a="http://schemas.openxmlformats.org/drawingml/2006/main" xmlns:r="http://schemas.openxmlformats.org/officeDocument/2006/relationships" xmlns:p="http://schemas.openxmlformats.org/presentationml/2006/main">
+  <p:cSld>
+    <p:spTree>
+      <p:nvGrpSpPr>
+        <p:cNvPr id="1" name="">
+          <a:extLst>
+            <a:ext uri="{FF2B5EF4-FFF2-40B4-BE49-F238E27FC236}">
+              <a16:creationId xmlns:a16="http://schemas.microsoft.com/office/drawing/2014/main" id="{F9A70B80-C346-A5E5-D333-2D68695F8670}"/>
+            </a:ext>
+          </a:extLst>
+        </p:cNvPr>
+        <p:cNvGrpSpPr/>
+        <p:nvPr/>
+      </p:nvGrpSpPr>
+      <p:grpSpPr>
+        <a:xfrm>
+          <a:off x="0" y="0"/>
+          <a:ext cx="0" cy="0"/>
+          <a:chOff x="0" y="0"/>
+          <a:chExt cx="0" cy="0"/>
+        </a:xfrm>
+      </p:grpSpPr>
+      <p:sp>
+        <p:nvSpPr>
+          <p:cNvPr id="2" name="Espaço Reservado para Imagem de Slide 1">
+            <a:extLst>
+              <a:ext uri="{FF2B5EF4-FFF2-40B4-BE49-F238E27FC236}">
+                <a16:creationId xmlns:a16="http://schemas.microsoft.com/office/drawing/2014/main" id="{75FF1310-78D8-8445-9270-306B5070D3A8}"/>
+              </a:ext>
+            </a:extLst>
+          </p:cNvPr>
+          <p:cNvSpPr>
+            <a:spLocks noGrp="1" noRot="1" noChangeAspect="1"/>
+          </p:cNvSpPr>
+          <p:nvPr>
+            <p:ph type="sldImg"/>
+          </p:nvPr>
+        </p:nvSpPr>
+        <p:spPr>
+          <a:xfrm>
+            <a:off x="381000" y="685800"/>
+            <a:ext cx="6096000" cy="3429000"/>
+          </a:xfrm>
+        </p:spPr>
+      </p:sp>
+      <p:sp>
+        <p:nvSpPr>
+          <p:cNvPr id="3" name="Espaço Reservado para Anotações 2">
+            <a:extLst>
+              <a:ext uri="{FF2B5EF4-FFF2-40B4-BE49-F238E27FC236}">
+                <a16:creationId xmlns:a16="http://schemas.microsoft.com/office/drawing/2014/main" id="{7B420FED-B069-C462-DEA7-BFFDBCA60E5C}"/>
+              </a:ext>
+            </a:extLst>
+          </p:cNvPr>
+          <p:cNvSpPr>
+            <a:spLocks noGrp="1"/>
+          </p:cNvSpPr>
+          <p:nvPr>
+            <p:ph type="body" idx="1"/>
+          </p:nvPr>
+        </p:nvSpPr>
+        <p:spPr/>
+        <p:txBody>
+          <a:bodyPr/>
+          <a:lstStyle/>
+          <a:p>
+            <a:endParaRPr lang="pt-BR" dirty="0"/>
+          </a:p>
+        </p:txBody>
+      </p:sp>
+    </p:spTree>
+    <p:extLst>
+      <p:ext uri="{BB962C8B-B14F-4D97-AF65-F5344CB8AC3E}">
+        <p14:creationId xmlns:p14="http://schemas.microsoft.com/office/powerpoint/2010/main" val="2992708171"/>
+      </p:ext>
+    </p:extLst>
+  </p:cSld>
+  <p:clrMapOvr>
+    <a:masterClrMapping/>
+  </p:clrMapOvr>
+</p:notes>
+</file>
+
+<file path=ppt/notesSlides/notesSlide43.xml><?xml version="1.0" encoding="utf-8"?>
+<p:notes xmlns:a="http://schemas.openxmlformats.org/drawingml/2006/main" xmlns:r="http://schemas.openxmlformats.org/officeDocument/2006/relationships" xmlns:p="http://schemas.openxmlformats.org/presentationml/2006/main">
+  <p:cSld>
+    <p:spTree>
+      <p:nvGrpSpPr>
         <p:cNvPr id="1" name=""/>
         <p:cNvGrpSpPr/>
         <p:nvPr/>
@@ -2908,7 +3078,7 @@
 </p:notes>
 </file>
 
-<file path=ppt/notesSlides/notesSlide42.xml><?xml version="1.0" encoding="utf-8"?>
+<file path=ppt/notesSlides/notesSlide44.xml><?xml version="1.0" encoding="utf-8"?>
 <p:notes xmlns:a="http://schemas.openxmlformats.org/drawingml/2006/main" xmlns:r="http://schemas.openxmlformats.org/officeDocument/2006/relationships" xmlns:p="http://schemas.openxmlformats.org/presentationml/2006/main">
   <p:cSld>
     <p:spTree>
@@ -18478,18 +18648,29 @@
               <a:buAutoNum type="arabicPeriod"/>
             </a:pPr>
             <a:r>
-              <a:rPr lang="pt-BR" sz="2400" dirty="0">
-                <a:latin typeface="Times New Roman" panose="02020603050405020304" pitchFamily="18" charset="0"/>
-                <a:cs typeface="Times New Roman" panose="02020603050405020304" pitchFamily="18" charset="0"/>
-              </a:rPr>
-              <a:t>Sensor de movimento PIR</a:t>
-            </a:r>
-          </a:p>
-          <a:p>
-            <a:pPr marL="0" indent="0" algn="just">
-              <a:buNone/>
-            </a:pPr>
-            <a:endParaRPr lang="pt-BR" sz="2400" dirty="0">
+              <a:rPr lang="pt-BR" sz="2400" b="1" dirty="0">
+                <a:solidFill>
+                  <a:srgbClr val="FF0000"/>
+                </a:solidFill>
+                <a:latin typeface="Times New Roman" panose="02020603050405020304" pitchFamily="18" charset="0"/>
+                <a:cs typeface="Times New Roman" panose="02020603050405020304" pitchFamily="18" charset="0"/>
+              </a:rPr>
+              <a:t>Sensor de </a:t>
+            </a:r>
+            <a:r>
+              <a:rPr lang="pt-BR" sz="2400" b="1" dirty="0" err="1">
+                <a:solidFill>
+                  <a:srgbClr val="FF0000"/>
+                </a:solidFill>
+                <a:latin typeface="Times New Roman" panose="02020603050405020304" pitchFamily="18" charset="0"/>
+                <a:cs typeface="Times New Roman" panose="02020603050405020304" pitchFamily="18" charset="0"/>
+              </a:rPr>
+              <a:t>ultrasonic</a:t>
+            </a:r>
+            <a:endParaRPr lang="pt-BR" sz="2400" b="1" dirty="0">
+              <a:solidFill>
+                <a:srgbClr val="FF0000"/>
+              </a:solidFill>
               <a:latin typeface="Times New Roman" panose="02020603050405020304" pitchFamily="18" charset="0"/>
               <a:cs typeface="Times New Roman" panose="02020603050405020304" pitchFamily="18" charset="0"/>
             </a:endParaRPr>
@@ -18510,6 +18691,33 @@
                 <a:latin typeface="Times New Roman" panose="02020603050405020304" pitchFamily="18" charset="0"/>
                 <a:cs typeface="Times New Roman" panose="02020603050405020304" pitchFamily="18" charset="0"/>
                 <a:hlinkClick r:id="rId3"/>
+              </a:rPr>
+              <a:t>http://www.arduino.cc/en/Tutorial/Ping</a:t>
+            </a:r>
+            <a:r>
+              <a:rPr lang="pt-BR" sz="2400" dirty="0">
+                <a:latin typeface="Times New Roman" panose="02020603050405020304" pitchFamily="18" charset="0"/>
+                <a:cs typeface="Times New Roman" panose="02020603050405020304" pitchFamily="18" charset="0"/>
+              </a:rPr>
+              <a:t> </a:t>
+            </a:r>
+          </a:p>
+          <a:p>
+            <a:pPr marL="0" indent="0" algn="just">
+              <a:buNone/>
+            </a:pPr>
+            <a:r>
+              <a:rPr lang="pt-BR" sz="2400" dirty="0">
+                <a:latin typeface="Times New Roman" panose="02020603050405020304" pitchFamily="18" charset="0"/>
+                <a:cs typeface="Times New Roman" panose="02020603050405020304" pitchFamily="18" charset="0"/>
+              </a:rPr>
+              <a:t>		</a:t>
+            </a:r>
+            <a:r>
+              <a:rPr lang="pt-BR" sz="2400" dirty="0">
+                <a:latin typeface="Times New Roman" panose="02020603050405020304" pitchFamily="18" charset="0"/>
+                <a:cs typeface="Times New Roman" panose="02020603050405020304" pitchFamily="18" charset="0"/>
+                <a:hlinkClick r:id="rId4"/>
               </a:rPr>
               <a:t>https://youtu.be/ek74cM8379I</a:t>
             </a:r>
@@ -18647,27 +18855,96 @@
               <a:buNone/>
             </a:pPr>
             <a:r>
-              <a:rPr lang="pt-BR" sz="1600" dirty="0" err="1">
+              <a:rPr lang="pt-BR" sz="2400" dirty="0" err="1">
                 <a:latin typeface="Times New Roman" panose="02020603050405020304" pitchFamily="18" charset="0"/>
                 <a:cs typeface="Times New Roman" panose="02020603050405020304" pitchFamily="18" charset="0"/>
               </a:rPr>
               <a:t>int</a:t>
             </a:r>
             <a:r>
-              <a:rPr lang="pt-BR" sz="1600" dirty="0">
-                <a:latin typeface="Times New Roman" panose="02020603050405020304" pitchFamily="18" charset="0"/>
-                <a:cs typeface="Times New Roman" panose="02020603050405020304" pitchFamily="18" charset="0"/>
-              </a:rPr>
-              <a:t> sensor; // C++ </a:t>
-            </a:r>
-            <a:r>
-              <a:rPr lang="pt-BR" sz="1600" dirty="0" err="1">
-                <a:latin typeface="Times New Roman" panose="02020603050405020304" pitchFamily="18" charset="0"/>
-                <a:cs typeface="Times New Roman" panose="02020603050405020304" pitchFamily="18" charset="0"/>
-              </a:rPr>
-              <a:t>code</a:t>
-            </a:r>
-            <a:endParaRPr lang="pt-BR" sz="1600" dirty="0">
+              <a:rPr lang="pt-BR" sz="2400" dirty="0">
+                <a:latin typeface="Times New Roman" panose="02020603050405020304" pitchFamily="18" charset="0"/>
+                <a:cs typeface="Times New Roman" panose="02020603050405020304" pitchFamily="18" charset="0"/>
+              </a:rPr>
+              <a:t> inches = 0;</a:t>
+            </a:r>
+          </a:p>
+          <a:p>
+            <a:pPr marL="0" indent="0" algn="just">
+              <a:buNone/>
+            </a:pPr>
+            <a:r>
+              <a:rPr lang="pt-BR" sz="2400" dirty="0" err="1">
+                <a:latin typeface="Times New Roman" panose="02020603050405020304" pitchFamily="18" charset="0"/>
+                <a:cs typeface="Times New Roman" panose="02020603050405020304" pitchFamily="18" charset="0"/>
+              </a:rPr>
+              <a:t>int</a:t>
+            </a:r>
+            <a:r>
+              <a:rPr lang="pt-BR" sz="2400" dirty="0">
+                <a:latin typeface="Times New Roman" panose="02020603050405020304" pitchFamily="18" charset="0"/>
+                <a:cs typeface="Times New Roman" panose="02020603050405020304" pitchFamily="18" charset="0"/>
+              </a:rPr>
+              <a:t> cm = 0;</a:t>
+            </a:r>
+          </a:p>
+          <a:p>
+            <a:pPr marL="0" indent="0" algn="just">
+              <a:buNone/>
+            </a:pPr>
+            <a:r>
+              <a:rPr lang="pt-BR" sz="2400" b="1" dirty="0" err="1">
+                <a:solidFill>
+                  <a:srgbClr val="FF0000"/>
+                </a:solidFill>
+                <a:latin typeface="Times New Roman" panose="02020603050405020304" pitchFamily="18" charset="0"/>
+                <a:cs typeface="Times New Roman" panose="02020603050405020304" pitchFamily="18" charset="0"/>
+              </a:rPr>
+              <a:t>int</a:t>
+            </a:r>
+            <a:r>
+              <a:rPr lang="pt-BR" sz="2400" b="1" dirty="0">
+                <a:solidFill>
+                  <a:srgbClr val="FF0000"/>
+                </a:solidFill>
+                <a:latin typeface="Times New Roman" panose="02020603050405020304" pitchFamily="18" charset="0"/>
+                <a:cs typeface="Times New Roman" panose="02020603050405020304" pitchFamily="18" charset="0"/>
+              </a:rPr>
+              <a:t> </a:t>
+            </a:r>
+            <a:r>
+              <a:rPr lang="pt-BR" sz="2400" b="1" dirty="0" err="1">
+                <a:solidFill>
+                  <a:srgbClr val="FF0000"/>
+                </a:solidFill>
+                <a:latin typeface="Times New Roman" panose="02020603050405020304" pitchFamily="18" charset="0"/>
+                <a:cs typeface="Times New Roman" panose="02020603050405020304" pitchFamily="18" charset="0"/>
+              </a:rPr>
+              <a:t>triggerPin</a:t>
+            </a:r>
+            <a:r>
+              <a:rPr lang="pt-BR" sz="2400" b="1" dirty="0">
+                <a:solidFill>
+                  <a:srgbClr val="FF0000"/>
+                </a:solidFill>
+                <a:latin typeface="Times New Roman" panose="02020603050405020304" pitchFamily="18" charset="0"/>
+                <a:cs typeface="Times New Roman" panose="02020603050405020304" pitchFamily="18" charset="0"/>
+              </a:rPr>
+              <a:t> = 7</a:t>
+            </a:r>
+            <a:r>
+              <a:rPr lang="pt-BR" sz="2400" dirty="0">
+                <a:latin typeface="Times New Roman" panose="02020603050405020304" pitchFamily="18" charset="0"/>
+                <a:cs typeface="Times New Roman" panose="02020603050405020304" pitchFamily="18" charset="0"/>
+              </a:rPr>
+              <a:t>; </a:t>
+            </a:r>
+          </a:p>
+          <a:p>
+            <a:pPr marL="0" indent="0" algn="just">
+              <a:buNone/>
+            </a:pPr>
+            <a:endParaRPr lang="pt-BR" sz="2400" dirty="0">
               <a:latin typeface="Times New Roman" panose="02020603050405020304" pitchFamily="18" charset="0"/>
               <a:cs typeface="Times New Roman" panose="02020603050405020304" pitchFamily="18" charset="0"/>
             </a:endParaRPr>
@@ -18677,32 +18954,18 @@
               <a:buNone/>
             </a:pPr>
             <a:r>
-              <a:rPr lang="pt-BR" sz="1600" dirty="0" err="1">
+              <a:rPr lang="pt-BR" sz="2400" b="1" dirty="0" err="1">
                 <a:latin typeface="Times New Roman" panose="02020603050405020304" pitchFamily="18" charset="0"/>
                 <a:cs typeface="Times New Roman" panose="02020603050405020304" pitchFamily="18" charset="0"/>
               </a:rPr>
               <a:t>void</a:t>
             </a:r>
             <a:r>
-              <a:rPr lang="pt-BR" sz="1600" dirty="0">
-                <a:latin typeface="Times New Roman" panose="02020603050405020304" pitchFamily="18" charset="0"/>
-                <a:cs typeface="Times New Roman" panose="02020603050405020304" pitchFamily="18" charset="0"/>
-              </a:rPr>
-              <a:t> </a:t>
-            </a:r>
-            <a:r>
-              <a:rPr lang="pt-BR" sz="1600" b="1" dirty="0">
-                <a:latin typeface="Times New Roman" panose="02020603050405020304" pitchFamily="18" charset="0"/>
-                <a:cs typeface="Times New Roman" panose="02020603050405020304" pitchFamily="18" charset="0"/>
-              </a:rPr>
-              <a:t>setup</a:t>
-            </a:r>
-            <a:r>
-              <a:rPr lang="pt-BR" sz="1600" dirty="0">
-                <a:latin typeface="Times New Roman" panose="02020603050405020304" pitchFamily="18" charset="0"/>
-                <a:cs typeface="Times New Roman" panose="02020603050405020304" pitchFamily="18" charset="0"/>
-              </a:rPr>
-              <a:t>()</a:t>
+              <a:rPr lang="pt-BR" sz="2400" b="1" dirty="0">
+                <a:latin typeface="Times New Roman" panose="02020603050405020304" pitchFamily="18" charset="0"/>
+                <a:cs typeface="Times New Roman" panose="02020603050405020304" pitchFamily="18" charset="0"/>
+              </a:rPr>
+              <a:t> setup()</a:t>
             </a:r>
           </a:p>
           <a:p>
@@ -18710,257 +18973,59 @@
               <a:buNone/>
             </a:pPr>
             <a:r>
-              <a:rPr lang="pt-BR" sz="1600" dirty="0">
+              <a:rPr lang="pt-BR" sz="2400" dirty="0">
                 <a:latin typeface="Times New Roman" panose="02020603050405020304" pitchFamily="18" charset="0"/>
                 <a:cs typeface="Times New Roman" panose="02020603050405020304" pitchFamily="18" charset="0"/>
               </a:rPr>
               <a:t>{  </a:t>
             </a:r>
-            <a:r>
-              <a:rPr lang="pt-BR" sz="1600" b="1" dirty="0" err="1">
-                <a:latin typeface="Times New Roman" panose="02020603050405020304" pitchFamily="18" charset="0"/>
-                <a:cs typeface="Times New Roman" panose="02020603050405020304" pitchFamily="18" charset="0"/>
-              </a:rPr>
-              <a:t>Serial</a:t>
-            </a:r>
-            <a:r>
-              <a:rPr lang="pt-BR" sz="1600" dirty="0" err="1">
-                <a:latin typeface="Times New Roman" panose="02020603050405020304" pitchFamily="18" charset="0"/>
-                <a:cs typeface="Times New Roman" panose="02020603050405020304" pitchFamily="18" charset="0"/>
-              </a:rPr>
-              <a:t>.begin</a:t>
-            </a:r>
-            <a:r>
-              <a:rPr lang="pt-BR" sz="1600" dirty="0">
-                <a:latin typeface="Times New Roman" panose="02020603050405020304" pitchFamily="18" charset="0"/>
-                <a:cs typeface="Times New Roman" panose="02020603050405020304" pitchFamily="18" charset="0"/>
-              </a:rPr>
-              <a:t>(9600);</a:t>
-            </a:r>
           </a:p>
           <a:p>
             <a:pPr marL="0" indent="0" algn="just">
               <a:buNone/>
             </a:pPr>
             <a:r>
-              <a:rPr lang="pt-BR" sz="1600" dirty="0">
-                <a:latin typeface="Times New Roman" panose="02020603050405020304" pitchFamily="18" charset="0"/>
-                <a:cs typeface="Times New Roman" panose="02020603050405020304" pitchFamily="18" charset="0"/>
-              </a:rPr>
-              <a:t>    </a:t>
-            </a:r>
-            <a:r>
-              <a:rPr lang="pt-BR" sz="1600" b="1" dirty="0" err="1">
-                <a:latin typeface="Times New Roman" panose="02020603050405020304" pitchFamily="18" charset="0"/>
-                <a:cs typeface="Times New Roman" panose="02020603050405020304" pitchFamily="18" charset="0"/>
-              </a:rPr>
-              <a:t>pinMode</a:t>
-            </a:r>
-            <a:r>
-              <a:rPr lang="pt-BR" sz="1600" dirty="0">
-                <a:latin typeface="Times New Roman" panose="02020603050405020304" pitchFamily="18" charset="0"/>
-                <a:cs typeface="Times New Roman" panose="02020603050405020304" pitchFamily="18" charset="0"/>
-              </a:rPr>
-              <a:t>(3, INPUT); }</a:t>
+              <a:rPr lang="pt-BR" sz="2400" dirty="0">
+                <a:latin typeface="Times New Roman" panose="02020603050405020304" pitchFamily="18" charset="0"/>
+                <a:cs typeface="Times New Roman" panose="02020603050405020304" pitchFamily="18" charset="0"/>
+              </a:rPr>
+              <a:t>	</a:t>
+            </a:r>
+            <a:r>
+              <a:rPr lang="pt-BR" sz="2400" dirty="0" err="1">
+                <a:latin typeface="Times New Roman" panose="02020603050405020304" pitchFamily="18" charset="0"/>
+                <a:cs typeface="Times New Roman" panose="02020603050405020304" pitchFamily="18" charset="0"/>
+              </a:rPr>
+              <a:t>Serial.begin</a:t>
+            </a:r>
+            <a:r>
+              <a:rPr lang="pt-BR" sz="2400" dirty="0">
+                <a:latin typeface="Times New Roman" panose="02020603050405020304" pitchFamily="18" charset="0"/>
+                <a:cs typeface="Times New Roman" panose="02020603050405020304" pitchFamily="18" charset="0"/>
+              </a:rPr>
+              <a:t>(9600); </a:t>
             </a:r>
           </a:p>
           <a:p>
             <a:pPr marL="0" indent="0" algn="just">
               <a:buNone/>
             </a:pPr>
-            <a:endParaRPr lang="pt-BR" sz="1600" dirty="0">
+            <a:r>
+              <a:rPr lang="pt-BR" sz="2400" dirty="0">
+                <a:latin typeface="Times New Roman" panose="02020603050405020304" pitchFamily="18" charset="0"/>
+                <a:cs typeface="Times New Roman" panose="02020603050405020304" pitchFamily="18" charset="0"/>
+              </a:rPr>
+              <a:t>}</a:t>
+            </a:r>
+          </a:p>
+          <a:p>
+            <a:pPr marL="0" indent="0" algn="just">
+              <a:buNone/>
+            </a:pPr>
+            <a:endParaRPr lang="pt-BR" sz="2400" dirty="0">
               <a:latin typeface="Times New Roman" panose="02020603050405020304" pitchFamily="18" charset="0"/>
               <a:cs typeface="Times New Roman" panose="02020603050405020304" pitchFamily="18" charset="0"/>
             </a:endParaRPr>
-          </a:p>
-          <a:p>
-            <a:pPr marL="0" indent="0" algn="just">
-              <a:buNone/>
-            </a:pPr>
-            <a:r>
-              <a:rPr lang="pt-BR" sz="1600" dirty="0" err="1">
-                <a:latin typeface="Times New Roman" panose="02020603050405020304" pitchFamily="18" charset="0"/>
-                <a:cs typeface="Times New Roman" panose="02020603050405020304" pitchFamily="18" charset="0"/>
-              </a:rPr>
-              <a:t>void</a:t>
-            </a:r>
-            <a:r>
-              <a:rPr lang="pt-BR" sz="1600" dirty="0">
-                <a:latin typeface="Times New Roman" panose="02020603050405020304" pitchFamily="18" charset="0"/>
-                <a:cs typeface="Times New Roman" panose="02020603050405020304" pitchFamily="18" charset="0"/>
-              </a:rPr>
-              <a:t> </a:t>
-            </a:r>
-            <a:r>
-              <a:rPr lang="pt-BR" sz="1600" b="1" dirty="0">
-                <a:latin typeface="Times New Roman" panose="02020603050405020304" pitchFamily="18" charset="0"/>
-                <a:cs typeface="Times New Roman" panose="02020603050405020304" pitchFamily="18" charset="0"/>
-              </a:rPr>
-              <a:t>loop</a:t>
-            </a:r>
-            <a:r>
-              <a:rPr lang="pt-BR" sz="1600" dirty="0">
-                <a:latin typeface="Times New Roman" panose="02020603050405020304" pitchFamily="18" charset="0"/>
-                <a:cs typeface="Times New Roman" panose="02020603050405020304" pitchFamily="18" charset="0"/>
-              </a:rPr>
-              <a:t>(){ </a:t>
-            </a:r>
-          </a:p>
-          <a:p>
-            <a:pPr marL="0" indent="0" algn="just">
-              <a:buNone/>
-            </a:pPr>
-            <a:r>
-              <a:rPr lang="pt-BR" sz="1600" dirty="0">
-                <a:latin typeface="Times New Roman" panose="02020603050405020304" pitchFamily="18" charset="0"/>
-                <a:cs typeface="Times New Roman" panose="02020603050405020304" pitchFamily="18" charset="0"/>
-              </a:rPr>
-              <a:t>   sensor = </a:t>
-            </a:r>
-            <a:r>
-              <a:rPr lang="pt-BR" sz="1600" b="1" dirty="0" err="1">
-                <a:latin typeface="Times New Roman" panose="02020603050405020304" pitchFamily="18" charset="0"/>
-                <a:cs typeface="Times New Roman" panose="02020603050405020304" pitchFamily="18" charset="0"/>
-              </a:rPr>
-              <a:t>digitalRead</a:t>
-            </a:r>
-            <a:r>
-              <a:rPr lang="pt-BR" sz="1600" dirty="0">
-                <a:latin typeface="Times New Roman" panose="02020603050405020304" pitchFamily="18" charset="0"/>
-                <a:cs typeface="Times New Roman" panose="02020603050405020304" pitchFamily="18" charset="0"/>
-              </a:rPr>
-              <a:t>(3);</a:t>
-            </a:r>
-          </a:p>
-          <a:p>
-            <a:pPr marL="0" indent="0" algn="just">
-              <a:buNone/>
-            </a:pPr>
-            <a:r>
-              <a:rPr lang="pt-BR" sz="1600" dirty="0">
-                <a:latin typeface="Times New Roman" panose="02020603050405020304" pitchFamily="18" charset="0"/>
-                <a:cs typeface="Times New Roman" panose="02020603050405020304" pitchFamily="18" charset="0"/>
-              </a:rPr>
-              <a:t>   </a:t>
-            </a:r>
-            <a:r>
-              <a:rPr lang="pt-BR" sz="1600" b="1" dirty="0" err="1">
-                <a:latin typeface="Times New Roman" panose="02020603050405020304" pitchFamily="18" charset="0"/>
-                <a:cs typeface="Times New Roman" panose="02020603050405020304" pitchFamily="18" charset="0"/>
-              </a:rPr>
-              <a:t>Serial</a:t>
-            </a:r>
-            <a:r>
-              <a:rPr lang="pt-BR" sz="1600" dirty="0" err="1">
-                <a:latin typeface="Times New Roman" panose="02020603050405020304" pitchFamily="18" charset="0"/>
-                <a:cs typeface="Times New Roman" panose="02020603050405020304" pitchFamily="18" charset="0"/>
-              </a:rPr>
-              <a:t>.println</a:t>
-            </a:r>
-            <a:r>
-              <a:rPr lang="pt-BR" sz="1600" dirty="0">
-                <a:latin typeface="Times New Roman" panose="02020603050405020304" pitchFamily="18" charset="0"/>
-                <a:cs typeface="Times New Roman" panose="02020603050405020304" pitchFamily="18" charset="0"/>
-              </a:rPr>
-              <a:t>(sensor);</a:t>
-            </a:r>
-          </a:p>
-          <a:p>
-            <a:pPr marL="0" indent="0" algn="just">
-              <a:buNone/>
-            </a:pPr>
-            <a:r>
-              <a:rPr lang="pt-BR" sz="1600" dirty="0">
-                <a:latin typeface="Times New Roman" panose="02020603050405020304" pitchFamily="18" charset="0"/>
-                <a:cs typeface="Times New Roman" panose="02020603050405020304" pitchFamily="18" charset="0"/>
-              </a:rPr>
-              <a:t>  </a:t>
-            </a:r>
-          </a:p>
-          <a:p>
-            <a:pPr marL="0" indent="0" algn="just">
-              <a:buNone/>
-            </a:pPr>
-            <a:r>
-              <a:rPr lang="pt-BR" sz="1600" dirty="0">
-                <a:latin typeface="Times New Roman" panose="02020603050405020304" pitchFamily="18" charset="0"/>
-                <a:cs typeface="Times New Roman" panose="02020603050405020304" pitchFamily="18" charset="0"/>
-              </a:rPr>
-              <a:t>  </a:t>
-            </a:r>
-            <a:r>
-              <a:rPr lang="pt-BR" sz="1600" dirty="0" err="1">
-                <a:latin typeface="Times New Roman" panose="02020603050405020304" pitchFamily="18" charset="0"/>
-                <a:cs typeface="Times New Roman" panose="02020603050405020304" pitchFamily="18" charset="0"/>
-              </a:rPr>
-              <a:t>if</a:t>
-            </a:r>
-            <a:r>
-              <a:rPr lang="pt-BR" sz="1600" dirty="0">
-                <a:latin typeface="Times New Roman" panose="02020603050405020304" pitchFamily="18" charset="0"/>
-                <a:cs typeface="Times New Roman" panose="02020603050405020304" pitchFamily="18" charset="0"/>
-              </a:rPr>
-              <a:t> (sensor ==  </a:t>
-            </a:r>
-            <a:r>
-              <a:rPr lang="pt-BR" sz="1600" b="1" dirty="0">
-                <a:latin typeface="Times New Roman" panose="02020603050405020304" pitchFamily="18" charset="0"/>
-                <a:cs typeface="Times New Roman" panose="02020603050405020304" pitchFamily="18" charset="0"/>
-              </a:rPr>
-              <a:t>HIGH</a:t>
-            </a:r>
-            <a:r>
-              <a:rPr lang="pt-BR" sz="1600" dirty="0">
-                <a:latin typeface="Times New Roman" panose="02020603050405020304" pitchFamily="18" charset="0"/>
-                <a:cs typeface="Times New Roman" panose="02020603050405020304" pitchFamily="18" charset="0"/>
-              </a:rPr>
-              <a:t>)</a:t>
-            </a:r>
-          </a:p>
-          <a:p>
-            <a:pPr marL="0" indent="0" algn="just">
-              <a:buNone/>
-            </a:pPr>
-            <a:r>
-              <a:rPr lang="pt-BR" sz="1600" dirty="0">
-                <a:latin typeface="Times New Roman" panose="02020603050405020304" pitchFamily="18" charset="0"/>
-                <a:cs typeface="Times New Roman" panose="02020603050405020304" pitchFamily="18" charset="0"/>
-              </a:rPr>
-              <a:t>    </a:t>
-            </a:r>
-            <a:r>
-              <a:rPr lang="pt-BR" sz="1600" b="1" dirty="0" err="1">
-                <a:latin typeface="Times New Roman" panose="02020603050405020304" pitchFamily="18" charset="0"/>
-                <a:cs typeface="Times New Roman" panose="02020603050405020304" pitchFamily="18" charset="0"/>
-              </a:rPr>
-              <a:t>Serial</a:t>
-            </a:r>
-            <a:r>
-              <a:rPr lang="pt-BR" sz="1600" dirty="0" err="1">
-                <a:latin typeface="Times New Roman" panose="02020603050405020304" pitchFamily="18" charset="0"/>
-                <a:cs typeface="Times New Roman" panose="02020603050405020304" pitchFamily="18" charset="0"/>
-              </a:rPr>
-              <a:t>.println</a:t>
-            </a:r>
-            <a:r>
-              <a:rPr lang="pt-BR" sz="1600" dirty="0">
-                <a:latin typeface="Times New Roman" panose="02020603050405020304" pitchFamily="18" charset="0"/>
-                <a:cs typeface="Times New Roman" panose="02020603050405020304" pitchFamily="18" charset="0"/>
-              </a:rPr>
-              <a:t>("Perigo");</a:t>
-            </a:r>
-          </a:p>
-          <a:p>
-            <a:pPr marL="0" indent="0" algn="just">
-              <a:buNone/>
-            </a:pPr>
-            <a:r>
-              <a:rPr lang="pt-BR" sz="1600" dirty="0">
-                <a:latin typeface="Times New Roman" panose="02020603050405020304" pitchFamily="18" charset="0"/>
-                <a:cs typeface="Times New Roman" panose="02020603050405020304" pitchFamily="18" charset="0"/>
-              </a:rPr>
-              <a:t>}</a:t>
-            </a:r>
           </a:p>
         </p:txBody>
       </p:sp>
@@ -18979,6 +19044,1271 @@
 </file>
 
 <file path=ppt/slides/slide42.xml><?xml version="1.0" encoding="utf-8"?>
+<p:sld xmlns:a="http://schemas.openxmlformats.org/drawingml/2006/main" xmlns:r="http://schemas.openxmlformats.org/officeDocument/2006/relationships" xmlns:p="http://schemas.openxmlformats.org/presentationml/2006/main">
+  <p:cSld>
+    <p:spTree>
+      <p:nvGrpSpPr>
+        <p:cNvPr id="1" name="">
+          <a:extLst>
+            <a:ext uri="{FF2B5EF4-FFF2-40B4-BE49-F238E27FC236}">
+              <a16:creationId xmlns:a16="http://schemas.microsoft.com/office/drawing/2014/main" id="{F943E65A-3ACD-FDAD-762E-DE8F558C054D}"/>
+            </a:ext>
+          </a:extLst>
+        </p:cNvPr>
+        <p:cNvGrpSpPr/>
+        <p:nvPr/>
+      </p:nvGrpSpPr>
+      <p:grpSpPr>
+        <a:xfrm>
+          <a:off x="0" y="0"/>
+          <a:ext cx="0" cy="0"/>
+          <a:chOff x="0" y="0"/>
+          <a:chExt cx="0" cy="0"/>
+        </a:xfrm>
+      </p:grpSpPr>
+      <p:sp>
+        <p:nvSpPr>
+          <p:cNvPr id="6" name="Title 1">
+            <a:extLst>
+              <a:ext uri="{FF2B5EF4-FFF2-40B4-BE49-F238E27FC236}">
+                <a16:creationId xmlns:a16="http://schemas.microsoft.com/office/drawing/2014/main" id="{E1773C06-16A8-9286-9E3D-F4E6E41605A6}"/>
+              </a:ext>
+            </a:extLst>
+          </p:cNvPr>
+          <p:cNvSpPr>
+            <a:spLocks noGrp="1"/>
+          </p:cNvSpPr>
+          <p:nvPr>
+            <p:ph type="title"/>
+          </p:nvPr>
+        </p:nvSpPr>
+        <p:spPr>
+          <a:xfrm>
+            <a:off x="457200" y="205980"/>
+            <a:ext cx="8229600" cy="857251"/>
+          </a:xfrm>
+        </p:spPr>
+        <p:txBody>
+          <a:bodyPr>
+            <a:normAutofit/>
+          </a:bodyPr>
+          <a:lstStyle/>
+          <a:p>
+            <a:r>
+              <a:rPr lang="en-US" b="1" dirty="0" err="1">
+                <a:solidFill>
+                  <a:srgbClr val="0070C0"/>
+                </a:solidFill>
+              </a:rPr>
+              <a:t>Dinâmica</a:t>
+            </a:r>
+            <a:r>
+              <a:rPr lang="en-US" b="1" dirty="0">
+                <a:solidFill>
+                  <a:srgbClr val="0070C0"/>
+                </a:solidFill>
+              </a:rPr>
+              <a:t>/</a:t>
+            </a:r>
+            <a:r>
+              <a:rPr lang="en-US" b="1" dirty="0" err="1">
+                <a:solidFill>
+                  <a:srgbClr val="0070C0"/>
+                </a:solidFill>
+              </a:rPr>
+              <a:t>Atividades</a:t>
+            </a:r>
+            <a:r>
+              <a:rPr lang="en-US" b="1" dirty="0">
+                <a:solidFill>
+                  <a:srgbClr val="0070C0"/>
+                </a:solidFill>
+              </a:rPr>
+              <a:t> - </a:t>
+            </a:r>
+            <a:r>
+              <a:rPr lang="en-US" b="1" dirty="0" err="1">
+                <a:solidFill>
+                  <a:srgbClr val="0070C0"/>
+                </a:solidFill>
+              </a:rPr>
+              <a:t>Exercícios</a:t>
+            </a:r>
+            <a:endParaRPr lang="en-US" b="1" dirty="0">
+              <a:solidFill>
+                <a:srgbClr val="0070C0"/>
+              </a:solidFill>
+            </a:endParaRPr>
+          </a:p>
+        </p:txBody>
+      </p:sp>
+      <p:sp>
+        <p:nvSpPr>
+          <p:cNvPr id="8" name="Text Placeholder 2">
+            <a:extLst>
+              <a:ext uri="{FF2B5EF4-FFF2-40B4-BE49-F238E27FC236}">
+                <a16:creationId xmlns:a16="http://schemas.microsoft.com/office/drawing/2014/main" id="{96FEE652-D999-1E18-061E-CD3FC9636302}"/>
+              </a:ext>
+            </a:extLst>
+          </p:cNvPr>
+          <p:cNvSpPr>
+            <a:spLocks noGrp="1"/>
+          </p:cNvSpPr>
+          <p:nvPr>
+            <p:ph type="body" sz="half" idx="1"/>
+          </p:nvPr>
+        </p:nvSpPr>
+        <p:spPr>
+          <a:xfrm>
+            <a:off x="139472" y="1063230"/>
+            <a:ext cx="8865056" cy="3996450"/>
+          </a:xfrm>
+        </p:spPr>
+        <p:txBody>
+          <a:bodyPr>
+            <a:noAutofit/>
+          </a:bodyPr>
+          <a:lstStyle/>
+          <a:p>
+            <a:pPr marL="0" indent="0" algn="just">
+              <a:buNone/>
+            </a:pPr>
+            <a:r>
+              <a:rPr lang="pt-BR" sz="2200" b="1" dirty="0" err="1">
+                <a:latin typeface="Times New Roman" panose="02020603050405020304" pitchFamily="18" charset="0"/>
+                <a:cs typeface="Times New Roman" panose="02020603050405020304" pitchFamily="18" charset="0"/>
+              </a:rPr>
+              <a:t>void</a:t>
+            </a:r>
+            <a:r>
+              <a:rPr lang="pt-BR" sz="2200" b="1" dirty="0">
+                <a:latin typeface="Times New Roman" panose="02020603050405020304" pitchFamily="18" charset="0"/>
+                <a:cs typeface="Times New Roman" panose="02020603050405020304" pitchFamily="18" charset="0"/>
+              </a:rPr>
+              <a:t> loop() </a:t>
+            </a:r>
+            <a:r>
+              <a:rPr lang="pt-BR" sz="2200" dirty="0">
+                <a:latin typeface="Times New Roman" panose="02020603050405020304" pitchFamily="18" charset="0"/>
+                <a:cs typeface="Times New Roman" panose="02020603050405020304" pitchFamily="18" charset="0"/>
+              </a:rPr>
+              <a:t>{  </a:t>
+            </a:r>
+          </a:p>
+          <a:p>
+            <a:pPr marL="0" indent="0" algn="just">
+              <a:buNone/>
+            </a:pPr>
+            <a:r>
+              <a:rPr lang="pt-BR" sz="2200" dirty="0">
+                <a:latin typeface="Times New Roman" panose="02020603050405020304" pitchFamily="18" charset="0"/>
+                <a:cs typeface="Times New Roman" panose="02020603050405020304" pitchFamily="18" charset="0"/>
+              </a:rPr>
+              <a:t>  cm = 0.01723 * </a:t>
+            </a:r>
+            <a:r>
+              <a:rPr lang="pt-BR" sz="2200" dirty="0" err="1">
+                <a:latin typeface="Times New Roman" panose="02020603050405020304" pitchFamily="18" charset="0"/>
+                <a:cs typeface="Times New Roman" panose="02020603050405020304" pitchFamily="18" charset="0"/>
+              </a:rPr>
+              <a:t>readUltrasonicDistance</a:t>
+            </a:r>
+            <a:r>
+              <a:rPr lang="pt-BR" sz="2200" dirty="0">
+                <a:latin typeface="Times New Roman" panose="02020603050405020304" pitchFamily="18" charset="0"/>
+                <a:cs typeface="Times New Roman" panose="02020603050405020304" pitchFamily="18" charset="0"/>
+              </a:rPr>
+              <a:t>(7, 7); // </a:t>
+            </a:r>
+            <a:r>
+              <a:rPr lang="pt-BR" sz="2200" dirty="0" err="1">
+                <a:latin typeface="Times New Roman" panose="02020603050405020304" pitchFamily="18" charset="0"/>
+                <a:cs typeface="Times New Roman" panose="02020603050405020304" pitchFamily="18" charset="0"/>
+              </a:rPr>
+              <a:t>measure</a:t>
+            </a:r>
+            <a:r>
+              <a:rPr lang="pt-BR" sz="2200" dirty="0">
+                <a:latin typeface="Times New Roman" panose="02020603050405020304" pitchFamily="18" charset="0"/>
+                <a:cs typeface="Times New Roman" panose="02020603050405020304" pitchFamily="18" charset="0"/>
+              </a:rPr>
+              <a:t> </a:t>
+            </a:r>
+            <a:r>
+              <a:rPr lang="pt-BR" sz="2200" dirty="0" err="1">
+                <a:latin typeface="Times New Roman" panose="02020603050405020304" pitchFamily="18" charset="0"/>
+                <a:cs typeface="Times New Roman" panose="02020603050405020304" pitchFamily="18" charset="0"/>
+              </a:rPr>
+              <a:t>the</a:t>
+            </a:r>
+            <a:r>
+              <a:rPr lang="pt-BR" sz="2200" dirty="0">
+                <a:latin typeface="Times New Roman" panose="02020603050405020304" pitchFamily="18" charset="0"/>
+                <a:cs typeface="Times New Roman" panose="02020603050405020304" pitchFamily="18" charset="0"/>
+              </a:rPr>
+              <a:t> </a:t>
+            </a:r>
+            <a:r>
+              <a:rPr lang="pt-BR" sz="2200" dirty="0" err="1">
+                <a:latin typeface="Times New Roman" panose="02020603050405020304" pitchFamily="18" charset="0"/>
+                <a:cs typeface="Times New Roman" panose="02020603050405020304" pitchFamily="18" charset="0"/>
+              </a:rPr>
+              <a:t>ping</a:t>
+            </a:r>
+            <a:r>
+              <a:rPr lang="pt-BR" sz="2200" dirty="0">
+                <a:latin typeface="Times New Roman" panose="02020603050405020304" pitchFamily="18" charset="0"/>
+                <a:cs typeface="Times New Roman" panose="02020603050405020304" pitchFamily="18" charset="0"/>
+              </a:rPr>
+              <a:t> time in cm</a:t>
+            </a:r>
+          </a:p>
+          <a:p>
+            <a:pPr marL="0" indent="0" algn="just">
+              <a:buNone/>
+            </a:pPr>
+            <a:r>
+              <a:rPr lang="pt-BR" sz="2200" dirty="0">
+                <a:latin typeface="Times New Roman" panose="02020603050405020304" pitchFamily="18" charset="0"/>
+                <a:cs typeface="Times New Roman" panose="02020603050405020304" pitchFamily="18" charset="0"/>
+              </a:rPr>
+              <a:t>  inches = (cm / 2.54); // </a:t>
+            </a:r>
+            <a:r>
+              <a:rPr lang="pt-BR" sz="2200" dirty="0" err="1">
+                <a:latin typeface="Times New Roman" panose="02020603050405020304" pitchFamily="18" charset="0"/>
+                <a:cs typeface="Times New Roman" panose="02020603050405020304" pitchFamily="18" charset="0"/>
+              </a:rPr>
+              <a:t>convert</a:t>
+            </a:r>
+            <a:r>
+              <a:rPr lang="pt-BR" sz="2200" dirty="0">
+                <a:latin typeface="Times New Roman" panose="02020603050405020304" pitchFamily="18" charset="0"/>
+                <a:cs typeface="Times New Roman" panose="02020603050405020304" pitchFamily="18" charset="0"/>
+              </a:rPr>
+              <a:t> </a:t>
+            </a:r>
+            <a:r>
+              <a:rPr lang="pt-BR" sz="2200" dirty="0" err="1">
+                <a:latin typeface="Times New Roman" panose="02020603050405020304" pitchFamily="18" charset="0"/>
+                <a:cs typeface="Times New Roman" panose="02020603050405020304" pitchFamily="18" charset="0"/>
+              </a:rPr>
+              <a:t>to</a:t>
+            </a:r>
+            <a:r>
+              <a:rPr lang="pt-BR" sz="2200" dirty="0">
+                <a:latin typeface="Times New Roman" panose="02020603050405020304" pitchFamily="18" charset="0"/>
+                <a:cs typeface="Times New Roman" panose="02020603050405020304" pitchFamily="18" charset="0"/>
+              </a:rPr>
+              <a:t> inches </a:t>
+            </a:r>
+            <a:r>
+              <a:rPr lang="pt-BR" sz="2200" dirty="0" err="1">
+                <a:latin typeface="Times New Roman" panose="02020603050405020304" pitchFamily="18" charset="0"/>
+                <a:cs typeface="Times New Roman" panose="02020603050405020304" pitchFamily="18" charset="0"/>
+              </a:rPr>
+              <a:t>by</a:t>
+            </a:r>
+            <a:r>
+              <a:rPr lang="pt-BR" sz="2200" dirty="0">
+                <a:latin typeface="Times New Roman" panose="02020603050405020304" pitchFamily="18" charset="0"/>
+                <a:cs typeface="Times New Roman" panose="02020603050405020304" pitchFamily="18" charset="0"/>
+              </a:rPr>
+              <a:t> </a:t>
+            </a:r>
+            <a:r>
+              <a:rPr lang="pt-BR" sz="2200" dirty="0" err="1">
+                <a:latin typeface="Times New Roman" panose="02020603050405020304" pitchFamily="18" charset="0"/>
+                <a:cs typeface="Times New Roman" panose="02020603050405020304" pitchFamily="18" charset="0"/>
+              </a:rPr>
+              <a:t>dividing</a:t>
+            </a:r>
+            <a:r>
+              <a:rPr lang="pt-BR" sz="2200" dirty="0">
+                <a:latin typeface="Times New Roman" panose="02020603050405020304" pitchFamily="18" charset="0"/>
+                <a:cs typeface="Times New Roman" panose="02020603050405020304" pitchFamily="18" charset="0"/>
+              </a:rPr>
+              <a:t> </a:t>
+            </a:r>
+            <a:r>
+              <a:rPr lang="pt-BR" sz="2200" dirty="0" err="1">
+                <a:latin typeface="Times New Roman" panose="02020603050405020304" pitchFamily="18" charset="0"/>
+                <a:cs typeface="Times New Roman" panose="02020603050405020304" pitchFamily="18" charset="0"/>
+              </a:rPr>
+              <a:t>by</a:t>
+            </a:r>
+            <a:r>
+              <a:rPr lang="pt-BR" sz="2200" dirty="0">
+                <a:latin typeface="Times New Roman" panose="02020603050405020304" pitchFamily="18" charset="0"/>
+                <a:cs typeface="Times New Roman" panose="02020603050405020304" pitchFamily="18" charset="0"/>
+              </a:rPr>
+              <a:t> 2.54</a:t>
+            </a:r>
+          </a:p>
+          <a:p>
+            <a:pPr marL="0" indent="0" algn="just">
+              <a:buNone/>
+            </a:pPr>
+            <a:r>
+              <a:rPr lang="pt-BR" sz="2200" dirty="0">
+                <a:latin typeface="Times New Roman" panose="02020603050405020304" pitchFamily="18" charset="0"/>
+                <a:cs typeface="Times New Roman" panose="02020603050405020304" pitchFamily="18" charset="0"/>
+              </a:rPr>
+              <a:t>  </a:t>
+            </a:r>
+            <a:r>
+              <a:rPr lang="pt-BR" sz="2200" dirty="0" err="1">
+                <a:latin typeface="Times New Roman" panose="02020603050405020304" pitchFamily="18" charset="0"/>
+                <a:cs typeface="Times New Roman" panose="02020603050405020304" pitchFamily="18" charset="0"/>
+              </a:rPr>
+              <a:t>Serial.print</a:t>
+            </a:r>
+            <a:r>
+              <a:rPr lang="pt-BR" sz="2200" dirty="0">
+                <a:latin typeface="Times New Roman" panose="02020603050405020304" pitchFamily="18" charset="0"/>
+                <a:cs typeface="Times New Roman" panose="02020603050405020304" pitchFamily="18" charset="0"/>
+              </a:rPr>
+              <a:t>(inches);</a:t>
+            </a:r>
+          </a:p>
+          <a:p>
+            <a:pPr marL="0" indent="0" algn="just">
+              <a:buNone/>
+            </a:pPr>
+            <a:r>
+              <a:rPr lang="pt-BR" sz="2200" dirty="0">
+                <a:latin typeface="Times New Roman" panose="02020603050405020304" pitchFamily="18" charset="0"/>
+                <a:cs typeface="Times New Roman" panose="02020603050405020304" pitchFamily="18" charset="0"/>
+              </a:rPr>
+              <a:t>  </a:t>
+            </a:r>
+            <a:r>
+              <a:rPr lang="pt-BR" sz="2200" dirty="0" err="1">
+                <a:latin typeface="Times New Roman" panose="02020603050405020304" pitchFamily="18" charset="0"/>
+                <a:cs typeface="Times New Roman" panose="02020603050405020304" pitchFamily="18" charset="0"/>
+              </a:rPr>
+              <a:t>Serial.print</a:t>
+            </a:r>
+            <a:r>
+              <a:rPr lang="pt-BR" sz="2200" dirty="0">
+                <a:latin typeface="Times New Roman" panose="02020603050405020304" pitchFamily="18" charset="0"/>
+                <a:cs typeface="Times New Roman" panose="02020603050405020304" pitchFamily="18" charset="0"/>
+              </a:rPr>
+              <a:t>("in, ");</a:t>
+            </a:r>
+          </a:p>
+          <a:p>
+            <a:pPr marL="0" indent="0" algn="just">
+              <a:buNone/>
+            </a:pPr>
+            <a:r>
+              <a:rPr lang="pt-BR" sz="2200" dirty="0">
+                <a:latin typeface="Times New Roman" panose="02020603050405020304" pitchFamily="18" charset="0"/>
+                <a:cs typeface="Times New Roman" panose="02020603050405020304" pitchFamily="18" charset="0"/>
+              </a:rPr>
+              <a:t>  </a:t>
+            </a:r>
+            <a:r>
+              <a:rPr lang="pt-BR" sz="2200" dirty="0" err="1">
+                <a:latin typeface="Times New Roman" panose="02020603050405020304" pitchFamily="18" charset="0"/>
+                <a:cs typeface="Times New Roman" panose="02020603050405020304" pitchFamily="18" charset="0"/>
+              </a:rPr>
+              <a:t>Serial.print</a:t>
+            </a:r>
+            <a:r>
+              <a:rPr lang="pt-BR" sz="2200" dirty="0">
+                <a:latin typeface="Times New Roman" panose="02020603050405020304" pitchFamily="18" charset="0"/>
+                <a:cs typeface="Times New Roman" panose="02020603050405020304" pitchFamily="18" charset="0"/>
+              </a:rPr>
+              <a:t>(cm);</a:t>
+            </a:r>
+          </a:p>
+          <a:p>
+            <a:pPr marL="0" indent="0" algn="just">
+              <a:buNone/>
+            </a:pPr>
+            <a:r>
+              <a:rPr lang="pt-BR" sz="2200" dirty="0">
+                <a:latin typeface="Times New Roman" panose="02020603050405020304" pitchFamily="18" charset="0"/>
+                <a:cs typeface="Times New Roman" panose="02020603050405020304" pitchFamily="18" charset="0"/>
+              </a:rPr>
+              <a:t>  </a:t>
+            </a:r>
+            <a:r>
+              <a:rPr lang="pt-BR" sz="2200" dirty="0" err="1">
+                <a:latin typeface="Times New Roman" panose="02020603050405020304" pitchFamily="18" charset="0"/>
+                <a:cs typeface="Times New Roman" panose="02020603050405020304" pitchFamily="18" charset="0"/>
+              </a:rPr>
+              <a:t>Serial.println</a:t>
+            </a:r>
+            <a:r>
+              <a:rPr lang="pt-BR" sz="2200" dirty="0">
+                <a:latin typeface="Times New Roman" panose="02020603050405020304" pitchFamily="18" charset="0"/>
+                <a:cs typeface="Times New Roman" panose="02020603050405020304" pitchFamily="18" charset="0"/>
+              </a:rPr>
+              <a:t>("cm");</a:t>
+            </a:r>
+          </a:p>
+          <a:p>
+            <a:pPr marL="0" indent="0" algn="just">
+              <a:buNone/>
+            </a:pPr>
+            <a:r>
+              <a:rPr lang="pt-BR" sz="2200" dirty="0">
+                <a:latin typeface="Times New Roman" panose="02020603050405020304" pitchFamily="18" charset="0"/>
+                <a:cs typeface="Times New Roman" panose="02020603050405020304" pitchFamily="18" charset="0"/>
+              </a:rPr>
+              <a:t>  delay(100); // </a:t>
+            </a:r>
+            <a:r>
+              <a:rPr lang="pt-BR" sz="2200" dirty="0" err="1">
+                <a:latin typeface="Times New Roman" panose="02020603050405020304" pitchFamily="18" charset="0"/>
+                <a:cs typeface="Times New Roman" panose="02020603050405020304" pitchFamily="18" charset="0"/>
+              </a:rPr>
+              <a:t>Wait</a:t>
+            </a:r>
+            <a:r>
+              <a:rPr lang="pt-BR" sz="2200" dirty="0">
+                <a:latin typeface="Times New Roman" panose="02020603050405020304" pitchFamily="18" charset="0"/>
+                <a:cs typeface="Times New Roman" panose="02020603050405020304" pitchFamily="18" charset="0"/>
+              </a:rPr>
+              <a:t> for 100 </a:t>
+            </a:r>
+            <a:r>
+              <a:rPr lang="pt-BR" sz="2200" dirty="0" err="1">
+                <a:latin typeface="Times New Roman" panose="02020603050405020304" pitchFamily="18" charset="0"/>
+                <a:cs typeface="Times New Roman" panose="02020603050405020304" pitchFamily="18" charset="0"/>
+              </a:rPr>
+              <a:t>millisecond</a:t>
+            </a:r>
+            <a:r>
+              <a:rPr lang="pt-BR" sz="2200" dirty="0">
+                <a:latin typeface="Times New Roman" panose="02020603050405020304" pitchFamily="18" charset="0"/>
+                <a:cs typeface="Times New Roman" panose="02020603050405020304" pitchFamily="18" charset="0"/>
+              </a:rPr>
+              <a:t>(s)</a:t>
+            </a:r>
+          </a:p>
+          <a:p>
+            <a:pPr marL="0" indent="0" algn="just">
+              <a:buNone/>
+            </a:pPr>
+            <a:r>
+              <a:rPr lang="pt-BR" sz="2200" dirty="0">
+                <a:latin typeface="Times New Roman" panose="02020603050405020304" pitchFamily="18" charset="0"/>
+                <a:cs typeface="Times New Roman" panose="02020603050405020304" pitchFamily="18" charset="0"/>
+              </a:rPr>
+              <a:t>}</a:t>
+            </a:r>
+          </a:p>
+        </p:txBody>
+      </p:sp>
+    </p:spTree>
+    <p:extLst>
+      <p:ext uri="{BB962C8B-B14F-4D97-AF65-F5344CB8AC3E}">
+        <p14:creationId xmlns:p14="http://schemas.microsoft.com/office/powerpoint/2010/main" val="2833913537"/>
+      </p:ext>
+    </p:extLst>
+  </p:cSld>
+  <p:clrMapOvr>
+    <a:masterClrMapping/>
+  </p:clrMapOvr>
+  <p:transition spd="med"/>
+</p:sld>
+</file>
+
+<file path=ppt/slides/slide43.xml><?xml version="1.0" encoding="utf-8"?>
+<p:sld xmlns:a="http://schemas.openxmlformats.org/drawingml/2006/main" xmlns:r="http://schemas.openxmlformats.org/officeDocument/2006/relationships" xmlns:p="http://schemas.openxmlformats.org/presentationml/2006/main">
+  <p:cSld>
+    <p:spTree>
+      <p:nvGrpSpPr>
+        <p:cNvPr id="1" name="">
+          <a:extLst>
+            <a:ext uri="{FF2B5EF4-FFF2-40B4-BE49-F238E27FC236}">
+              <a16:creationId xmlns:a16="http://schemas.microsoft.com/office/drawing/2014/main" id="{A9BFA6A3-6E96-01D8-66D5-C993B35408ED}"/>
+            </a:ext>
+          </a:extLst>
+        </p:cNvPr>
+        <p:cNvGrpSpPr/>
+        <p:nvPr/>
+      </p:nvGrpSpPr>
+      <p:grpSpPr>
+        <a:xfrm>
+          <a:off x="0" y="0"/>
+          <a:ext cx="0" cy="0"/>
+          <a:chOff x="0" y="0"/>
+          <a:chExt cx="0" cy="0"/>
+        </a:xfrm>
+      </p:grpSpPr>
+      <p:sp>
+        <p:nvSpPr>
+          <p:cNvPr id="6" name="Title 1">
+            <a:extLst>
+              <a:ext uri="{FF2B5EF4-FFF2-40B4-BE49-F238E27FC236}">
+                <a16:creationId xmlns:a16="http://schemas.microsoft.com/office/drawing/2014/main" id="{ECEAB9A2-DBE1-FF2B-5BF6-89906604B747}"/>
+              </a:ext>
+            </a:extLst>
+          </p:cNvPr>
+          <p:cNvSpPr>
+            <a:spLocks noGrp="1"/>
+          </p:cNvSpPr>
+          <p:nvPr>
+            <p:ph type="title"/>
+          </p:nvPr>
+        </p:nvSpPr>
+        <p:spPr>
+          <a:xfrm>
+            <a:off x="457200" y="205980"/>
+            <a:ext cx="8229600" cy="857251"/>
+          </a:xfrm>
+        </p:spPr>
+        <p:txBody>
+          <a:bodyPr>
+            <a:normAutofit/>
+          </a:bodyPr>
+          <a:lstStyle/>
+          <a:p>
+            <a:r>
+              <a:rPr lang="en-US" b="1" dirty="0" err="1">
+                <a:solidFill>
+                  <a:srgbClr val="0070C0"/>
+                </a:solidFill>
+              </a:rPr>
+              <a:t>Dinâmica</a:t>
+            </a:r>
+            <a:r>
+              <a:rPr lang="en-US" b="1" dirty="0">
+                <a:solidFill>
+                  <a:srgbClr val="0070C0"/>
+                </a:solidFill>
+              </a:rPr>
+              <a:t>/</a:t>
+            </a:r>
+            <a:r>
+              <a:rPr lang="en-US" b="1" dirty="0" err="1">
+                <a:solidFill>
+                  <a:srgbClr val="0070C0"/>
+                </a:solidFill>
+              </a:rPr>
+              <a:t>Atividades</a:t>
+            </a:r>
+            <a:r>
+              <a:rPr lang="en-US" b="1" dirty="0">
+                <a:solidFill>
+                  <a:srgbClr val="0070C0"/>
+                </a:solidFill>
+              </a:rPr>
+              <a:t> - </a:t>
+            </a:r>
+            <a:r>
+              <a:rPr lang="en-US" b="1" dirty="0" err="1">
+                <a:solidFill>
+                  <a:srgbClr val="0070C0"/>
+                </a:solidFill>
+              </a:rPr>
+              <a:t>Exercícios</a:t>
+            </a:r>
+            <a:endParaRPr lang="en-US" b="1" dirty="0">
+              <a:solidFill>
+                <a:srgbClr val="0070C0"/>
+              </a:solidFill>
+            </a:endParaRPr>
+          </a:p>
+        </p:txBody>
+      </p:sp>
+      <p:sp>
+        <p:nvSpPr>
+          <p:cNvPr id="8" name="Text Placeholder 2">
+            <a:extLst>
+              <a:ext uri="{FF2B5EF4-FFF2-40B4-BE49-F238E27FC236}">
+                <a16:creationId xmlns:a16="http://schemas.microsoft.com/office/drawing/2014/main" id="{6E8FE4D2-6C5A-4E48-E630-AEB3EEE6114C}"/>
+              </a:ext>
+            </a:extLst>
+          </p:cNvPr>
+          <p:cNvSpPr>
+            <a:spLocks noGrp="1"/>
+          </p:cNvSpPr>
+          <p:nvPr>
+            <p:ph type="body" sz="half" idx="1"/>
+          </p:nvPr>
+        </p:nvSpPr>
+        <p:spPr>
+          <a:xfrm>
+            <a:off x="139472" y="1063230"/>
+            <a:ext cx="8865056" cy="3996450"/>
+          </a:xfrm>
+        </p:spPr>
+        <p:txBody>
+          <a:bodyPr>
+            <a:noAutofit/>
+          </a:bodyPr>
+          <a:lstStyle/>
+          <a:p>
+            <a:pPr marL="0" indent="0" algn="just">
+              <a:buNone/>
+            </a:pPr>
+            <a:r>
+              <a:rPr lang="pt-BR" sz="1600" b="1" dirty="0" err="1">
+                <a:latin typeface="Times New Roman" panose="02020603050405020304" pitchFamily="18" charset="0"/>
+                <a:cs typeface="Times New Roman" panose="02020603050405020304" pitchFamily="18" charset="0"/>
+              </a:rPr>
+              <a:t>long</a:t>
+            </a:r>
+            <a:r>
+              <a:rPr lang="pt-BR" sz="1600" b="1" dirty="0">
+                <a:latin typeface="Times New Roman" panose="02020603050405020304" pitchFamily="18" charset="0"/>
+                <a:cs typeface="Times New Roman" panose="02020603050405020304" pitchFamily="18" charset="0"/>
+              </a:rPr>
+              <a:t> </a:t>
+            </a:r>
+            <a:r>
+              <a:rPr lang="pt-BR" sz="1600" b="1" dirty="0" err="1">
+                <a:latin typeface="Times New Roman" panose="02020603050405020304" pitchFamily="18" charset="0"/>
+                <a:cs typeface="Times New Roman" panose="02020603050405020304" pitchFamily="18" charset="0"/>
+              </a:rPr>
+              <a:t>readUltrasonicDistance</a:t>
+            </a:r>
+            <a:r>
+              <a:rPr lang="pt-BR" sz="1600" b="1" dirty="0">
+                <a:latin typeface="Times New Roman" panose="02020603050405020304" pitchFamily="18" charset="0"/>
+                <a:cs typeface="Times New Roman" panose="02020603050405020304" pitchFamily="18" charset="0"/>
+              </a:rPr>
+              <a:t>(</a:t>
+            </a:r>
+            <a:r>
+              <a:rPr lang="pt-BR" sz="1600" b="1" dirty="0" err="1">
+                <a:latin typeface="Times New Roman" panose="02020603050405020304" pitchFamily="18" charset="0"/>
+                <a:cs typeface="Times New Roman" panose="02020603050405020304" pitchFamily="18" charset="0"/>
+              </a:rPr>
+              <a:t>int</a:t>
+            </a:r>
+            <a:r>
+              <a:rPr lang="pt-BR" sz="1600" b="1" dirty="0">
+                <a:latin typeface="Times New Roman" panose="02020603050405020304" pitchFamily="18" charset="0"/>
+                <a:cs typeface="Times New Roman" panose="02020603050405020304" pitchFamily="18" charset="0"/>
+              </a:rPr>
+              <a:t> </a:t>
+            </a:r>
+            <a:r>
+              <a:rPr lang="pt-BR" sz="1600" b="1" dirty="0" err="1">
+                <a:latin typeface="Times New Roman" panose="02020603050405020304" pitchFamily="18" charset="0"/>
+                <a:cs typeface="Times New Roman" panose="02020603050405020304" pitchFamily="18" charset="0"/>
+              </a:rPr>
+              <a:t>triggerPin</a:t>
+            </a:r>
+            <a:r>
+              <a:rPr lang="pt-BR" sz="1600" b="1" dirty="0">
+                <a:latin typeface="Times New Roman" panose="02020603050405020304" pitchFamily="18" charset="0"/>
+                <a:cs typeface="Times New Roman" panose="02020603050405020304" pitchFamily="18" charset="0"/>
+              </a:rPr>
+              <a:t>, </a:t>
+            </a:r>
+            <a:r>
+              <a:rPr lang="pt-BR" sz="1600" b="1" dirty="0" err="1">
+                <a:latin typeface="Times New Roman" panose="02020603050405020304" pitchFamily="18" charset="0"/>
+                <a:cs typeface="Times New Roman" panose="02020603050405020304" pitchFamily="18" charset="0"/>
+              </a:rPr>
+              <a:t>int</a:t>
+            </a:r>
+            <a:r>
+              <a:rPr lang="pt-BR" sz="1600" b="1" dirty="0">
+                <a:latin typeface="Times New Roman" panose="02020603050405020304" pitchFamily="18" charset="0"/>
+                <a:cs typeface="Times New Roman" panose="02020603050405020304" pitchFamily="18" charset="0"/>
+              </a:rPr>
+              <a:t> </a:t>
+            </a:r>
+            <a:r>
+              <a:rPr lang="pt-BR" sz="1600" b="1" dirty="0" err="1">
+                <a:latin typeface="Times New Roman" panose="02020603050405020304" pitchFamily="18" charset="0"/>
+                <a:cs typeface="Times New Roman" panose="02020603050405020304" pitchFamily="18" charset="0"/>
+              </a:rPr>
+              <a:t>echoPin</a:t>
+            </a:r>
+            <a:r>
+              <a:rPr lang="pt-BR" sz="1600" b="1" dirty="0">
+                <a:latin typeface="Times New Roman" panose="02020603050405020304" pitchFamily="18" charset="0"/>
+                <a:cs typeface="Times New Roman" panose="02020603050405020304" pitchFamily="18" charset="0"/>
+              </a:rPr>
+              <a:t>)</a:t>
+            </a:r>
+          </a:p>
+          <a:p>
+            <a:pPr marL="0" indent="0" algn="just">
+              <a:buNone/>
+            </a:pPr>
+            <a:r>
+              <a:rPr lang="pt-BR" sz="1600" dirty="0">
+                <a:latin typeface="Times New Roman" panose="02020603050405020304" pitchFamily="18" charset="0"/>
+                <a:cs typeface="Times New Roman" panose="02020603050405020304" pitchFamily="18" charset="0"/>
+              </a:rPr>
+              <a:t>{  </a:t>
+            </a:r>
+            <a:r>
+              <a:rPr lang="pt-BR" sz="1600" dirty="0" err="1">
+                <a:latin typeface="Times New Roman" panose="02020603050405020304" pitchFamily="18" charset="0"/>
+                <a:cs typeface="Times New Roman" panose="02020603050405020304" pitchFamily="18" charset="0"/>
+              </a:rPr>
+              <a:t>pinMode</a:t>
+            </a:r>
+            <a:r>
+              <a:rPr lang="pt-BR" sz="1600" dirty="0">
+                <a:latin typeface="Times New Roman" panose="02020603050405020304" pitchFamily="18" charset="0"/>
+                <a:cs typeface="Times New Roman" panose="02020603050405020304" pitchFamily="18" charset="0"/>
+              </a:rPr>
+              <a:t>(</a:t>
+            </a:r>
+            <a:r>
+              <a:rPr lang="pt-BR" sz="1600" dirty="0" err="1">
+                <a:latin typeface="Times New Roman" panose="02020603050405020304" pitchFamily="18" charset="0"/>
+                <a:cs typeface="Times New Roman" panose="02020603050405020304" pitchFamily="18" charset="0"/>
+              </a:rPr>
+              <a:t>triggerPin</a:t>
+            </a:r>
+            <a:r>
+              <a:rPr lang="pt-BR" sz="1600" dirty="0">
+                <a:latin typeface="Times New Roman" panose="02020603050405020304" pitchFamily="18" charset="0"/>
+                <a:cs typeface="Times New Roman" panose="02020603050405020304" pitchFamily="18" charset="0"/>
+              </a:rPr>
+              <a:t>, OUTPUT);  // </a:t>
+            </a:r>
+            <a:r>
+              <a:rPr lang="pt-BR" sz="1600" dirty="0" err="1">
+                <a:latin typeface="Times New Roman" panose="02020603050405020304" pitchFamily="18" charset="0"/>
+                <a:cs typeface="Times New Roman" panose="02020603050405020304" pitchFamily="18" charset="0"/>
+              </a:rPr>
+              <a:t>Clear</a:t>
+            </a:r>
+            <a:r>
+              <a:rPr lang="pt-BR" sz="1600" dirty="0">
+                <a:latin typeface="Times New Roman" panose="02020603050405020304" pitchFamily="18" charset="0"/>
+                <a:cs typeface="Times New Roman" panose="02020603050405020304" pitchFamily="18" charset="0"/>
+              </a:rPr>
+              <a:t> </a:t>
+            </a:r>
+            <a:r>
+              <a:rPr lang="pt-BR" sz="1600" dirty="0" err="1">
+                <a:latin typeface="Times New Roman" panose="02020603050405020304" pitchFamily="18" charset="0"/>
+                <a:cs typeface="Times New Roman" panose="02020603050405020304" pitchFamily="18" charset="0"/>
+              </a:rPr>
+              <a:t>the</a:t>
+            </a:r>
+            <a:r>
+              <a:rPr lang="pt-BR" sz="1600" dirty="0">
+                <a:latin typeface="Times New Roman" panose="02020603050405020304" pitchFamily="18" charset="0"/>
+                <a:cs typeface="Times New Roman" panose="02020603050405020304" pitchFamily="18" charset="0"/>
+              </a:rPr>
+              <a:t> trigger</a:t>
+            </a:r>
+          </a:p>
+          <a:p>
+            <a:pPr marL="0" indent="0" algn="just">
+              <a:buNone/>
+            </a:pPr>
+            <a:r>
+              <a:rPr lang="pt-BR" sz="1600" dirty="0">
+                <a:latin typeface="Times New Roman" panose="02020603050405020304" pitchFamily="18" charset="0"/>
+                <a:cs typeface="Times New Roman" panose="02020603050405020304" pitchFamily="18" charset="0"/>
+              </a:rPr>
+              <a:t>  </a:t>
+            </a:r>
+            <a:r>
+              <a:rPr lang="pt-BR" sz="1600" dirty="0" err="1">
+                <a:latin typeface="Times New Roman" panose="02020603050405020304" pitchFamily="18" charset="0"/>
+                <a:cs typeface="Times New Roman" panose="02020603050405020304" pitchFamily="18" charset="0"/>
+              </a:rPr>
+              <a:t>digitalWrite</a:t>
+            </a:r>
+            <a:r>
+              <a:rPr lang="pt-BR" sz="1600" dirty="0">
+                <a:latin typeface="Times New Roman" panose="02020603050405020304" pitchFamily="18" charset="0"/>
+                <a:cs typeface="Times New Roman" panose="02020603050405020304" pitchFamily="18" charset="0"/>
+              </a:rPr>
+              <a:t>(</a:t>
+            </a:r>
+            <a:r>
+              <a:rPr lang="pt-BR" sz="1600" dirty="0" err="1">
+                <a:latin typeface="Times New Roman" panose="02020603050405020304" pitchFamily="18" charset="0"/>
+                <a:cs typeface="Times New Roman" panose="02020603050405020304" pitchFamily="18" charset="0"/>
+              </a:rPr>
+              <a:t>triggerPin</a:t>
+            </a:r>
+            <a:r>
+              <a:rPr lang="pt-BR" sz="1600" dirty="0">
+                <a:latin typeface="Times New Roman" panose="02020603050405020304" pitchFamily="18" charset="0"/>
+                <a:cs typeface="Times New Roman" panose="02020603050405020304" pitchFamily="18" charset="0"/>
+              </a:rPr>
+              <a:t>, LOW);</a:t>
+            </a:r>
+          </a:p>
+          <a:p>
+            <a:pPr marL="0" indent="0" algn="just">
+              <a:buNone/>
+            </a:pPr>
+            <a:r>
+              <a:rPr lang="pt-BR" sz="1600" dirty="0">
+                <a:latin typeface="Times New Roman" panose="02020603050405020304" pitchFamily="18" charset="0"/>
+                <a:cs typeface="Times New Roman" panose="02020603050405020304" pitchFamily="18" charset="0"/>
+              </a:rPr>
+              <a:t>  </a:t>
+            </a:r>
+            <a:r>
+              <a:rPr lang="pt-BR" sz="1600" dirty="0" err="1">
+                <a:latin typeface="Times New Roman" panose="02020603050405020304" pitchFamily="18" charset="0"/>
+                <a:cs typeface="Times New Roman" panose="02020603050405020304" pitchFamily="18" charset="0"/>
+              </a:rPr>
+              <a:t>delayMicroseconds</a:t>
+            </a:r>
+            <a:r>
+              <a:rPr lang="pt-BR" sz="1600" dirty="0">
+                <a:latin typeface="Times New Roman" panose="02020603050405020304" pitchFamily="18" charset="0"/>
+                <a:cs typeface="Times New Roman" panose="02020603050405020304" pitchFamily="18" charset="0"/>
+              </a:rPr>
+              <a:t>(2);</a:t>
+            </a:r>
+          </a:p>
+          <a:p>
+            <a:pPr marL="0" indent="0" algn="just">
+              <a:buNone/>
+            </a:pPr>
+            <a:r>
+              <a:rPr lang="pt-BR" sz="1600" dirty="0">
+                <a:latin typeface="Times New Roman" panose="02020603050405020304" pitchFamily="18" charset="0"/>
+                <a:cs typeface="Times New Roman" panose="02020603050405020304" pitchFamily="18" charset="0"/>
+              </a:rPr>
+              <a:t>  // Sets </a:t>
+            </a:r>
+            <a:r>
+              <a:rPr lang="pt-BR" sz="1600" dirty="0" err="1">
+                <a:latin typeface="Times New Roman" panose="02020603050405020304" pitchFamily="18" charset="0"/>
+                <a:cs typeface="Times New Roman" panose="02020603050405020304" pitchFamily="18" charset="0"/>
+              </a:rPr>
+              <a:t>the</a:t>
+            </a:r>
+            <a:r>
+              <a:rPr lang="pt-BR" sz="1600" dirty="0">
+                <a:latin typeface="Times New Roman" panose="02020603050405020304" pitchFamily="18" charset="0"/>
+                <a:cs typeface="Times New Roman" panose="02020603050405020304" pitchFamily="18" charset="0"/>
+              </a:rPr>
+              <a:t> trigger pin </a:t>
+            </a:r>
+            <a:r>
+              <a:rPr lang="pt-BR" sz="1600" dirty="0" err="1">
+                <a:latin typeface="Times New Roman" panose="02020603050405020304" pitchFamily="18" charset="0"/>
+                <a:cs typeface="Times New Roman" panose="02020603050405020304" pitchFamily="18" charset="0"/>
+              </a:rPr>
+              <a:t>to</a:t>
+            </a:r>
+            <a:r>
+              <a:rPr lang="pt-BR" sz="1600" dirty="0">
+                <a:latin typeface="Times New Roman" panose="02020603050405020304" pitchFamily="18" charset="0"/>
+                <a:cs typeface="Times New Roman" panose="02020603050405020304" pitchFamily="18" charset="0"/>
+              </a:rPr>
+              <a:t> HIGH </a:t>
+            </a:r>
+            <a:r>
+              <a:rPr lang="pt-BR" sz="1600" dirty="0" err="1">
+                <a:latin typeface="Times New Roman" panose="02020603050405020304" pitchFamily="18" charset="0"/>
+                <a:cs typeface="Times New Roman" panose="02020603050405020304" pitchFamily="18" charset="0"/>
+              </a:rPr>
+              <a:t>state</a:t>
+            </a:r>
+            <a:r>
+              <a:rPr lang="pt-BR" sz="1600" dirty="0">
+                <a:latin typeface="Times New Roman" panose="02020603050405020304" pitchFamily="18" charset="0"/>
+                <a:cs typeface="Times New Roman" panose="02020603050405020304" pitchFamily="18" charset="0"/>
+              </a:rPr>
+              <a:t> for 10 </a:t>
+            </a:r>
+            <a:r>
+              <a:rPr lang="pt-BR" sz="1600" dirty="0" err="1">
+                <a:latin typeface="Times New Roman" panose="02020603050405020304" pitchFamily="18" charset="0"/>
+                <a:cs typeface="Times New Roman" panose="02020603050405020304" pitchFamily="18" charset="0"/>
+              </a:rPr>
+              <a:t>microseconds</a:t>
+            </a:r>
+            <a:endParaRPr lang="pt-BR" sz="1600" dirty="0">
+              <a:latin typeface="Times New Roman" panose="02020603050405020304" pitchFamily="18" charset="0"/>
+              <a:cs typeface="Times New Roman" panose="02020603050405020304" pitchFamily="18" charset="0"/>
+            </a:endParaRPr>
+          </a:p>
+          <a:p>
+            <a:pPr marL="0" indent="0" algn="just">
+              <a:buNone/>
+            </a:pPr>
+            <a:r>
+              <a:rPr lang="pt-BR" sz="1600" dirty="0">
+                <a:latin typeface="Times New Roman" panose="02020603050405020304" pitchFamily="18" charset="0"/>
+                <a:cs typeface="Times New Roman" panose="02020603050405020304" pitchFamily="18" charset="0"/>
+              </a:rPr>
+              <a:t>  </a:t>
+            </a:r>
+            <a:r>
+              <a:rPr lang="pt-BR" sz="1600" dirty="0" err="1">
+                <a:latin typeface="Times New Roman" panose="02020603050405020304" pitchFamily="18" charset="0"/>
+                <a:cs typeface="Times New Roman" panose="02020603050405020304" pitchFamily="18" charset="0"/>
+              </a:rPr>
+              <a:t>digitalWrite</a:t>
+            </a:r>
+            <a:r>
+              <a:rPr lang="pt-BR" sz="1600" dirty="0">
+                <a:latin typeface="Times New Roman" panose="02020603050405020304" pitchFamily="18" charset="0"/>
+                <a:cs typeface="Times New Roman" panose="02020603050405020304" pitchFamily="18" charset="0"/>
+              </a:rPr>
+              <a:t>(</a:t>
+            </a:r>
+            <a:r>
+              <a:rPr lang="pt-BR" sz="1600" dirty="0" err="1">
+                <a:latin typeface="Times New Roman" panose="02020603050405020304" pitchFamily="18" charset="0"/>
+                <a:cs typeface="Times New Roman" panose="02020603050405020304" pitchFamily="18" charset="0"/>
+              </a:rPr>
+              <a:t>triggerPin</a:t>
+            </a:r>
+            <a:r>
+              <a:rPr lang="pt-BR" sz="1600" dirty="0">
+                <a:latin typeface="Times New Roman" panose="02020603050405020304" pitchFamily="18" charset="0"/>
+                <a:cs typeface="Times New Roman" panose="02020603050405020304" pitchFamily="18" charset="0"/>
+              </a:rPr>
+              <a:t>, HIGH);</a:t>
+            </a:r>
+          </a:p>
+          <a:p>
+            <a:pPr marL="0" indent="0" algn="just">
+              <a:buNone/>
+            </a:pPr>
+            <a:r>
+              <a:rPr lang="pt-BR" sz="1600" dirty="0">
+                <a:latin typeface="Times New Roman" panose="02020603050405020304" pitchFamily="18" charset="0"/>
+                <a:cs typeface="Times New Roman" panose="02020603050405020304" pitchFamily="18" charset="0"/>
+              </a:rPr>
+              <a:t>  </a:t>
+            </a:r>
+            <a:r>
+              <a:rPr lang="pt-BR" sz="1600" dirty="0" err="1">
+                <a:latin typeface="Times New Roman" panose="02020603050405020304" pitchFamily="18" charset="0"/>
+                <a:cs typeface="Times New Roman" panose="02020603050405020304" pitchFamily="18" charset="0"/>
+              </a:rPr>
+              <a:t>delayMicroseconds</a:t>
+            </a:r>
+            <a:r>
+              <a:rPr lang="pt-BR" sz="1600" dirty="0">
+                <a:latin typeface="Times New Roman" panose="02020603050405020304" pitchFamily="18" charset="0"/>
+                <a:cs typeface="Times New Roman" panose="02020603050405020304" pitchFamily="18" charset="0"/>
+              </a:rPr>
+              <a:t>(10);</a:t>
+            </a:r>
+          </a:p>
+          <a:p>
+            <a:pPr marL="0" indent="0" algn="just">
+              <a:buNone/>
+            </a:pPr>
+            <a:r>
+              <a:rPr lang="pt-BR" sz="1600" dirty="0">
+                <a:latin typeface="Times New Roman" panose="02020603050405020304" pitchFamily="18" charset="0"/>
+                <a:cs typeface="Times New Roman" panose="02020603050405020304" pitchFamily="18" charset="0"/>
+              </a:rPr>
+              <a:t>  </a:t>
+            </a:r>
+            <a:r>
+              <a:rPr lang="pt-BR" sz="1600" dirty="0" err="1">
+                <a:latin typeface="Times New Roman" panose="02020603050405020304" pitchFamily="18" charset="0"/>
+                <a:cs typeface="Times New Roman" panose="02020603050405020304" pitchFamily="18" charset="0"/>
+              </a:rPr>
+              <a:t>digitalWrite</a:t>
+            </a:r>
+            <a:r>
+              <a:rPr lang="pt-BR" sz="1600" dirty="0">
+                <a:latin typeface="Times New Roman" panose="02020603050405020304" pitchFamily="18" charset="0"/>
+                <a:cs typeface="Times New Roman" panose="02020603050405020304" pitchFamily="18" charset="0"/>
+              </a:rPr>
+              <a:t>(</a:t>
+            </a:r>
+            <a:r>
+              <a:rPr lang="pt-BR" sz="1600" dirty="0" err="1">
+                <a:latin typeface="Times New Roman" panose="02020603050405020304" pitchFamily="18" charset="0"/>
+                <a:cs typeface="Times New Roman" panose="02020603050405020304" pitchFamily="18" charset="0"/>
+              </a:rPr>
+              <a:t>triggerPin</a:t>
+            </a:r>
+            <a:r>
+              <a:rPr lang="pt-BR" sz="1600" dirty="0">
+                <a:latin typeface="Times New Roman" panose="02020603050405020304" pitchFamily="18" charset="0"/>
+                <a:cs typeface="Times New Roman" panose="02020603050405020304" pitchFamily="18" charset="0"/>
+              </a:rPr>
+              <a:t>, LOW);</a:t>
+            </a:r>
+          </a:p>
+          <a:p>
+            <a:pPr marL="0" indent="0" algn="just">
+              <a:buNone/>
+            </a:pPr>
+            <a:r>
+              <a:rPr lang="pt-BR" sz="1600" dirty="0">
+                <a:latin typeface="Times New Roman" panose="02020603050405020304" pitchFamily="18" charset="0"/>
+                <a:cs typeface="Times New Roman" panose="02020603050405020304" pitchFamily="18" charset="0"/>
+              </a:rPr>
+              <a:t>  </a:t>
+            </a:r>
+            <a:r>
+              <a:rPr lang="pt-BR" sz="1600" dirty="0" err="1">
+                <a:latin typeface="Times New Roman" panose="02020603050405020304" pitchFamily="18" charset="0"/>
+                <a:cs typeface="Times New Roman" panose="02020603050405020304" pitchFamily="18" charset="0"/>
+              </a:rPr>
+              <a:t>pinMode</a:t>
+            </a:r>
+            <a:r>
+              <a:rPr lang="pt-BR" sz="1600" dirty="0">
+                <a:latin typeface="Times New Roman" panose="02020603050405020304" pitchFamily="18" charset="0"/>
+                <a:cs typeface="Times New Roman" panose="02020603050405020304" pitchFamily="18" charset="0"/>
+              </a:rPr>
+              <a:t>(</a:t>
+            </a:r>
+            <a:r>
+              <a:rPr lang="pt-BR" sz="1600" dirty="0" err="1">
+                <a:latin typeface="Times New Roman" panose="02020603050405020304" pitchFamily="18" charset="0"/>
+                <a:cs typeface="Times New Roman" panose="02020603050405020304" pitchFamily="18" charset="0"/>
+              </a:rPr>
+              <a:t>echoPin</a:t>
+            </a:r>
+            <a:r>
+              <a:rPr lang="pt-BR" sz="1600" dirty="0">
+                <a:latin typeface="Times New Roman" panose="02020603050405020304" pitchFamily="18" charset="0"/>
+                <a:cs typeface="Times New Roman" panose="02020603050405020304" pitchFamily="18" charset="0"/>
+              </a:rPr>
+              <a:t>, INPUT);</a:t>
+            </a:r>
+          </a:p>
+          <a:p>
+            <a:pPr marL="0" indent="0" algn="just">
+              <a:buNone/>
+            </a:pPr>
+            <a:r>
+              <a:rPr lang="pt-BR" sz="1600" dirty="0">
+                <a:latin typeface="Times New Roman" panose="02020603050405020304" pitchFamily="18" charset="0"/>
+                <a:cs typeface="Times New Roman" panose="02020603050405020304" pitchFamily="18" charset="0"/>
+              </a:rPr>
+              <a:t>  // </a:t>
+            </a:r>
+            <a:r>
+              <a:rPr lang="pt-BR" sz="1600" dirty="0" err="1">
+                <a:latin typeface="Times New Roman" panose="02020603050405020304" pitchFamily="18" charset="0"/>
+                <a:cs typeface="Times New Roman" panose="02020603050405020304" pitchFamily="18" charset="0"/>
+              </a:rPr>
+              <a:t>Reads</a:t>
+            </a:r>
+            <a:r>
+              <a:rPr lang="pt-BR" sz="1600" dirty="0">
+                <a:latin typeface="Times New Roman" panose="02020603050405020304" pitchFamily="18" charset="0"/>
+                <a:cs typeface="Times New Roman" panose="02020603050405020304" pitchFamily="18" charset="0"/>
+              </a:rPr>
+              <a:t> </a:t>
+            </a:r>
+            <a:r>
+              <a:rPr lang="pt-BR" sz="1600" dirty="0" err="1">
+                <a:latin typeface="Times New Roman" panose="02020603050405020304" pitchFamily="18" charset="0"/>
+                <a:cs typeface="Times New Roman" panose="02020603050405020304" pitchFamily="18" charset="0"/>
+              </a:rPr>
+              <a:t>the</a:t>
+            </a:r>
+            <a:r>
+              <a:rPr lang="pt-BR" sz="1600" dirty="0">
+                <a:latin typeface="Times New Roman" panose="02020603050405020304" pitchFamily="18" charset="0"/>
+                <a:cs typeface="Times New Roman" panose="02020603050405020304" pitchFamily="18" charset="0"/>
+              </a:rPr>
+              <a:t> </a:t>
+            </a:r>
+            <a:r>
+              <a:rPr lang="pt-BR" sz="1600" dirty="0" err="1">
+                <a:latin typeface="Times New Roman" panose="02020603050405020304" pitchFamily="18" charset="0"/>
+                <a:cs typeface="Times New Roman" panose="02020603050405020304" pitchFamily="18" charset="0"/>
+              </a:rPr>
+              <a:t>echo</a:t>
+            </a:r>
+            <a:r>
+              <a:rPr lang="pt-BR" sz="1600" dirty="0">
+                <a:latin typeface="Times New Roman" panose="02020603050405020304" pitchFamily="18" charset="0"/>
+                <a:cs typeface="Times New Roman" panose="02020603050405020304" pitchFamily="18" charset="0"/>
+              </a:rPr>
+              <a:t> pin, </a:t>
+            </a:r>
+            <a:r>
+              <a:rPr lang="pt-BR" sz="1600" dirty="0" err="1">
+                <a:latin typeface="Times New Roman" panose="02020603050405020304" pitchFamily="18" charset="0"/>
+                <a:cs typeface="Times New Roman" panose="02020603050405020304" pitchFamily="18" charset="0"/>
+              </a:rPr>
+              <a:t>and</a:t>
+            </a:r>
+            <a:r>
+              <a:rPr lang="pt-BR" sz="1600" dirty="0">
+                <a:latin typeface="Times New Roman" panose="02020603050405020304" pitchFamily="18" charset="0"/>
+                <a:cs typeface="Times New Roman" panose="02020603050405020304" pitchFamily="18" charset="0"/>
+              </a:rPr>
+              <a:t> </a:t>
+            </a:r>
+            <a:r>
+              <a:rPr lang="pt-BR" sz="1600" dirty="0" err="1">
+                <a:latin typeface="Times New Roman" panose="02020603050405020304" pitchFamily="18" charset="0"/>
+                <a:cs typeface="Times New Roman" panose="02020603050405020304" pitchFamily="18" charset="0"/>
+              </a:rPr>
+              <a:t>returns</a:t>
+            </a:r>
+            <a:r>
+              <a:rPr lang="pt-BR" sz="1600" dirty="0">
+                <a:latin typeface="Times New Roman" panose="02020603050405020304" pitchFamily="18" charset="0"/>
+                <a:cs typeface="Times New Roman" panose="02020603050405020304" pitchFamily="18" charset="0"/>
+              </a:rPr>
+              <a:t> </a:t>
+            </a:r>
+            <a:r>
+              <a:rPr lang="pt-BR" sz="1600" dirty="0" err="1">
+                <a:latin typeface="Times New Roman" panose="02020603050405020304" pitchFamily="18" charset="0"/>
+                <a:cs typeface="Times New Roman" panose="02020603050405020304" pitchFamily="18" charset="0"/>
+              </a:rPr>
+              <a:t>the</a:t>
+            </a:r>
+            <a:r>
+              <a:rPr lang="pt-BR" sz="1600" dirty="0">
+                <a:latin typeface="Times New Roman" panose="02020603050405020304" pitchFamily="18" charset="0"/>
+                <a:cs typeface="Times New Roman" panose="02020603050405020304" pitchFamily="18" charset="0"/>
+              </a:rPr>
+              <a:t> </a:t>
+            </a:r>
+            <a:r>
+              <a:rPr lang="pt-BR" sz="1600" dirty="0" err="1">
+                <a:latin typeface="Times New Roman" panose="02020603050405020304" pitchFamily="18" charset="0"/>
+                <a:cs typeface="Times New Roman" panose="02020603050405020304" pitchFamily="18" charset="0"/>
+              </a:rPr>
+              <a:t>sound</a:t>
+            </a:r>
+            <a:r>
+              <a:rPr lang="pt-BR" sz="1600" dirty="0">
+                <a:latin typeface="Times New Roman" panose="02020603050405020304" pitchFamily="18" charset="0"/>
+                <a:cs typeface="Times New Roman" panose="02020603050405020304" pitchFamily="18" charset="0"/>
+              </a:rPr>
+              <a:t> </a:t>
+            </a:r>
+            <a:r>
+              <a:rPr lang="pt-BR" sz="1600" dirty="0" err="1">
+                <a:latin typeface="Times New Roman" panose="02020603050405020304" pitchFamily="18" charset="0"/>
+                <a:cs typeface="Times New Roman" panose="02020603050405020304" pitchFamily="18" charset="0"/>
+              </a:rPr>
+              <a:t>wave</a:t>
+            </a:r>
+            <a:r>
+              <a:rPr lang="pt-BR" sz="1600" dirty="0">
+                <a:latin typeface="Times New Roman" panose="02020603050405020304" pitchFamily="18" charset="0"/>
+                <a:cs typeface="Times New Roman" panose="02020603050405020304" pitchFamily="18" charset="0"/>
+              </a:rPr>
+              <a:t> </a:t>
+            </a:r>
+            <a:r>
+              <a:rPr lang="pt-BR" sz="1600" dirty="0" err="1">
+                <a:latin typeface="Times New Roman" panose="02020603050405020304" pitchFamily="18" charset="0"/>
+                <a:cs typeface="Times New Roman" panose="02020603050405020304" pitchFamily="18" charset="0"/>
+              </a:rPr>
+              <a:t>travel</a:t>
+            </a:r>
+            <a:r>
+              <a:rPr lang="pt-BR" sz="1600" dirty="0">
+                <a:latin typeface="Times New Roman" panose="02020603050405020304" pitchFamily="18" charset="0"/>
+                <a:cs typeface="Times New Roman" panose="02020603050405020304" pitchFamily="18" charset="0"/>
+              </a:rPr>
+              <a:t> time in </a:t>
+            </a:r>
+            <a:r>
+              <a:rPr lang="pt-BR" sz="1600" dirty="0" err="1">
+                <a:latin typeface="Times New Roman" panose="02020603050405020304" pitchFamily="18" charset="0"/>
+                <a:cs typeface="Times New Roman" panose="02020603050405020304" pitchFamily="18" charset="0"/>
+              </a:rPr>
+              <a:t>microseconds</a:t>
+            </a:r>
+            <a:endParaRPr lang="pt-BR" sz="1600" dirty="0">
+              <a:latin typeface="Times New Roman" panose="02020603050405020304" pitchFamily="18" charset="0"/>
+              <a:cs typeface="Times New Roman" panose="02020603050405020304" pitchFamily="18" charset="0"/>
+            </a:endParaRPr>
+          </a:p>
+          <a:p>
+            <a:pPr marL="0" indent="0" algn="just">
+              <a:buNone/>
+            </a:pPr>
+            <a:r>
+              <a:rPr lang="pt-BR" sz="1600" dirty="0">
+                <a:latin typeface="Times New Roman" panose="02020603050405020304" pitchFamily="18" charset="0"/>
+                <a:cs typeface="Times New Roman" panose="02020603050405020304" pitchFamily="18" charset="0"/>
+              </a:rPr>
+              <a:t>  </a:t>
+            </a:r>
+            <a:r>
+              <a:rPr lang="pt-BR" sz="1600" dirty="0" err="1">
+                <a:latin typeface="Times New Roman" panose="02020603050405020304" pitchFamily="18" charset="0"/>
+                <a:cs typeface="Times New Roman" panose="02020603050405020304" pitchFamily="18" charset="0"/>
+              </a:rPr>
+              <a:t>return</a:t>
+            </a:r>
+            <a:r>
+              <a:rPr lang="pt-BR" sz="1600" dirty="0">
+                <a:latin typeface="Times New Roman" panose="02020603050405020304" pitchFamily="18" charset="0"/>
+                <a:cs typeface="Times New Roman" panose="02020603050405020304" pitchFamily="18" charset="0"/>
+              </a:rPr>
+              <a:t> </a:t>
+            </a:r>
+            <a:r>
+              <a:rPr lang="pt-BR" sz="1600" dirty="0" err="1">
+                <a:latin typeface="Times New Roman" panose="02020603050405020304" pitchFamily="18" charset="0"/>
+                <a:cs typeface="Times New Roman" panose="02020603050405020304" pitchFamily="18" charset="0"/>
+              </a:rPr>
+              <a:t>pulseIn</a:t>
+            </a:r>
+            <a:r>
+              <a:rPr lang="pt-BR" sz="1600" dirty="0">
+                <a:latin typeface="Times New Roman" panose="02020603050405020304" pitchFamily="18" charset="0"/>
+                <a:cs typeface="Times New Roman" panose="02020603050405020304" pitchFamily="18" charset="0"/>
+              </a:rPr>
+              <a:t>(</a:t>
+            </a:r>
+            <a:r>
+              <a:rPr lang="pt-BR" sz="1600" dirty="0" err="1">
+                <a:latin typeface="Times New Roman" panose="02020603050405020304" pitchFamily="18" charset="0"/>
+                <a:cs typeface="Times New Roman" panose="02020603050405020304" pitchFamily="18" charset="0"/>
+              </a:rPr>
+              <a:t>echoPin</a:t>
+            </a:r>
+            <a:r>
+              <a:rPr lang="pt-BR" sz="1600" dirty="0">
+                <a:latin typeface="Times New Roman" panose="02020603050405020304" pitchFamily="18" charset="0"/>
+                <a:cs typeface="Times New Roman" panose="02020603050405020304" pitchFamily="18" charset="0"/>
+              </a:rPr>
+              <a:t>, HIGH);</a:t>
+            </a:r>
+          </a:p>
+          <a:p>
+            <a:pPr marL="0" indent="0" algn="just">
+              <a:buNone/>
+            </a:pPr>
+            <a:r>
+              <a:rPr lang="pt-BR" sz="1600" dirty="0">
+                <a:latin typeface="Times New Roman" panose="02020603050405020304" pitchFamily="18" charset="0"/>
+                <a:cs typeface="Times New Roman" panose="02020603050405020304" pitchFamily="18" charset="0"/>
+              </a:rPr>
+              <a:t>}</a:t>
+            </a:r>
+          </a:p>
+        </p:txBody>
+      </p:sp>
+    </p:spTree>
+    <p:extLst>
+      <p:ext uri="{BB962C8B-B14F-4D97-AF65-F5344CB8AC3E}">
+        <p14:creationId xmlns:p14="http://schemas.microsoft.com/office/powerpoint/2010/main" val="3102781340"/>
+      </p:ext>
+    </p:extLst>
+  </p:cSld>
+  <p:clrMapOvr>
+    <a:masterClrMapping/>
+  </p:clrMapOvr>
+  <p:transition spd="med"/>
+</p:sld>
+</file>
+
+<file path=ppt/slides/slide44.xml><?xml version="1.0" encoding="utf-8"?>
 <p:sld xmlns:a="http://schemas.openxmlformats.org/drawingml/2006/main" xmlns:r="http://schemas.openxmlformats.org/officeDocument/2006/relationships" xmlns:p="http://schemas.openxmlformats.org/presentationml/2006/main">
   <p:cSld>
     <p:spTree>
@@ -19173,14 +20503,14 @@
               <a:buAutoNum type="arabicPeriod"/>
             </a:pPr>
             <a:r>
-              <a:rPr lang="pt-BR" sz="2000" dirty="0" err="1">
+              <a:rPr lang="pt-BR" sz="2000" b="1" dirty="0" err="1">
                 <a:latin typeface="Times New Roman" panose="02020603050405020304" pitchFamily="18" charset="0"/>
                 <a:cs typeface="Times New Roman" panose="02020603050405020304" pitchFamily="18" charset="0"/>
               </a:rPr>
               <a:t>Fotorresistor</a:t>
             </a:r>
             <a:r>
-              <a:rPr lang="pt-BR" sz="2000" dirty="0">
+              <a:rPr lang="pt-BR" sz="2000" b="1" dirty="0">
                 <a:latin typeface="Times New Roman" panose="02020603050405020304" pitchFamily="18" charset="0"/>
                 <a:cs typeface="Times New Roman" panose="02020603050405020304" pitchFamily="18" charset="0"/>
               </a:rPr>
@@ -19293,7 +20623,7 @@
 </p:sld>
 </file>
 
-<file path=ppt/slides/slide43.xml><?xml version="1.0" encoding="utf-8"?>
+<file path=ppt/slides/slide45.xml><?xml version="1.0" encoding="utf-8"?>
 <p:sld xmlns:a="http://schemas.openxmlformats.org/drawingml/2006/main" xmlns:r="http://schemas.openxmlformats.org/officeDocument/2006/relationships" xmlns:p="http://schemas.openxmlformats.org/presentationml/2006/main">
   <p:cSld>
     <p:spTree>
@@ -19647,7 +20977,7 @@
 </p:sld>
 </file>
 
-<file path=ppt/slides/slide44.xml><?xml version="1.0" encoding="utf-8"?>
+<file path=ppt/slides/slide46.xml><?xml version="1.0" encoding="utf-8"?>
 <p:sld xmlns:a="http://schemas.openxmlformats.org/drawingml/2006/main" xmlns:r="http://schemas.openxmlformats.org/officeDocument/2006/relationships" xmlns:p="http://schemas.openxmlformats.org/presentationml/2006/main">
   <p:cSld>
     <p:spTree>
@@ -24320,6 +25650,17 @@
 </file>
 
 <file path=customXml/item1.xml><?xml version="1.0" encoding="utf-8"?>
+<p:properties xmlns:p="http://schemas.microsoft.com/office/2006/metadata/properties" xmlns:xsi="http://www.w3.org/2001/XMLSchema-instance" xmlns:pc="http://schemas.microsoft.com/office/infopath/2007/PartnerControls">
+  <documentManagement>
+    <lcf76f155ced4ddcb4097134ff3c332f xmlns="98e1e31b-e8bc-4a9d-b016-a7aee7f17869">
+      <Terms xmlns="http://schemas.microsoft.com/office/infopath/2007/PartnerControls"/>
+    </lcf76f155ced4ddcb4097134ff3c332f>
+    <TaxCatchAll xmlns="f8145f89-92d2-4d37-8709-42472031a4ea" xsi:nil="true"/>
+  </documentManagement>
+</p:properties>
+</file>
+
+<file path=customXml/item2.xml><?xml version="1.0" encoding="utf-8"?>
 <?mso-contentType ?>
 <FormTemplates xmlns="http://schemas.microsoft.com/sharepoint/v3/contenttype/forms">
   <Display>DocumentLibraryForm</Display>
@@ -24328,7 +25669,7 @@
 </FormTemplates>
 </file>
 
-<file path=customXml/item2.xml><?xml version="1.0" encoding="utf-8"?>
+<file path=customXml/item3.xml><?xml version="1.0" encoding="utf-8"?>
 <ct:contentTypeSchema xmlns:ct="http://schemas.microsoft.com/office/2006/metadata/contentType" xmlns:ma="http://schemas.microsoft.com/office/2006/metadata/properties/metaAttributes" ct:_="" ma:_="" ma:contentTypeName="Documento" ma:contentTypeID="0x010100A46819EDA44A43419A206A64A233AFA3" ma:contentTypeVersion="8" ma:contentTypeDescription="Crie um novo documento." ma:contentTypeScope="" ma:versionID="f7c45d3b59371912a69d3a72ba41e684">
   <xsd:schema xmlns:xsd="http://www.w3.org/2001/XMLSchema" xmlns:xs="http://www.w3.org/2001/XMLSchema" xmlns:p="http://schemas.microsoft.com/office/2006/metadata/properties" xmlns:ns2="98e1e31b-e8bc-4a9d-b016-a7aee7f17869" xmlns:ns3="f8145f89-92d2-4d37-8709-42472031a4ea" targetNamespace="http://schemas.microsoft.com/office/2006/metadata/properties" ma:root="true" ma:fieldsID="3b09216253706be607b6d048608cd832" ns2:_="" ns3:_="">
     <xsd:import namespace="98e1e31b-e8bc-4a9d-b016-a7aee7f17869"/>
@@ -24505,18 +25846,18 @@
 </ct:contentTypeSchema>
 </file>
 
-<file path=customXml/item3.xml><?xml version="1.0" encoding="utf-8"?>
-<p:properties xmlns:p="http://schemas.microsoft.com/office/2006/metadata/properties" xmlns:xsi="http://www.w3.org/2001/XMLSchema-instance" xmlns:pc="http://schemas.microsoft.com/office/infopath/2007/PartnerControls">
-  <documentManagement>
-    <lcf76f155ced4ddcb4097134ff3c332f xmlns="98e1e31b-e8bc-4a9d-b016-a7aee7f17869">
-      <Terms xmlns="http://schemas.microsoft.com/office/infopath/2007/PartnerControls"/>
-    </lcf76f155ced4ddcb4097134ff3c332f>
-    <TaxCatchAll xmlns="f8145f89-92d2-4d37-8709-42472031a4ea" xsi:nil="true"/>
-  </documentManagement>
-</p:properties>
+<file path=customXml/itemProps1.xml><?xml version="1.0" encoding="utf-8"?>
+<ds:datastoreItem xmlns:ds="http://schemas.openxmlformats.org/officeDocument/2006/customXml" ds:itemID="{EE685939-BA00-463B-B483-6768DB1E360A}">
+  <ds:schemaRefs>
+    <ds:schemaRef ds:uri="http://schemas.microsoft.com/office/2006/metadata/properties"/>
+    <ds:schemaRef ds:uri="http://schemas.microsoft.com/office/infopath/2007/PartnerControls"/>
+    <ds:schemaRef ds:uri="98e1e31b-e8bc-4a9d-b016-a7aee7f17869"/>
+    <ds:schemaRef ds:uri="f8145f89-92d2-4d37-8709-42472031a4ea"/>
+  </ds:schemaRefs>
+</ds:datastoreItem>
 </file>
 
-<file path=customXml/itemProps1.xml><?xml version="1.0" encoding="utf-8"?>
+<file path=customXml/itemProps2.xml><?xml version="1.0" encoding="utf-8"?>
 <ds:datastoreItem xmlns:ds="http://schemas.openxmlformats.org/officeDocument/2006/customXml" ds:itemID="{5F0CEC26-894B-4934-8E23-82943FCD068E}">
   <ds:schemaRefs>
     <ds:schemaRef ds:uri="http://schemas.microsoft.com/sharepoint/v3/contenttype/forms"/>
@@ -24524,7 +25865,7 @@
 </ds:datastoreItem>
 </file>
 
-<file path=customXml/itemProps2.xml><?xml version="1.0" encoding="utf-8"?>
+<file path=customXml/itemProps3.xml><?xml version="1.0" encoding="utf-8"?>
 <ds:datastoreItem xmlns:ds="http://schemas.openxmlformats.org/officeDocument/2006/customXml" ds:itemID="{E4C5C26F-B92B-49ED-9DB4-C5422A960E48}">
   <ds:schemaRefs>
     <ds:schemaRef ds:uri="http://schemas.microsoft.com/office/2006/metadata/contentType"/>
@@ -24541,15 +25882,4 @@
     <ds:schemaRef ds:uri="http://schemas.microsoft.com/internal/obd"/>
   </ds:schemaRefs>
 </ds:datastoreItem>
-</file>
-
-<file path=customXml/itemProps3.xml><?xml version="1.0" encoding="utf-8"?>
-<ds:datastoreItem xmlns:ds="http://schemas.openxmlformats.org/officeDocument/2006/customXml" ds:itemID="{EE685939-BA00-463B-B483-6768DB1E360A}">
-  <ds:schemaRefs>
-    <ds:schemaRef ds:uri="http://schemas.microsoft.com/office/2006/metadata/properties"/>
-    <ds:schemaRef ds:uri="http://schemas.microsoft.com/office/infopath/2007/PartnerControls"/>
-    <ds:schemaRef ds:uri="98e1e31b-e8bc-4a9d-b016-a7aee7f17869"/>
-    <ds:schemaRef ds:uri="f8145f89-92d2-4d37-8709-42472031a4ea"/>
-  </ds:schemaRefs>
-</ds:datastoreItem>
 </file>